--- a/RegressionMiniProject/현업 데이터를 활용 회귀 미니 프로젝트_김준태.pptx
+++ b/RegressionMiniProject/현업 데이터를 활용 회귀 미니 프로젝트_김준태.pptx
@@ -108,6 +108,11 @@
       </a:defRPr>
     </a:lvl9pPr>
   </p:defaultTextStyle>
+  <p:extLst>
+    <p:ext uri="{EFAFB233-063F-42B5-8137-9DF3F51BA10A}">
+      <p15:sldGuideLst xmlns:p15="http://schemas.microsoft.com/office/powerpoint/2012/main"/>
+    </p:ext>
+  </p:extLst>
 </p:presentation>
 </file>
 
@@ -6426,7 +6431,7 @@
           <a:p>
             <a:r>
               <a:rPr lang="ko-KR" altLang="en-US" dirty="0"/>
-              <a:t>품목 코드 </a:t>
+              <a:t>품목코드 </a:t>
             </a:r>
             <a:r>
               <a:rPr lang="en-US" altLang="ko-KR" dirty="0"/>
@@ -6470,6 +6475,32 @@
             <a:r>
               <a:rPr lang="ko-KR" altLang="en-US" dirty="0"/>
               <a:t>종료예상일시</a:t>
+            </a:r>
+            <a:endParaRPr lang="en-US" altLang="ko-KR" dirty="0"/>
+          </a:p>
+          <a:p>
+            <a:r>
+              <a:rPr lang="ko-KR" altLang="en-US" dirty="0"/>
+              <a:t>학습에 영향을 주지 않을 것으로 예상하는 컬럼 </a:t>
+            </a:r>
+            <a:r>
+              <a:rPr lang="en-US" altLang="ko-KR" dirty="0"/>
+              <a:t>:</a:t>
+            </a:r>
+            <a:br>
+              <a:rPr lang="en-US" altLang="ko-KR" dirty="0"/>
+            </a:br>
+            <a:r>
+              <a:rPr lang="ko-KR" altLang="en-US" dirty="0"/>
+              <a:t>등록자</a:t>
+            </a:r>
+            <a:r>
+              <a:rPr lang="en-US" altLang="ko-KR" dirty="0"/>
+              <a:t>ID, </a:t>
+            </a:r>
+            <a:r>
+              <a:rPr lang="ko-KR" altLang="en-US" dirty="0"/>
+              <a:t>등록시간</a:t>
             </a:r>
           </a:p>
         </p:txBody>

--- a/RegressionMiniProject/현업 데이터를 활용 회귀 미니 프로젝트_김준태.pptx
+++ b/RegressionMiniProject/현업 데이터를 활용 회귀 미니 프로젝트_김준태.pptx
@@ -3316,6 +3316,14 @@
 <file path=ppt/slides/slide1.xml><?xml version="1.0" encoding="utf-8"?>
 <p:sld xmlns:a="http://schemas.openxmlformats.org/drawingml/2006/main" xmlns:r="http://schemas.openxmlformats.org/officeDocument/2006/relationships" xmlns:p="http://schemas.openxmlformats.org/presentationml/2006/main">
   <p:cSld>
+    <p:bg>
+      <p:bgPr>
+        <a:solidFill>
+          <a:schemeClr val="bg1"/>
+        </a:solidFill>
+        <a:effectLst/>
+      </p:bgPr>
+    </p:bg>
     <p:spTree>
       <p:nvGrpSpPr>
         <p:cNvPr id="1" name=""/>
@@ -3332,6 +3340,1360 @@
       </p:grpSpPr>
       <p:sp>
         <p:nvSpPr>
+          <p:cNvPr id="8" name="Rectangle 7">
+            <a:extLst>
+              <a:ext uri="{FF2B5EF4-FFF2-40B4-BE49-F238E27FC236}">
+                <a16:creationId xmlns:a16="http://schemas.microsoft.com/office/drawing/2014/main" id="{3A397E3E-B90C-4D82-BAAA-36F7AC6A4565}"/>
+              </a:ext>
+              <a:ext uri="{C183D7F6-B498-43B3-948B-1728B52AA6E4}">
+                <adec:decorative xmlns:adec="http://schemas.microsoft.com/office/drawing/2017/decorative" val="1"/>
+              </a:ext>
+            </a:extLst>
+          </p:cNvPr>
+          <p:cNvSpPr>
+            <a:spLocks noGrp="1" noRot="1" noChangeAspect="1" noMove="1" noResize="1" noEditPoints="1" noAdjustHandles="1" noChangeArrowheads="1" noChangeShapeType="1" noTextEdit="1"/>
+          </p:cNvSpPr>
+          <p:nvPr>
+            <p:extLst>
+              <p:ext uri="{386F3935-93C4-4BCD-93E2-E3B085C9AB24}">
+                <p16:designElem xmlns:p16="http://schemas.microsoft.com/office/powerpoint/2015/main" val="1"/>
+              </p:ext>
+            </p:extLst>
+          </p:nvPr>
+        </p:nvSpPr>
+        <p:spPr>
+          <a:xfrm>
+            <a:off x="0" y="0"/>
+            <a:ext cx="12192000" cy="6858000"/>
+          </a:xfrm>
+          <a:prstGeom prst="rect">
+            <a:avLst/>
+          </a:prstGeom>
+          <a:solidFill>
+            <a:schemeClr val="tx1"/>
+          </a:solidFill>
+          <a:ln>
+            <a:noFill/>
+          </a:ln>
+        </p:spPr>
+        <p:style>
+          <a:lnRef idx="2">
+            <a:schemeClr val="accent1">
+              <a:shade val="50000"/>
+            </a:schemeClr>
+          </a:lnRef>
+          <a:fillRef idx="1">
+            <a:schemeClr val="accent1"/>
+          </a:fillRef>
+          <a:effectRef idx="0">
+            <a:schemeClr val="accent1"/>
+          </a:effectRef>
+          <a:fontRef idx="minor">
+            <a:schemeClr val="lt1"/>
+          </a:fontRef>
+        </p:style>
+        <p:txBody>
+          <a:bodyPr rtlCol="0" anchor="ctr"/>
+          <a:lstStyle/>
+          <a:p>
+            <a:pPr algn="ctr"/>
+            <a:endParaRPr lang="en-US" dirty="0"/>
+          </a:p>
+        </p:txBody>
+      </p:sp>
+      <p:sp>
+        <p:nvSpPr>
+          <p:cNvPr id="10" name="Freeform: Shape 9">
+            <a:extLst>
+              <a:ext uri="{FF2B5EF4-FFF2-40B4-BE49-F238E27FC236}">
+                <a16:creationId xmlns:a16="http://schemas.microsoft.com/office/drawing/2014/main" id="{E16C8D8F-10E9-4498-ABDB-0F923F8B6837}"/>
+              </a:ext>
+              <a:ext uri="{C183D7F6-B498-43B3-948B-1728B52AA6E4}">
+                <adec:decorative xmlns:adec="http://schemas.microsoft.com/office/drawing/2017/decorative" val="1"/>
+              </a:ext>
+            </a:extLst>
+          </p:cNvPr>
+          <p:cNvSpPr>
+            <a:spLocks noGrp="1" noRot="1" noChangeAspect="1" noMove="1" noResize="1" noEditPoints="1" noAdjustHandles="1" noChangeArrowheads="1" noChangeShapeType="1" noTextEdit="1"/>
+          </p:cNvSpPr>
+          <p:nvPr>
+            <p:extLst>
+              <p:ext uri="{386F3935-93C4-4BCD-93E2-E3B085C9AB24}">
+                <p16:designElem xmlns:p16="http://schemas.microsoft.com/office/powerpoint/2015/main" val="1"/>
+              </p:ext>
+            </p:extLst>
+          </p:nvPr>
+        </p:nvSpPr>
+        <p:spPr>
+          <a:xfrm>
+            <a:off x="0" y="1124561"/>
+            <a:ext cx="1861854" cy="277779"/>
+          </a:xfrm>
+          <a:custGeom>
+            <a:avLst/>
+            <a:gdLst>
+              <a:gd name="connsiteX0" fmla="*/ 180458 w 1861854"/>
+              <a:gd name="connsiteY0" fmla="*/ 0 h 277779"/>
+              <a:gd name="connsiteX1" fmla="*/ 419222 w 1861854"/>
+              <a:gd name="connsiteY1" fmla="*/ 238761 h 277779"/>
+              <a:gd name="connsiteX2" fmla="*/ 657984 w 1861854"/>
+              <a:gd name="connsiteY2" fmla="*/ 0 h 277779"/>
+              <a:gd name="connsiteX3" fmla="*/ 896745 w 1861854"/>
+              <a:gd name="connsiteY3" fmla="*/ 238761 h 277779"/>
+              <a:gd name="connsiteX4" fmla="*/ 1135754 w 1861854"/>
+              <a:gd name="connsiteY4" fmla="*/ 0 h 277779"/>
+              <a:gd name="connsiteX5" fmla="*/ 1374516 w 1861854"/>
+              <a:gd name="connsiteY5" fmla="*/ 238761 h 277779"/>
+              <a:gd name="connsiteX6" fmla="*/ 1613277 w 1861854"/>
+              <a:gd name="connsiteY6" fmla="*/ 0 h 277779"/>
+              <a:gd name="connsiteX7" fmla="*/ 1861854 w 1861854"/>
+              <a:gd name="connsiteY7" fmla="*/ 248577 h 277779"/>
+              <a:gd name="connsiteX8" fmla="*/ 1842470 w 1861854"/>
+              <a:gd name="connsiteY8" fmla="*/ 267963 h 277779"/>
+              <a:gd name="connsiteX9" fmla="*/ 1613277 w 1861854"/>
+              <a:gd name="connsiteY9" fmla="*/ 39017 h 277779"/>
+              <a:gd name="connsiteX10" fmla="*/ 1374516 w 1861854"/>
+              <a:gd name="connsiteY10" fmla="*/ 277779 h 277779"/>
+              <a:gd name="connsiteX11" fmla="*/ 1135754 w 1861854"/>
+              <a:gd name="connsiteY11" fmla="*/ 39017 h 277779"/>
+              <a:gd name="connsiteX12" fmla="*/ 896745 w 1861854"/>
+              <a:gd name="connsiteY12" fmla="*/ 277779 h 277779"/>
+              <a:gd name="connsiteX13" fmla="*/ 657984 w 1861854"/>
+              <a:gd name="connsiteY13" fmla="*/ 39017 h 277779"/>
+              <a:gd name="connsiteX14" fmla="*/ 419222 w 1861854"/>
+              <a:gd name="connsiteY14" fmla="*/ 277779 h 277779"/>
+              <a:gd name="connsiteX15" fmla="*/ 180458 w 1861854"/>
+              <a:gd name="connsiteY15" fmla="*/ 39017 h 277779"/>
+              <a:gd name="connsiteX16" fmla="*/ 0 w 1861854"/>
+              <a:gd name="connsiteY16" fmla="*/ 219283 h 277779"/>
+              <a:gd name="connsiteX17" fmla="*/ 0 w 1861854"/>
+              <a:gd name="connsiteY17" fmla="*/ 180458 h 277779"/>
+            </a:gdLst>
+            <a:ahLst/>
+            <a:cxnLst>
+              <a:cxn ang="0">
+                <a:pos x="connsiteX0" y="connsiteY0"/>
+              </a:cxn>
+              <a:cxn ang="0">
+                <a:pos x="connsiteX1" y="connsiteY1"/>
+              </a:cxn>
+              <a:cxn ang="0">
+                <a:pos x="connsiteX2" y="connsiteY2"/>
+              </a:cxn>
+              <a:cxn ang="0">
+                <a:pos x="connsiteX3" y="connsiteY3"/>
+              </a:cxn>
+              <a:cxn ang="0">
+                <a:pos x="connsiteX4" y="connsiteY4"/>
+              </a:cxn>
+              <a:cxn ang="0">
+                <a:pos x="connsiteX5" y="connsiteY5"/>
+              </a:cxn>
+              <a:cxn ang="0">
+                <a:pos x="connsiteX6" y="connsiteY6"/>
+              </a:cxn>
+              <a:cxn ang="0">
+                <a:pos x="connsiteX7" y="connsiteY7"/>
+              </a:cxn>
+              <a:cxn ang="0">
+                <a:pos x="connsiteX8" y="connsiteY8"/>
+              </a:cxn>
+              <a:cxn ang="0">
+                <a:pos x="connsiteX9" y="connsiteY9"/>
+              </a:cxn>
+              <a:cxn ang="0">
+                <a:pos x="connsiteX10" y="connsiteY10"/>
+              </a:cxn>
+              <a:cxn ang="0">
+                <a:pos x="connsiteX11" y="connsiteY11"/>
+              </a:cxn>
+              <a:cxn ang="0">
+                <a:pos x="connsiteX12" y="connsiteY12"/>
+              </a:cxn>
+              <a:cxn ang="0">
+                <a:pos x="connsiteX13" y="connsiteY13"/>
+              </a:cxn>
+              <a:cxn ang="0">
+                <a:pos x="connsiteX14" y="connsiteY14"/>
+              </a:cxn>
+              <a:cxn ang="0">
+                <a:pos x="connsiteX15" y="connsiteY15"/>
+              </a:cxn>
+              <a:cxn ang="0">
+                <a:pos x="connsiteX16" y="connsiteY16"/>
+              </a:cxn>
+              <a:cxn ang="0">
+                <a:pos x="connsiteX17" y="connsiteY17"/>
+              </a:cxn>
+            </a:cxnLst>
+            <a:rect l="l" t="t" r="r" b="b"/>
+            <a:pathLst>
+              <a:path w="1861854" h="277779">
+                <a:moveTo>
+                  <a:pt x="180458" y="0"/>
+                </a:moveTo>
+                <a:lnTo>
+                  <a:pt x="419222" y="238761"/>
+                </a:lnTo>
+                <a:lnTo>
+                  <a:pt x="657984" y="0"/>
+                </a:lnTo>
+                <a:lnTo>
+                  <a:pt x="896745" y="238761"/>
+                </a:lnTo>
+                <a:lnTo>
+                  <a:pt x="1135754" y="0"/>
+                </a:lnTo>
+                <a:lnTo>
+                  <a:pt x="1374516" y="238761"/>
+                </a:lnTo>
+                <a:lnTo>
+                  <a:pt x="1613277" y="0"/>
+                </a:lnTo>
+                <a:lnTo>
+                  <a:pt x="1861854" y="248577"/>
+                </a:lnTo>
+                <a:lnTo>
+                  <a:pt x="1842470" y="267963"/>
+                </a:lnTo>
+                <a:lnTo>
+                  <a:pt x="1613277" y="39017"/>
+                </a:lnTo>
+                <a:lnTo>
+                  <a:pt x="1374516" y="277779"/>
+                </a:lnTo>
+                <a:lnTo>
+                  <a:pt x="1135754" y="39017"/>
+                </a:lnTo>
+                <a:lnTo>
+                  <a:pt x="896745" y="277779"/>
+                </a:lnTo>
+                <a:lnTo>
+                  <a:pt x="657984" y="39017"/>
+                </a:lnTo>
+                <a:lnTo>
+                  <a:pt x="419222" y="277779"/>
+                </a:lnTo>
+                <a:lnTo>
+                  <a:pt x="180458" y="39017"/>
+                </a:lnTo>
+                <a:lnTo>
+                  <a:pt x="0" y="219283"/>
+                </a:lnTo>
+                <a:lnTo>
+                  <a:pt x="0" y="180458"/>
+                </a:lnTo>
+                <a:close/>
+              </a:path>
+            </a:pathLst>
+          </a:custGeom>
+          <a:solidFill>
+            <a:schemeClr val="bg1"/>
+          </a:solidFill>
+          <a:ln w="9525" cap="flat">
+            <a:noFill/>
+            <a:prstDash val="solid"/>
+            <a:miter/>
+          </a:ln>
+        </p:spPr>
+        <p:txBody>
+          <a:bodyPr wrap="square" rtlCol="0" anchor="ctr">
+            <a:noAutofit/>
+          </a:bodyPr>
+          <a:lstStyle/>
+          <a:p>
+            <a:endParaRPr lang="en-US"/>
+          </a:p>
+        </p:txBody>
+      </p:sp>
+      <p:sp>
+        <p:nvSpPr>
+          <p:cNvPr id="12" name="Freeform: Shape 11">
+            <a:extLst>
+              <a:ext uri="{FF2B5EF4-FFF2-40B4-BE49-F238E27FC236}">
+                <a16:creationId xmlns:a16="http://schemas.microsoft.com/office/drawing/2014/main" id="{1E5A83E3-8A11-4492-BB6E-F5F2240316FB}"/>
+              </a:ext>
+              <a:ext uri="{C183D7F6-B498-43B3-948B-1728B52AA6E4}">
+                <adec:decorative xmlns:adec="http://schemas.microsoft.com/office/drawing/2017/decorative" val="1"/>
+              </a:ext>
+            </a:extLst>
+          </p:cNvPr>
+          <p:cNvSpPr>
+            <a:spLocks noGrp="1" noRot="1" noChangeAspect="1" noMove="1" noResize="1" noEditPoints="1" noAdjustHandles="1" noChangeArrowheads="1" noChangeShapeType="1" noTextEdit="1"/>
+          </p:cNvSpPr>
+          <p:nvPr>
+            <p:extLst>
+              <p:ext uri="{386F3935-93C4-4BCD-93E2-E3B085C9AB24}">
+                <p16:designElem xmlns:p16="http://schemas.microsoft.com/office/powerpoint/2015/main" val="1"/>
+              </p:ext>
+            </p:extLst>
+          </p:nvPr>
+        </p:nvSpPr>
+        <p:spPr>
+          <a:xfrm>
+            <a:off x="0" y="1564296"/>
+            <a:ext cx="1861854" cy="277779"/>
+          </a:xfrm>
+          <a:custGeom>
+            <a:avLst/>
+            <a:gdLst>
+              <a:gd name="connsiteX0" fmla="*/ 180458 w 1861854"/>
+              <a:gd name="connsiteY0" fmla="*/ 0 h 277779"/>
+              <a:gd name="connsiteX1" fmla="*/ 419222 w 1861854"/>
+              <a:gd name="connsiteY1" fmla="*/ 238761 h 277779"/>
+              <a:gd name="connsiteX2" fmla="*/ 657984 w 1861854"/>
+              <a:gd name="connsiteY2" fmla="*/ 0 h 277779"/>
+              <a:gd name="connsiteX3" fmla="*/ 896745 w 1861854"/>
+              <a:gd name="connsiteY3" fmla="*/ 238761 h 277779"/>
+              <a:gd name="connsiteX4" fmla="*/ 1135754 w 1861854"/>
+              <a:gd name="connsiteY4" fmla="*/ 0 h 277779"/>
+              <a:gd name="connsiteX5" fmla="*/ 1374516 w 1861854"/>
+              <a:gd name="connsiteY5" fmla="*/ 238761 h 277779"/>
+              <a:gd name="connsiteX6" fmla="*/ 1613277 w 1861854"/>
+              <a:gd name="connsiteY6" fmla="*/ 0 h 277779"/>
+              <a:gd name="connsiteX7" fmla="*/ 1861854 w 1861854"/>
+              <a:gd name="connsiteY7" fmla="*/ 248577 h 277779"/>
+              <a:gd name="connsiteX8" fmla="*/ 1842470 w 1861854"/>
+              <a:gd name="connsiteY8" fmla="*/ 268208 h 277779"/>
+              <a:gd name="connsiteX9" fmla="*/ 1613277 w 1861854"/>
+              <a:gd name="connsiteY9" fmla="*/ 39017 h 277779"/>
+              <a:gd name="connsiteX10" fmla="*/ 1374516 w 1861854"/>
+              <a:gd name="connsiteY10" fmla="*/ 277779 h 277779"/>
+              <a:gd name="connsiteX11" fmla="*/ 1135754 w 1861854"/>
+              <a:gd name="connsiteY11" fmla="*/ 39017 h 277779"/>
+              <a:gd name="connsiteX12" fmla="*/ 896745 w 1861854"/>
+              <a:gd name="connsiteY12" fmla="*/ 277779 h 277779"/>
+              <a:gd name="connsiteX13" fmla="*/ 657984 w 1861854"/>
+              <a:gd name="connsiteY13" fmla="*/ 39017 h 277779"/>
+              <a:gd name="connsiteX14" fmla="*/ 419222 w 1861854"/>
+              <a:gd name="connsiteY14" fmla="*/ 277779 h 277779"/>
+              <a:gd name="connsiteX15" fmla="*/ 180458 w 1861854"/>
+              <a:gd name="connsiteY15" fmla="*/ 39017 h 277779"/>
+              <a:gd name="connsiteX16" fmla="*/ 0 w 1861854"/>
+              <a:gd name="connsiteY16" fmla="*/ 219475 h 277779"/>
+              <a:gd name="connsiteX17" fmla="*/ 0 w 1861854"/>
+              <a:gd name="connsiteY17" fmla="*/ 180458 h 277779"/>
+            </a:gdLst>
+            <a:ahLst/>
+            <a:cxnLst>
+              <a:cxn ang="0">
+                <a:pos x="connsiteX0" y="connsiteY0"/>
+              </a:cxn>
+              <a:cxn ang="0">
+                <a:pos x="connsiteX1" y="connsiteY1"/>
+              </a:cxn>
+              <a:cxn ang="0">
+                <a:pos x="connsiteX2" y="connsiteY2"/>
+              </a:cxn>
+              <a:cxn ang="0">
+                <a:pos x="connsiteX3" y="connsiteY3"/>
+              </a:cxn>
+              <a:cxn ang="0">
+                <a:pos x="connsiteX4" y="connsiteY4"/>
+              </a:cxn>
+              <a:cxn ang="0">
+                <a:pos x="connsiteX5" y="connsiteY5"/>
+              </a:cxn>
+              <a:cxn ang="0">
+                <a:pos x="connsiteX6" y="connsiteY6"/>
+              </a:cxn>
+              <a:cxn ang="0">
+                <a:pos x="connsiteX7" y="connsiteY7"/>
+              </a:cxn>
+              <a:cxn ang="0">
+                <a:pos x="connsiteX8" y="connsiteY8"/>
+              </a:cxn>
+              <a:cxn ang="0">
+                <a:pos x="connsiteX9" y="connsiteY9"/>
+              </a:cxn>
+              <a:cxn ang="0">
+                <a:pos x="connsiteX10" y="connsiteY10"/>
+              </a:cxn>
+              <a:cxn ang="0">
+                <a:pos x="connsiteX11" y="connsiteY11"/>
+              </a:cxn>
+              <a:cxn ang="0">
+                <a:pos x="connsiteX12" y="connsiteY12"/>
+              </a:cxn>
+              <a:cxn ang="0">
+                <a:pos x="connsiteX13" y="connsiteY13"/>
+              </a:cxn>
+              <a:cxn ang="0">
+                <a:pos x="connsiteX14" y="connsiteY14"/>
+              </a:cxn>
+              <a:cxn ang="0">
+                <a:pos x="connsiteX15" y="connsiteY15"/>
+              </a:cxn>
+              <a:cxn ang="0">
+                <a:pos x="connsiteX16" y="connsiteY16"/>
+              </a:cxn>
+              <a:cxn ang="0">
+                <a:pos x="connsiteX17" y="connsiteY17"/>
+              </a:cxn>
+            </a:cxnLst>
+            <a:rect l="l" t="t" r="r" b="b"/>
+            <a:pathLst>
+              <a:path w="1861854" h="277779">
+                <a:moveTo>
+                  <a:pt x="180458" y="0"/>
+                </a:moveTo>
+                <a:lnTo>
+                  <a:pt x="419222" y="238761"/>
+                </a:lnTo>
+                <a:lnTo>
+                  <a:pt x="657984" y="0"/>
+                </a:lnTo>
+                <a:lnTo>
+                  <a:pt x="896745" y="238761"/>
+                </a:lnTo>
+                <a:lnTo>
+                  <a:pt x="1135754" y="0"/>
+                </a:lnTo>
+                <a:lnTo>
+                  <a:pt x="1374516" y="238761"/>
+                </a:lnTo>
+                <a:lnTo>
+                  <a:pt x="1613277" y="0"/>
+                </a:lnTo>
+                <a:lnTo>
+                  <a:pt x="1861854" y="248577"/>
+                </a:lnTo>
+                <a:lnTo>
+                  <a:pt x="1842470" y="268208"/>
+                </a:lnTo>
+                <a:lnTo>
+                  <a:pt x="1613277" y="39017"/>
+                </a:lnTo>
+                <a:lnTo>
+                  <a:pt x="1374516" y="277779"/>
+                </a:lnTo>
+                <a:lnTo>
+                  <a:pt x="1135754" y="39017"/>
+                </a:lnTo>
+                <a:lnTo>
+                  <a:pt x="896745" y="277779"/>
+                </a:lnTo>
+                <a:lnTo>
+                  <a:pt x="657984" y="39017"/>
+                </a:lnTo>
+                <a:lnTo>
+                  <a:pt x="419222" y="277779"/>
+                </a:lnTo>
+                <a:lnTo>
+                  <a:pt x="180458" y="39017"/>
+                </a:lnTo>
+                <a:lnTo>
+                  <a:pt x="0" y="219475"/>
+                </a:lnTo>
+                <a:lnTo>
+                  <a:pt x="0" y="180458"/>
+                </a:lnTo>
+                <a:close/>
+              </a:path>
+            </a:pathLst>
+          </a:custGeom>
+          <a:solidFill>
+            <a:schemeClr val="bg1"/>
+          </a:solidFill>
+          <a:ln w="9525" cap="flat">
+            <a:noFill/>
+            <a:prstDash val="solid"/>
+            <a:miter/>
+          </a:ln>
+        </p:spPr>
+        <p:txBody>
+          <a:bodyPr wrap="square" rtlCol="0" anchor="ctr">
+            <a:noAutofit/>
+          </a:bodyPr>
+          <a:lstStyle/>
+          <a:p>
+            <a:endParaRPr lang="en-US"/>
+          </a:p>
+        </p:txBody>
+      </p:sp>
+      <p:sp>
+        <p:nvSpPr>
+          <p:cNvPr id="14" name="Freeform: Shape 13">
+            <a:extLst>
+              <a:ext uri="{FF2B5EF4-FFF2-40B4-BE49-F238E27FC236}">
+                <a16:creationId xmlns:a16="http://schemas.microsoft.com/office/drawing/2014/main" id="{8CF5E676-CA04-4CED-9F1E-5026ED66E66D}"/>
+              </a:ext>
+              <a:ext uri="{C183D7F6-B498-43B3-948B-1728B52AA6E4}">
+                <adec:decorative xmlns:adec="http://schemas.microsoft.com/office/drawing/2017/decorative" val="1"/>
+              </a:ext>
+            </a:extLst>
+          </p:cNvPr>
+          <p:cNvSpPr>
+            <a:spLocks noGrp="1" noRot="1" noChangeAspect="1" noMove="1" noResize="1" noEditPoints="1" noAdjustHandles="1" noChangeArrowheads="1" noChangeShapeType="1" noTextEdit="1"/>
+          </p:cNvSpPr>
+          <p:nvPr>
+            <p:extLst>
+              <p:ext uri="{386F3935-93C4-4BCD-93E2-E3B085C9AB24}">
+                <p16:designElem xmlns:p16="http://schemas.microsoft.com/office/powerpoint/2015/main" val="1"/>
+              </p:ext>
+            </p:extLst>
+          </p:nvPr>
+        </p:nvSpPr>
+        <p:spPr>
+          <a:xfrm>
+            <a:off x="0" y="0"/>
+            <a:ext cx="2782347" cy="2943932"/>
+          </a:xfrm>
+          <a:custGeom>
+            <a:avLst/>
+            <a:gdLst>
+              <a:gd name="connsiteX0" fmla="*/ 2292284 w 3871489"/>
+              <a:gd name="connsiteY0" fmla="*/ 0 h 4096327"/>
+              <a:gd name="connsiteX1" fmla="*/ 3500914 w 3871489"/>
+              <a:gd name="connsiteY1" fmla="*/ 0 h 4096327"/>
+              <a:gd name="connsiteX2" fmla="*/ 3542229 w 3871489"/>
+              <a:gd name="connsiteY2" fmla="*/ 68006 h 4096327"/>
+              <a:gd name="connsiteX3" fmla="*/ 3871489 w 3871489"/>
+              <a:gd name="connsiteY3" fmla="*/ 1368323 h 4096327"/>
+              <a:gd name="connsiteX4" fmla="*/ 1143485 w 3871489"/>
+              <a:gd name="connsiteY4" fmla="*/ 4096327 h 4096327"/>
+              <a:gd name="connsiteX5" fmla="*/ 81633 w 3871489"/>
+              <a:gd name="connsiteY5" fmla="*/ 3881944 h 4096327"/>
+              <a:gd name="connsiteX6" fmla="*/ 0 w 3871489"/>
+              <a:gd name="connsiteY6" fmla="*/ 3842618 h 4096327"/>
+              <a:gd name="connsiteX7" fmla="*/ 0 w 3871489"/>
+              <a:gd name="connsiteY7" fmla="*/ 2741475 h 4096327"/>
+              <a:gd name="connsiteX8" fmla="*/ 6615 w 3871489"/>
+              <a:gd name="connsiteY8" fmla="*/ 2747487 h 4096327"/>
+              <a:gd name="connsiteX9" fmla="*/ 1143485 w 3871489"/>
+              <a:gd name="connsiteY9" fmla="*/ 3155655 h 4096327"/>
+              <a:gd name="connsiteX10" fmla="*/ 2930817 w 3871489"/>
+              <a:gd name="connsiteY10" fmla="*/ 1368323 h 4096327"/>
+              <a:gd name="connsiteX11" fmla="*/ 2407287 w 3871489"/>
+              <a:gd name="connsiteY11" fmla="*/ 104524 h 4096327"/>
+            </a:gdLst>
+            <a:ahLst/>
+            <a:cxnLst>
+              <a:cxn ang="0">
+                <a:pos x="connsiteX0" y="connsiteY0"/>
+              </a:cxn>
+              <a:cxn ang="0">
+                <a:pos x="connsiteX1" y="connsiteY1"/>
+              </a:cxn>
+              <a:cxn ang="0">
+                <a:pos x="connsiteX2" y="connsiteY2"/>
+              </a:cxn>
+              <a:cxn ang="0">
+                <a:pos x="connsiteX3" y="connsiteY3"/>
+              </a:cxn>
+              <a:cxn ang="0">
+                <a:pos x="connsiteX4" y="connsiteY4"/>
+              </a:cxn>
+              <a:cxn ang="0">
+                <a:pos x="connsiteX5" y="connsiteY5"/>
+              </a:cxn>
+              <a:cxn ang="0">
+                <a:pos x="connsiteX6" y="connsiteY6"/>
+              </a:cxn>
+              <a:cxn ang="0">
+                <a:pos x="connsiteX7" y="connsiteY7"/>
+              </a:cxn>
+              <a:cxn ang="0">
+                <a:pos x="connsiteX8" y="connsiteY8"/>
+              </a:cxn>
+              <a:cxn ang="0">
+                <a:pos x="connsiteX9" y="connsiteY9"/>
+              </a:cxn>
+              <a:cxn ang="0">
+                <a:pos x="connsiteX10" y="connsiteY10"/>
+              </a:cxn>
+              <a:cxn ang="0">
+                <a:pos x="connsiteX11" y="connsiteY11"/>
+              </a:cxn>
+            </a:cxnLst>
+            <a:rect l="l" t="t" r="r" b="b"/>
+            <a:pathLst>
+              <a:path w="3871489" h="4096327">
+                <a:moveTo>
+                  <a:pt x="2292284" y="0"/>
+                </a:moveTo>
+                <a:lnTo>
+                  <a:pt x="3500914" y="0"/>
+                </a:lnTo>
+                <a:lnTo>
+                  <a:pt x="3542229" y="68006"/>
+                </a:lnTo>
+                <a:cubicBezTo>
+                  <a:pt x="3752213" y="454545"/>
+                  <a:pt x="3871489" y="897507"/>
+                  <a:pt x="3871489" y="1368323"/>
+                </a:cubicBezTo>
+                <a:cubicBezTo>
+                  <a:pt x="3871489" y="2874936"/>
+                  <a:pt x="2650098" y="4096327"/>
+                  <a:pt x="1143485" y="4096327"/>
+                </a:cubicBezTo>
+                <a:cubicBezTo>
+                  <a:pt x="766832" y="4096327"/>
+                  <a:pt x="408006" y="4019990"/>
+                  <a:pt x="81633" y="3881944"/>
+                </a:cubicBezTo>
+                <a:lnTo>
+                  <a:pt x="0" y="3842618"/>
+                </a:lnTo>
+                <a:lnTo>
+                  <a:pt x="0" y="2741475"/>
+                </a:lnTo>
+                <a:lnTo>
+                  <a:pt x="6615" y="2747487"/>
+                </a:lnTo>
+                <a:cubicBezTo>
+                  <a:pt x="315579" y="3002472"/>
+                  <a:pt x="711663" y="3155655"/>
+                  <a:pt x="1143485" y="3155655"/>
+                </a:cubicBezTo>
+                <a:cubicBezTo>
+                  <a:pt x="2130515" y="3155655"/>
+                  <a:pt x="2930817" y="2355353"/>
+                  <a:pt x="2930817" y="1368323"/>
+                </a:cubicBezTo>
+                <a:cubicBezTo>
+                  <a:pt x="2930817" y="874812"/>
+                  <a:pt x="2730741" y="427979"/>
+                  <a:pt x="2407287" y="104524"/>
+                </a:cubicBezTo>
+                <a:close/>
+              </a:path>
+            </a:pathLst>
+          </a:custGeom>
+          <a:solidFill>
+            <a:srgbClr val="FFFFFF"/>
+          </a:solidFill>
+          <a:ln w="28575">
+            <a:noFill/>
+          </a:ln>
+        </p:spPr>
+        <p:style>
+          <a:lnRef idx="2">
+            <a:schemeClr val="accent1">
+              <a:shade val="50000"/>
+            </a:schemeClr>
+          </a:lnRef>
+          <a:fillRef idx="1">
+            <a:schemeClr val="accent1"/>
+          </a:fillRef>
+          <a:effectRef idx="0">
+            <a:schemeClr val="accent1"/>
+          </a:effectRef>
+          <a:fontRef idx="minor">
+            <a:schemeClr val="lt1"/>
+          </a:fontRef>
+        </p:style>
+        <p:txBody>
+          <a:bodyPr rot="0" spcFirstLastPara="0" vertOverflow="overflow" horzOverflow="overflow" vert="horz" wrap="square" lIns="91440" tIns="45720" rIns="91440" bIns="45720" numCol="1" spcCol="0" rtlCol="0" fromWordArt="0" anchor="ctr" anchorCtr="0" forceAA="0" compatLnSpc="1">
+            <a:prstTxWarp prst="textNoShape">
+              <a:avLst/>
+            </a:prstTxWarp>
+            <a:noAutofit/>
+          </a:bodyPr>
+          <a:lstStyle/>
+          <a:p>
+            <a:pPr algn="ctr"/>
+            <a:endParaRPr lang="en-US">
+              <a:solidFill>
+                <a:schemeClr val="accent1"/>
+              </a:solidFill>
+            </a:endParaRPr>
+          </a:p>
+        </p:txBody>
+      </p:sp>
+      <p:sp>
+        <p:nvSpPr>
+          <p:cNvPr id="16" name="Freeform: Shape 15">
+            <a:extLst>
+              <a:ext uri="{FF2B5EF4-FFF2-40B4-BE49-F238E27FC236}">
+                <a16:creationId xmlns:a16="http://schemas.microsoft.com/office/drawing/2014/main" id="{6BA9E676-A8FC-4C2F-8D78-C13ED8ABDBA8}"/>
+              </a:ext>
+              <a:ext uri="{C183D7F6-B498-43B3-948B-1728B52AA6E4}">
+                <adec:decorative xmlns:adec="http://schemas.microsoft.com/office/drawing/2017/decorative" val="1"/>
+              </a:ext>
+            </a:extLst>
+          </p:cNvPr>
+          <p:cNvSpPr>
+            <a:spLocks noGrp="1" noRot="1" noChangeAspect="1" noMove="1" noResize="1" noEditPoints="1" noAdjustHandles="1" noChangeArrowheads="1" noChangeShapeType="1" noTextEdit="1"/>
+          </p:cNvSpPr>
+          <p:nvPr>
+            <p:extLst>
+              <p:ext uri="{386F3935-93C4-4BCD-93E2-E3B085C9AB24}">
+                <p16:designElem xmlns:p16="http://schemas.microsoft.com/office/powerpoint/2015/main" val="1"/>
+              </p:ext>
+            </p:extLst>
+          </p:nvPr>
+        </p:nvSpPr>
+        <p:spPr>
+          <a:xfrm>
+            <a:off x="0" y="0"/>
+            <a:ext cx="2782347" cy="2943932"/>
+          </a:xfrm>
+          <a:custGeom>
+            <a:avLst/>
+            <a:gdLst>
+              <a:gd name="connsiteX0" fmla="*/ 2292284 w 3871489"/>
+              <a:gd name="connsiteY0" fmla="*/ 0 h 4096327"/>
+              <a:gd name="connsiteX1" fmla="*/ 3500914 w 3871489"/>
+              <a:gd name="connsiteY1" fmla="*/ 0 h 4096327"/>
+              <a:gd name="connsiteX2" fmla="*/ 3542229 w 3871489"/>
+              <a:gd name="connsiteY2" fmla="*/ 68006 h 4096327"/>
+              <a:gd name="connsiteX3" fmla="*/ 3871489 w 3871489"/>
+              <a:gd name="connsiteY3" fmla="*/ 1368323 h 4096327"/>
+              <a:gd name="connsiteX4" fmla="*/ 1143485 w 3871489"/>
+              <a:gd name="connsiteY4" fmla="*/ 4096327 h 4096327"/>
+              <a:gd name="connsiteX5" fmla="*/ 81633 w 3871489"/>
+              <a:gd name="connsiteY5" fmla="*/ 3881944 h 4096327"/>
+              <a:gd name="connsiteX6" fmla="*/ 0 w 3871489"/>
+              <a:gd name="connsiteY6" fmla="*/ 3842618 h 4096327"/>
+              <a:gd name="connsiteX7" fmla="*/ 0 w 3871489"/>
+              <a:gd name="connsiteY7" fmla="*/ 2741475 h 4096327"/>
+              <a:gd name="connsiteX8" fmla="*/ 6615 w 3871489"/>
+              <a:gd name="connsiteY8" fmla="*/ 2747487 h 4096327"/>
+              <a:gd name="connsiteX9" fmla="*/ 1143485 w 3871489"/>
+              <a:gd name="connsiteY9" fmla="*/ 3155655 h 4096327"/>
+              <a:gd name="connsiteX10" fmla="*/ 2930817 w 3871489"/>
+              <a:gd name="connsiteY10" fmla="*/ 1368323 h 4096327"/>
+              <a:gd name="connsiteX11" fmla="*/ 2407287 w 3871489"/>
+              <a:gd name="connsiteY11" fmla="*/ 104524 h 4096327"/>
+            </a:gdLst>
+            <a:ahLst/>
+            <a:cxnLst>
+              <a:cxn ang="0">
+                <a:pos x="connsiteX0" y="connsiteY0"/>
+              </a:cxn>
+              <a:cxn ang="0">
+                <a:pos x="connsiteX1" y="connsiteY1"/>
+              </a:cxn>
+              <a:cxn ang="0">
+                <a:pos x="connsiteX2" y="connsiteY2"/>
+              </a:cxn>
+              <a:cxn ang="0">
+                <a:pos x="connsiteX3" y="connsiteY3"/>
+              </a:cxn>
+              <a:cxn ang="0">
+                <a:pos x="connsiteX4" y="connsiteY4"/>
+              </a:cxn>
+              <a:cxn ang="0">
+                <a:pos x="connsiteX5" y="connsiteY5"/>
+              </a:cxn>
+              <a:cxn ang="0">
+                <a:pos x="connsiteX6" y="connsiteY6"/>
+              </a:cxn>
+              <a:cxn ang="0">
+                <a:pos x="connsiteX7" y="connsiteY7"/>
+              </a:cxn>
+              <a:cxn ang="0">
+                <a:pos x="connsiteX8" y="connsiteY8"/>
+              </a:cxn>
+              <a:cxn ang="0">
+                <a:pos x="connsiteX9" y="connsiteY9"/>
+              </a:cxn>
+              <a:cxn ang="0">
+                <a:pos x="connsiteX10" y="connsiteY10"/>
+              </a:cxn>
+              <a:cxn ang="0">
+                <a:pos x="connsiteX11" y="connsiteY11"/>
+              </a:cxn>
+            </a:cxnLst>
+            <a:rect l="l" t="t" r="r" b="b"/>
+            <a:pathLst>
+              <a:path w="3871489" h="4096327">
+                <a:moveTo>
+                  <a:pt x="2292284" y="0"/>
+                </a:moveTo>
+                <a:lnTo>
+                  <a:pt x="3500914" y="0"/>
+                </a:lnTo>
+                <a:lnTo>
+                  <a:pt x="3542229" y="68006"/>
+                </a:lnTo>
+                <a:cubicBezTo>
+                  <a:pt x="3752213" y="454545"/>
+                  <a:pt x="3871489" y="897507"/>
+                  <a:pt x="3871489" y="1368323"/>
+                </a:cubicBezTo>
+                <a:cubicBezTo>
+                  <a:pt x="3871489" y="2874936"/>
+                  <a:pt x="2650098" y="4096327"/>
+                  <a:pt x="1143485" y="4096327"/>
+                </a:cubicBezTo>
+                <a:cubicBezTo>
+                  <a:pt x="766832" y="4096327"/>
+                  <a:pt x="408006" y="4019990"/>
+                  <a:pt x="81633" y="3881944"/>
+                </a:cubicBezTo>
+                <a:lnTo>
+                  <a:pt x="0" y="3842618"/>
+                </a:lnTo>
+                <a:lnTo>
+                  <a:pt x="0" y="2741475"/>
+                </a:lnTo>
+                <a:lnTo>
+                  <a:pt x="6615" y="2747487"/>
+                </a:lnTo>
+                <a:cubicBezTo>
+                  <a:pt x="315579" y="3002472"/>
+                  <a:pt x="711663" y="3155655"/>
+                  <a:pt x="1143485" y="3155655"/>
+                </a:cubicBezTo>
+                <a:cubicBezTo>
+                  <a:pt x="2130515" y="3155655"/>
+                  <a:pt x="2930817" y="2355353"/>
+                  <a:pt x="2930817" y="1368323"/>
+                </a:cubicBezTo>
+                <a:cubicBezTo>
+                  <a:pt x="2930817" y="874812"/>
+                  <a:pt x="2730741" y="427979"/>
+                  <a:pt x="2407287" y="104524"/>
+                </a:cubicBezTo>
+                <a:close/>
+              </a:path>
+            </a:pathLst>
+          </a:custGeom>
+          <a:solidFill>
+            <a:schemeClr val="accent2">
+              <a:alpha val="30000"/>
+            </a:schemeClr>
+          </a:solidFill>
+          <a:ln w="28575">
+            <a:noFill/>
+          </a:ln>
+        </p:spPr>
+        <p:style>
+          <a:lnRef idx="2">
+            <a:schemeClr val="accent1">
+              <a:shade val="50000"/>
+            </a:schemeClr>
+          </a:lnRef>
+          <a:fillRef idx="1">
+            <a:schemeClr val="accent1"/>
+          </a:fillRef>
+          <a:effectRef idx="0">
+            <a:schemeClr val="accent1"/>
+          </a:effectRef>
+          <a:fontRef idx="minor">
+            <a:schemeClr val="lt1"/>
+          </a:fontRef>
+        </p:style>
+        <p:txBody>
+          <a:bodyPr rot="0" spcFirstLastPara="0" vertOverflow="overflow" horzOverflow="overflow" vert="horz" wrap="square" lIns="91440" tIns="45720" rIns="91440" bIns="45720" numCol="1" spcCol="0" rtlCol="0" fromWordArt="0" anchor="ctr" anchorCtr="0" forceAA="0" compatLnSpc="1">
+            <a:prstTxWarp prst="textNoShape">
+              <a:avLst/>
+            </a:prstTxWarp>
+            <a:noAutofit/>
+          </a:bodyPr>
+          <a:lstStyle/>
+          <a:p>
+            <a:pPr algn="ctr"/>
+            <a:endParaRPr lang="en-US">
+              <a:solidFill>
+                <a:schemeClr val="accent1"/>
+              </a:solidFill>
+            </a:endParaRPr>
+          </a:p>
+        </p:txBody>
+      </p:sp>
+      <p:sp>
+        <p:nvSpPr>
+          <p:cNvPr id="18" name="Freeform: Shape 17">
+            <a:extLst>
+              <a:ext uri="{FF2B5EF4-FFF2-40B4-BE49-F238E27FC236}">
+                <a16:creationId xmlns:a16="http://schemas.microsoft.com/office/drawing/2014/main" id="{A2B5CBEA-F125-49B6-8335-227C325B112B}"/>
+              </a:ext>
+              <a:ext uri="{C183D7F6-B498-43B3-948B-1728B52AA6E4}">
+                <adec:decorative xmlns:adec="http://schemas.microsoft.com/office/drawing/2017/decorative" val="1"/>
+              </a:ext>
+            </a:extLst>
+          </p:cNvPr>
+          <p:cNvSpPr>
+            <a:spLocks noGrp="1" noRot="1" noChangeAspect="1" noMove="1" noResize="1" noEditPoints="1" noAdjustHandles="1" noChangeArrowheads="1" noChangeShapeType="1" noTextEdit="1"/>
+          </p:cNvSpPr>
+          <p:nvPr>
+            <p:extLst>
+              <p:ext uri="{386F3935-93C4-4BCD-93E2-E3B085C9AB24}">
+                <p16:designElem xmlns:p16="http://schemas.microsoft.com/office/powerpoint/2015/main" val="1"/>
+              </p:ext>
+            </p:extLst>
+          </p:nvPr>
+        </p:nvSpPr>
+        <p:spPr>
+          <a:xfrm>
+            <a:off x="9765207" y="4529611"/>
+            <a:ext cx="2426793" cy="2328389"/>
+          </a:xfrm>
+          <a:custGeom>
+            <a:avLst/>
+            <a:gdLst>
+              <a:gd name="connsiteX0" fmla="*/ 2473947 w 3432581"/>
+              <a:gd name="connsiteY0" fmla="*/ 0 h 3293393"/>
+              <a:gd name="connsiteX1" fmla="*/ 3209623 w 3432581"/>
+              <a:gd name="connsiteY1" fmla="*/ 111224 h 3293393"/>
+              <a:gd name="connsiteX2" fmla="*/ 3432581 w 3432581"/>
+              <a:gd name="connsiteY2" fmla="*/ 192828 h 3293393"/>
+              <a:gd name="connsiteX3" fmla="*/ 3432581 w 3432581"/>
+              <a:gd name="connsiteY3" fmla="*/ 3293393 h 3293393"/>
+              <a:gd name="connsiteX4" fmla="*/ 141884 w 3432581"/>
+              <a:gd name="connsiteY4" fmla="*/ 3293393 h 3293393"/>
+              <a:gd name="connsiteX5" fmla="*/ 111224 w 3432581"/>
+              <a:gd name="connsiteY5" fmla="*/ 3209623 h 3293393"/>
+              <a:gd name="connsiteX6" fmla="*/ 0 w 3432581"/>
+              <a:gd name="connsiteY6" fmla="*/ 2473947 h 3293393"/>
+              <a:gd name="connsiteX7" fmla="*/ 2473947 w 3432581"/>
+              <a:gd name="connsiteY7" fmla="*/ 0 h 3293393"/>
+            </a:gdLst>
+            <a:ahLst/>
+            <a:cxnLst>
+              <a:cxn ang="0">
+                <a:pos x="connsiteX0" y="connsiteY0"/>
+              </a:cxn>
+              <a:cxn ang="0">
+                <a:pos x="connsiteX1" y="connsiteY1"/>
+              </a:cxn>
+              <a:cxn ang="0">
+                <a:pos x="connsiteX2" y="connsiteY2"/>
+              </a:cxn>
+              <a:cxn ang="0">
+                <a:pos x="connsiteX3" y="connsiteY3"/>
+              </a:cxn>
+              <a:cxn ang="0">
+                <a:pos x="connsiteX4" y="connsiteY4"/>
+              </a:cxn>
+              <a:cxn ang="0">
+                <a:pos x="connsiteX5" y="connsiteY5"/>
+              </a:cxn>
+              <a:cxn ang="0">
+                <a:pos x="connsiteX6" y="connsiteY6"/>
+              </a:cxn>
+              <a:cxn ang="0">
+                <a:pos x="connsiteX7" y="connsiteY7"/>
+              </a:cxn>
+            </a:cxnLst>
+            <a:rect l="l" t="t" r="r" b="b"/>
+            <a:pathLst>
+              <a:path w="3432581" h="3293393">
+                <a:moveTo>
+                  <a:pt x="2473947" y="0"/>
+                </a:moveTo>
+                <a:cubicBezTo>
+                  <a:pt x="2730133" y="0"/>
+                  <a:pt x="2977223" y="38940"/>
+                  <a:pt x="3209623" y="111224"/>
+                </a:cubicBezTo>
+                <a:lnTo>
+                  <a:pt x="3432581" y="192828"/>
+                </a:lnTo>
+                <a:lnTo>
+                  <a:pt x="3432581" y="3293393"/>
+                </a:lnTo>
+                <a:lnTo>
+                  <a:pt x="141884" y="3293393"/>
+                </a:lnTo>
+                <a:lnTo>
+                  <a:pt x="111224" y="3209623"/>
+                </a:lnTo>
+                <a:cubicBezTo>
+                  <a:pt x="38940" y="2977224"/>
+                  <a:pt x="0" y="2730133"/>
+                  <a:pt x="0" y="2473947"/>
+                </a:cubicBezTo>
+                <a:cubicBezTo>
+                  <a:pt x="0" y="1107624"/>
+                  <a:pt x="1107624" y="0"/>
+                  <a:pt x="2473947" y="0"/>
+                </a:cubicBezTo>
+                <a:close/>
+              </a:path>
+            </a:pathLst>
+          </a:custGeom>
+          <a:solidFill>
+            <a:srgbClr val="FFFFFF"/>
+          </a:solidFill>
+          <a:ln w="28575">
+            <a:noFill/>
+          </a:ln>
+        </p:spPr>
+        <p:style>
+          <a:lnRef idx="2">
+            <a:schemeClr val="accent1">
+              <a:shade val="50000"/>
+            </a:schemeClr>
+          </a:lnRef>
+          <a:fillRef idx="1">
+            <a:schemeClr val="accent1"/>
+          </a:fillRef>
+          <a:effectRef idx="0">
+            <a:schemeClr val="accent1"/>
+          </a:effectRef>
+          <a:fontRef idx="minor">
+            <a:schemeClr val="lt1"/>
+          </a:fontRef>
+        </p:style>
+        <p:txBody>
+          <a:bodyPr rot="0" spcFirstLastPara="0" vertOverflow="overflow" horzOverflow="overflow" vert="horz" wrap="square" lIns="91440" tIns="45720" rIns="91440" bIns="45720" numCol="1" spcCol="0" rtlCol="0" fromWordArt="0" anchor="ctr" anchorCtr="0" forceAA="0" compatLnSpc="1">
+            <a:prstTxWarp prst="textNoShape">
+              <a:avLst/>
+            </a:prstTxWarp>
+            <a:noAutofit/>
+          </a:bodyPr>
+          <a:lstStyle/>
+          <a:p>
+            <a:pPr algn="ctr"/>
+            <a:endParaRPr lang="en-US" dirty="0"/>
+          </a:p>
+        </p:txBody>
+      </p:sp>
+      <p:sp>
+        <p:nvSpPr>
+          <p:cNvPr id="20" name="Freeform: Shape 19">
+            <a:extLst>
+              <a:ext uri="{FF2B5EF4-FFF2-40B4-BE49-F238E27FC236}">
+                <a16:creationId xmlns:a16="http://schemas.microsoft.com/office/drawing/2014/main" id="{EECD79B5-5FC5-495F-BFD6-346C16E787A7}"/>
+              </a:ext>
+              <a:ext uri="{C183D7F6-B498-43B3-948B-1728B52AA6E4}">
+                <adec:decorative xmlns:adec="http://schemas.microsoft.com/office/drawing/2017/decorative" val="1"/>
+              </a:ext>
+            </a:extLst>
+          </p:cNvPr>
+          <p:cNvSpPr>
+            <a:spLocks noGrp="1" noRot="1" noChangeAspect="1" noMove="1" noResize="1" noEditPoints="1" noAdjustHandles="1" noChangeArrowheads="1" noChangeShapeType="1" noTextEdit="1"/>
+          </p:cNvSpPr>
+          <p:nvPr>
+            <p:extLst>
+              <p:ext uri="{386F3935-93C4-4BCD-93E2-E3B085C9AB24}">
+                <p16:designElem xmlns:p16="http://schemas.microsoft.com/office/powerpoint/2015/main" val="1"/>
+              </p:ext>
+            </p:extLst>
+          </p:nvPr>
+        </p:nvSpPr>
+        <p:spPr>
+          <a:xfrm>
+            <a:off x="9765207" y="4529611"/>
+            <a:ext cx="2426793" cy="2328389"/>
+          </a:xfrm>
+          <a:custGeom>
+            <a:avLst/>
+            <a:gdLst>
+              <a:gd name="connsiteX0" fmla="*/ 2473947 w 3432581"/>
+              <a:gd name="connsiteY0" fmla="*/ 0 h 3293393"/>
+              <a:gd name="connsiteX1" fmla="*/ 3209623 w 3432581"/>
+              <a:gd name="connsiteY1" fmla="*/ 111224 h 3293393"/>
+              <a:gd name="connsiteX2" fmla="*/ 3432581 w 3432581"/>
+              <a:gd name="connsiteY2" fmla="*/ 192828 h 3293393"/>
+              <a:gd name="connsiteX3" fmla="*/ 3432581 w 3432581"/>
+              <a:gd name="connsiteY3" fmla="*/ 3293393 h 3293393"/>
+              <a:gd name="connsiteX4" fmla="*/ 141884 w 3432581"/>
+              <a:gd name="connsiteY4" fmla="*/ 3293393 h 3293393"/>
+              <a:gd name="connsiteX5" fmla="*/ 111224 w 3432581"/>
+              <a:gd name="connsiteY5" fmla="*/ 3209623 h 3293393"/>
+              <a:gd name="connsiteX6" fmla="*/ 0 w 3432581"/>
+              <a:gd name="connsiteY6" fmla="*/ 2473947 h 3293393"/>
+              <a:gd name="connsiteX7" fmla="*/ 2473947 w 3432581"/>
+              <a:gd name="connsiteY7" fmla="*/ 0 h 3293393"/>
+            </a:gdLst>
+            <a:ahLst/>
+            <a:cxnLst>
+              <a:cxn ang="0">
+                <a:pos x="connsiteX0" y="connsiteY0"/>
+              </a:cxn>
+              <a:cxn ang="0">
+                <a:pos x="connsiteX1" y="connsiteY1"/>
+              </a:cxn>
+              <a:cxn ang="0">
+                <a:pos x="connsiteX2" y="connsiteY2"/>
+              </a:cxn>
+              <a:cxn ang="0">
+                <a:pos x="connsiteX3" y="connsiteY3"/>
+              </a:cxn>
+              <a:cxn ang="0">
+                <a:pos x="connsiteX4" y="connsiteY4"/>
+              </a:cxn>
+              <a:cxn ang="0">
+                <a:pos x="connsiteX5" y="connsiteY5"/>
+              </a:cxn>
+              <a:cxn ang="0">
+                <a:pos x="connsiteX6" y="connsiteY6"/>
+              </a:cxn>
+              <a:cxn ang="0">
+                <a:pos x="connsiteX7" y="connsiteY7"/>
+              </a:cxn>
+            </a:cxnLst>
+            <a:rect l="l" t="t" r="r" b="b"/>
+            <a:pathLst>
+              <a:path w="3432581" h="3293393">
+                <a:moveTo>
+                  <a:pt x="2473947" y="0"/>
+                </a:moveTo>
+                <a:cubicBezTo>
+                  <a:pt x="2730133" y="0"/>
+                  <a:pt x="2977223" y="38940"/>
+                  <a:pt x="3209623" y="111224"/>
+                </a:cubicBezTo>
+                <a:lnTo>
+                  <a:pt x="3432581" y="192828"/>
+                </a:lnTo>
+                <a:lnTo>
+                  <a:pt x="3432581" y="3293393"/>
+                </a:lnTo>
+                <a:lnTo>
+                  <a:pt x="141884" y="3293393"/>
+                </a:lnTo>
+                <a:lnTo>
+                  <a:pt x="111224" y="3209623"/>
+                </a:lnTo>
+                <a:cubicBezTo>
+                  <a:pt x="38940" y="2977224"/>
+                  <a:pt x="0" y="2730133"/>
+                  <a:pt x="0" y="2473947"/>
+                </a:cubicBezTo>
+                <a:cubicBezTo>
+                  <a:pt x="0" y="1107624"/>
+                  <a:pt x="1107624" y="0"/>
+                  <a:pt x="2473947" y="0"/>
+                </a:cubicBezTo>
+                <a:close/>
+              </a:path>
+            </a:pathLst>
+          </a:custGeom>
+          <a:solidFill>
+            <a:schemeClr val="accent6">
+              <a:alpha val="30000"/>
+            </a:schemeClr>
+          </a:solidFill>
+          <a:ln w="28575">
+            <a:noFill/>
+          </a:ln>
+        </p:spPr>
+        <p:style>
+          <a:lnRef idx="2">
+            <a:schemeClr val="accent1">
+              <a:shade val="50000"/>
+            </a:schemeClr>
+          </a:lnRef>
+          <a:fillRef idx="1">
+            <a:schemeClr val="accent1"/>
+          </a:fillRef>
+          <a:effectRef idx="0">
+            <a:schemeClr val="accent1"/>
+          </a:effectRef>
+          <a:fontRef idx="minor">
+            <a:schemeClr val="lt1"/>
+          </a:fontRef>
+        </p:style>
+        <p:txBody>
+          <a:bodyPr rot="0" spcFirstLastPara="0" vertOverflow="overflow" horzOverflow="overflow" vert="horz" wrap="square" lIns="91440" tIns="45720" rIns="91440" bIns="45720" numCol="1" spcCol="0" rtlCol="0" fromWordArt="0" anchor="ctr" anchorCtr="0" forceAA="0" compatLnSpc="1">
+            <a:prstTxWarp prst="textNoShape">
+              <a:avLst/>
+            </a:prstTxWarp>
+            <a:noAutofit/>
+          </a:bodyPr>
+          <a:lstStyle/>
+          <a:p>
+            <a:pPr algn="ctr"/>
+            <a:endParaRPr lang="en-US" dirty="0"/>
+          </a:p>
+        </p:txBody>
+      </p:sp>
+      <p:sp>
+        <p:nvSpPr>
+          <p:cNvPr id="22" name="Rectangle 21">
+            <a:extLst>
+              <a:ext uri="{FF2B5EF4-FFF2-40B4-BE49-F238E27FC236}">
+                <a16:creationId xmlns:a16="http://schemas.microsoft.com/office/drawing/2014/main" id="{2C1D3151-5F97-4860-B56C-C98BD62CC255}"/>
+              </a:ext>
+              <a:ext uri="{C183D7F6-B498-43B3-948B-1728B52AA6E4}">
+                <adec:decorative xmlns:adec="http://schemas.microsoft.com/office/drawing/2017/decorative" val="1"/>
+              </a:ext>
+            </a:extLst>
+          </p:cNvPr>
+          <p:cNvSpPr>
+            <a:spLocks noGrp="1" noRot="1" noChangeAspect="1" noMove="1" noResize="1" noEditPoints="1" noAdjustHandles="1" noChangeArrowheads="1" noChangeShapeType="1" noTextEdit="1"/>
+          </p:cNvSpPr>
+          <p:nvPr>
+            <p:extLst>
+              <p:ext uri="{386F3935-93C4-4BCD-93E2-E3B085C9AB24}">
+                <p16:designElem xmlns:p16="http://schemas.microsoft.com/office/powerpoint/2015/main" val="1"/>
+              </p:ext>
+            </p:extLst>
+          </p:nvPr>
+        </p:nvSpPr>
+        <p:spPr>
+          <a:xfrm>
+            <a:off x="1821898" y="819446"/>
+            <a:ext cx="8751370" cy="5402463"/>
+          </a:xfrm>
+          <a:prstGeom prst="rect">
+            <a:avLst/>
+          </a:prstGeom>
+          <a:solidFill>
+            <a:srgbClr val="FFFFFF"/>
+          </a:solidFill>
+          <a:ln w="28575">
+            <a:solidFill>
+              <a:schemeClr val="tx1"/>
+            </a:solidFill>
+          </a:ln>
+        </p:spPr>
+        <p:style>
+          <a:lnRef idx="2">
+            <a:schemeClr val="accent1">
+              <a:shade val="50000"/>
+            </a:schemeClr>
+          </a:lnRef>
+          <a:fillRef idx="1">
+            <a:schemeClr val="accent1"/>
+          </a:fillRef>
+          <a:effectRef idx="0">
+            <a:schemeClr val="accent1"/>
+          </a:effectRef>
+          <a:fontRef idx="minor">
+            <a:schemeClr val="lt1"/>
+          </a:fontRef>
+        </p:style>
+        <p:txBody>
+          <a:bodyPr rtlCol="0" anchor="ctr"/>
+          <a:lstStyle/>
+          <a:p>
+            <a:pPr algn="ctr"/>
+            <a:endParaRPr lang="en-US"/>
+          </a:p>
+        </p:txBody>
+      </p:sp>
+      <p:sp>
+        <p:nvSpPr>
+          <p:cNvPr id="24" name="Rectangle 23">
+            <a:extLst>
+              <a:ext uri="{FF2B5EF4-FFF2-40B4-BE49-F238E27FC236}">
+                <a16:creationId xmlns:a16="http://schemas.microsoft.com/office/drawing/2014/main" id="{32D9D048-3063-435A-8C23-26C1907E9619}"/>
+              </a:ext>
+              <a:ext uri="{C183D7F6-B498-43B3-948B-1728B52AA6E4}">
+                <adec:decorative xmlns:adec="http://schemas.microsoft.com/office/drawing/2017/decorative" val="1"/>
+              </a:ext>
+            </a:extLst>
+          </p:cNvPr>
+          <p:cNvSpPr>
+            <a:spLocks noGrp="1" noRot="1" noChangeAspect="1" noMove="1" noResize="1" noEditPoints="1" noAdjustHandles="1" noChangeArrowheads="1" noChangeShapeType="1" noTextEdit="1"/>
+          </p:cNvSpPr>
+          <p:nvPr>
+            <p:extLst>
+              <p:ext uri="{386F3935-93C4-4BCD-93E2-E3B085C9AB24}">
+                <p16:designElem xmlns:p16="http://schemas.microsoft.com/office/powerpoint/2015/main" val="1"/>
+              </p:ext>
+            </p:extLst>
+          </p:nvPr>
+        </p:nvSpPr>
+        <p:spPr>
+          <a:xfrm>
+            <a:off x="1821898" y="819446"/>
+            <a:ext cx="8751370" cy="5402463"/>
+          </a:xfrm>
+          <a:prstGeom prst="rect">
+            <a:avLst/>
+          </a:prstGeom>
+          <a:solidFill>
+            <a:schemeClr val="accent2">
+              <a:alpha val="30000"/>
+            </a:schemeClr>
+          </a:solidFill>
+          <a:ln w="28575">
+            <a:solidFill>
+              <a:schemeClr val="bg1"/>
+            </a:solidFill>
+          </a:ln>
+        </p:spPr>
+        <p:style>
+          <a:lnRef idx="2">
+            <a:schemeClr val="accent1">
+              <a:shade val="50000"/>
+            </a:schemeClr>
+          </a:lnRef>
+          <a:fillRef idx="1">
+            <a:schemeClr val="accent1"/>
+          </a:fillRef>
+          <a:effectRef idx="0">
+            <a:schemeClr val="accent1"/>
+          </a:effectRef>
+          <a:fontRef idx="minor">
+            <a:schemeClr val="lt1"/>
+          </a:fontRef>
+        </p:style>
+        <p:txBody>
+          <a:bodyPr rtlCol="0" anchor="ctr"/>
+          <a:lstStyle/>
+          <a:p>
+            <a:pPr algn="ctr"/>
+            <a:endParaRPr lang="en-US"/>
+          </a:p>
+        </p:txBody>
+      </p:sp>
+      <p:sp>
+        <p:nvSpPr>
+          <p:cNvPr id="26" name="Rectangle 25">
+            <a:extLst>
+              <a:ext uri="{FF2B5EF4-FFF2-40B4-BE49-F238E27FC236}">
+                <a16:creationId xmlns:a16="http://schemas.microsoft.com/office/drawing/2014/main" id="{8DE96824-E506-4448-8704-5EC7BF7BC51B}"/>
+              </a:ext>
+              <a:ext uri="{C183D7F6-B498-43B3-948B-1728B52AA6E4}">
+                <adec:decorative xmlns:adec="http://schemas.microsoft.com/office/drawing/2017/decorative" val="1"/>
+              </a:ext>
+            </a:extLst>
+          </p:cNvPr>
+          <p:cNvSpPr>
+            <a:spLocks noGrp="1" noRot="1" noChangeAspect="1" noMove="1" noResize="1" noEditPoints="1" noAdjustHandles="1" noChangeArrowheads="1" noChangeShapeType="1" noTextEdit="1"/>
+          </p:cNvSpPr>
+          <p:nvPr>
+            <p:extLst>
+              <p:ext uri="{386F3935-93C4-4BCD-93E2-E3B085C9AB24}">
+                <p16:designElem xmlns:p16="http://schemas.microsoft.com/office/powerpoint/2015/main" val="1"/>
+              </p:ext>
+            </p:extLst>
+          </p:nvPr>
+        </p:nvSpPr>
+        <p:spPr>
+          <a:xfrm>
+            <a:off x="1720315" y="727769"/>
+            <a:ext cx="8751370" cy="5402463"/>
+          </a:xfrm>
+          <a:prstGeom prst="rect">
+            <a:avLst/>
+          </a:prstGeom>
+          <a:solidFill>
+            <a:schemeClr val="tx1"/>
+          </a:solidFill>
+          <a:ln w="28575">
+            <a:solidFill>
+              <a:schemeClr val="bg1"/>
+            </a:solidFill>
+          </a:ln>
+        </p:spPr>
+        <p:style>
+          <a:lnRef idx="2">
+            <a:schemeClr val="accent1">
+              <a:shade val="50000"/>
+            </a:schemeClr>
+          </a:lnRef>
+          <a:fillRef idx="1">
+            <a:schemeClr val="accent1"/>
+          </a:fillRef>
+          <a:effectRef idx="0">
+            <a:schemeClr val="accent1"/>
+          </a:effectRef>
+          <a:fontRef idx="minor">
+            <a:schemeClr val="lt1"/>
+          </a:fontRef>
+        </p:style>
+        <p:txBody>
+          <a:bodyPr rtlCol="0" anchor="ctr"/>
+          <a:lstStyle/>
+          <a:p>
+            <a:pPr algn="ctr"/>
+            <a:endParaRPr lang="en-US"/>
+          </a:p>
+        </p:txBody>
+      </p:sp>
+      <p:sp>
+        <p:nvSpPr>
           <p:cNvPr id="2" name="제목 1">
             <a:extLst>
               <a:ext uri="{FF2B5EF4-FFF2-40B4-BE49-F238E27FC236}">
@@ -3346,20 +4708,39 @@
             <p:ph type="ctrTitle"/>
           </p:nvPr>
         </p:nvSpPr>
-        <p:spPr/>
+        <p:spPr>
+          <a:xfrm>
+            <a:off x="2381534" y="1344304"/>
+            <a:ext cx="7451678" cy="2843702"/>
+          </a:xfrm>
+        </p:spPr>
         <p:txBody>
-          <a:bodyPr/>
+          <a:bodyPr>
+            <a:normAutofit/>
+          </a:bodyPr>
           <a:lstStyle/>
           <a:p>
             <a:r>
-              <a:rPr lang="ko-KR" altLang="en-US" dirty="0"/>
+              <a:rPr lang="ko-KR" altLang="en-US" sz="5400">
+                <a:solidFill>
+                  <a:schemeClr val="bg1"/>
+                </a:solidFill>
+              </a:rPr>
               <a:t>현업 데이터를 활용한 </a:t>
             </a:r>
             <a:br>
-              <a:rPr lang="en-US" altLang="ko-KR" dirty="0"/>
+              <a:rPr lang="en-US" altLang="ko-KR" sz="5400">
+                <a:solidFill>
+                  <a:schemeClr val="bg1"/>
+                </a:solidFill>
+              </a:rPr>
             </a:br>
             <a:r>
-              <a:rPr lang="ko-KR" altLang="en-US" dirty="0"/>
+              <a:rPr lang="ko-KR" altLang="en-US" sz="5400">
+                <a:solidFill>
+                  <a:schemeClr val="bg1"/>
+                </a:solidFill>
+              </a:rPr>
               <a:t>회귀 미니 프로젝트</a:t>
             </a:r>
           </a:p>
@@ -3381,27 +4762,191 @@
             <p:ph type="subTitle" idx="1"/>
           </p:nvPr>
         </p:nvSpPr>
-        <p:spPr/>
+        <p:spPr>
+          <a:xfrm>
+            <a:off x="2886765" y="4414123"/>
+            <a:ext cx="6418471" cy="1432109"/>
+          </a:xfrm>
+        </p:spPr>
         <p:txBody>
-          <a:bodyPr/>
+          <a:bodyPr>
+            <a:normAutofit/>
+          </a:bodyPr>
           <a:lstStyle/>
           <a:p>
-            <a:pPr algn="r"/>
             <a:r>
-              <a:rPr lang="ko-KR" altLang="en-US" dirty="0"/>
+              <a:rPr lang="ko-KR" altLang="en-US" sz="2000">
+                <a:solidFill>
+                  <a:schemeClr val="bg1"/>
+                </a:solidFill>
+              </a:rPr>
               <a:t>산업인공지능학과</a:t>
             </a:r>
             <a:br>
-              <a:rPr lang="en-US" altLang="ko-KR" dirty="0"/>
+              <a:rPr lang="en-US" altLang="ko-KR" sz="2000">
+                <a:solidFill>
+                  <a:schemeClr val="bg1"/>
+                </a:solidFill>
+              </a:rPr>
             </a:br>
             <a:r>
-              <a:rPr lang="en-US" altLang="ko-KR" dirty="0"/>
+              <a:rPr lang="en-US" altLang="ko-KR" sz="2000">
+                <a:solidFill>
+                  <a:schemeClr val="bg1"/>
+                </a:solidFill>
+              </a:rPr>
               <a:t>2021254005 </a:t>
             </a:r>
             <a:r>
-              <a:rPr lang="ko-KR" altLang="en-US" dirty="0"/>
+              <a:rPr lang="ko-KR" altLang="en-US" sz="2000">
+                <a:solidFill>
+                  <a:schemeClr val="bg1"/>
+                </a:solidFill>
+              </a:rPr>
               <a:t>김준태</a:t>
             </a:r>
+          </a:p>
+        </p:txBody>
+      </p:sp>
+      <p:sp>
+        <p:nvSpPr>
+          <p:cNvPr id="28" name="Oval 27">
+            <a:extLst>
+              <a:ext uri="{FF2B5EF4-FFF2-40B4-BE49-F238E27FC236}">
+                <a16:creationId xmlns:a16="http://schemas.microsoft.com/office/drawing/2014/main" id="{4D1A5E71-B6B6-486A-8CDC-C7ABD9B903F6}"/>
+              </a:ext>
+              <a:ext uri="{C183D7F6-B498-43B3-948B-1728B52AA6E4}">
+                <adec:decorative xmlns:adec="http://schemas.microsoft.com/office/drawing/2017/decorative" val="1"/>
+              </a:ext>
+            </a:extLst>
+          </p:cNvPr>
+          <p:cNvSpPr>
+            <a:spLocks noGrp="1" noRot="1" noChangeAspect="1" noMove="1" noResize="1" noEditPoints="1" noAdjustHandles="1" noChangeArrowheads="1" noChangeShapeType="1" noTextEdit="1"/>
+          </p:cNvSpPr>
+          <p:nvPr>
+            <p:extLst>
+              <p:ext uri="{386F3935-93C4-4BCD-93E2-E3B085C9AB24}">
+                <p16:designElem xmlns:p16="http://schemas.microsoft.com/office/powerpoint/2015/main" val="1"/>
+              </p:ext>
+            </p:extLst>
+          </p:nvPr>
+        </p:nvSpPr>
+        <p:spPr>
+          <a:xfrm>
+            <a:off x="1429446" y="4786746"/>
+            <a:ext cx="620727" cy="620727"/>
+          </a:xfrm>
+          <a:prstGeom prst="ellipse">
+            <a:avLst/>
+          </a:prstGeom>
+          <a:solidFill>
+            <a:srgbClr val="FFFFFF"/>
+          </a:solidFill>
+          <a:ln w="28575">
+            <a:solidFill>
+              <a:schemeClr val="tx1"/>
+            </a:solidFill>
+          </a:ln>
+        </p:spPr>
+        <p:style>
+          <a:lnRef idx="2">
+            <a:schemeClr val="accent1">
+              <a:shade val="50000"/>
+            </a:schemeClr>
+          </a:lnRef>
+          <a:fillRef idx="1">
+            <a:schemeClr val="accent1"/>
+          </a:fillRef>
+          <a:effectRef idx="0">
+            <a:schemeClr val="accent1"/>
+          </a:effectRef>
+          <a:fontRef idx="minor">
+            <a:schemeClr val="lt1"/>
+          </a:fontRef>
+        </p:style>
+        <p:txBody>
+          <a:bodyPr rot="0" spcFirstLastPara="0" vertOverflow="overflow" horzOverflow="overflow" vert="horz" wrap="square" lIns="91440" tIns="45720" rIns="91440" bIns="45720" numCol="1" spcCol="0" rtlCol="0" fromWordArt="0" anchor="ctr" anchorCtr="0" forceAA="0" compatLnSpc="1">
+            <a:prstTxWarp prst="textNoShape">
+              <a:avLst/>
+            </a:prstTxWarp>
+            <a:noAutofit/>
+          </a:bodyPr>
+          <a:lstStyle/>
+          <a:p>
+            <a:pPr algn="ctr"/>
+            <a:endParaRPr lang="en-US"/>
+          </a:p>
+        </p:txBody>
+      </p:sp>
+      <p:sp>
+        <p:nvSpPr>
+          <p:cNvPr id="30" name="Oval 29">
+            <a:extLst>
+              <a:ext uri="{FF2B5EF4-FFF2-40B4-BE49-F238E27FC236}">
+                <a16:creationId xmlns:a16="http://schemas.microsoft.com/office/drawing/2014/main" id="{B6C541AE-9B02-44C0-B8C6-B2DEA7ED3813}"/>
+              </a:ext>
+              <a:ext uri="{C183D7F6-B498-43B3-948B-1728B52AA6E4}">
+                <adec:decorative xmlns:adec="http://schemas.microsoft.com/office/drawing/2017/decorative" val="1"/>
+              </a:ext>
+            </a:extLst>
+          </p:cNvPr>
+          <p:cNvSpPr>
+            <a:spLocks noGrp="1" noRot="1" noChangeAspect="1" noMove="1" noResize="1" noEditPoints="1" noAdjustHandles="1" noChangeArrowheads="1" noChangeShapeType="1" noTextEdit="1"/>
+          </p:cNvSpPr>
+          <p:nvPr>
+            <p:extLst>
+              <p:ext uri="{386F3935-93C4-4BCD-93E2-E3B085C9AB24}">
+                <p16:designElem xmlns:p16="http://schemas.microsoft.com/office/powerpoint/2015/main" val="1"/>
+              </p:ext>
+            </p:extLst>
+          </p:nvPr>
+        </p:nvSpPr>
+        <p:spPr>
+          <a:xfrm>
+            <a:off x="1429446" y="4786746"/>
+            <a:ext cx="620727" cy="620727"/>
+          </a:xfrm>
+          <a:prstGeom prst="ellipse">
+            <a:avLst/>
+          </a:prstGeom>
+          <a:solidFill>
+            <a:schemeClr val="accent6">
+              <a:alpha val="30000"/>
+            </a:schemeClr>
+          </a:solidFill>
+          <a:ln w="28575">
+            <a:solidFill>
+              <a:schemeClr val="bg1"/>
+            </a:solidFill>
+          </a:ln>
+        </p:spPr>
+        <p:style>
+          <a:lnRef idx="2">
+            <a:schemeClr val="accent1">
+              <a:shade val="50000"/>
+            </a:schemeClr>
+          </a:lnRef>
+          <a:fillRef idx="1">
+            <a:schemeClr val="accent1"/>
+          </a:fillRef>
+          <a:effectRef idx="0">
+            <a:schemeClr val="accent1"/>
+          </a:effectRef>
+          <a:fontRef idx="minor">
+            <a:schemeClr val="lt1"/>
+          </a:fontRef>
+        </p:style>
+        <p:txBody>
+          <a:bodyPr rot="0" spcFirstLastPara="0" vertOverflow="overflow" horzOverflow="overflow" vert="horz" wrap="square" lIns="91440" tIns="45720" rIns="91440" bIns="45720" numCol="1" spcCol="0" rtlCol="0" fromWordArt="0" anchor="ctr" anchorCtr="0" forceAA="0" compatLnSpc="1">
+            <a:prstTxWarp prst="textNoShape">
+              <a:avLst/>
+            </a:prstTxWarp>
+            <a:noAutofit/>
+          </a:bodyPr>
+          <a:lstStyle/>
+          <a:p>
+            <a:pPr algn="ctr"/>
+            <a:endParaRPr lang="en-US"/>
           </a:p>
         </p:txBody>
       </p:sp>
@@ -3421,6 +4966,14 @@
 <file path=ppt/slides/slide2.xml><?xml version="1.0" encoding="utf-8"?>
 <p:sld xmlns:a="http://schemas.openxmlformats.org/drawingml/2006/main" xmlns:r="http://schemas.openxmlformats.org/officeDocument/2006/relationships" xmlns:p="http://schemas.openxmlformats.org/presentationml/2006/main">
   <p:cSld>
+    <p:bg>
+      <p:bgPr>
+        <a:solidFill>
+          <a:schemeClr val="bg1"/>
+        </a:solidFill>
+        <a:effectLst/>
+      </p:bgPr>
+    </p:bg>
     <p:spTree>
       <p:nvGrpSpPr>
         <p:cNvPr id="1" name=""/>
@@ -3437,6 +4990,69 @@
       </p:grpSpPr>
       <p:sp>
         <p:nvSpPr>
+          <p:cNvPr id="8" name="Rectangle 7">
+            <a:extLst>
+              <a:ext uri="{FF2B5EF4-FFF2-40B4-BE49-F238E27FC236}">
+                <a16:creationId xmlns:a16="http://schemas.microsoft.com/office/drawing/2014/main" id="{5A0118C5-4F8D-4CF4-BADD-53FEACC6C42A}"/>
+              </a:ext>
+              <a:ext uri="{C183D7F6-B498-43B3-948B-1728B52AA6E4}">
+                <adec:decorative xmlns:adec="http://schemas.microsoft.com/office/drawing/2017/decorative" val="1"/>
+              </a:ext>
+            </a:extLst>
+          </p:cNvPr>
+          <p:cNvSpPr>
+            <a:spLocks noGrp="1" noRot="1" noChangeAspect="1" noMove="1" noResize="1" noEditPoints="1" noAdjustHandles="1" noChangeArrowheads="1" noChangeShapeType="1" noTextEdit="1"/>
+          </p:cNvSpPr>
+          <p:nvPr>
+            <p:extLst>
+              <p:ext uri="{386F3935-93C4-4BCD-93E2-E3B085C9AB24}">
+                <p16:designElem xmlns:p16="http://schemas.microsoft.com/office/powerpoint/2015/main" val="1"/>
+              </p:ext>
+            </p:extLst>
+          </p:nvPr>
+        </p:nvSpPr>
+        <p:spPr>
+          <a:xfrm>
+            <a:off x="0" y="0"/>
+            <a:ext cx="12192000" cy="6858000"/>
+          </a:xfrm>
+          <a:prstGeom prst="rect">
+            <a:avLst/>
+          </a:prstGeom>
+          <a:solidFill>
+            <a:schemeClr val="tx1"/>
+          </a:solidFill>
+          <a:ln>
+            <a:noFill/>
+          </a:ln>
+        </p:spPr>
+        <p:style>
+          <a:lnRef idx="2">
+            <a:schemeClr val="accent1">
+              <a:shade val="50000"/>
+            </a:schemeClr>
+          </a:lnRef>
+          <a:fillRef idx="1">
+            <a:schemeClr val="accent1"/>
+          </a:fillRef>
+          <a:effectRef idx="0">
+            <a:schemeClr val="accent1"/>
+          </a:effectRef>
+          <a:fontRef idx="minor">
+            <a:schemeClr val="lt1"/>
+          </a:fontRef>
+        </p:style>
+        <p:txBody>
+          <a:bodyPr rtlCol="0" anchor="ctr"/>
+          <a:lstStyle/>
+          <a:p>
+            <a:pPr algn="ctr"/>
+            <a:endParaRPr lang="en-US" dirty="0"/>
+          </a:p>
+        </p:txBody>
+      </p:sp>
+      <p:sp>
+        <p:nvSpPr>
           <p:cNvPr id="2" name="제목 1">
             <a:extLst>
               <a:ext uri="{FF2B5EF4-FFF2-40B4-BE49-F238E27FC236}">
@@ -3451,15 +5067,1856 @@
             <p:ph type="title"/>
           </p:nvPr>
         </p:nvSpPr>
-        <p:spPr/>
+        <p:spPr>
+          <a:xfrm>
+            <a:off x="1102368" y="694268"/>
+            <a:ext cx="3553510" cy="5477932"/>
+          </a:xfrm>
+        </p:spPr>
         <p:txBody>
-          <a:bodyPr/>
+          <a:bodyPr>
+            <a:normAutofit/>
+          </a:bodyPr>
           <a:lstStyle/>
           <a:p>
+            <a:pPr algn="ctr"/>
             <a:r>
-              <a:rPr lang="ko-KR" altLang="en-US" dirty="0"/>
+              <a:rPr lang="ko-KR" altLang="en-US">
+                <a:solidFill>
+                  <a:schemeClr val="bg1"/>
+                </a:solidFill>
+              </a:rPr>
               <a:t>목차</a:t>
             </a:r>
+          </a:p>
+        </p:txBody>
+      </p:sp>
+      <p:grpSp>
+        <p:nvGrpSpPr>
+          <p:cNvPr id="10" name="Graphic 38">
+            <a:extLst>
+              <a:ext uri="{FF2B5EF4-FFF2-40B4-BE49-F238E27FC236}">
+                <a16:creationId xmlns:a16="http://schemas.microsoft.com/office/drawing/2014/main" id="{1E8369D0-2C3B-4E27-AC6C-A246AC28CDA1}"/>
+              </a:ext>
+              <a:ext uri="{C183D7F6-B498-43B3-948B-1728B52AA6E4}">
+                <adec:decorative xmlns:adec="http://schemas.microsoft.com/office/drawing/2017/decorative" val="1"/>
+              </a:ext>
+            </a:extLst>
+          </p:cNvPr>
+          <p:cNvGrpSpPr>
+            <a:grpSpLocks noGrp="1" noUngrp="1" noRot="1" noChangeAspect="1" noMove="1" noResize="1"/>
+          </p:cNvGrpSpPr>
+          <p:nvPr>
+            <p:extLst>
+              <p:ext uri="{386F3935-93C4-4BCD-93E2-E3B085C9AB24}">
+                <p16:designElem xmlns:p16="http://schemas.microsoft.com/office/powerpoint/2015/main" val="1"/>
+              </p:ext>
+            </p:extLst>
+          </p:nvPr>
+        </p:nvGrpSpPr>
+        <p:grpSpPr>
+          <a:xfrm>
+            <a:off x="0" y="202912"/>
+            <a:ext cx="1910252" cy="709660"/>
+            <a:chOff x="2267504" y="2540250"/>
+            <a:chExt cx="1990951" cy="739640"/>
+          </a:xfrm>
+          <a:solidFill>
+            <a:schemeClr val="bg1"/>
+          </a:solidFill>
+        </p:grpSpPr>
+        <p:sp>
+          <p:nvSpPr>
+            <p:cNvPr id="11" name="Freeform: Shape 10">
+              <a:extLst>
+                <a:ext uri="{FF2B5EF4-FFF2-40B4-BE49-F238E27FC236}">
+                  <a16:creationId xmlns:a16="http://schemas.microsoft.com/office/drawing/2014/main" id="{A3D5586F-4573-4C57-9793-1EBFDC896340}"/>
+                </a:ext>
+                <a:ext uri="{C183D7F6-B498-43B3-948B-1728B52AA6E4}">
+                  <adec:decorative xmlns:adec="http://schemas.microsoft.com/office/drawing/2017/decorative" val="1"/>
+                </a:ext>
+              </a:extLst>
+            </p:cNvPr>
+            <p:cNvSpPr/>
+            <p:nvPr>
+              <p:extLst>
+                <p:ext uri="{386F3935-93C4-4BCD-93E2-E3B085C9AB24}">
+                  <p16:designElem xmlns:p16="http://schemas.microsoft.com/office/powerpoint/2015/main" val="1"/>
+                </p:ext>
+              </p:extLst>
+            </p:nvPr>
+          </p:nvSpPr>
+          <p:spPr>
+            <a:xfrm>
+              <a:off x="2267504" y="2540250"/>
+              <a:ext cx="1990951" cy="286230"/>
+            </a:xfrm>
+            <a:custGeom>
+              <a:avLst/>
+              <a:gdLst>
+                <a:gd name="connsiteX0" fmla="*/ 1489414 w 1990951"/>
+                <a:gd name="connsiteY0" fmla="*/ 286231 h 286230"/>
+                <a:gd name="connsiteX1" fmla="*/ 1243712 w 1990951"/>
+                <a:gd name="connsiteY1" fmla="*/ 40528 h 286230"/>
+                <a:gd name="connsiteX2" fmla="*/ 995476 w 1990951"/>
+                <a:gd name="connsiteY2" fmla="*/ 286231 h 286230"/>
+                <a:gd name="connsiteX3" fmla="*/ 749773 w 1990951"/>
+                <a:gd name="connsiteY3" fmla="*/ 40528 h 286230"/>
+                <a:gd name="connsiteX4" fmla="*/ 504071 w 1990951"/>
+                <a:gd name="connsiteY4" fmla="*/ 286231 h 286230"/>
+                <a:gd name="connsiteX5" fmla="*/ 255835 w 1990951"/>
+                <a:gd name="connsiteY5" fmla="*/ 40528 h 286230"/>
+                <a:gd name="connsiteX6" fmla="*/ 20264 w 1990951"/>
+                <a:gd name="connsiteY6" fmla="*/ 276099 h 286230"/>
+                <a:gd name="connsiteX7" fmla="*/ 0 w 1990951"/>
+                <a:gd name="connsiteY7" fmla="*/ 255835 h 286230"/>
+                <a:gd name="connsiteX8" fmla="*/ 255835 w 1990951"/>
+                <a:gd name="connsiteY8" fmla="*/ 0 h 286230"/>
+                <a:gd name="connsiteX9" fmla="*/ 504071 w 1990951"/>
+                <a:gd name="connsiteY9" fmla="*/ 245703 h 286230"/>
+                <a:gd name="connsiteX10" fmla="*/ 749773 w 1990951"/>
+                <a:gd name="connsiteY10" fmla="*/ 0 h 286230"/>
+                <a:gd name="connsiteX11" fmla="*/ 995476 w 1990951"/>
+                <a:gd name="connsiteY11" fmla="*/ 245703 h 286230"/>
+                <a:gd name="connsiteX12" fmla="*/ 1243712 w 1990951"/>
+                <a:gd name="connsiteY12" fmla="*/ 0 h 286230"/>
+                <a:gd name="connsiteX13" fmla="*/ 1489414 w 1990951"/>
+                <a:gd name="connsiteY13" fmla="*/ 245703 h 286230"/>
+                <a:gd name="connsiteX14" fmla="*/ 1735117 w 1990951"/>
+                <a:gd name="connsiteY14" fmla="*/ 0 h 286230"/>
+                <a:gd name="connsiteX15" fmla="*/ 1990952 w 1990951"/>
+                <a:gd name="connsiteY15" fmla="*/ 255835 h 286230"/>
+                <a:gd name="connsiteX16" fmla="*/ 1973221 w 1990951"/>
+                <a:gd name="connsiteY16" fmla="*/ 276099 h 286230"/>
+                <a:gd name="connsiteX17" fmla="*/ 1735117 w 1990951"/>
+                <a:gd name="connsiteY17" fmla="*/ 40528 h 286230"/>
+              </a:gdLst>
+              <a:ahLst/>
+              <a:cxnLst>
+                <a:cxn ang="0">
+                  <a:pos x="connsiteX0" y="connsiteY0"/>
+                </a:cxn>
+                <a:cxn ang="0">
+                  <a:pos x="connsiteX1" y="connsiteY1"/>
+                </a:cxn>
+                <a:cxn ang="0">
+                  <a:pos x="connsiteX2" y="connsiteY2"/>
+                </a:cxn>
+                <a:cxn ang="0">
+                  <a:pos x="connsiteX3" y="connsiteY3"/>
+                </a:cxn>
+                <a:cxn ang="0">
+                  <a:pos x="connsiteX4" y="connsiteY4"/>
+                </a:cxn>
+                <a:cxn ang="0">
+                  <a:pos x="connsiteX5" y="connsiteY5"/>
+                </a:cxn>
+                <a:cxn ang="0">
+                  <a:pos x="connsiteX6" y="connsiteY6"/>
+                </a:cxn>
+                <a:cxn ang="0">
+                  <a:pos x="connsiteX7" y="connsiteY7"/>
+                </a:cxn>
+                <a:cxn ang="0">
+                  <a:pos x="connsiteX8" y="connsiteY8"/>
+                </a:cxn>
+                <a:cxn ang="0">
+                  <a:pos x="connsiteX9" y="connsiteY9"/>
+                </a:cxn>
+                <a:cxn ang="0">
+                  <a:pos x="connsiteX10" y="connsiteY10"/>
+                </a:cxn>
+                <a:cxn ang="0">
+                  <a:pos x="connsiteX11" y="connsiteY11"/>
+                </a:cxn>
+                <a:cxn ang="0">
+                  <a:pos x="connsiteX12" y="connsiteY12"/>
+                </a:cxn>
+                <a:cxn ang="0">
+                  <a:pos x="connsiteX13" y="connsiteY13"/>
+                </a:cxn>
+                <a:cxn ang="0">
+                  <a:pos x="connsiteX14" y="connsiteY14"/>
+                </a:cxn>
+                <a:cxn ang="0">
+                  <a:pos x="connsiteX15" y="connsiteY15"/>
+                </a:cxn>
+                <a:cxn ang="0">
+                  <a:pos x="connsiteX16" y="connsiteY16"/>
+                </a:cxn>
+                <a:cxn ang="0">
+                  <a:pos x="connsiteX17" y="connsiteY17"/>
+                </a:cxn>
+              </a:cxnLst>
+              <a:rect l="l" t="t" r="r" b="b"/>
+              <a:pathLst>
+                <a:path w="1990951" h="286230">
+                  <a:moveTo>
+                    <a:pt x="1489414" y="286231"/>
+                  </a:moveTo>
+                  <a:lnTo>
+                    <a:pt x="1243712" y="40528"/>
+                  </a:lnTo>
+                  <a:lnTo>
+                    <a:pt x="995476" y="286231"/>
+                  </a:lnTo>
+                  <a:lnTo>
+                    <a:pt x="749773" y="40528"/>
+                  </a:lnTo>
+                  <a:lnTo>
+                    <a:pt x="504071" y="286231"/>
+                  </a:lnTo>
+                  <a:lnTo>
+                    <a:pt x="255835" y="40528"/>
+                  </a:lnTo>
+                  <a:lnTo>
+                    <a:pt x="20264" y="276099"/>
+                  </a:lnTo>
+                  <a:lnTo>
+                    <a:pt x="0" y="255835"/>
+                  </a:lnTo>
+                  <a:lnTo>
+                    <a:pt x="255835" y="0"/>
+                  </a:lnTo>
+                  <a:lnTo>
+                    <a:pt x="504071" y="245703"/>
+                  </a:lnTo>
+                  <a:lnTo>
+                    <a:pt x="749773" y="0"/>
+                  </a:lnTo>
+                  <a:lnTo>
+                    <a:pt x="995476" y="245703"/>
+                  </a:lnTo>
+                  <a:lnTo>
+                    <a:pt x="1243712" y="0"/>
+                  </a:lnTo>
+                  <a:lnTo>
+                    <a:pt x="1489414" y="245703"/>
+                  </a:lnTo>
+                  <a:lnTo>
+                    <a:pt x="1735117" y="0"/>
+                  </a:lnTo>
+                  <a:lnTo>
+                    <a:pt x="1990952" y="255835"/>
+                  </a:lnTo>
+                  <a:lnTo>
+                    <a:pt x="1973221" y="276099"/>
+                  </a:lnTo>
+                  <a:lnTo>
+                    <a:pt x="1735117" y="40528"/>
+                  </a:lnTo>
+                  <a:close/>
+                </a:path>
+              </a:pathLst>
+            </a:custGeom>
+            <a:grpFill/>
+            <a:ln w="25320" cap="flat">
+              <a:noFill/>
+              <a:prstDash val="solid"/>
+              <a:miter/>
+            </a:ln>
+          </p:spPr>
+          <p:txBody>
+            <a:bodyPr rtlCol="0" anchor="ctr"/>
+            <a:lstStyle/>
+            <a:p>
+              <a:endParaRPr lang="en-US" dirty="0"/>
+            </a:p>
+          </p:txBody>
+        </p:sp>
+        <p:sp>
+          <p:nvSpPr>
+            <p:cNvPr id="12" name="Freeform: Shape 11">
+              <a:extLst>
+                <a:ext uri="{FF2B5EF4-FFF2-40B4-BE49-F238E27FC236}">
+                  <a16:creationId xmlns:a16="http://schemas.microsoft.com/office/drawing/2014/main" id="{5EED35EF-93A0-4921-941C-ECC67AE2A4D2}"/>
+                </a:ext>
+                <a:ext uri="{C183D7F6-B498-43B3-948B-1728B52AA6E4}">
+                  <adec:decorative xmlns:adec="http://schemas.microsoft.com/office/drawing/2017/decorative" val="1"/>
+                </a:ext>
+              </a:extLst>
+            </p:cNvPr>
+            <p:cNvSpPr/>
+            <p:nvPr>
+              <p:extLst>
+                <p:ext uri="{386F3935-93C4-4BCD-93E2-E3B085C9AB24}">
+                  <p16:designElem xmlns:p16="http://schemas.microsoft.com/office/powerpoint/2015/main" val="1"/>
+                </p:ext>
+              </p:extLst>
+            </p:nvPr>
+          </p:nvSpPr>
+          <p:spPr>
+            <a:xfrm>
+              <a:off x="2267504" y="2993660"/>
+              <a:ext cx="1990951" cy="286230"/>
+            </a:xfrm>
+            <a:custGeom>
+              <a:avLst/>
+              <a:gdLst>
+                <a:gd name="connsiteX0" fmla="*/ 1489414 w 1990951"/>
+                <a:gd name="connsiteY0" fmla="*/ 286231 h 286230"/>
+                <a:gd name="connsiteX1" fmla="*/ 1243712 w 1990951"/>
+                <a:gd name="connsiteY1" fmla="*/ 40528 h 286230"/>
+                <a:gd name="connsiteX2" fmla="*/ 995476 w 1990951"/>
+                <a:gd name="connsiteY2" fmla="*/ 286231 h 286230"/>
+                <a:gd name="connsiteX3" fmla="*/ 749773 w 1990951"/>
+                <a:gd name="connsiteY3" fmla="*/ 40528 h 286230"/>
+                <a:gd name="connsiteX4" fmla="*/ 504071 w 1990951"/>
+                <a:gd name="connsiteY4" fmla="*/ 286231 h 286230"/>
+                <a:gd name="connsiteX5" fmla="*/ 255835 w 1990951"/>
+                <a:gd name="connsiteY5" fmla="*/ 40528 h 286230"/>
+                <a:gd name="connsiteX6" fmla="*/ 20264 w 1990951"/>
+                <a:gd name="connsiteY6" fmla="*/ 276099 h 286230"/>
+                <a:gd name="connsiteX7" fmla="*/ 0 w 1990951"/>
+                <a:gd name="connsiteY7" fmla="*/ 258368 h 286230"/>
+                <a:gd name="connsiteX8" fmla="*/ 255835 w 1990951"/>
+                <a:gd name="connsiteY8" fmla="*/ 0 h 286230"/>
+                <a:gd name="connsiteX9" fmla="*/ 504071 w 1990951"/>
+                <a:gd name="connsiteY9" fmla="*/ 248236 h 286230"/>
+                <a:gd name="connsiteX10" fmla="*/ 749773 w 1990951"/>
+                <a:gd name="connsiteY10" fmla="*/ 0 h 286230"/>
+                <a:gd name="connsiteX11" fmla="*/ 995476 w 1990951"/>
+                <a:gd name="connsiteY11" fmla="*/ 248236 h 286230"/>
+                <a:gd name="connsiteX12" fmla="*/ 1243712 w 1990951"/>
+                <a:gd name="connsiteY12" fmla="*/ 0 h 286230"/>
+                <a:gd name="connsiteX13" fmla="*/ 1489414 w 1990951"/>
+                <a:gd name="connsiteY13" fmla="*/ 248236 h 286230"/>
+                <a:gd name="connsiteX14" fmla="*/ 1735117 w 1990951"/>
+                <a:gd name="connsiteY14" fmla="*/ 0 h 286230"/>
+                <a:gd name="connsiteX15" fmla="*/ 1990952 w 1990951"/>
+                <a:gd name="connsiteY15" fmla="*/ 258368 h 286230"/>
+                <a:gd name="connsiteX16" fmla="*/ 1973221 w 1990951"/>
+                <a:gd name="connsiteY16" fmla="*/ 276099 h 286230"/>
+                <a:gd name="connsiteX17" fmla="*/ 1735117 w 1990951"/>
+                <a:gd name="connsiteY17" fmla="*/ 40528 h 286230"/>
+              </a:gdLst>
+              <a:ahLst/>
+              <a:cxnLst>
+                <a:cxn ang="0">
+                  <a:pos x="connsiteX0" y="connsiteY0"/>
+                </a:cxn>
+                <a:cxn ang="0">
+                  <a:pos x="connsiteX1" y="connsiteY1"/>
+                </a:cxn>
+                <a:cxn ang="0">
+                  <a:pos x="connsiteX2" y="connsiteY2"/>
+                </a:cxn>
+                <a:cxn ang="0">
+                  <a:pos x="connsiteX3" y="connsiteY3"/>
+                </a:cxn>
+                <a:cxn ang="0">
+                  <a:pos x="connsiteX4" y="connsiteY4"/>
+                </a:cxn>
+                <a:cxn ang="0">
+                  <a:pos x="connsiteX5" y="connsiteY5"/>
+                </a:cxn>
+                <a:cxn ang="0">
+                  <a:pos x="connsiteX6" y="connsiteY6"/>
+                </a:cxn>
+                <a:cxn ang="0">
+                  <a:pos x="connsiteX7" y="connsiteY7"/>
+                </a:cxn>
+                <a:cxn ang="0">
+                  <a:pos x="connsiteX8" y="connsiteY8"/>
+                </a:cxn>
+                <a:cxn ang="0">
+                  <a:pos x="connsiteX9" y="connsiteY9"/>
+                </a:cxn>
+                <a:cxn ang="0">
+                  <a:pos x="connsiteX10" y="connsiteY10"/>
+                </a:cxn>
+                <a:cxn ang="0">
+                  <a:pos x="connsiteX11" y="connsiteY11"/>
+                </a:cxn>
+                <a:cxn ang="0">
+                  <a:pos x="connsiteX12" y="connsiteY12"/>
+                </a:cxn>
+                <a:cxn ang="0">
+                  <a:pos x="connsiteX13" y="connsiteY13"/>
+                </a:cxn>
+                <a:cxn ang="0">
+                  <a:pos x="connsiteX14" y="connsiteY14"/>
+                </a:cxn>
+                <a:cxn ang="0">
+                  <a:pos x="connsiteX15" y="connsiteY15"/>
+                </a:cxn>
+                <a:cxn ang="0">
+                  <a:pos x="connsiteX16" y="connsiteY16"/>
+                </a:cxn>
+                <a:cxn ang="0">
+                  <a:pos x="connsiteX17" y="connsiteY17"/>
+                </a:cxn>
+              </a:cxnLst>
+              <a:rect l="l" t="t" r="r" b="b"/>
+              <a:pathLst>
+                <a:path w="1990951" h="286230">
+                  <a:moveTo>
+                    <a:pt x="1489414" y="286231"/>
+                  </a:moveTo>
+                  <a:lnTo>
+                    <a:pt x="1243712" y="40528"/>
+                  </a:lnTo>
+                  <a:lnTo>
+                    <a:pt x="995476" y="286231"/>
+                  </a:lnTo>
+                  <a:lnTo>
+                    <a:pt x="749773" y="40528"/>
+                  </a:lnTo>
+                  <a:lnTo>
+                    <a:pt x="504071" y="286231"/>
+                  </a:lnTo>
+                  <a:lnTo>
+                    <a:pt x="255835" y="40528"/>
+                  </a:lnTo>
+                  <a:lnTo>
+                    <a:pt x="20264" y="276099"/>
+                  </a:lnTo>
+                  <a:lnTo>
+                    <a:pt x="0" y="258368"/>
+                  </a:lnTo>
+                  <a:lnTo>
+                    <a:pt x="255835" y="0"/>
+                  </a:lnTo>
+                  <a:lnTo>
+                    <a:pt x="504071" y="248236"/>
+                  </a:lnTo>
+                  <a:lnTo>
+                    <a:pt x="749773" y="0"/>
+                  </a:lnTo>
+                  <a:lnTo>
+                    <a:pt x="995476" y="248236"/>
+                  </a:lnTo>
+                  <a:lnTo>
+                    <a:pt x="1243712" y="0"/>
+                  </a:lnTo>
+                  <a:lnTo>
+                    <a:pt x="1489414" y="248236"/>
+                  </a:lnTo>
+                  <a:lnTo>
+                    <a:pt x="1735117" y="0"/>
+                  </a:lnTo>
+                  <a:lnTo>
+                    <a:pt x="1990952" y="258368"/>
+                  </a:lnTo>
+                  <a:lnTo>
+                    <a:pt x="1973221" y="276099"/>
+                  </a:lnTo>
+                  <a:lnTo>
+                    <a:pt x="1735117" y="40528"/>
+                  </a:lnTo>
+                  <a:close/>
+                </a:path>
+              </a:pathLst>
+            </a:custGeom>
+            <a:grpFill/>
+            <a:ln w="25320" cap="flat">
+              <a:noFill/>
+              <a:prstDash val="solid"/>
+              <a:miter/>
+            </a:ln>
+          </p:spPr>
+          <p:txBody>
+            <a:bodyPr rtlCol="0" anchor="ctr"/>
+            <a:lstStyle/>
+            <a:p>
+              <a:endParaRPr lang="en-US"/>
+            </a:p>
+          </p:txBody>
+        </p:sp>
+      </p:grpSp>
+      <p:grpSp>
+        <p:nvGrpSpPr>
+          <p:cNvPr id="14" name="Graphic 4">
+            <a:extLst>
+              <a:ext uri="{FF2B5EF4-FFF2-40B4-BE49-F238E27FC236}">
+                <a16:creationId xmlns:a16="http://schemas.microsoft.com/office/drawing/2014/main" id="{C6F74901-2A71-43C3-837C-27CCD6B6D636}"/>
+              </a:ext>
+              <a:ext uri="{C183D7F6-B498-43B3-948B-1728B52AA6E4}">
+                <adec:decorative xmlns:adec="http://schemas.microsoft.com/office/drawing/2017/decorative" val="1"/>
+              </a:ext>
+            </a:extLst>
+          </p:cNvPr>
+          <p:cNvGrpSpPr>
+            <a:grpSpLocks noGrp="1" noUngrp="1" noRot="1" noChangeAspect="1" noMove="1" noResize="1"/>
+          </p:cNvGrpSpPr>
+          <p:nvPr>
+            <p:extLst>
+              <p:ext uri="{386F3935-93C4-4BCD-93E2-E3B085C9AB24}">
+                <p16:designElem xmlns:p16="http://schemas.microsoft.com/office/powerpoint/2015/main" val="1"/>
+              </p:ext>
+            </p:extLst>
+          </p:nvPr>
+        </p:nvGrpSpPr>
+        <p:grpSpPr>
+          <a:xfrm>
+            <a:off x="4737426" y="2203010"/>
+            <a:ext cx="975169" cy="975171"/>
+            <a:chOff x="5829300" y="3162300"/>
+            <a:chExt cx="532256" cy="532257"/>
+          </a:xfrm>
+          <a:solidFill>
+            <a:schemeClr val="bg1"/>
+          </a:solidFill>
+        </p:grpSpPr>
+        <p:sp>
+          <p:nvSpPr>
+            <p:cNvPr id="15" name="Freeform: Shape 14">
+              <a:extLst>
+                <a:ext uri="{FF2B5EF4-FFF2-40B4-BE49-F238E27FC236}">
+                  <a16:creationId xmlns:a16="http://schemas.microsoft.com/office/drawing/2014/main" id="{A92DF49A-063A-4F60-BE30-D268264925C9}"/>
+                </a:ext>
+                <a:ext uri="{C183D7F6-B498-43B3-948B-1728B52AA6E4}">
+                  <adec:decorative xmlns:adec="http://schemas.microsoft.com/office/drawing/2017/decorative" val="1"/>
+                </a:ext>
+              </a:extLst>
+            </p:cNvPr>
+            <p:cNvSpPr/>
+            <p:nvPr>
+              <p:extLst>
+                <p:ext uri="{386F3935-93C4-4BCD-93E2-E3B085C9AB24}">
+                  <p16:designElem xmlns:p16="http://schemas.microsoft.com/office/powerpoint/2015/main" val="1"/>
+                </p:ext>
+              </p:extLst>
+            </p:nvPr>
+          </p:nvSpPr>
+          <p:spPr>
+            <a:xfrm>
+              <a:off x="5859208" y="3192208"/>
+              <a:ext cx="112966" cy="112966"/>
+            </a:xfrm>
+            <a:custGeom>
+              <a:avLst/>
+              <a:gdLst>
+                <a:gd name="connsiteX0" fmla="*/ 112967 w 112966"/>
+                <a:gd name="connsiteY0" fmla="*/ 0 h 112966"/>
+                <a:gd name="connsiteX1" fmla="*/ 0 w 112966"/>
+                <a:gd name="connsiteY1" fmla="*/ 112967 h 112966"/>
+                <a:gd name="connsiteX2" fmla="*/ 112967 w 112966"/>
+                <a:gd name="connsiteY2" fmla="*/ 0 h 112966"/>
+              </a:gdLst>
+              <a:ahLst/>
+              <a:cxnLst>
+                <a:cxn ang="0">
+                  <a:pos x="connsiteX0" y="connsiteY0"/>
+                </a:cxn>
+                <a:cxn ang="0">
+                  <a:pos x="connsiteX1" y="connsiteY1"/>
+                </a:cxn>
+                <a:cxn ang="0">
+                  <a:pos x="connsiteX2" y="connsiteY2"/>
+                </a:cxn>
+              </a:cxnLst>
+              <a:rect l="l" t="t" r="r" b="b"/>
+              <a:pathLst>
+                <a:path w="112966" h="112966">
+                  <a:moveTo>
+                    <a:pt x="112967" y="0"/>
+                  </a:moveTo>
+                  <a:lnTo>
+                    <a:pt x="0" y="112967"/>
+                  </a:lnTo>
+                  <a:cubicBezTo>
+                    <a:pt x="25356" y="64747"/>
+                    <a:pt x="64747" y="25356"/>
+                    <a:pt x="112967" y="0"/>
+                  </a:cubicBezTo>
+                  <a:close/>
+                </a:path>
+              </a:pathLst>
+            </a:custGeom>
+            <a:grpFill/>
+            <a:ln w="9525" cap="flat">
+              <a:noFill/>
+              <a:prstDash val="solid"/>
+              <a:miter/>
+            </a:ln>
+          </p:spPr>
+          <p:txBody>
+            <a:bodyPr rtlCol="0" anchor="ctr"/>
+            <a:lstStyle/>
+            <a:p>
+              <a:endParaRPr lang="en-US"/>
+            </a:p>
+          </p:txBody>
+        </p:sp>
+        <p:sp>
+          <p:nvSpPr>
+            <p:cNvPr id="16" name="Freeform: Shape 15">
+              <a:extLst>
+                <a:ext uri="{FF2B5EF4-FFF2-40B4-BE49-F238E27FC236}">
+                  <a16:creationId xmlns:a16="http://schemas.microsoft.com/office/drawing/2014/main" id="{70DCBBE0-7DEE-43ED-BEE3-ABB179CFC1D7}"/>
+                </a:ext>
+                <a:ext uri="{C183D7F6-B498-43B3-948B-1728B52AA6E4}">
+                  <adec:decorative xmlns:adec="http://schemas.microsoft.com/office/drawing/2017/decorative" val="1"/>
+                </a:ext>
+              </a:extLst>
+            </p:cNvPr>
+            <p:cNvSpPr/>
+            <p:nvPr>
+              <p:extLst>
+                <p:ext uri="{386F3935-93C4-4BCD-93E2-E3B085C9AB24}">
+                  <p16:designElem xmlns:p16="http://schemas.microsoft.com/office/powerpoint/2015/main" val="1"/>
+                </p:ext>
+              </p:extLst>
+            </p:nvPr>
+          </p:nvSpPr>
+          <p:spPr>
+            <a:xfrm>
+              <a:off x="5831205" y="3164205"/>
+              <a:ext cx="230314" cy="230314"/>
+            </a:xfrm>
+            <a:custGeom>
+              <a:avLst/>
+              <a:gdLst>
+                <a:gd name="connsiteX0" fmla="*/ 230314 w 230314"/>
+                <a:gd name="connsiteY0" fmla="*/ 0 h 230314"/>
+                <a:gd name="connsiteX1" fmla="*/ 0 w 230314"/>
+                <a:gd name="connsiteY1" fmla="*/ 230314 h 230314"/>
+                <a:gd name="connsiteX2" fmla="*/ 3524 w 230314"/>
+                <a:gd name="connsiteY2" fmla="*/ 209550 h 230314"/>
+                <a:gd name="connsiteX3" fmla="*/ 209550 w 230314"/>
+                <a:gd name="connsiteY3" fmla="*/ 3524 h 230314"/>
+                <a:gd name="connsiteX4" fmla="*/ 230314 w 230314"/>
+                <a:gd name="connsiteY4" fmla="*/ 0 h 230314"/>
+              </a:gdLst>
+              <a:ahLst/>
+              <a:cxnLst>
+                <a:cxn ang="0">
+                  <a:pos x="connsiteX0" y="connsiteY0"/>
+                </a:cxn>
+                <a:cxn ang="0">
+                  <a:pos x="connsiteX1" y="connsiteY1"/>
+                </a:cxn>
+                <a:cxn ang="0">
+                  <a:pos x="connsiteX2" y="connsiteY2"/>
+                </a:cxn>
+                <a:cxn ang="0">
+                  <a:pos x="connsiteX3" y="connsiteY3"/>
+                </a:cxn>
+                <a:cxn ang="0">
+                  <a:pos x="connsiteX4" y="connsiteY4"/>
+                </a:cxn>
+              </a:cxnLst>
+              <a:rect l="l" t="t" r="r" b="b"/>
+              <a:pathLst>
+                <a:path w="230314" h="230314">
+                  <a:moveTo>
+                    <a:pt x="230314" y="0"/>
+                  </a:moveTo>
+                  <a:lnTo>
+                    <a:pt x="0" y="230314"/>
+                  </a:lnTo>
+                  <a:cubicBezTo>
+                    <a:pt x="953" y="223361"/>
+                    <a:pt x="2095" y="216408"/>
+                    <a:pt x="3524" y="209550"/>
+                  </a:cubicBezTo>
+                  <a:lnTo>
+                    <a:pt x="209550" y="3524"/>
+                  </a:lnTo>
+                  <a:cubicBezTo>
+                    <a:pt x="216408" y="2095"/>
+                    <a:pt x="223361" y="953"/>
+                    <a:pt x="230314" y="0"/>
+                  </a:cubicBezTo>
+                  <a:close/>
+                </a:path>
+              </a:pathLst>
+            </a:custGeom>
+            <a:grpFill/>
+            <a:ln w="9525" cap="flat">
+              <a:noFill/>
+              <a:prstDash val="solid"/>
+              <a:miter/>
+            </a:ln>
+          </p:spPr>
+          <p:txBody>
+            <a:bodyPr rtlCol="0" anchor="ctr"/>
+            <a:lstStyle/>
+            <a:p>
+              <a:endParaRPr lang="en-US"/>
+            </a:p>
+          </p:txBody>
+        </p:sp>
+        <p:sp>
+          <p:nvSpPr>
+            <p:cNvPr id="17" name="Freeform: Shape 16">
+              <a:extLst>
+                <a:ext uri="{FF2B5EF4-FFF2-40B4-BE49-F238E27FC236}">
+                  <a16:creationId xmlns:a16="http://schemas.microsoft.com/office/drawing/2014/main" id="{539FE8DF-D1B2-4074-9BDF-C458EA01234B}"/>
+                </a:ext>
+                <a:ext uri="{C183D7F6-B498-43B3-948B-1728B52AA6E4}">
+                  <adec:decorative xmlns:adec="http://schemas.microsoft.com/office/drawing/2017/decorative" val="1"/>
+                </a:ext>
+              </a:extLst>
+            </p:cNvPr>
+            <p:cNvSpPr/>
+            <p:nvPr>
+              <p:extLst>
+                <p:ext uri="{386F3935-93C4-4BCD-93E2-E3B085C9AB24}">
+                  <p16:designElem xmlns:p16="http://schemas.microsoft.com/office/powerpoint/2015/main" val="1"/>
+                </p:ext>
+              </p:extLst>
+            </p:nvPr>
+          </p:nvSpPr>
+          <p:spPr>
+            <a:xfrm>
+              <a:off x="5829300" y="3162300"/>
+              <a:ext cx="294131" cy="294131"/>
+            </a:xfrm>
+            <a:custGeom>
+              <a:avLst/>
+              <a:gdLst>
+                <a:gd name="connsiteX0" fmla="*/ 294132 w 294131"/>
+                <a:gd name="connsiteY0" fmla="*/ 1238 h 294131"/>
+                <a:gd name="connsiteX1" fmla="*/ 1238 w 294131"/>
+                <a:gd name="connsiteY1" fmla="*/ 294132 h 294131"/>
+                <a:gd name="connsiteX2" fmla="*/ 0 w 294131"/>
+                <a:gd name="connsiteY2" fmla="*/ 278225 h 294131"/>
+                <a:gd name="connsiteX3" fmla="*/ 278225 w 294131"/>
+                <a:gd name="connsiteY3" fmla="*/ 0 h 294131"/>
+                <a:gd name="connsiteX4" fmla="*/ 294132 w 294131"/>
+                <a:gd name="connsiteY4" fmla="*/ 1238 h 294131"/>
+              </a:gdLst>
+              <a:ahLst/>
+              <a:cxnLst>
+                <a:cxn ang="0">
+                  <a:pos x="connsiteX0" y="connsiteY0"/>
+                </a:cxn>
+                <a:cxn ang="0">
+                  <a:pos x="connsiteX1" y="connsiteY1"/>
+                </a:cxn>
+                <a:cxn ang="0">
+                  <a:pos x="connsiteX2" y="connsiteY2"/>
+                </a:cxn>
+                <a:cxn ang="0">
+                  <a:pos x="connsiteX3" y="connsiteY3"/>
+                </a:cxn>
+                <a:cxn ang="0">
+                  <a:pos x="connsiteX4" y="connsiteY4"/>
+                </a:cxn>
+              </a:cxnLst>
+              <a:rect l="l" t="t" r="r" b="b"/>
+              <a:pathLst>
+                <a:path w="294131" h="294131">
+                  <a:moveTo>
+                    <a:pt x="294132" y="1238"/>
+                  </a:moveTo>
+                  <a:lnTo>
+                    <a:pt x="1238" y="294132"/>
+                  </a:lnTo>
+                  <a:cubicBezTo>
+                    <a:pt x="667" y="288893"/>
+                    <a:pt x="0" y="283559"/>
+                    <a:pt x="0" y="278225"/>
+                  </a:cubicBezTo>
+                  <a:lnTo>
+                    <a:pt x="278225" y="0"/>
+                  </a:lnTo>
+                  <a:cubicBezTo>
+                    <a:pt x="283559" y="0"/>
+                    <a:pt x="288893" y="667"/>
+                    <a:pt x="294132" y="1238"/>
+                  </a:cubicBezTo>
+                  <a:close/>
+                </a:path>
+              </a:pathLst>
+            </a:custGeom>
+            <a:grpFill/>
+            <a:ln w="9525" cap="flat">
+              <a:noFill/>
+              <a:prstDash val="solid"/>
+              <a:miter/>
+            </a:ln>
+          </p:spPr>
+          <p:txBody>
+            <a:bodyPr rtlCol="0" anchor="ctr"/>
+            <a:lstStyle/>
+            <a:p>
+              <a:endParaRPr lang="en-US"/>
+            </a:p>
+          </p:txBody>
+        </p:sp>
+        <p:sp>
+          <p:nvSpPr>
+            <p:cNvPr id="18" name="Freeform: Shape 17">
+              <a:extLst>
+                <a:ext uri="{FF2B5EF4-FFF2-40B4-BE49-F238E27FC236}">
+                  <a16:creationId xmlns:a16="http://schemas.microsoft.com/office/drawing/2014/main" id="{61C143B5-6E24-417D-A035-65747A8E9D5D}"/>
+                </a:ext>
+                <a:ext uri="{C183D7F6-B498-43B3-948B-1728B52AA6E4}">
+                  <adec:decorative xmlns:adec="http://schemas.microsoft.com/office/drawing/2017/decorative" val="1"/>
+                </a:ext>
+              </a:extLst>
+            </p:cNvPr>
+            <p:cNvSpPr/>
+            <p:nvPr>
+              <p:extLst>
+                <p:ext uri="{386F3935-93C4-4BCD-93E2-E3B085C9AB24}">
+                  <p16:designElem xmlns:p16="http://schemas.microsoft.com/office/powerpoint/2015/main" val="1"/>
+                </p:ext>
+              </p:extLst>
+            </p:nvPr>
+          </p:nvSpPr>
+          <p:spPr>
+            <a:xfrm>
+              <a:off x="5837205" y="3170110"/>
+              <a:ext cx="337184" cy="337280"/>
+            </a:xfrm>
+            <a:custGeom>
+              <a:avLst/>
+              <a:gdLst>
+                <a:gd name="connsiteX0" fmla="*/ 337185 w 337184"/>
+                <a:gd name="connsiteY0" fmla="*/ 3905 h 337280"/>
+                <a:gd name="connsiteX1" fmla="*/ 3810 w 337184"/>
+                <a:gd name="connsiteY1" fmla="*/ 337280 h 337280"/>
+                <a:gd name="connsiteX2" fmla="*/ 0 w 337184"/>
+                <a:gd name="connsiteY2" fmla="*/ 323850 h 337280"/>
+                <a:gd name="connsiteX3" fmla="*/ 323850 w 337184"/>
+                <a:gd name="connsiteY3" fmla="*/ 0 h 337280"/>
+                <a:gd name="connsiteX4" fmla="*/ 337185 w 337184"/>
+                <a:gd name="connsiteY4" fmla="*/ 3905 h 337280"/>
+              </a:gdLst>
+              <a:ahLst/>
+              <a:cxnLst>
+                <a:cxn ang="0">
+                  <a:pos x="connsiteX0" y="connsiteY0"/>
+                </a:cxn>
+                <a:cxn ang="0">
+                  <a:pos x="connsiteX1" y="connsiteY1"/>
+                </a:cxn>
+                <a:cxn ang="0">
+                  <a:pos x="connsiteX2" y="connsiteY2"/>
+                </a:cxn>
+                <a:cxn ang="0">
+                  <a:pos x="connsiteX3" y="connsiteY3"/>
+                </a:cxn>
+                <a:cxn ang="0">
+                  <a:pos x="connsiteX4" y="connsiteY4"/>
+                </a:cxn>
+              </a:cxnLst>
+              <a:rect l="l" t="t" r="r" b="b"/>
+              <a:pathLst>
+                <a:path w="337184" h="337280">
+                  <a:moveTo>
+                    <a:pt x="337185" y="3905"/>
+                  </a:moveTo>
+                  <a:lnTo>
+                    <a:pt x="3810" y="337280"/>
+                  </a:lnTo>
+                  <a:cubicBezTo>
+                    <a:pt x="2381" y="332899"/>
+                    <a:pt x="1143" y="328422"/>
+                    <a:pt x="0" y="323850"/>
+                  </a:cubicBezTo>
+                  <a:lnTo>
+                    <a:pt x="323850" y="0"/>
+                  </a:lnTo>
+                  <a:cubicBezTo>
+                    <a:pt x="328327" y="1715"/>
+                    <a:pt x="332804" y="2477"/>
+                    <a:pt x="337185" y="3905"/>
+                  </a:cubicBezTo>
+                  <a:close/>
+                </a:path>
+              </a:pathLst>
+            </a:custGeom>
+            <a:grpFill/>
+            <a:ln w="9525" cap="flat">
+              <a:noFill/>
+              <a:prstDash val="solid"/>
+              <a:miter/>
+            </a:ln>
+          </p:spPr>
+          <p:txBody>
+            <a:bodyPr rtlCol="0" anchor="ctr"/>
+            <a:lstStyle/>
+            <a:p>
+              <a:endParaRPr lang="en-US"/>
+            </a:p>
+          </p:txBody>
+        </p:sp>
+        <p:sp>
+          <p:nvSpPr>
+            <p:cNvPr id="19" name="Freeform: Shape 18">
+              <a:extLst>
+                <a:ext uri="{FF2B5EF4-FFF2-40B4-BE49-F238E27FC236}">
+                  <a16:creationId xmlns:a16="http://schemas.microsoft.com/office/drawing/2014/main" id="{0331ED8C-8819-4FFB-BF3C-FDA6A90D4BCB}"/>
+                </a:ext>
+                <a:ext uri="{C183D7F6-B498-43B3-948B-1728B52AA6E4}">
+                  <adec:decorative xmlns:adec="http://schemas.microsoft.com/office/drawing/2017/decorative" val="1"/>
+                </a:ext>
+              </a:extLst>
+            </p:cNvPr>
+            <p:cNvSpPr/>
+            <p:nvPr>
+              <p:extLst>
+                <p:ext uri="{386F3935-93C4-4BCD-93E2-E3B085C9AB24}">
+                  <p16:designElem xmlns:p16="http://schemas.microsoft.com/office/powerpoint/2015/main" val="1"/>
+                </p:ext>
+              </p:extLst>
+            </p:nvPr>
+          </p:nvSpPr>
+          <p:spPr>
+            <a:xfrm>
+              <a:off x="5853207" y="3186207"/>
+              <a:ext cx="364617" cy="364617"/>
+            </a:xfrm>
+            <a:custGeom>
+              <a:avLst/>
+              <a:gdLst>
+                <a:gd name="connsiteX0" fmla="*/ 364617 w 364617"/>
+                <a:gd name="connsiteY0" fmla="*/ 5620 h 364617"/>
+                <a:gd name="connsiteX1" fmla="*/ 5620 w 364617"/>
+                <a:gd name="connsiteY1" fmla="*/ 364617 h 364617"/>
+                <a:gd name="connsiteX2" fmla="*/ 0 w 364617"/>
+                <a:gd name="connsiteY2" fmla="*/ 353187 h 364617"/>
+                <a:gd name="connsiteX3" fmla="*/ 353187 w 364617"/>
+                <a:gd name="connsiteY3" fmla="*/ 0 h 364617"/>
+                <a:gd name="connsiteX4" fmla="*/ 364617 w 364617"/>
+                <a:gd name="connsiteY4" fmla="*/ 5620 h 364617"/>
+              </a:gdLst>
+              <a:ahLst/>
+              <a:cxnLst>
+                <a:cxn ang="0">
+                  <a:pos x="connsiteX0" y="connsiteY0"/>
+                </a:cxn>
+                <a:cxn ang="0">
+                  <a:pos x="connsiteX1" y="connsiteY1"/>
+                </a:cxn>
+                <a:cxn ang="0">
+                  <a:pos x="connsiteX2" y="connsiteY2"/>
+                </a:cxn>
+                <a:cxn ang="0">
+                  <a:pos x="connsiteX3" y="connsiteY3"/>
+                </a:cxn>
+                <a:cxn ang="0">
+                  <a:pos x="connsiteX4" y="connsiteY4"/>
+                </a:cxn>
+              </a:cxnLst>
+              <a:rect l="l" t="t" r="r" b="b"/>
+              <a:pathLst>
+                <a:path w="364617" h="364617">
+                  <a:moveTo>
+                    <a:pt x="364617" y="5620"/>
+                  </a:moveTo>
+                  <a:lnTo>
+                    <a:pt x="5620" y="364617"/>
+                  </a:lnTo>
+                  <a:cubicBezTo>
+                    <a:pt x="3620" y="360902"/>
+                    <a:pt x="1715" y="357092"/>
+                    <a:pt x="0" y="353187"/>
+                  </a:cubicBezTo>
+                  <a:lnTo>
+                    <a:pt x="353187" y="0"/>
+                  </a:lnTo>
+                  <a:cubicBezTo>
+                    <a:pt x="357092" y="1715"/>
+                    <a:pt x="360902" y="3715"/>
+                    <a:pt x="364617" y="5620"/>
+                  </a:cubicBezTo>
+                  <a:close/>
+                </a:path>
+              </a:pathLst>
+            </a:custGeom>
+            <a:grpFill/>
+            <a:ln w="9525" cap="flat">
+              <a:noFill/>
+              <a:prstDash val="solid"/>
+              <a:miter/>
+            </a:ln>
+          </p:spPr>
+          <p:txBody>
+            <a:bodyPr rtlCol="0" anchor="ctr"/>
+            <a:lstStyle/>
+            <a:p>
+              <a:endParaRPr lang="en-US"/>
+            </a:p>
+          </p:txBody>
+        </p:sp>
+        <p:sp>
+          <p:nvSpPr>
+            <p:cNvPr id="20" name="Freeform: Shape 19">
+              <a:extLst>
+                <a:ext uri="{FF2B5EF4-FFF2-40B4-BE49-F238E27FC236}">
+                  <a16:creationId xmlns:a16="http://schemas.microsoft.com/office/drawing/2014/main" id="{2A39574D-5ECC-4A94-9CB6-646D90DA5A69}"/>
+                </a:ext>
+                <a:ext uri="{C183D7F6-B498-43B3-948B-1728B52AA6E4}">
+                  <adec:decorative xmlns:adec="http://schemas.microsoft.com/office/drawing/2017/decorative" val="1"/>
+                </a:ext>
+              </a:extLst>
+            </p:cNvPr>
+            <p:cNvSpPr/>
+            <p:nvPr>
+              <p:extLst>
+                <p:ext uri="{386F3935-93C4-4BCD-93E2-E3B085C9AB24}">
+                  <p16:designElem xmlns:p16="http://schemas.microsoft.com/office/powerpoint/2015/main" val="1"/>
+                </p:ext>
+              </p:extLst>
+            </p:nvPr>
+          </p:nvSpPr>
+          <p:spPr>
+            <a:xfrm>
+              <a:off x="5875305" y="3208305"/>
+              <a:ext cx="380238" cy="380238"/>
+            </a:xfrm>
+            <a:custGeom>
+              <a:avLst/>
+              <a:gdLst>
+                <a:gd name="connsiteX0" fmla="*/ 380238 w 380238"/>
+                <a:gd name="connsiteY0" fmla="*/ 7239 h 380238"/>
+                <a:gd name="connsiteX1" fmla="*/ 7239 w 380238"/>
+                <a:gd name="connsiteY1" fmla="*/ 380238 h 380238"/>
+                <a:gd name="connsiteX2" fmla="*/ 0 w 380238"/>
+                <a:gd name="connsiteY2" fmla="*/ 370713 h 380238"/>
+                <a:gd name="connsiteX3" fmla="*/ 370237 w 380238"/>
+                <a:gd name="connsiteY3" fmla="*/ 0 h 380238"/>
+                <a:gd name="connsiteX4" fmla="*/ 380238 w 380238"/>
+                <a:gd name="connsiteY4" fmla="*/ 7239 h 380238"/>
+              </a:gdLst>
+              <a:ahLst/>
+              <a:cxnLst>
+                <a:cxn ang="0">
+                  <a:pos x="connsiteX0" y="connsiteY0"/>
+                </a:cxn>
+                <a:cxn ang="0">
+                  <a:pos x="connsiteX1" y="connsiteY1"/>
+                </a:cxn>
+                <a:cxn ang="0">
+                  <a:pos x="connsiteX2" y="connsiteY2"/>
+                </a:cxn>
+                <a:cxn ang="0">
+                  <a:pos x="connsiteX3" y="connsiteY3"/>
+                </a:cxn>
+                <a:cxn ang="0">
+                  <a:pos x="connsiteX4" y="connsiteY4"/>
+                </a:cxn>
+              </a:cxnLst>
+              <a:rect l="l" t="t" r="r" b="b"/>
+              <a:pathLst>
+                <a:path w="380238" h="380238">
+                  <a:moveTo>
+                    <a:pt x="380238" y="7239"/>
+                  </a:moveTo>
+                  <a:lnTo>
+                    <a:pt x="7239" y="380238"/>
+                  </a:lnTo>
+                  <a:cubicBezTo>
+                    <a:pt x="4763" y="377000"/>
+                    <a:pt x="2381" y="373571"/>
+                    <a:pt x="0" y="370713"/>
+                  </a:cubicBezTo>
+                  <a:lnTo>
+                    <a:pt x="370237" y="0"/>
+                  </a:lnTo>
+                  <a:cubicBezTo>
+                    <a:pt x="373571" y="2381"/>
+                    <a:pt x="377000" y="4763"/>
+                    <a:pt x="380238" y="7239"/>
+                  </a:cubicBezTo>
+                  <a:close/>
+                </a:path>
+              </a:pathLst>
+            </a:custGeom>
+            <a:grpFill/>
+            <a:ln w="9525" cap="flat">
+              <a:noFill/>
+              <a:prstDash val="solid"/>
+              <a:miter/>
+            </a:ln>
+          </p:spPr>
+          <p:txBody>
+            <a:bodyPr rtlCol="0" anchor="ctr"/>
+            <a:lstStyle/>
+            <a:p>
+              <a:endParaRPr lang="en-US"/>
+            </a:p>
+          </p:txBody>
+        </p:sp>
+        <p:sp>
+          <p:nvSpPr>
+            <p:cNvPr id="21" name="Freeform: Shape 20">
+              <a:extLst>
+                <a:ext uri="{FF2B5EF4-FFF2-40B4-BE49-F238E27FC236}">
+                  <a16:creationId xmlns:a16="http://schemas.microsoft.com/office/drawing/2014/main" id="{6A73D6F7-977D-4026-8F68-CA63C162C6D3}"/>
+                </a:ext>
+                <a:ext uri="{C183D7F6-B498-43B3-948B-1728B52AA6E4}">
+                  <adec:decorative xmlns:adec="http://schemas.microsoft.com/office/drawing/2017/decorative" val="1"/>
+                </a:ext>
+              </a:extLst>
+            </p:cNvPr>
+            <p:cNvSpPr/>
+            <p:nvPr>
+              <p:extLst>
+                <p:ext uri="{386F3935-93C4-4BCD-93E2-E3B085C9AB24}">
+                  <p16:designElem xmlns:p16="http://schemas.microsoft.com/office/powerpoint/2015/main" val="1"/>
+                </p:ext>
+              </p:extLst>
+            </p:nvPr>
+          </p:nvSpPr>
+          <p:spPr>
+            <a:xfrm>
+              <a:off x="5902832" y="3235832"/>
+              <a:ext cx="385191" cy="385191"/>
+            </a:xfrm>
+            <a:custGeom>
+              <a:avLst/>
+              <a:gdLst>
+                <a:gd name="connsiteX0" fmla="*/ 380905 w 385191"/>
+                <a:gd name="connsiteY0" fmla="*/ 4286 h 385191"/>
+                <a:gd name="connsiteX1" fmla="*/ 385191 w 385191"/>
+                <a:gd name="connsiteY1" fmla="*/ 8573 h 385191"/>
+                <a:gd name="connsiteX2" fmla="*/ 8573 w 385191"/>
+                <a:gd name="connsiteY2" fmla="*/ 385191 h 385191"/>
+                <a:gd name="connsiteX3" fmla="*/ 4286 w 385191"/>
+                <a:gd name="connsiteY3" fmla="*/ 380905 h 385191"/>
+                <a:gd name="connsiteX4" fmla="*/ 0 w 385191"/>
+                <a:gd name="connsiteY4" fmla="*/ 376523 h 385191"/>
+                <a:gd name="connsiteX5" fmla="*/ 376523 w 385191"/>
+                <a:gd name="connsiteY5" fmla="*/ 0 h 385191"/>
+                <a:gd name="connsiteX6" fmla="*/ 380905 w 385191"/>
+                <a:gd name="connsiteY6" fmla="*/ 4286 h 385191"/>
+              </a:gdLst>
+              <a:ahLst/>
+              <a:cxnLst>
+                <a:cxn ang="0">
+                  <a:pos x="connsiteX0" y="connsiteY0"/>
+                </a:cxn>
+                <a:cxn ang="0">
+                  <a:pos x="connsiteX1" y="connsiteY1"/>
+                </a:cxn>
+                <a:cxn ang="0">
+                  <a:pos x="connsiteX2" y="connsiteY2"/>
+                </a:cxn>
+                <a:cxn ang="0">
+                  <a:pos x="connsiteX3" y="connsiteY3"/>
+                </a:cxn>
+                <a:cxn ang="0">
+                  <a:pos x="connsiteX4" y="connsiteY4"/>
+                </a:cxn>
+                <a:cxn ang="0">
+                  <a:pos x="connsiteX5" y="connsiteY5"/>
+                </a:cxn>
+                <a:cxn ang="0">
+                  <a:pos x="connsiteX6" y="connsiteY6"/>
+                </a:cxn>
+              </a:cxnLst>
+              <a:rect l="l" t="t" r="r" b="b"/>
+              <a:pathLst>
+                <a:path w="385191" h="385191">
+                  <a:moveTo>
+                    <a:pt x="380905" y="4286"/>
+                  </a:moveTo>
+                  <a:lnTo>
+                    <a:pt x="385191" y="8573"/>
+                  </a:lnTo>
+                  <a:lnTo>
+                    <a:pt x="8573" y="385191"/>
+                  </a:lnTo>
+                  <a:lnTo>
+                    <a:pt x="4286" y="380905"/>
+                  </a:lnTo>
+                  <a:cubicBezTo>
+                    <a:pt x="2762" y="379476"/>
+                    <a:pt x="1334" y="377952"/>
+                    <a:pt x="0" y="376523"/>
+                  </a:cubicBezTo>
+                  <a:lnTo>
+                    <a:pt x="376523" y="0"/>
+                  </a:lnTo>
+                  <a:cubicBezTo>
+                    <a:pt x="377952" y="1334"/>
+                    <a:pt x="379476" y="2667"/>
+                    <a:pt x="380905" y="4286"/>
+                  </a:cubicBezTo>
+                  <a:close/>
+                </a:path>
+              </a:pathLst>
+            </a:custGeom>
+            <a:grpFill/>
+            <a:ln w="9525" cap="flat">
+              <a:noFill/>
+              <a:prstDash val="solid"/>
+              <a:miter/>
+            </a:ln>
+          </p:spPr>
+          <p:txBody>
+            <a:bodyPr rtlCol="0" anchor="ctr"/>
+            <a:lstStyle/>
+            <a:p>
+              <a:endParaRPr lang="en-US"/>
+            </a:p>
+          </p:txBody>
+        </p:sp>
+        <p:sp>
+          <p:nvSpPr>
+            <p:cNvPr id="22" name="Freeform: Shape 21">
+              <a:extLst>
+                <a:ext uri="{FF2B5EF4-FFF2-40B4-BE49-F238E27FC236}">
+                  <a16:creationId xmlns:a16="http://schemas.microsoft.com/office/drawing/2014/main" id="{56348370-4FD9-4A99-BB05-944D5B0B0E6C}"/>
+                </a:ext>
+                <a:ext uri="{C183D7F6-B498-43B3-948B-1728B52AA6E4}">
+                  <adec:decorative xmlns:adec="http://schemas.microsoft.com/office/drawing/2017/decorative" val="1"/>
+                </a:ext>
+              </a:extLst>
+            </p:cNvPr>
+            <p:cNvSpPr/>
+            <p:nvPr>
+              <p:extLst>
+                <p:ext uri="{386F3935-93C4-4BCD-93E2-E3B085C9AB24}">
+                  <p16:designElem xmlns:p16="http://schemas.microsoft.com/office/powerpoint/2015/main" val="1"/>
+                </p:ext>
+              </p:extLst>
+            </p:nvPr>
+          </p:nvSpPr>
+          <p:spPr>
+            <a:xfrm>
+              <a:off x="5935789" y="3268313"/>
+              <a:ext cx="379761" cy="380237"/>
+            </a:xfrm>
+            <a:custGeom>
+              <a:avLst/>
+              <a:gdLst>
+                <a:gd name="connsiteX0" fmla="*/ 372428 w 379761"/>
+                <a:gd name="connsiteY0" fmla="*/ 0 h 380237"/>
+                <a:gd name="connsiteX1" fmla="*/ 379762 w 379761"/>
+                <a:gd name="connsiteY1" fmla="*/ 9525 h 380237"/>
+                <a:gd name="connsiteX2" fmla="*/ 9525 w 379761"/>
+                <a:gd name="connsiteY2" fmla="*/ 380238 h 380237"/>
+                <a:gd name="connsiteX3" fmla="*/ 0 w 379761"/>
+                <a:gd name="connsiteY3" fmla="*/ 372904 h 380237"/>
+              </a:gdLst>
+              <a:ahLst/>
+              <a:cxnLst>
+                <a:cxn ang="0">
+                  <a:pos x="connsiteX0" y="connsiteY0"/>
+                </a:cxn>
+                <a:cxn ang="0">
+                  <a:pos x="connsiteX1" y="connsiteY1"/>
+                </a:cxn>
+                <a:cxn ang="0">
+                  <a:pos x="connsiteX2" y="connsiteY2"/>
+                </a:cxn>
+                <a:cxn ang="0">
+                  <a:pos x="connsiteX3" y="connsiteY3"/>
+                </a:cxn>
+              </a:cxnLst>
+              <a:rect l="l" t="t" r="r" b="b"/>
+              <a:pathLst>
+                <a:path w="379761" h="380237">
+                  <a:moveTo>
+                    <a:pt x="372428" y="0"/>
+                  </a:moveTo>
+                  <a:cubicBezTo>
+                    <a:pt x="374999" y="3239"/>
+                    <a:pt x="377381" y="6572"/>
+                    <a:pt x="379762" y="9525"/>
+                  </a:cubicBezTo>
+                  <a:lnTo>
+                    <a:pt x="9525" y="380238"/>
+                  </a:lnTo>
+                  <a:cubicBezTo>
+                    <a:pt x="6096" y="377857"/>
+                    <a:pt x="2762" y="375476"/>
+                    <a:pt x="0" y="372904"/>
+                  </a:cubicBezTo>
+                  <a:close/>
+                </a:path>
+              </a:pathLst>
+            </a:custGeom>
+            <a:grpFill/>
+            <a:ln w="9525" cap="flat">
+              <a:noFill/>
+              <a:prstDash val="solid"/>
+              <a:miter/>
+            </a:ln>
+          </p:spPr>
+          <p:txBody>
+            <a:bodyPr rtlCol="0" anchor="ctr"/>
+            <a:lstStyle/>
+            <a:p>
+              <a:endParaRPr lang="en-US"/>
+            </a:p>
+          </p:txBody>
+        </p:sp>
+        <p:sp>
+          <p:nvSpPr>
+            <p:cNvPr id="23" name="Freeform: Shape 22">
+              <a:extLst>
+                <a:ext uri="{FF2B5EF4-FFF2-40B4-BE49-F238E27FC236}">
+                  <a16:creationId xmlns:a16="http://schemas.microsoft.com/office/drawing/2014/main" id="{D1146D46-43DB-4487-A191-0970511C33C1}"/>
+                </a:ext>
+                <a:ext uri="{C183D7F6-B498-43B3-948B-1728B52AA6E4}">
+                  <adec:decorative xmlns:adec="http://schemas.microsoft.com/office/drawing/2017/decorative" val="1"/>
+                </a:ext>
+              </a:extLst>
+            </p:cNvPr>
+            <p:cNvSpPr/>
+            <p:nvPr>
+              <p:extLst>
+                <p:ext uri="{386F3935-93C4-4BCD-93E2-E3B085C9AB24}">
+                  <p16:designElem xmlns:p16="http://schemas.microsoft.com/office/powerpoint/2015/main" val="1"/>
+                </p:ext>
+              </p:extLst>
+            </p:nvPr>
+          </p:nvSpPr>
+          <p:spPr>
+            <a:xfrm>
+              <a:off x="5972841" y="3305841"/>
+              <a:ext cx="364807" cy="364807"/>
+            </a:xfrm>
+            <a:custGeom>
+              <a:avLst/>
+              <a:gdLst>
+                <a:gd name="connsiteX0" fmla="*/ 359188 w 364807"/>
+                <a:gd name="connsiteY0" fmla="*/ 0 h 364807"/>
+                <a:gd name="connsiteX1" fmla="*/ 364808 w 364807"/>
+                <a:gd name="connsiteY1" fmla="*/ 11621 h 364807"/>
+                <a:gd name="connsiteX2" fmla="*/ 11621 w 364807"/>
+                <a:gd name="connsiteY2" fmla="*/ 364808 h 364807"/>
+                <a:gd name="connsiteX3" fmla="*/ 0 w 364807"/>
+                <a:gd name="connsiteY3" fmla="*/ 359188 h 364807"/>
+              </a:gdLst>
+              <a:ahLst/>
+              <a:cxnLst>
+                <a:cxn ang="0">
+                  <a:pos x="connsiteX0" y="connsiteY0"/>
+                </a:cxn>
+                <a:cxn ang="0">
+                  <a:pos x="connsiteX1" y="connsiteY1"/>
+                </a:cxn>
+                <a:cxn ang="0">
+                  <a:pos x="connsiteX2" y="connsiteY2"/>
+                </a:cxn>
+                <a:cxn ang="0">
+                  <a:pos x="connsiteX3" y="connsiteY3"/>
+                </a:cxn>
+              </a:cxnLst>
+              <a:rect l="l" t="t" r="r" b="b"/>
+              <a:pathLst>
+                <a:path w="364807" h="364807">
+                  <a:moveTo>
+                    <a:pt x="359188" y="0"/>
+                  </a:moveTo>
+                  <a:cubicBezTo>
+                    <a:pt x="361188" y="3905"/>
+                    <a:pt x="362998" y="7715"/>
+                    <a:pt x="364808" y="11621"/>
+                  </a:cubicBezTo>
+                  <a:lnTo>
+                    <a:pt x="11621" y="364808"/>
+                  </a:lnTo>
+                  <a:cubicBezTo>
+                    <a:pt x="7715" y="362998"/>
+                    <a:pt x="3905" y="361188"/>
+                    <a:pt x="0" y="359188"/>
+                  </a:cubicBezTo>
+                  <a:close/>
+                </a:path>
+              </a:pathLst>
+            </a:custGeom>
+            <a:grpFill/>
+            <a:ln w="9525" cap="flat">
+              <a:noFill/>
+              <a:prstDash val="solid"/>
+              <a:miter/>
+            </a:ln>
+          </p:spPr>
+          <p:txBody>
+            <a:bodyPr rtlCol="0" anchor="ctr"/>
+            <a:lstStyle/>
+            <a:p>
+              <a:endParaRPr lang="en-US"/>
+            </a:p>
+          </p:txBody>
+        </p:sp>
+        <p:sp>
+          <p:nvSpPr>
+            <p:cNvPr id="24" name="Freeform: Shape 23">
+              <a:extLst>
+                <a:ext uri="{FF2B5EF4-FFF2-40B4-BE49-F238E27FC236}">
+                  <a16:creationId xmlns:a16="http://schemas.microsoft.com/office/drawing/2014/main" id="{517B7142-9D64-4D34-B23C-9471326AD665}"/>
+                </a:ext>
+                <a:ext uri="{C183D7F6-B498-43B3-948B-1728B52AA6E4}">
+                  <adec:decorative xmlns:adec="http://schemas.microsoft.com/office/drawing/2017/decorative" val="1"/>
+                </a:ext>
+              </a:extLst>
+            </p:cNvPr>
+            <p:cNvSpPr/>
+            <p:nvPr>
+              <p:extLst>
+                <p:ext uri="{386F3935-93C4-4BCD-93E2-E3B085C9AB24}">
+                  <p16:designElem xmlns:p16="http://schemas.microsoft.com/office/powerpoint/2015/main" val="1"/>
+                </p:ext>
+              </p:extLst>
+            </p:nvPr>
+          </p:nvSpPr>
+          <p:spPr>
+            <a:xfrm>
+              <a:off x="6016370" y="3349466"/>
+              <a:ext cx="337280" cy="337280"/>
+            </a:xfrm>
+            <a:custGeom>
+              <a:avLst/>
+              <a:gdLst>
+                <a:gd name="connsiteX0" fmla="*/ 333470 w 337280"/>
+                <a:gd name="connsiteY0" fmla="*/ 0 h 337280"/>
+                <a:gd name="connsiteX1" fmla="*/ 337280 w 337280"/>
+                <a:gd name="connsiteY1" fmla="*/ 13430 h 337280"/>
+                <a:gd name="connsiteX2" fmla="*/ 13430 w 337280"/>
+                <a:gd name="connsiteY2" fmla="*/ 337280 h 337280"/>
+                <a:gd name="connsiteX3" fmla="*/ 0 w 337280"/>
+                <a:gd name="connsiteY3" fmla="*/ 333470 h 337280"/>
+              </a:gdLst>
+              <a:ahLst/>
+              <a:cxnLst>
+                <a:cxn ang="0">
+                  <a:pos x="connsiteX0" y="connsiteY0"/>
+                </a:cxn>
+                <a:cxn ang="0">
+                  <a:pos x="connsiteX1" y="connsiteY1"/>
+                </a:cxn>
+                <a:cxn ang="0">
+                  <a:pos x="connsiteX2" y="connsiteY2"/>
+                </a:cxn>
+                <a:cxn ang="0">
+                  <a:pos x="connsiteX3" y="connsiteY3"/>
+                </a:cxn>
+              </a:cxnLst>
+              <a:rect l="l" t="t" r="r" b="b"/>
+              <a:pathLst>
+                <a:path w="337280" h="337280">
+                  <a:moveTo>
+                    <a:pt x="333470" y="0"/>
+                  </a:moveTo>
+                  <a:cubicBezTo>
+                    <a:pt x="334899" y="4382"/>
+                    <a:pt x="336137" y="8858"/>
+                    <a:pt x="337280" y="13430"/>
+                  </a:cubicBezTo>
+                  <a:lnTo>
+                    <a:pt x="13430" y="337280"/>
+                  </a:lnTo>
+                  <a:cubicBezTo>
+                    <a:pt x="8858" y="336137"/>
+                    <a:pt x="4382" y="334899"/>
+                    <a:pt x="0" y="333470"/>
+                  </a:cubicBezTo>
+                  <a:close/>
+                </a:path>
+              </a:pathLst>
+            </a:custGeom>
+            <a:grpFill/>
+            <a:ln w="9525" cap="flat">
+              <a:noFill/>
+              <a:prstDash val="solid"/>
+              <a:miter/>
+            </a:ln>
+          </p:spPr>
+          <p:txBody>
+            <a:bodyPr rtlCol="0" anchor="ctr"/>
+            <a:lstStyle/>
+            <a:p>
+              <a:endParaRPr lang="en-US"/>
+            </a:p>
+          </p:txBody>
+        </p:sp>
+        <p:sp>
+          <p:nvSpPr>
+            <p:cNvPr id="25" name="Freeform: Shape 24">
+              <a:extLst>
+                <a:ext uri="{FF2B5EF4-FFF2-40B4-BE49-F238E27FC236}">
+                  <a16:creationId xmlns:a16="http://schemas.microsoft.com/office/drawing/2014/main" id="{E8EB71CD-AB26-440E-A0D5-E1081DB55AE6}"/>
+                </a:ext>
+                <a:ext uri="{C183D7F6-B498-43B3-948B-1728B52AA6E4}">
+                  <adec:decorative xmlns:adec="http://schemas.microsoft.com/office/drawing/2017/decorative" val="1"/>
+                </a:ext>
+              </a:extLst>
+            </p:cNvPr>
+            <p:cNvSpPr/>
+            <p:nvPr>
+              <p:extLst>
+                <p:ext uri="{386F3935-93C4-4BCD-93E2-E3B085C9AB24}">
+                  <p16:designElem xmlns:p16="http://schemas.microsoft.com/office/powerpoint/2015/main" val="1"/>
+                </p:ext>
+              </p:extLst>
+            </p:nvPr>
+          </p:nvSpPr>
+          <p:spPr>
+            <a:xfrm>
+              <a:off x="6067329" y="3400425"/>
+              <a:ext cx="294227" cy="294132"/>
+            </a:xfrm>
+            <a:custGeom>
+              <a:avLst/>
+              <a:gdLst>
+                <a:gd name="connsiteX0" fmla="*/ 292989 w 294227"/>
+                <a:gd name="connsiteY0" fmla="*/ 0 h 294132"/>
+                <a:gd name="connsiteX1" fmla="*/ 294227 w 294227"/>
+                <a:gd name="connsiteY1" fmla="*/ 15907 h 294132"/>
+                <a:gd name="connsiteX2" fmla="*/ 15907 w 294227"/>
+                <a:gd name="connsiteY2" fmla="*/ 294132 h 294132"/>
+                <a:gd name="connsiteX3" fmla="*/ 0 w 294227"/>
+                <a:gd name="connsiteY3" fmla="*/ 292894 h 294132"/>
+              </a:gdLst>
+              <a:ahLst/>
+              <a:cxnLst>
+                <a:cxn ang="0">
+                  <a:pos x="connsiteX0" y="connsiteY0"/>
+                </a:cxn>
+                <a:cxn ang="0">
+                  <a:pos x="connsiteX1" y="connsiteY1"/>
+                </a:cxn>
+                <a:cxn ang="0">
+                  <a:pos x="connsiteX2" y="connsiteY2"/>
+                </a:cxn>
+                <a:cxn ang="0">
+                  <a:pos x="connsiteX3" y="connsiteY3"/>
+                </a:cxn>
+              </a:cxnLst>
+              <a:rect l="l" t="t" r="r" b="b"/>
+              <a:pathLst>
+                <a:path w="294227" h="294132">
+                  <a:moveTo>
+                    <a:pt x="292989" y="0"/>
+                  </a:moveTo>
+                  <a:cubicBezTo>
+                    <a:pt x="293561" y="5334"/>
+                    <a:pt x="293942" y="10668"/>
+                    <a:pt x="294227" y="15907"/>
+                  </a:cubicBezTo>
+                  <a:lnTo>
+                    <a:pt x="15907" y="294132"/>
+                  </a:lnTo>
+                  <a:cubicBezTo>
+                    <a:pt x="10668" y="294132"/>
+                    <a:pt x="5334" y="293465"/>
+                    <a:pt x="0" y="292894"/>
+                  </a:cubicBezTo>
+                  <a:close/>
+                </a:path>
+              </a:pathLst>
+            </a:custGeom>
+            <a:grpFill/>
+            <a:ln w="9525" cap="flat">
+              <a:noFill/>
+              <a:prstDash val="solid"/>
+              <a:miter/>
+            </a:ln>
+          </p:spPr>
+          <p:txBody>
+            <a:bodyPr rtlCol="0" anchor="ctr"/>
+            <a:lstStyle/>
+            <a:p>
+              <a:endParaRPr lang="en-US"/>
+            </a:p>
+          </p:txBody>
+        </p:sp>
+        <p:sp>
+          <p:nvSpPr>
+            <p:cNvPr id="26" name="Freeform: Shape 25">
+              <a:extLst>
+                <a:ext uri="{FF2B5EF4-FFF2-40B4-BE49-F238E27FC236}">
+                  <a16:creationId xmlns:a16="http://schemas.microsoft.com/office/drawing/2014/main" id="{34423BD2-7458-4680-AF49-5013C9D30E54}"/>
+                </a:ext>
+                <a:ext uri="{C183D7F6-B498-43B3-948B-1728B52AA6E4}">
+                  <adec:decorative xmlns:adec="http://schemas.microsoft.com/office/drawing/2017/decorative" val="1"/>
+                </a:ext>
+              </a:extLst>
+            </p:cNvPr>
+            <p:cNvSpPr/>
+            <p:nvPr>
+              <p:extLst>
+                <p:ext uri="{386F3935-93C4-4BCD-93E2-E3B085C9AB24}">
+                  <p16:designElem xmlns:p16="http://schemas.microsoft.com/office/powerpoint/2015/main" val="1"/>
+                </p:ext>
+              </p:extLst>
+            </p:nvPr>
+          </p:nvSpPr>
+          <p:spPr>
+            <a:xfrm>
+              <a:off x="6129337" y="3462337"/>
+              <a:ext cx="230314" cy="230314"/>
+            </a:xfrm>
+            <a:custGeom>
+              <a:avLst/>
+              <a:gdLst>
+                <a:gd name="connsiteX0" fmla="*/ 230315 w 230314"/>
+                <a:gd name="connsiteY0" fmla="*/ 0 h 230314"/>
+                <a:gd name="connsiteX1" fmla="*/ 226886 w 230314"/>
+                <a:gd name="connsiteY1" fmla="*/ 20574 h 230314"/>
+                <a:gd name="connsiteX2" fmla="*/ 20669 w 230314"/>
+                <a:gd name="connsiteY2" fmla="*/ 226790 h 230314"/>
+                <a:gd name="connsiteX3" fmla="*/ 0 w 230314"/>
+                <a:gd name="connsiteY3" fmla="*/ 230315 h 230314"/>
+              </a:gdLst>
+              <a:ahLst/>
+              <a:cxnLst>
+                <a:cxn ang="0">
+                  <a:pos x="connsiteX0" y="connsiteY0"/>
+                </a:cxn>
+                <a:cxn ang="0">
+                  <a:pos x="connsiteX1" y="connsiteY1"/>
+                </a:cxn>
+                <a:cxn ang="0">
+                  <a:pos x="connsiteX2" y="connsiteY2"/>
+                </a:cxn>
+                <a:cxn ang="0">
+                  <a:pos x="connsiteX3" y="connsiteY3"/>
+                </a:cxn>
+              </a:cxnLst>
+              <a:rect l="l" t="t" r="r" b="b"/>
+              <a:pathLst>
+                <a:path w="230314" h="230314">
+                  <a:moveTo>
+                    <a:pt x="230315" y="0"/>
+                  </a:moveTo>
+                  <a:cubicBezTo>
+                    <a:pt x="229457" y="6953"/>
+                    <a:pt x="228314" y="13716"/>
+                    <a:pt x="226886" y="20574"/>
+                  </a:cubicBezTo>
+                  <a:lnTo>
+                    <a:pt x="20669" y="226790"/>
+                  </a:lnTo>
+                  <a:cubicBezTo>
+                    <a:pt x="13811" y="228314"/>
+                    <a:pt x="6953" y="229457"/>
+                    <a:pt x="0" y="230315"/>
+                  </a:cubicBezTo>
+                  <a:close/>
+                </a:path>
+              </a:pathLst>
+            </a:custGeom>
+            <a:grpFill/>
+            <a:ln w="9525" cap="flat">
+              <a:noFill/>
+              <a:prstDash val="solid"/>
+              <a:miter/>
+            </a:ln>
+          </p:spPr>
+          <p:txBody>
+            <a:bodyPr rtlCol="0" anchor="ctr"/>
+            <a:lstStyle/>
+            <a:p>
+              <a:endParaRPr lang="en-US"/>
+            </a:p>
+          </p:txBody>
+        </p:sp>
+        <p:sp>
+          <p:nvSpPr>
+            <p:cNvPr id="27" name="Freeform: Shape 26">
+              <a:extLst>
+                <a:ext uri="{FF2B5EF4-FFF2-40B4-BE49-F238E27FC236}">
+                  <a16:creationId xmlns:a16="http://schemas.microsoft.com/office/drawing/2014/main" id="{25547DC8-8B87-4446-9CC9-65AF04A5FEAD}"/>
+                </a:ext>
+                <a:ext uri="{C183D7F6-B498-43B3-948B-1728B52AA6E4}">
+                  <adec:decorative xmlns:adec="http://schemas.microsoft.com/office/drawing/2017/decorative" val="1"/>
+                </a:ext>
+              </a:extLst>
+            </p:cNvPr>
+            <p:cNvSpPr/>
+            <p:nvPr>
+              <p:extLst>
+                <p:ext uri="{386F3935-93C4-4BCD-93E2-E3B085C9AB24}">
+                  <p16:designElem xmlns:p16="http://schemas.microsoft.com/office/powerpoint/2015/main" val="1"/>
+                </p:ext>
+              </p:extLst>
+            </p:nvPr>
+          </p:nvSpPr>
+          <p:spPr>
+            <a:xfrm>
+              <a:off x="6218682" y="3551682"/>
+              <a:ext cx="112871" cy="112871"/>
+            </a:xfrm>
+            <a:custGeom>
+              <a:avLst/>
+              <a:gdLst>
+                <a:gd name="connsiteX0" fmla="*/ 112871 w 112871"/>
+                <a:gd name="connsiteY0" fmla="*/ 0 h 112871"/>
+                <a:gd name="connsiteX1" fmla="*/ 0 w 112871"/>
+                <a:gd name="connsiteY1" fmla="*/ 112871 h 112871"/>
+              </a:gdLst>
+              <a:ahLst/>
+              <a:cxnLst>
+                <a:cxn ang="0">
+                  <a:pos x="connsiteX0" y="connsiteY0"/>
+                </a:cxn>
+                <a:cxn ang="0">
+                  <a:pos x="connsiteX1" y="connsiteY1"/>
+                </a:cxn>
+              </a:cxnLst>
+              <a:rect l="l" t="t" r="r" b="b"/>
+              <a:pathLst>
+                <a:path w="112871" h="112871">
+                  <a:moveTo>
+                    <a:pt x="112871" y="0"/>
+                  </a:moveTo>
+                  <a:cubicBezTo>
+                    <a:pt x="87618" y="48239"/>
+                    <a:pt x="48239" y="87618"/>
+                    <a:pt x="0" y="112871"/>
+                  </a:cubicBezTo>
+                  <a:close/>
+                </a:path>
+              </a:pathLst>
+            </a:custGeom>
+            <a:grpFill/>
+            <a:ln w="9525" cap="flat">
+              <a:noFill/>
+              <a:prstDash val="solid"/>
+              <a:miter/>
+            </a:ln>
+          </p:spPr>
+          <p:txBody>
+            <a:bodyPr rtlCol="0" anchor="ctr"/>
+            <a:lstStyle/>
+            <a:p>
+              <a:endParaRPr lang="en-US" dirty="0"/>
+            </a:p>
+          </p:txBody>
+        </p:sp>
+      </p:grpSp>
+      <p:sp>
+        <p:nvSpPr>
+          <p:cNvPr id="29" name="Oval 28">
+            <a:extLst>
+              <a:ext uri="{FF2B5EF4-FFF2-40B4-BE49-F238E27FC236}">
+                <a16:creationId xmlns:a16="http://schemas.microsoft.com/office/drawing/2014/main" id="{EC11F68A-CC71-4196-BBF3-20CDCD75D4E6}"/>
+              </a:ext>
+              <a:ext uri="{C183D7F6-B498-43B3-948B-1728B52AA6E4}">
+                <adec:decorative xmlns:adec="http://schemas.microsoft.com/office/drawing/2017/decorative" val="1"/>
+              </a:ext>
+            </a:extLst>
+          </p:cNvPr>
+          <p:cNvSpPr>
+            <a:spLocks noGrp="1" noRot="1" noChangeAspect="1" noMove="1" noResize="1" noEditPoints="1" noAdjustHandles="1" noChangeArrowheads="1" noChangeShapeType="1" noTextEdit="1"/>
+          </p:cNvSpPr>
+          <p:nvPr>
+            <p:extLst>
+              <p:ext uri="{386F3935-93C4-4BCD-93E2-E3B085C9AB24}">
+                <p16:designElem xmlns:p16="http://schemas.microsoft.com/office/powerpoint/2015/main" val="1"/>
+              </p:ext>
+            </p:extLst>
+          </p:nvPr>
+        </p:nvSpPr>
+        <p:spPr>
+          <a:xfrm>
+            <a:off x="599502" y="4752208"/>
+            <a:ext cx="365021" cy="365021"/>
+          </a:xfrm>
+          <a:prstGeom prst="ellipse">
+            <a:avLst/>
+          </a:prstGeom>
+          <a:solidFill>
+            <a:srgbClr val="FFFFFF"/>
+          </a:solidFill>
+          <a:ln w="28575">
+            <a:solidFill>
+              <a:srgbClr val="FFFFFF"/>
+            </a:solidFill>
+          </a:ln>
+        </p:spPr>
+        <p:style>
+          <a:lnRef idx="2">
+            <a:schemeClr val="accent1">
+              <a:shade val="50000"/>
+            </a:schemeClr>
+          </a:lnRef>
+          <a:fillRef idx="1">
+            <a:schemeClr val="accent1"/>
+          </a:fillRef>
+          <a:effectRef idx="0">
+            <a:schemeClr val="accent1"/>
+          </a:effectRef>
+          <a:fontRef idx="minor">
+            <a:schemeClr val="lt1"/>
+          </a:fontRef>
+        </p:style>
+        <p:txBody>
+          <a:bodyPr rot="0" spcFirstLastPara="0" vertOverflow="overflow" horzOverflow="overflow" vert="horz" wrap="square" lIns="91440" tIns="45720" rIns="91440" bIns="45720" numCol="1" spcCol="0" rtlCol="0" fromWordArt="0" anchor="ctr" anchorCtr="0" forceAA="0" compatLnSpc="1">
+            <a:prstTxWarp prst="textNoShape">
+              <a:avLst/>
+            </a:prstTxWarp>
+            <a:noAutofit/>
+          </a:bodyPr>
+          <a:lstStyle/>
+          <a:p>
+            <a:pPr algn="ctr"/>
+            <a:endParaRPr lang="en-US"/>
+          </a:p>
+        </p:txBody>
+      </p:sp>
+      <p:sp>
+        <p:nvSpPr>
+          <p:cNvPr id="31" name="Oval 30">
+            <a:extLst>
+              <a:ext uri="{FF2B5EF4-FFF2-40B4-BE49-F238E27FC236}">
+                <a16:creationId xmlns:a16="http://schemas.microsoft.com/office/drawing/2014/main" id="{085F9950-F10E-4E64-962B-F70345789875}"/>
+              </a:ext>
+              <a:ext uri="{C183D7F6-B498-43B3-948B-1728B52AA6E4}">
+                <adec:decorative xmlns:adec="http://schemas.microsoft.com/office/drawing/2017/decorative" val="1"/>
+              </a:ext>
+            </a:extLst>
+          </p:cNvPr>
+          <p:cNvSpPr>
+            <a:spLocks noGrp="1" noRot="1" noChangeAspect="1" noMove="1" noResize="1" noEditPoints="1" noAdjustHandles="1" noChangeArrowheads="1" noChangeShapeType="1" noTextEdit="1"/>
+          </p:cNvSpPr>
+          <p:nvPr>
+            <p:extLst>
+              <p:ext uri="{386F3935-93C4-4BCD-93E2-E3B085C9AB24}">
+                <p16:designElem xmlns:p16="http://schemas.microsoft.com/office/powerpoint/2015/main" val="1"/>
+              </p:ext>
+            </p:extLst>
+          </p:nvPr>
+        </p:nvSpPr>
+        <p:spPr>
+          <a:xfrm>
+            <a:off x="599502" y="4752208"/>
+            <a:ext cx="365021" cy="365021"/>
+          </a:xfrm>
+          <a:prstGeom prst="ellipse">
+            <a:avLst/>
+          </a:prstGeom>
+          <a:solidFill>
+            <a:schemeClr val="accent2">
+              <a:alpha val="30000"/>
+            </a:schemeClr>
+          </a:solidFill>
+          <a:ln w="28575">
+            <a:solidFill>
+              <a:schemeClr val="bg1"/>
+            </a:solidFill>
+          </a:ln>
+        </p:spPr>
+        <p:style>
+          <a:lnRef idx="2">
+            <a:schemeClr val="accent1">
+              <a:shade val="50000"/>
+            </a:schemeClr>
+          </a:lnRef>
+          <a:fillRef idx="1">
+            <a:schemeClr val="accent1"/>
+          </a:fillRef>
+          <a:effectRef idx="0">
+            <a:schemeClr val="accent1"/>
+          </a:effectRef>
+          <a:fontRef idx="minor">
+            <a:schemeClr val="lt1"/>
+          </a:fontRef>
+        </p:style>
+        <p:txBody>
+          <a:bodyPr rot="0" spcFirstLastPara="0" vertOverflow="overflow" horzOverflow="overflow" vert="horz" wrap="square" lIns="91440" tIns="45720" rIns="91440" bIns="45720" numCol="1" spcCol="0" rtlCol="0" fromWordArt="0" anchor="ctr" anchorCtr="0" forceAA="0" compatLnSpc="1">
+            <a:prstTxWarp prst="textNoShape">
+              <a:avLst/>
+            </a:prstTxWarp>
+            <a:noAutofit/>
+          </a:bodyPr>
+          <a:lstStyle/>
+          <a:p>
+            <a:pPr algn="ctr"/>
+            <a:endParaRPr lang="en-US"/>
           </a:p>
         </p:txBody>
       </p:sp>
@@ -3479,29 +6936,73 @@
             <p:ph idx="1"/>
           </p:nvPr>
         </p:nvSpPr>
-        <p:spPr/>
+        <p:spPr>
+          <a:xfrm>
+            <a:off x="6234868" y="1130846"/>
+            <a:ext cx="5217173" cy="4351338"/>
+          </a:xfrm>
+        </p:spPr>
         <p:txBody>
-          <a:bodyPr/>
+          <a:bodyPr>
+            <a:normAutofit/>
+          </a:bodyPr>
           <a:lstStyle/>
           <a:p>
-            <a:endParaRPr lang="en-US" altLang="ko-KR" dirty="0"/>
+            <a:endParaRPr lang="en-US" altLang="ko-KR">
+              <a:solidFill>
+                <a:schemeClr val="bg1"/>
+              </a:solidFill>
+            </a:endParaRPr>
           </a:p>
           <a:p>
             <a:r>
-              <a:rPr lang="en-US" altLang="ko-KR" dirty="0"/>
+              <a:rPr lang="en-US" altLang="ko-KR">
+                <a:solidFill>
+                  <a:schemeClr val="bg1"/>
+                </a:solidFill>
+              </a:rPr>
               <a:t>Data Description</a:t>
             </a:r>
           </a:p>
           <a:p>
+            <a:pPr marL="0" indent="0">
+              <a:buNone/>
+            </a:pPr>
+            <a:endParaRPr lang="en-US" altLang="ko-KR">
+              <a:solidFill>
+                <a:schemeClr val="bg1"/>
+              </a:solidFill>
+            </a:endParaRPr>
+          </a:p>
+          <a:p>
             <a:r>
-              <a:rPr lang="ko-KR" altLang="en-US" dirty="0"/>
+              <a:rPr lang="ko-KR" altLang="en-US">
+                <a:solidFill>
+                  <a:schemeClr val="bg1"/>
+                </a:solidFill>
+              </a:rPr>
               <a:t>컬럼 정보</a:t>
             </a:r>
-            <a:endParaRPr lang="en-US" altLang="ko-KR" dirty="0"/>
+            <a:endParaRPr lang="en-US" altLang="ko-KR">
+              <a:solidFill>
+                <a:schemeClr val="bg1"/>
+              </a:solidFill>
+            </a:endParaRPr>
+          </a:p>
+          <a:p>
+            <a:endParaRPr lang="en-US" altLang="ko-KR">
+              <a:solidFill>
+                <a:schemeClr val="bg1"/>
+              </a:solidFill>
+            </a:endParaRPr>
           </a:p>
           <a:p>
             <a:r>
-              <a:rPr lang="ko-KR" altLang="en-US" dirty="0"/>
+              <a:rPr lang="ko-KR" altLang="en-US">
+                <a:solidFill>
+                  <a:schemeClr val="bg1"/>
+                </a:solidFill>
+              </a:rPr>
               <a:t>컬럼 특이사항 </a:t>
             </a:r>
           </a:p>
@@ -3523,6 +7024,14 @@
 <file path=ppt/slides/slide3.xml><?xml version="1.0" encoding="utf-8"?>
 <p:sld xmlns:a="http://schemas.openxmlformats.org/drawingml/2006/main" xmlns:r="http://schemas.openxmlformats.org/officeDocument/2006/relationships" xmlns:p="http://schemas.openxmlformats.org/presentationml/2006/main">
   <p:cSld>
+    <p:bg>
+      <p:bgPr>
+        <a:solidFill>
+          <a:schemeClr val="bg1"/>
+        </a:solidFill>
+        <a:effectLst/>
+      </p:bgPr>
+    </p:bg>
     <p:spTree>
       <p:nvGrpSpPr>
         <p:cNvPr id="1" name=""/>
@@ -3539,6 +7048,76 @@
       </p:grpSpPr>
       <p:sp>
         <p:nvSpPr>
+          <p:cNvPr id="8" name="Rectangle 7">
+            <a:extLst>
+              <a:ext uri="{FF2B5EF4-FFF2-40B4-BE49-F238E27FC236}">
+                <a16:creationId xmlns:a16="http://schemas.microsoft.com/office/drawing/2014/main" id="{E8A8EAB8-D2FF-444D-B34B-7D32F106AD0E}"/>
+              </a:ext>
+              <a:ext uri="{C183D7F6-B498-43B3-948B-1728B52AA6E4}">
+                <adec:decorative xmlns:adec="http://schemas.microsoft.com/office/drawing/2017/decorative" val="1"/>
+              </a:ext>
+            </a:extLst>
+          </p:cNvPr>
+          <p:cNvSpPr>
+            <a:spLocks noGrp="1" noRot="1" noChangeAspect="1" noMove="1" noResize="1" noEditPoints="1" noAdjustHandles="1" noChangeArrowheads="1" noChangeShapeType="1" noTextEdit="1"/>
+          </p:cNvSpPr>
+          <p:nvPr>
+            <p:extLst>
+              <p:ext uri="{386F3935-93C4-4BCD-93E2-E3B085C9AB24}">
+                <p16:designElem xmlns:p16="http://schemas.microsoft.com/office/powerpoint/2015/main" val="1"/>
+              </p:ext>
+            </p:extLst>
+          </p:nvPr>
+        </p:nvSpPr>
+        <p:spPr>
+          <a:xfrm>
+            <a:off x="0" y="0"/>
+            <a:ext cx="12192000" cy="6858000"/>
+          </a:xfrm>
+          <a:prstGeom prst="rect">
+            <a:avLst/>
+          </a:prstGeom>
+          <a:solidFill>
+            <a:schemeClr val="tx1">
+              <a:lumMod val="95000"/>
+              <a:lumOff val="5000"/>
+            </a:schemeClr>
+          </a:solidFill>
+          <a:ln>
+            <a:noFill/>
+          </a:ln>
+        </p:spPr>
+        <p:style>
+          <a:lnRef idx="2">
+            <a:schemeClr val="accent1">
+              <a:shade val="50000"/>
+            </a:schemeClr>
+          </a:lnRef>
+          <a:fillRef idx="1">
+            <a:schemeClr val="accent1"/>
+          </a:fillRef>
+          <a:effectRef idx="0">
+            <a:schemeClr val="accent1"/>
+          </a:effectRef>
+          <a:fontRef idx="minor">
+            <a:schemeClr val="lt1"/>
+          </a:fontRef>
+        </p:style>
+        <p:txBody>
+          <a:bodyPr rtlCol="0" anchor="ctr"/>
+          <a:lstStyle/>
+          <a:p>
+            <a:pPr algn="ctr"/>
+            <a:endParaRPr lang="en-US" dirty="0">
+              <a:solidFill>
+                <a:schemeClr val="bg1"/>
+              </a:solidFill>
+            </a:endParaRPr>
+          </a:p>
+        </p:txBody>
+      </p:sp>
+      <p:sp>
+        <p:nvSpPr>
           <p:cNvPr id="2" name="제목 1">
             <a:extLst>
               <a:ext uri="{FF2B5EF4-FFF2-40B4-BE49-F238E27FC236}">
@@ -3553,19 +7132,138 @@
             <p:ph type="title"/>
           </p:nvPr>
         </p:nvSpPr>
-        <p:spPr/>
+        <p:spPr>
+          <a:xfrm>
+            <a:off x="1014141" y="1450655"/>
+            <a:ext cx="3932030" cy="3956690"/>
+          </a:xfrm>
+        </p:spPr>
         <p:txBody>
-          <a:bodyPr/>
+          <a:bodyPr anchor="ctr">
+            <a:normAutofit/>
+          </a:bodyPr>
           <a:lstStyle/>
           <a:p>
             <a:r>
-              <a:rPr lang="en-US" altLang="ko-KR" dirty="0"/>
+              <a:rPr lang="en-US" altLang="ko-KR" sz="5600">
+                <a:solidFill>
+                  <a:schemeClr val="bg1"/>
+                </a:solidFill>
+              </a:rPr>
               <a:t>Data Description</a:t>
             </a:r>
-            <a:endParaRPr lang="ko-KR" altLang="en-US" dirty="0"/>
+            <a:endParaRPr lang="ko-KR" altLang="en-US" sz="5600">
+              <a:solidFill>
+                <a:schemeClr val="bg1"/>
+              </a:solidFill>
+            </a:endParaRPr>
           </a:p>
         </p:txBody>
       </p:sp>
+      <p:cxnSp>
+        <p:nvCxnSpPr>
+          <p:cNvPr id="10" name="Straight Connector 9">
+            <a:extLst>
+              <a:ext uri="{FF2B5EF4-FFF2-40B4-BE49-F238E27FC236}">
+                <a16:creationId xmlns:a16="http://schemas.microsoft.com/office/drawing/2014/main" id="{067633D1-6EE6-4118-B9F0-B363477BEE7A}"/>
+              </a:ext>
+              <a:ext uri="{C183D7F6-B498-43B3-948B-1728B52AA6E4}">
+                <adec:decorative xmlns:adec="http://schemas.microsoft.com/office/drawing/2017/decorative" val="1"/>
+              </a:ext>
+            </a:extLst>
+          </p:cNvPr>
+          <p:cNvCxnSpPr>
+            <a:cxnSpLocks noGrp="1" noRot="1" noChangeAspect="1" noMove="1" noResize="1" noEditPoints="1" noAdjustHandles="1" noChangeArrowheads="1" noChangeShapeType="1"/>
+          </p:cNvCxnSpPr>
+          <p:nvPr>
+            <p:extLst>
+              <p:ext uri="{386F3935-93C4-4BCD-93E2-E3B085C9AB24}">
+                <p16:designElem xmlns:p16="http://schemas.microsoft.com/office/powerpoint/2015/main" val="1"/>
+              </p:ext>
+            </p:extLst>
+          </p:nvPr>
+        </p:nvCxnSpPr>
+        <p:spPr>
+          <a:xfrm flipH="1">
+            <a:off x="1014141" y="1450655"/>
+            <a:ext cx="3932030" cy="0"/>
+          </a:xfrm>
+          <a:prstGeom prst="line">
+            <a:avLst/>
+          </a:prstGeom>
+          <a:ln w="12700">
+            <a:solidFill>
+              <a:schemeClr val="accent2"/>
+            </a:solidFill>
+          </a:ln>
+        </p:spPr>
+        <p:style>
+          <a:lnRef idx="1">
+            <a:schemeClr val="accent1"/>
+          </a:lnRef>
+          <a:fillRef idx="0">
+            <a:schemeClr val="accent1"/>
+          </a:fillRef>
+          <a:effectRef idx="0">
+            <a:schemeClr val="accent1"/>
+          </a:effectRef>
+          <a:fontRef idx="minor">
+            <a:schemeClr val="tx1"/>
+          </a:fontRef>
+        </p:style>
+      </p:cxnSp>
+      <p:cxnSp>
+        <p:nvCxnSpPr>
+          <p:cNvPr id="12" name="Straight Connector 11">
+            <a:extLst>
+              <a:ext uri="{FF2B5EF4-FFF2-40B4-BE49-F238E27FC236}">
+                <a16:creationId xmlns:a16="http://schemas.microsoft.com/office/drawing/2014/main" id="{4AD7FFC6-42A9-49CB-B5E9-B3F6B038331B}"/>
+              </a:ext>
+              <a:ext uri="{C183D7F6-B498-43B3-948B-1728B52AA6E4}">
+                <adec:decorative xmlns:adec="http://schemas.microsoft.com/office/drawing/2017/decorative" val="1"/>
+              </a:ext>
+            </a:extLst>
+          </p:cNvPr>
+          <p:cNvCxnSpPr>
+            <a:cxnSpLocks noGrp="1" noRot="1" noChangeAspect="1" noMove="1" noResize="1" noEditPoints="1" noAdjustHandles="1" noChangeArrowheads="1" noChangeShapeType="1"/>
+          </p:cNvCxnSpPr>
+          <p:nvPr>
+            <p:extLst>
+              <p:ext uri="{386F3935-93C4-4BCD-93E2-E3B085C9AB24}">
+                <p16:designElem xmlns:p16="http://schemas.microsoft.com/office/powerpoint/2015/main" val="1"/>
+              </p:ext>
+            </p:extLst>
+          </p:nvPr>
+        </p:nvCxnSpPr>
+        <p:spPr>
+          <a:xfrm flipH="1">
+            <a:off x="1014141" y="5408571"/>
+            <a:ext cx="3932030" cy="0"/>
+          </a:xfrm>
+          <a:prstGeom prst="line">
+            <a:avLst/>
+          </a:prstGeom>
+          <a:ln w="12700">
+            <a:solidFill>
+              <a:schemeClr val="accent2"/>
+            </a:solidFill>
+          </a:ln>
+        </p:spPr>
+        <p:style>
+          <a:lnRef idx="1">
+            <a:schemeClr val="accent1"/>
+          </a:lnRef>
+          <a:fillRef idx="0">
+            <a:schemeClr val="accent1"/>
+          </a:fillRef>
+          <a:effectRef idx="0">
+            <a:schemeClr val="accent1"/>
+          </a:effectRef>
+          <a:fontRef idx="minor">
+            <a:schemeClr val="tx1"/>
+          </a:fontRef>
+        </p:style>
+      </p:cxnSp>
       <p:sp>
         <p:nvSpPr>
           <p:cNvPr id="3" name="내용 개체 틀 2">
@@ -3582,30 +7280,49 @@
             <p:ph idx="1"/>
           </p:nvPr>
         </p:nvSpPr>
-        <p:spPr/>
+        <p:spPr>
+          <a:xfrm>
+            <a:off x="6096000" y="1108061"/>
+            <a:ext cx="5008901" cy="4571972"/>
+          </a:xfrm>
+        </p:spPr>
         <p:txBody>
-          <a:bodyPr/>
+          <a:bodyPr anchor="ctr">
+            <a:normAutofit/>
+          </a:bodyPr>
           <a:lstStyle/>
           <a:p>
             <a:r>
-              <a:rPr lang="en-US" altLang="ko-KR" dirty="0"/>
+              <a:rPr lang="en-US" altLang="ko-KR" sz="2000" dirty="0">
+                <a:solidFill>
+                  <a:schemeClr val="bg1"/>
+                </a:solidFill>
+              </a:rPr>
               <a:t>MES(Manufacturing Execution System, </a:t>
             </a:r>
             <a:r>
-              <a:rPr lang="ko-KR" altLang="en-US" dirty="0"/>
+              <a:rPr lang="ko-KR" altLang="en-US" sz="2000" dirty="0">
+                <a:solidFill>
+                  <a:schemeClr val="bg1"/>
+                </a:solidFill>
+              </a:rPr>
               <a:t>생산 관리 시스템</a:t>
             </a:r>
             <a:r>
-              <a:rPr lang="en-US" altLang="ko-KR" dirty="0"/>
+              <a:rPr lang="en-US" altLang="ko-KR" sz="2000" dirty="0">
+                <a:solidFill>
+                  <a:schemeClr val="bg1"/>
+                </a:solidFill>
+              </a:rPr>
               <a:t>)</a:t>
             </a:r>
           </a:p>
           <a:p>
             <a:pPr lvl="1"/>
             <a:r>
-              <a:rPr lang="ko-KR" altLang="en-US" b="0" i="0" dirty="0">
+              <a:rPr lang="ko-KR" altLang="en-US" sz="2000" b="0" i="0" dirty="0">
                 <a:solidFill>
-                  <a:srgbClr val="202122"/>
+                  <a:schemeClr val="bg1"/>
                 </a:solidFill>
                 <a:effectLst/>
                 <a:latin typeface="Arial" panose="020B0604020202020204" pitchFamily="34" charset="0"/>
@@ -3613,9 +7330,38 @@
               <a:t>기업의 생산 현장에서 작업 일정</a:t>
             </a:r>
             <a:r>
-              <a:rPr lang="en-US" altLang="ko-KR" b="0" i="0" dirty="0">
+              <a:rPr lang="en-US" altLang="ko-KR" sz="2000" b="0" i="0" dirty="0">
                 <a:solidFill>
-                  <a:srgbClr val="202122"/>
+                  <a:schemeClr val="bg1"/>
+                </a:solidFill>
+                <a:effectLst/>
+                <a:latin typeface="Arial" panose="020B0604020202020204" pitchFamily="34" charset="0"/>
+              </a:rPr>
+              <a:t>,</a:t>
+            </a:r>
+            <a:br>
+              <a:rPr lang="en-US" altLang="ko-KR" sz="2000" b="0" i="0" dirty="0">
+                <a:solidFill>
+                  <a:schemeClr val="bg1"/>
+                </a:solidFill>
+                <a:effectLst/>
+                <a:latin typeface="Arial" panose="020B0604020202020204" pitchFamily="34" charset="0"/>
+              </a:rPr>
+            </a:br>
+            <a:r>
+              <a:rPr lang="ko-KR" altLang="en-US" sz="2000" b="0" i="0" dirty="0">
+                <a:solidFill>
+                  <a:schemeClr val="bg1"/>
+                </a:solidFill>
+                <a:effectLst/>
+                <a:latin typeface="Arial" panose="020B0604020202020204" pitchFamily="34" charset="0"/>
+              </a:rPr>
+              <a:t>작업 지시</a:t>
+            </a:r>
+            <a:r>
+              <a:rPr lang="en-US" altLang="ko-KR" sz="2000" b="0" i="0" dirty="0">
+                <a:solidFill>
+                  <a:schemeClr val="bg1"/>
                 </a:solidFill>
                 <a:effectLst/>
                 <a:latin typeface="Arial" panose="020B0604020202020204" pitchFamily="34" charset="0"/>
@@ -3623,19 +7369,19 @@
               <a:t>, </a:t>
             </a:r>
             <a:r>
-              <a:rPr lang="ko-KR" altLang="en-US" b="0" i="0" dirty="0">
+              <a:rPr lang="ko-KR" altLang="en-US" sz="2000" b="0" i="0" dirty="0">
                 <a:solidFill>
-                  <a:srgbClr val="202122"/>
+                  <a:schemeClr val="bg1"/>
                 </a:solidFill>
                 <a:effectLst/>
                 <a:latin typeface="Arial" panose="020B0604020202020204" pitchFamily="34" charset="0"/>
               </a:rPr>
-              <a:t>작업 지시</a:t>
+              <a:t>품질 관리</a:t>
             </a:r>
             <a:r>
-              <a:rPr lang="en-US" altLang="ko-KR" b="0" i="0" dirty="0">
+              <a:rPr lang="en-US" altLang="ko-KR" sz="2000" b="0" i="0" dirty="0">
                 <a:solidFill>
-                  <a:srgbClr val="202122"/>
+                  <a:schemeClr val="bg1"/>
                 </a:solidFill>
                 <a:effectLst/>
                 <a:latin typeface="Arial" panose="020B0604020202020204" pitchFamily="34" charset="0"/>
@@ -3643,75 +7389,155 @@
               <a:t>, </a:t>
             </a:r>
             <a:r>
-              <a:rPr lang="ko-KR" altLang="en-US" b="0" i="0" dirty="0">
+              <a:rPr lang="ko-KR" altLang="en-US" sz="2000" b="0" i="0" dirty="0">
                 <a:solidFill>
-                  <a:srgbClr val="202122"/>
+                  <a:schemeClr val="bg1"/>
                 </a:solidFill>
                 <a:effectLst/>
                 <a:latin typeface="Arial" panose="020B0604020202020204" pitchFamily="34" charset="0"/>
               </a:rPr>
-              <a:t>품질 관리</a:t>
+              <a:t>작업 실적 집계 등 제반 활동을 지원하기 위한 </a:t>
             </a:r>
-            <a:r>
-              <a:rPr lang="en-US" altLang="ko-KR" b="0" i="0" dirty="0">
+            <a:br>
+              <a:rPr lang="en-US" altLang="ko-KR" sz="2000" b="0" i="0" dirty="0">
                 <a:solidFill>
-                  <a:srgbClr val="202122"/>
+                  <a:schemeClr val="bg1"/>
                 </a:solidFill>
                 <a:effectLst/>
                 <a:latin typeface="Arial" panose="020B0604020202020204" pitchFamily="34" charset="0"/>
               </a:rPr>
-              <a:t>, </a:t>
-            </a:r>
+            </a:br>
             <a:r>
-              <a:rPr lang="ko-KR" altLang="en-US" b="0" i="0" dirty="0">
+              <a:rPr lang="ko-KR" altLang="en-US" sz="2000" b="0" i="0" dirty="0">
                 <a:solidFill>
-                  <a:srgbClr val="202122"/>
+                  <a:schemeClr val="bg1"/>
                 </a:solidFill>
                 <a:effectLst/>
                 <a:latin typeface="Arial" panose="020B0604020202020204" pitchFamily="34" charset="0"/>
               </a:rPr>
-              <a:t>작업 실적 집계 등 제반 활동을 지원하기 위한 관리 시스템</a:t>
+              <a:t>관리 시스템</a:t>
             </a:r>
-            <a:endParaRPr lang="en-US" altLang="ko-KR" dirty="0"/>
+            <a:endParaRPr lang="en-US" altLang="ko-KR" sz="2000" b="0" i="0" dirty="0">
+              <a:solidFill>
+                <a:schemeClr val="bg1"/>
+              </a:solidFill>
+              <a:effectLst/>
+              <a:latin typeface="Arial" panose="020B0604020202020204" pitchFamily="34" charset="0"/>
+            </a:endParaRPr>
+          </a:p>
+          <a:p>
+            <a:pPr marL="457200" lvl="1" indent="0">
+              <a:buNone/>
+            </a:pPr>
+            <a:endParaRPr lang="en-US" altLang="ko-KR" sz="2000" dirty="0">
+              <a:solidFill>
+                <a:schemeClr val="bg1"/>
+              </a:solidFill>
+            </a:endParaRPr>
           </a:p>
           <a:p>
             <a:r>
-              <a:rPr lang="en-US" altLang="ko-KR" dirty="0"/>
+              <a:rPr lang="en-US" altLang="ko-KR" sz="2000" dirty="0">
+                <a:solidFill>
+                  <a:schemeClr val="bg1"/>
+                </a:solidFill>
+              </a:rPr>
               <a:t>A </a:t>
             </a:r>
             <a:r>
-              <a:rPr lang="ko-KR" altLang="en-US" dirty="0"/>
-              <a:t>고객사 생산 실적 이력 테이블 활용 과제 수행 예정</a:t>
+              <a:rPr lang="ko-KR" altLang="en-US" sz="2000" dirty="0">
+                <a:solidFill>
+                  <a:schemeClr val="bg1"/>
+                </a:solidFill>
+              </a:rPr>
+              <a:t>고객사 생산 실적 이력 테이블 </a:t>
             </a:r>
-            <a:endParaRPr lang="en-US" altLang="ko-KR" dirty="0"/>
-          </a:p>
-          <a:p>
+            <a:br>
+              <a:rPr lang="en-US" altLang="ko-KR" sz="2000" dirty="0">
+                <a:solidFill>
+                  <a:schemeClr val="bg1"/>
+                </a:solidFill>
+              </a:rPr>
+            </a:br>
             <a:r>
-              <a:rPr lang="ko-KR" altLang="en-US" dirty="0"/>
-              <a:t>행 개수 </a:t>
+              <a:rPr lang="ko-KR" altLang="en-US" sz="2000" dirty="0">
+                <a:solidFill>
+                  <a:schemeClr val="bg1"/>
+                </a:solidFill>
+              </a:rPr>
+              <a:t>테스트 데이터 활용 과제 수행 예정</a:t>
+            </a:r>
+            <a:endParaRPr lang="en-US" altLang="ko-KR" sz="2000" dirty="0">
+              <a:solidFill>
+                <a:schemeClr val="bg1"/>
+              </a:solidFill>
+            </a:endParaRPr>
+          </a:p>
+          <a:p>
+            <a:pPr lvl="1"/>
+            <a:r>
+              <a:rPr lang="en-US" altLang="ko-KR" sz="2000" dirty="0">
+                <a:solidFill>
+                  <a:schemeClr val="bg1"/>
+                </a:solidFill>
+              </a:rPr>
+              <a:t>row</a:t>
             </a:r>
             <a:r>
-              <a:rPr lang="en-US" altLang="ko-KR" dirty="0"/>
+              <a:rPr lang="ko-KR" altLang="en-US" sz="2000" dirty="0">
+                <a:solidFill>
+                  <a:schemeClr val="bg1"/>
+                </a:solidFill>
+              </a:rPr>
+              <a:t> 개수 </a:t>
+            </a:r>
+            <a:r>
+              <a:rPr lang="en-US" altLang="ko-KR" sz="2000" dirty="0">
+                <a:solidFill>
+                  <a:schemeClr val="bg1"/>
+                </a:solidFill>
+              </a:rPr>
               <a:t>: 1551</a:t>
             </a:r>
             <a:r>
-              <a:rPr lang="ko-KR" altLang="en-US" dirty="0"/>
+              <a:rPr lang="ko-KR" altLang="en-US" sz="2000" dirty="0">
+                <a:solidFill>
+                  <a:schemeClr val="bg1"/>
+                </a:solidFill>
+              </a:rPr>
               <a:t>개</a:t>
             </a:r>
-            <a:endParaRPr lang="en-US" altLang="ko-KR" dirty="0"/>
-          </a:p>
-          <a:p>
+            <a:endParaRPr lang="en-US" altLang="ko-KR" sz="2000" dirty="0">
+              <a:solidFill>
+                <a:schemeClr val="bg1"/>
+              </a:solidFill>
+            </a:endParaRPr>
+          </a:p>
+          <a:p>
+            <a:pPr lvl="1"/>
             <a:r>
-              <a:rPr lang="ko-KR" altLang="en-US" dirty="0"/>
+              <a:rPr lang="ko-KR" altLang="en-US" sz="2000" dirty="0">
+                <a:solidFill>
+                  <a:schemeClr val="bg1"/>
+                </a:solidFill>
+              </a:rPr>
               <a:t>기간 </a:t>
             </a:r>
             <a:r>
-              <a:rPr lang="en-US" altLang="ko-KR" dirty="0"/>
+              <a:rPr lang="en-US" altLang="ko-KR" sz="2000" dirty="0">
+                <a:solidFill>
+                  <a:schemeClr val="bg1"/>
+                </a:solidFill>
+              </a:rPr>
               <a:t>: 21/02/22 ~ 21/04/21</a:t>
             </a:r>
           </a:p>
           <a:p>
-            <a:endParaRPr lang="ko-KR" altLang="en-US" dirty="0"/>
+            <a:endParaRPr lang="ko-KR" altLang="en-US" sz="2000" dirty="0">
+              <a:solidFill>
+                <a:schemeClr val="bg1"/>
+              </a:solidFill>
+            </a:endParaRPr>
           </a:p>
         </p:txBody>
       </p:sp>
@@ -3731,6 +7557,14 @@
 <file path=ppt/slides/slide4.xml><?xml version="1.0" encoding="utf-8"?>
 <p:sld xmlns:a="http://schemas.openxmlformats.org/drawingml/2006/main" xmlns:r="http://schemas.openxmlformats.org/officeDocument/2006/relationships" xmlns:p="http://schemas.openxmlformats.org/presentationml/2006/main">
   <p:cSld>
+    <p:bg>
+      <p:bgPr>
+        <a:solidFill>
+          <a:schemeClr val="bg1"/>
+        </a:solidFill>
+        <a:effectLst/>
+      </p:bgPr>
+    </p:bg>
     <p:spTree>
       <p:nvGrpSpPr>
         <p:cNvPr id="1" name=""/>
@@ -3747,6 +7581,1705 @@
       </p:grpSpPr>
       <p:sp>
         <p:nvSpPr>
+          <p:cNvPr id="9" name="Rectangle 8">
+            <a:extLst>
+              <a:ext uri="{FF2B5EF4-FFF2-40B4-BE49-F238E27FC236}">
+                <a16:creationId xmlns:a16="http://schemas.microsoft.com/office/drawing/2014/main" id="{89105CEF-3024-4DCC-B6B3-5AEC0A84CD55}"/>
+              </a:ext>
+              <a:ext uri="{C183D7F6-B498-43B3-948B-1728B52AA6E4}">
+                <adec:decorative xmlns:adec="http://schemas.microsoft.com/office/drawing/2017/decorative" val="1"/>
+              </a:ext>
+            </a:extLst>
+          </p:cNvPr>
+          <p:cNvSpPr>
+            <a:spLocks noGrp="1" noRot="1" noChangeAspect="1" noMove="1" noResize="1" noEditPoints="1" noAdjustHandles="1" noChangeArrowheads="1" noChangeShapeType="1" noTextEdit="1"/>
+          </p:cNvSpPr>
+          <p:nvPr>
+            <p:extLst>
+              <p:ext uri="{386F3935-93C4-4BCD-93E2-E3B085C9AB24}">
+                <p16:designElem xmlns:p16="http://schemas.microsoft.com/office/powerpoint/2015/main" val="1"/>
+              </p:ext>
+            </p:extLst>
+          </p:nvPr>
+        </p:nvSpPr>
+        <p:spPr>
+          <a:xfrm>
+            <a:off x="3048" y="0"/>
+            <a:ext cx="12188952" cy="6858000"/>
+          </a:xfrm>
+          <a:prstGeom prst="rect">
+            <a:avLst/>
+          </a:prstGeom>
+          <a:solidFill>
+            <a:schemeClr val="tx2"/>
+          </a:solidFill>
+          <a:ln>
+            <a:noFill/>
+          </a:ln>
+        </p:spPr>
+        <p:style>
+          <a:lnRef idx="2">
+            <a:schemeClr val="accent1">
+              <a:shade val="50000"/>
+            </a:schemeClr>
+          </a:lnRef>
+          <a:fillRef idx="1">
+            <a:schemeClr val="accent1"/>
+          </a:fillRef>
+          <a:effectRef idx="0">
+            <a:schemeClr val="accent1"/>
+          </a:effectRef>
+          <a:fontRef idx="minor">
+            <a:schemeClr val="lt1"/>
+          </a:fontRef>
+        </p:style>
+        <p:txBody>
+          <a:bodyPr rtlCol="0" anchor="ctr"/>
+          <a:lstStyle/>
+          <a:p>
+            <a:pPr algn="ctr"/>
+            <a:endParaRPr lang="en-US"/>
+          </a:p>
+        </p:txBody>
+      </p:sp>
+      <p:sp>
+        <p:nvSpPr>
+          <p:cNvPr id="11" name="Rectangle 10">
+            <a:extLst>
+              <a:ext uri="{FF2B5EF4-FFF2-40B4-BE49-F238E27FC236}">
+                <a16:creationId xmlns:a16="http://schemas.microsoft.com/office/drawing/2014/main" id="{A1615BE6-BB5D-47E2-AF16-A7B7ABB75732}"/>
+              </a:ext>
+              <a:ext uri="{C183D7F6-B498-43B3-948B-1728B52AA6E4}">
+                <adec:decorative xmlns:adec="http://schemas.microsoft.com/office/drawing/2017/decorative" val="1"/>
+              </a:ext>
+            </a:extLst>
+          </p:cNvPr>
+          <p:cNvSpPr>
+            <a:spLocks noGrp="1" noRot="1" noChangeAspect="1" noMove="1" noResize="1" noEditPoints="1" noAdjustHandles="1" noChangeArrowheads="1" noChangeShapeType="1" noTextEdit="1"/>
+          </p:cNvSpPr>
+          <p:nvPr>
+            <p:extLst>
+              <p:ext uri="{386F3935-93C4-4BCD-93E2-E3B085C9AB24}">
+                <p16:designElem xmlns:p16="http://schemas.microsoft.com/office/powerpoint/2015/main" val="1"/>
+              </p:ext>
+            </p:extLst>
+          </p:nvPr>
+        </p:nvSpPr>
+        <p:spPr>
+          <a:xfrm>
+            <a:off x="0" y="0"/>
+            <a:ext cx="12188952" cy="6858000"/>
+          </a:xfrm>
+          <a:prstGeom prst="rect">
+            <a:avLst/>
+          </a:prstGeom>
+          <a:solidFill>
+            <a:schemeClr val="tx1">
+              <a:alpha val="53000"/>
+            </a:schemeClr>
+          </a:solidFill>
+          <a:ln>
+            <a:noFill/>
+          </a:ln>
+        </p:spPr>
+        <p:style>
+          <a:lnRef idx="2">
+            <a:schemeClr val="accent1">
+              <a:shade val="50000"/>
+            </a:schemeClr>
+          </a:lnRef>
+          <a:fillRef idx="1">
+            <a:schemeClr val="accent1"/>
+          </a:fillRef>
+          <a:effectRef idx="0">
+            <a:schemeClr val="accent1"/>
+          </a:effectRef>
+          <a:fontRef idx="minor">
+            <a:schemeClr val="lt1"/>
+          </a:fontRef>
+        </p:style>
+        <p:txBody>
+          <a:bodyPr rtlCol="0" anchor="ctr"/>
+          <a:lstStyle/>
+          <a:p>
+            <a:pPr algn="ctr"/>
+            <a:endParaRPr lang="en-US"/>
+          </a:p>
+        </p:txBody>
+      </p:sp>
+      <p:grpSp>
+        <p:nvGrpSpPr>
+          <p:cNvPr id="13" name="Group 12">
+            <a:extLst>
+              <a:ext uri="{FF2B5EF4-FFF2-40B4-BE49-F238E27FC236}">
+                <a16:creationId xmlns:a16="http://schemas.microsoft.com/office/drawing/2014/main" id="{AFF97D57-E591-41FE-B85C-99A9AC0B0922}"/>
+              </a:ext>
+              <a:ext uri="{C183D7F6-B498-43B3-948B-1728B52AA6E4}">
+                <adec:decorative xmlns:adec="http://schemas.microsoft.com/office/drawing/2017/decorative" val="1"/>
+              </a:ext>
+            </a:extLst>
+          </p:cNvPr>
+          <p:cNvGrpSpPr>
+            <a:grpSpLocks noGrp="1" noUngrp="1" noRot="1" noChangeAspect="1" noMove="1" noResize="1"/>
+          </p:cNvGrpSpPr>
+          <p:nvPr>
+            <p:extLst>
+              <p:ext uri="{386F3935-93C4-4BCD-93E2-E3B085C9AB24}">
+                <p16:designElem xmlns:p16="http://schemas.microsoft.com/office/powerpoint/2015/main" val="1"/>
+              </p:ext>
+            </p:extLst>
+          </p:nvPr>
+        </p:nvGrpSpPr>
+        <p:grpSpPr>
+          <a:xfrm>
+            <a:off x="1" y="2075420"/>
+            <a:ext cx="12048729" cy="4093306"/>
+            <a:chOff x="1" y="2075420"/>
+            <a:chExt cx="12048729" cy="4093306"/>
+          </a:xfrm>
+        </p:grpSpPr>
+        <p:sp>
+          <p:nvSpPr>
+            <p:cNvPr id="6" name="Oval 13">
+              <a:extLst>
+                <a:ext uri="{FF2B5EF4-FFF2-40B4-BE49-F238E27FC236}">
+                  <a16:creationId xmlns:a16="http://schemas.microsoft.com/office/drawing/2014/main" id="{B742906A-B011-4430-BEBC-BE89443964DC}"/>
+                </a:ext>
+                <a:ext uri="{C183D7F6-B498-43B3-948B-1728B52AA6E4}">
+                  <adec:decorative xmlns:adec="http://schemas.microsoft.com/office/drawing/2017/decorative" val="1"/>
+                </a:ext>
+              </a:extLst>
+            </p:cNvPr>
+            <p:cNvSpPr/>
+            <p:nvPr>
+              <p:extLst>
+                <p:ext uri="{386F3935-93C4-4BCD-93E2-E3B085C9AB24}">
+                  <p16:designElem xmlns:p16="http://schemas.microsoft.com/office/powerpoint/2015/main" val="1"/>
+                </p:ext>
+              </p:extLst>
+            </p:nvPr>
+          </p:nvSpPr>
+          <p:spPr>
+            <a:xfrm rot="4500000">
+              <a:off x="7942191" y="2507571"/>
+              <a:ext cx="3563871" cy="3563871"/>
+            </a:xfrm>
+            <a:prstGeom prst="ellipse">
+              <a:avLst/>
+            </a:prstGeom>
+            <a:noFill/>
+            <a:ln w="31750">
+              <a:gradFill>
+                <a:gsLst>
+                  <a:gs pos="0">
+                    <a:schemeClr val="tx2">
+                      <a:lumMod val="60000"/>
+                      <a:lumOff val="40000"/>
+                      <a:alpha val="10000"/>
+                    </a:schemeClr>
+                  </a:gs>
+                  <a:gs pos="100000">
+                    <a:schemeClr val="tx2">
+                      <a:lumMod val="50000"/>
+                      <a:alpha val="20000"/>
+                    </a:schemeClr>
+                  </a:gs>
+                </a:gsLst>
+                <a:lin ang="5400000" scaled="1"/>
+              </a:gradFill>
+              <a:prstDash val="sysDot"/>
+            </a:ln>
+          </p:spPr>
+          <p:style>
+            <a:lnRef idx="2">
+              <a:schemeClr val="accent1">
+                <a:shade val="50000"/>
+              </a:schemeClr>
+            </a:lnRef>
+            <a:fillRef idx="1">
+              <a:schemeClr val="accent1"/>
+            </a:fillRef>
+            <a:effectRef idx="0">
+              <a:schemeClr val="accent1"/>
+            </a:effectRef>
+            <a:fontRef idx="minor">
+              <a:schemeClr val="lt1"/>
+            </a:fontRef>
+          </p:style>
+          <p:txBody>
+            <a:bodyPr rtlCol="0" anchor="ctr"/>
+            <a:lstStyle/>
+            <a:p>
+              <a:pPr algn="ctr"/>
+              <a:endParaRPr lang="en-US"/>
+            </a:p>
+          </p:txBody>
+        </p:sp>
+        <p:sp>
+          <p:nvSpPr>
+            <p:cNvPr id="15" name="Oval 14">
+              <a:extLst>
+                <a:ext uri="{FF2B5EF4-FFF2-40B4-BE49-F238E27FC236}">
+                  <a16:creationId xmlns:a16="http://schemas.microsoft.com/office/drawing/2014/main" id="{1D2173A0-CFA2-4CAD-970D-2C2429E77412}"/>
+                </a:ext>
+                <a:ext uri="{C183D7F6-B498-43B3-948B-1728B52AA6E4}">
+                  <adec:decorative xmlns:adec="http://schemas.microsoft.com/office/drawing/2017/decorative" val="1"/>
+                </a:ext>
+              </a:extLst>
+            </p:cNvPr>
+            <p:cNvSpPr/>
+            <p:nvPr>
+              <p:extLst>
+                <p:ext uri="{386F3935-93C4-4BCD-93E2-E3B085C9AB24}">
+                  <p16:designElem xmlns:p16="http://schemas.microsoft.com/office/powerpoint/2015/main" val="1"/>
+                </p:ext>
+              </p:extLst>
+            </p:nvPr>
+          </p:nvSpPr>
+          <p:spPr>
+            <a:xfrm rot="16200000">
+              <a:off x="10435065" y="4048931"/>
+              <a:ext cx="1381607" cy="1381607"/>
+            </a:xfrm>
+            <a:prstGeom prst="ellipse">
+              <a:avLst/>
+            </a:prstGeom>
+            <a:noFill/>
+            <a:ln w="31750">
+              <a:gradFill>
+                <a:gsLst>
+                  <a:gs pos="0">
+                    <a:schemeClr val="tx2">
+                      <a:lumMod val="60000"/>
+                      <a:lumOff val="40000"/>
+                      <a:alpha val="20000"/>
+                    </a:schemeClr>
+                  </a:gs>
+                  <a:gs pos="100000">
+                    <a:schemeClr val="tx2">
+                      <a:lumMod val="50000"/>
+                      <a:alpha val="20000"/>
+                    </a:schemeClr>
+                  </a:gs>
+                </a:gsLst>
+                <a:lin ang="5400000" scaled="1"/>
+              </a:gradFill>
+              <a:prstDash val="sysDot"/>
+            </a:ln>
+          </p:spPr>
+          <p:style>
+            <a:lnRef idx="2">
+              <a:schemeClr val="accent1">
+                <a:shade val="50000"/>
+              </a:schemeClr>
+            </a:lnRef>
+            <a:fillRef idx="1">
+              <a:schemeClr val="accent1"/>
+            </a:fillRef>
+            <a:effectRef idx="0">
+              <a:schemeClr val="accent1"/>
+            </a:effectRef>
+            <a:fontRef idx="minor">
+              <a:schemeClr val="lt1"/>
+            </a:fontRef>
+          </p:style>
+          <p:txBody>
+            <a:bodyPr rtlCol="0" anchor="ctr"/>
+            <a:lstStyle/>
+            <a:p>
+              <a:pPr algn="ctr"/>
+              <a:endParaRPr lang="en-US"/>
+            </a:p>
+          </p:txBody>
+        </p:sp>
+        <p:sp>
+          <p:nvSpPr>
+            <p:cNvPr id="7" name="Oval 15">
+              <a:extLst>
+                <a:ext uri="{FF2B5EF4-FFF2-40B4-BE49-F238E27FC236}">
+                  <a16:creationId xmlns:a16="http://schemas.microsoft.com/office/drawing/2014/main" id="{0A6B18EA-9F89-4CF1-8A95-ED5F5E203D6E}"/>
+                </a:ext>
+                <a:ext uri="{C183D7F6-B498-43B3-948B-1728B52AA6E4}">
+                  <adec:decorative xmlns:adec="http://schemas.microsoft.com/office/drawing/2017/decorative" val="1"/>
+                </a:ext>
+              </a:extLst>
+            </p:cNvPr>
+            <p:cNvSpPr/>
+            <p:nvPr>
+              <p:extLst>
+                <p:ext uri="{386F3935-93C4-4BCD-93E2-E3B085C9AB24}">
+                  <p16:designElem xmlns:p16="http://schemas.microsoft.com/office/powerpoint/2015/main" val="1"/>
+                </p:ext>
+              </p:extLst>
+            </p:nvPr>
+          </p:nvSpPr>
+          <p:spPr>
+            <a:xfrm rot="16200000">
+              <a:off x="1" y="2075420"/>
+              <a:ext cx="3144364" cy="3144364"/>
+            </a:xfrm>
+            <a:prstGeom prst="ellipse">
+              <a:avLst/>
+            </a:prstGeom>
+            <a:gradFill>
+              <a:gsLst>
+                <a:gs pos="0">
+                  <a:schemeClr val="tx2">
+                    <a:lumMod val="75000"/>
+                    <a:alpha val="20000"/>
+                  </a:schemeClr>
+                </a:gs>
+                <a:gs pos="100000">
+                  <a:schemeClr val="tx2">
+                    <a:lumMod val="50000"/>
+                    <a:alpha val="10000"/>
+                  </a:schemeClr>
+                </a:gs>
+              </a:gsLst>
+              <a:lin ang="5400000" scaled="1"/>
+            </a:gradFill>
+            <a:ln>
+              <a:noFill/>
+            </a:ln>
+          </p:spPr>
+          <p:style>
+            <a:lnRef idx="2">
+              <a:schemeClr val="accent1">
+                <a:shade val="50000"/>
+              </a:schemeClr>
+            </a:lnRef>
+            <a:fillRef idx="1">
+              <a:schemeClr val="accent1"/>
+            </a:fillRef>
+            <a:effectRef idx="0">
+              <a:schemeClr val="accent1"/>
+            </a:effectRef>
+            <a:fontRef idx="minor">
+              <a:schemeClr val="lt1"/>
+            </a:fontRef>
+          </p:style>
+          <p:txBody>
+            <a:bodyPr rtlCol="0" anchor="ctr"/>
+            <a:lstStyle/>
+            <a:p>
+              <a:pPr algn="ctr"/>
+              <a:endParaRPr lang="en-US"/>
+            </a:p>
+          </p:txBody>
+        </p:sp>
+        <p:sp>
+          <p:nvSpPr>
+            <p:cNvPr id="17" name="Oval 16">
+              <a:extLst>
+                <a:ext uri="{FF2B5EF4-FFF2-40B4-BE49-F238E27FC236}">
+                  <a16:creationId xmlns:a16="http://schemas.microsoft.com/office/drawing/2014/main" id="{7B76AF42-C4AC-4593-9230-5324E414C487}"/>
+                </a:ext>
+                <a:ext uri="{C183D7F6-B498-43B3-948B-1728B52AA6E4}">
+                  <adec:decorative xmlns:adec="http://schemas.microsoft.com/office/drawing/2017/decorative" val="1"/>
+                </a:ext>
+              </a:extLst>
+            </p:cNvPr>
+            <p:cNvSpPr/>
+            <p:nvPr>
+              <p:extLst>
+                <p:ext uri="{386F3935-93C4-4BCD-93E2-E3B085C9AB24}">
+                  <p16:designElem xmlns:p16="http://schemas.microsoft.com/office/powerpoint/2015/main" val="1"/>
+                </p:ext>
+              </p:extLst>
+            </p:nvPr>
+          </p:nvSpPr>
+          <p:spPr>
+            <a:xfrm rot="12600000">
+              <a:off x="10150845" y="4270841"/>
+              <a:ext cx="1897885" cy="1897885"/>
+            </a:xfrm>
+            <a:prstGeom prst="ellipse">
+              <a:avLst/>
+            </a:prstGeom>
+            <a:gradFill>
+              <a:gsLst>
+                <a:gs pos="0">
+                  <a:schemeClr val="tx2">
+                    <a:lumMod val="75000"/>
+                    <a:alpha val="10000"/>
+                  </a:schemeClr>
+                </a:gs>
+                <a:gs pos="100000">
+                  <a:schemeClr val="tx2">
+                    <a:lumMod val="75000"/>
+                    <a:alpha val="20000"/>
+                  </a:schemeClr>
+                </a:gs>
+              </a:gsLst>
+              <a:lin ang="5400000" scaled="1"/>
+            </a:gradFill>
+            <a:ln>
+              <a:noFill/>
+            </a:ln>
+          </p:spPr>
+          <p:style>
+            <a:lnRef idx="2">
+              <a:schemeClr val="accent1">
+                <a:shade val="50000"/>
+              </a:schemeClr>
+            </a:lnRef>
+            <a:fillRef idx="1">
+              <a:schemeClr val="accent1"/>
+            </a:fillRef>
+            <a:effectRef idx="0">
+              <a:schemeClr val="accent1"/>
+            </a:effectRef>
+            <a:fontRef idx="minor">
+              <a:schemeClr val="lt1"/>
+            </a:fontRef>
+          </p:style>
+          <p:txBody>
+            <a:bodyPr rtlCol="0" anchor="ctr"/>
+            <a:lstStyle/>
+            <a:p>
+              <a:pPr algn="ctr"/>
+              <a:endParaRPr lang="en-US" dirty="0"/>
+            </a:p>
+          </p:txBody>
+        </p:sp>
+        <p:sp>
+          <p:nvSpPr>
+            <p:cNvPr id="18" name="Oval 17">
+              <a:extLst>
+                <a:ext uri="{FF2B5EF4-FFF2-40B4-BE49-F238E27FC236}">
+                  <a16:creationId xmlns:a16="http://schemas.microsoft.com/office/drawing/2014/main" id="{66C28B20-4F7E-4C76-9DE7-9C3A13A53524}"/>
+                </a:ext>
+                <a:ext uri="{C183D7F6-B498-43B3-948B-1728B52AA6E4}">
+                  <adec:decorative xmlns:adec="http://schemas.microsoft.com/office/drawing/2017/decorative" val="1"/>
+                </a:ext>
+              </a:extLst>
+            </p:cNvPr>
+            <p:cNvSpPr/>
+            <p:nvPr>
+              <p:extLst>
+                <p:ext uri="{386F3935-93C4-4BCD-93E2-E3B085C9AB24}">
+                  <p16:designElem xmlns:p16="http://schemas.microsoft.com/office/powerpoint/2015/main" val="1"/>
+                </p:ext>
+              </p:extLst>
+            </p:nvPr>
+          </p:nvSpPr>
+          <p:spPr>
+            <a:xfrm rot="4500000">
+              <a:off x="2046780" y="3040492"/>
+              <a:ext cx="2579322" cy="2579322"/>
+            </a:xfrm>
+            <a:prstGeom prst="ellipse">
+              <a:avLst/>
+            </a:prstGeom>
+            <a:noFill/>
+            <a:ln w="31750">
+              <a:gradFill>
+                <a:gsLst>
+                  <a:gs pos="0">
+                    <a:schemeClr val="tx2">
+                      <a:lumMod val="60000"/>
+                      <a:lumOff val="40000"/>
+                      <a:alpha val="20000"/>
+                    </a:schemeClr>
+                  </a:gs>
+                  <a:gs pos="100000">
+                    <a:schemeClr val="tx2">
+                      <a:lumMod val="50000"/>
+                      <a:alpha val="20000"/>
+                    </a:schemeClr>
+                  </a:gs>
+                </a:gsLst>
+                <a:lin ang="5400000" scaled="1"/>
+              </a:gradFill>
+              <a:prstDash val="sysDot"/>
+            </a:ln>
+          </p:spPr>
+          <p:style>
+            <a:lnRef idx="2">
+              <a:schemeClr val="accent1">
+                <a:shade val="50000"/>
+              </a:schemeClr>
+            </a:lnRef>
+            <a:fillRef idx="1">
+              <a:schemeClr val="accent1"/>
+            </a:fillRef>
+            <a:effectRef idx="0">
+              <a:schemeClr val="accent1"/>
+            </a:effectRef>
+            <a:fontRef idx="minor">
+              <a:schemeClr val="lt1"/>
+            </a:fontRef>
+          </p:style>
+          <p:txBody>
+            <a:bodyPr rtlCol="0" anchor="ctr"/>
+            <a:lstStyle/>
+            <a:p>
+              <a:pPr algn="ctr"/>
+              <a:endParaRPr lang="en-US"/>
+            </a:p>
+          </p:txBody>
+        </p:sp>
+        <p:sp>
+          <p:nvSpPr>
+            <p:cNvPr id="19" name="Oval 18">
+              <a:extLst>
+                <a:ext uri="{FF2B5EF4-FFF2-40B4-BE49-F238E27FC236}">
+                  <a16:creationId xmlns:a16="http://schemas.microsoft.com/office/drawing/2014/main" id="{9D369062-6EFD-44DE-927C-B4ECBD7CBBFE}"/>
+                </a:ext>
+                <a:ext uri="{C183D7F6-B498-43B3-948B-1728B52AA6E4}">
+                  <adec:decorative xmlns:adec="http://schemas.microsoft.com/office/drawing/2017/decorative" val="1"/>
+                </a:ext>
+              </a:extLst>
+            </p:cNvPr>
+            <p:cNvSpPr/>
+            <p:nvPr>
+              <p:extLst>
+                <p:ext uri="{386F3935-93C4-4BCD-93E2-E3B085C9AB24}">
+                  <p16:designElem xmlns:p16="http://schemas.microsoft.com/office/powerpoint/2015/main" val="1"/>
+                </p:ext>
+              </p:extLst>
+            </p:nvPr>
+          </p:nvSpPr>
+          <p:spPr>
+            <a:xfrm rot="4500000">
+              <a:off x="2224640" y="3193975"/>
+              <a:ext cx="2243193" cy="2243193"/>
+            </a:xfrm>
+            <a:prstGeom prst="ellipse">
+              <a:avLst/>
+            </a:prstGeom>
+            <a:noFill/>
+            <a:ln w="31750">
+              <a:gradFill>
+                <a:gsLst>
+                  <a:gs pos="0">
+                    <a:schemeClr val="tx2">
+                      <a:lumMod val="60000"/>
+                      <a:lumOff val="40000"/>
+                      <a:alpha val="10000"/>
+                    </a:schemeClr>
+                  </a:gs>
+                  <a:gs pos="100000">
+                    <a:schemeClr val="tx2">
+                      <a:lumMod val="50000"/>
+                      <a:alpha val="10000"/>
+                    </a:schemeClr>
+                  </a:gs>
+                </a:gsLst>
+                <a:lin ang="5400000" scaled="1"/>
+              </a:gradFill>
+            </a:ln>
+          </p:spPr>
+          <p:style>
+            <a:lnRef idx="2">
+              <a:schemeClr val="accent1">
+                <a:shade val="50000"/>
+              </a:schemeClr>
+            </a:lnRef>
+            <a:fillRef idx="1">
+              <a:schemeClr val="accent1"/>
+            </a:fillRef>
+            <a:effectRef idx="0">
+              <a:schemeClr val="accent1"/>
+            </a:effectRef>
+            <a:fontRef idx="minor">
+              <a:schemeClr val="lt1"/>
+            </a:fontRef>
+          </p:style>
+          <p:txBody>
+            <a:bodyPr rtlCol="0" anchor="ctr"/>
+            <a:lstStyle/>
+            <a:p>
+              <a:pPr algn="ctr"/>
+              <a:endParaRPr lang="en-US"/>
+            </a:p>
+          </p:txBody>
+        </p:sp>
+      </p:grpSp>
+      <p:sp>
+        <p:nvSpPr>
+          <p:cNvPr id="21" name="Rectangle 20">
+            <a:extLst>
+              <a:ext uri="{FF2B5EF4-FFF2-40B4-BE49-F238E27FC236}">
+                <a16:creationId xmlns:a16="http://schemas.microsoft.com/office/drawing/2014/main" id="{C4B4B845-CAA1-4885-99D9-10EEED9CEC55}"/>
+              </a:ext>
+              <a:ext uri="{C183D7F6-B498-43B3-948B-1728B52AA6E4}">
+                <adec:decorative xmlns:adec="http://schemas.microsoft.com/office/drawing/2017/decorative" val="1"/>
+              </a:ext>
+            </a:extLst>
+          </p:cNvPr>
+          <p:cNvSpPr>
+            <a:spLocks noGrp="1" noRot="1" noChangeAspect="1" noMove="1" noResize="1" noEditPoints="1" noAdjustHandles="1" noChangeArrowheads="1" noChangeShapeType="1" noTextEdit="1"/>
+          </p:cNvSpPr>
+          <p:nvPr>
+            <p:extLst>
+              <p:ext uri="{386F3935-93C4-4BCD-93E2-E3B085C9AB24}">
+                <p16:designElem xmlns:p16="http://schemas.microsoft.com/office/powerpoint/2015/main" val="1"/>
+              </p:ext>
+            </p:extLst>
+          </p:nvPr>
+        </p:nvSpPr>
+        <p:spPr>
+          <a:xfrm rot="16200000">
+            <a:off x="10438146" y="1042605"/>
+            <a:ext cx="2796461" cy="711252"/>
+          </a:xfrm>
+          <a:prstGeom prst="rect">
+            <a:avLst/>
+          </a:prstGeom>
+          <a:gradFill flip="none" rotWithShape="1">
+            <a:gsLst>
+              <a:gs pos="0">
+                <a:schemeClr val="tx2">
+                  <a:lumMod val="40000"/>
+                  <a:lumOff val="60000"/>
+                  <a:alpha val="0"/>
+                </a:schemeClr>
+              </a:gs>
+              <a:gs pos="100000">
+                <a:schemeClr val="tx2">
+                  <a:lumMod val="75000"/>
+                  <a:alpha val="10000"/>
+                </a:schemeClr>
+              </a:gs>
+            </a:gsLst>
+            <a:lin ang="8400000" scaled="0"/>
+            <a:tileRect/>
+          </a:gradFill>
+          <a:ln>
+            <a:noFill/>
+          </a:ln>
+        </p:spPr>
+        <p:style>
+          <a:lnRef idx="2">
+            <a:schemeClr val="accent1">
+              <a:shade val="50000"/>
+            </a:schemeClr>
+          </a:lnRef>
+          <a:fillRef idx="1">
+            <a:schemeClr val="accent1"/>
+          </a:fillRef>
+          <a:effectRef idx="0">
+            <a:schemeClr val="accent1"/>
+          </a:effectRef>
+          <a:fontRef idx="minor">
+            <a:schemeClr val="lt1"/>
+          </a:fontRef>
+        </p:style>
+        <p:txBody>
+          <a:bodyPr rtlCol="0" anchor="ctr"/>
+          <a:lstStyle/>
+          <a:p>
+            <a:pPr algn="ctr"/>
+            <a:endParaRPr lang="en-US"/>
+          </a:p>
+        </p:txBody>
+      </p:sp>
+      <p:grpSp>
+        <p:nvGrpSpPr>
+          <p:cNvPr id="23" name="Group 22">
+            <a:extLst>
+              <a:ext uri="{FF2B5EF4-FFF2-40B4-BE49-F238E27FC236}">
+                <a16:creationId xmlns:a16="http://schemas.microsoft.com/office/drawing/2014/main" id="{F13F4936-8C6F-4CE3-A4EA-FED76F76453D}"/>
+              </a:ext>
+              <a:ext uri="{C183D7F6-B498-43B3-948B-1728B52AA6E4}">
+                <adec:decorative xmlns:adec="http://schemas.microsoft.com/office/drawing/2017/decorative" val="1"/>
+              </a:ext>
+            </a:extLst>
+          </p:cNvPr>
+          <p:cNvGrpSpPr>
+            <a:grpSpLocks noGrp="1" noUngrp="1" noRot="1" noChangeAspect="1" noMove="1" noResize="1"/>
+          </p:cNvGrpSpPr>
+          <p:nvPr>
+            <p:extLst>
+              <p:ext uri="{386F3935-93C4-4BCD-93E2-E3B085C9AB24}">
+                <p16:designElem xmlns:p16="http://schemas.microsoft.com/office/powerpoint/2015/main" val="1"/>
+              </p:ext>
+            </p:extLst>
+          </p:nvPr>
+        </p:nvGrpSpPr>
+        <p:grpSpPr>
+          <a:xfrm>
+            <a:off x="11259539" y="317578"/>
+            <a:ext cx="548640" cy="549007"/>
+            <a:chOff x="7029447" y="3514725"/>
+            <a:chExt cx="1285875" cy="549007"/>
+          </a:xfrm>
+        </p:grpSpPr>
+        <p:cxnSp>
+          <p:nvCxnSpPr>
+            <p:cNvPr id="24" name="Straight Connector 23">
+              <a:extLst>
+                <a:ext uri="{FF2B5EF4-FFF2-40B4-BE49-F238E27FC236}">
+                  <a16:creationId xmlns:a16="http://schemas.microsoft.com/office/drawing/2014/main" id="{50484433-3A0D-4EFE-A3D6-7805A0C34E21}"/>
+                </a:ext>
+                <a:ext uri="{C183D7F6-B498-43B3-948B-1728B52AA6E4}">
+                  <adec:decorative xmlns:adec="http://schemas.microsoft.com/office/drawing/2017/decorative" val="1"/>
+                </a:ext>
+              </a:extLst>
+            </p:cNvPr>
+            <p:cNvCxnSpPr>
+              <a:cxnSpLocks/>
+            </p:cNvCxnSpPr>
+            <p:nvPr>
+              <p:extLst>
+                <p:ext uri="{386F3935-93C4-4BCD-93E2-E3B085C9AB24}">
+                  <p16:designElem xmlns:p16="http://schemas.microsoft.com/office/powerpoint/2015/main" val="1"/>
+                </p:ext>
+              </p:extLst>
+            </p:nvPr>
+          </p:nvCxnSpPr>
+          <p:spPr>
+            <a:xfrm>
+              <a:off x="7029447" y="3514725"/>
+              <a:ext cx="1285875" cy="0"/>
+            </a:xfrm>
+            <a:prstGeom prst="line">
+              <a:avLst/>
+            </a:prstGeom>
+            <a:ln w="31750" cap="rnd" cmpd="sng">
+              <a:gradFill>
+                <a:gsLst>
+                  <a:gs pos="0">
+                    <a:schemeClr val="tx2">
+                      <a:lumMod val="60000"/>
+                      <a:lumOff val="40000"/>
+                      <a:alpha val="40000"/>
+                    </a:schemeClr>
+                  </a:gs>
+                  <a:gs pos="100000">
+                    <a:schemeClr val="tx2">
+                      <a:lumMod val="75000"/>
+                      <a:alpha val="40000"/>
+                    </a:schemeClr>
+                  </a:gs>
+                </a:gsLst>
+                <a:lin ang="5400000" scaled="1"/>
+              </a:gradFill>
+              <a:prstDash val="sysDot"/>
+              <a:round/>
+            </a:ln>
+          </p:spPr>
+          <p:style>
+            <a:lnRef idx="1">
+              <a:schemeClr val="accent1"/>
+            </a:lnRef>
+            <a:fillRef idx="0">
+              <a:schemeClr val="accent1"/>
+            </a:fillRef>
+            <a:effectRef idx="0">
+              <a:schemeClr val="accent1"/>
+            </a:effectRef>
+            <a:fontRef idx="minor">
+              <a:schemeClr val="tx1"/>
+            </a:fontRef>
+          </p:style>
+        </p:cxnSp>
+        <p:cxnSp>
+          <p:nvCxnSpPr>
+            <p:cNvPr id="25" name="Straight Connector 24">
+              <a:extLst>
+                <a:ext uri="{FF2B5EF4-FFF2-40B4-BE49-F238E27FC236}">
+                  <a16:creationId xmlns:a16="http://schemas.microsoft.com/office/drawing/2014/main" id="{A73F57FA-1343-44FF-A148-8DF227969C31}"/>
+                </a:ext>
+                <a:ext uri="{C183D7F6-B498-43B3-948B-1728B52AA6E4}">
+                  <adec:decorative xmlns:adec="http://schemas.microsoft.com/office/drawing/2017/decorative" val="1"/>
+                </a:ext>
+              </a:extLst>
+            </p:cNvPr>
+            <p:cNvCxnSpPr>
+              <a:cxnSpLocks/>
+            </p:cNvCxnSpPr>
+            <p:nvPr>
+              <p:extLst>
+                <p:ext uri="{386F3935-93C4-4BCD-93E2-E3B085C9AB24}">
+                  <p16:designElem xmlns:p16="http://schemas.microsoft.com/office/powerpoint/2015/main" val="1"/>
+                </p:ext>
+              </p:extLst>
+            </p:nvPr>
+          </p:nvCxnSpPr>
+          <p:spPr>
+            <a:xfrm>
+              <a:off x="7029447" y="3697727"/>
+              <a:ext cx="1285875" cy="0"/>
+            </a:xfrm>
+            <a:prstGeom prst="line">
+              <a:avLst/>
+            </a:prstGeom>
+            <a:ln w="31750" cap="rnd" cmpd="sng">
+              <a:gradFill>
+                <a:gsLst>
+                  <a:gs pos="0">
+                    <a:schemeClr val="tx2">
+                      <a:lumMod val="60000"/>
+                      <a:lumOff val="40000"/>
+                      <a:alpha val="40000"/>
+                    </a:schemeClr>
+                  </a:gs>
+                  <a:gs pos="100000">
+                    <a:schemeClr val="tx2">
+                      <a:lumMod val="75000"/>
+                      <a:alpha val="40000"/>
+                    </a:schemeClr>
+                  </a:gs>
+                </a:gsLst>
+                <a:lin ang="5400000" scaled="1"/>
+              </a:gradFill>
+              <a:prstDash val="sysDot"/>
+              <a:round/>
+            </a:ln>
+          </p:spPr>
+          <p:style>
+            <a:lnRef idx="1">
+              <a:schemeClr val="accent1"/>
+            </a:lnRef>
+            <a:fillRef idx="0">
+              <a:schemeClr val="accent1"/>
+            </a:fillRef>
+            <a:effectRef idx="0">
+              <a:schemeClr val="accent1"/>
+            </a:effectRef>
+            <a:fontRef idx="minor">
+              <a:schemeClr val="tx1"/>
+            </a:fontRef>
+          </p:style>
+        </p:cxnSp>
+        <p:cxnSp>
+          <p:nvCxnSpPr>
+            <p:cNvPr id="26" name="Straight Connector 25">
+              <a:extLst>
+                <a:ext uri="{FF2B5EF4-FFF2-40B4-BE49-F238E27FC236}">
+                  <a16:creationId xmlns:a16="http://schemas.microsoft.com/office/drawing/2014/main" id="{E1A4169D-3A86-4D9D-AF11-DC56E12108CE}"/>
+                </a:ext>
+                <a:ext uri="{C183D7F6-B498-43B3-948B-1728B52AA6E4}">
+                  <adec:decorative xmlns:adec="http://schemas.microsoft.com/office/drawing/2017/decorative" val="1"/>
+                </a:ext>
+              </a:extLst>
+            </p:cNvPr>
+            <p:cNvCxnSpPr>
+              <a:cxnSpLocks/>
+            </p:cNvCxnSpPr>
+            <p:nvPr>
+              <p:extLst>
+                <p:ext uri="{386F3935-93C4-4BCD-93E2-E3B085C9AB24}">
+                  <p16:designElem xmlns:p16="http://schemas.microsoft.com/office/powerpoint/2015/main" val="1"/>
+                </p:ext>
+              </p:extLst>
+            </p:nvPr>
+          </p:nvCxnSpPr>
+          <p:spPr>
+            <a:xfrm>
+              <a:off x="7029447" y="3880729"/>
+              <a:ext cx="1285875" cy="0"/>
+            </a:xfrm>
+            <a:prstGeom prst="line">
+              <a:avLst/>
+            </a:prstGeom>
+            <a:ln w="31750" cap="rnd" cmpd="sng">
+              <a:gradFill>
+                <a:gsLst>
+                  <a:gs pos="0">
+                    <a:schemeClr val="tx2">
+                      <a:lumMod val="60000"/>
+                      <a:lumOff val="40000"/>
+                      <a:alpha val="40000"/>
+                    </a:schemeClr>
+                  </a:gs>
+                  <a:gs pos="100000">
+                    <a:schemeClr val="tx2">
+                      <a:lumMod val="75000"/>
+                      <a:alpha val="40000"/>
+                    </a:schemeClr>
+                  </a:gs>
+                </a:gsLst>
+                <a:lin ang="5400000" scaled="1"/>
+              </a:gradFill>
+              <a:prstDash val="sysDot"/>
+              <a:round/>
+            </a:ln>
+          </p:spPr>
+          <p:style>
+            <a:lnRef idx="1">
+              <a:schemeClr val="accent1"/>
+            </a:lnRef>
+            <a:fillRef idx="0">
+              <a:schemeClr val="accent1"/>
+            </a:fillRef>
+            <a:effectRef idx="0">
+              <a:schemeClr val="accent1"/>
+            </a:effectRef>
+            <a:fontRef idx="minor">
+              <a:schemeClr val="tx1"/>
+            </a:fontRef>
+          </p:style>
+        </p:cxnSp>
+        <p:cxnSp>
+          <p:nvCxnSpPr>
+            <p:cNvPr id="27" name="Straight Connector 26">
+              <a:extLst>
+                <a:ext uri="{FF2B5EF4-FFF2-40B4-BE49-F238E27FC236}">
+                  <a16:creationId xmlns:a16="http://schemas.microsoft.com/office/drawing/2014/main" id="{F5A4DE08-83A8-4402-9B15-4BE50687B04D}"/>
+                </a:ext>
+                <a:ext uri="{C183D7F6-B498-43B3-948B-1728B52AA6E4}">
+                  <adec:decorative xmlns:adec="http://schemas.microsoft.com/office/drawing/2017/decorative" val="1"/>
+                </a:ext>
+              </a:extLst>
+            </p:cNvPr>
+            <p:cNvCxnSpPr>
+              <a:cxnSpLocks/>
+            </p:cNvCxnSpPr>
+            <p:nvPr>
+              <p:extLst>
+                <p:ext uri="{386F3935-93C4-4BCD-93E2-E3B085C9AB24}">
+                  <p16:designElem xmlns:p16="http://schemas.microsoft.com/office/powerpoint/2015/main" val="1"/>
+                </p:ext>
+              </p:extLst>
+            </p:nvPr>
+          </p:nvCxnSpPr>
+          <p:spPr>
+            <a:xfrm>
+              <a:off x="7029447" y="4063732"/>
+              <a:ext cx="1285875" cy="0"/>
+            </a:xfrm>
+            <a:prstGeom prst="line">
+              <a:avLst/>
+            </a:prstGeom>
+            <a:ln w="31750" cap="rnd" cmpd="sng">
+              <a:gradFill>
+                <a:gsLst>
+                  <a:gs pos="0">
+                    <a:schemeClr val="tx2">
+                      <a:lumMod val="60000"/>
+                      <a:lumOff val="40000"/>
+                      <a:alpha val="40000"/>
+                    </a:schemeClr>
+                  </a:gs>
+                  <a:gs pos="100000">
+                    <a:schemeClr val="tx2">
+                      <a:lumMod val="75000"/>
+                      <a:alpha val="40000"/>
+                    </a:schemeClr>
+                  </a:gs>
+                </a:gsLst>
+                <a:lin ang="5400000" scaled="1"/>
+              </a:gradFill>
+              <a:prstDash val="sysDot"/>
+              <a:round/>
+            </a:ln>
+          </p:spPr>
+          <p:style>
+            <a:lnRef idx="1">
+              <a:schemeClr val="accent1"/>
+            </a:lnRef>
+            <a:fillRef idx="0">
+              <a:schemeClr val="accent1"/>
+            </a:fillRef>
+            <a:effectRef idx="0">
+              <a:schemeClr val="accent1"/>
+            </a:effectRef>
+            <a:fontRef idx="minor">
+              <a:schemeClr val="tx1"/>
+            </a:fontRef>
+          </p:style>
+        </p:cxnSp>
+      </p:grpSp>
+      <p:grpSp>
+        <p:nvGrpSpPr>
+          <p:cNvPr id="29" name="Group 28">
+            <a:extLst>
+              <a:ext uri="{FF2B5EF4-FFF2-40B4-BE49-F238E27FC236}">
+                <a16:creationId xmlns:a16="http://schemas.microsoft.com/office/drawing/2014/main" id="{8C5FED84-F820-488A-A974-94F5E9799C6B}"/>
+              </a:ext>
+              <a:ext uri="{C183D7F6-B498-43B3-948B-1728B52AA6E4}">
+                <adec:decorative xmlns:adec="http://schemas.microsoft.com/office/drawing/2017/decorative" val="1"/>
+              </a:ext>
+            </a:extLst>
+          </p:cNvPr>
+          <p:cNvGrpSpPr>
+            <a:grpSpLocks noGrp="1" noUngrp="1" noRot="1" noChangeAspect="1" noMove="1" noResize="1"/>
+          </p:cNvGrpSpPr>
+          <p:nvPr>
+            <p:extLst>
+              <p:ext uri="{386F3935-93C4-4BCD-93E2-E3B085C9AB24}">
+                <p16:designElem xmlns:p16="http://schemas.microsoft.com/office/powerpoint/2015/main" val="1"/>
+              </p:ext>
+            </p:extLst>
+          </p:nvPr>
+        </p:nvGrpSpPr>
+        <p:grpSpPr>
+          <a:xfrm>
+            <a:off x="11259539" y="317578"/>
+            <a:ext cx="548640" cy="549007"/>
+            <a:chOff x="7029447" y="3514725"/>
+            <a:chExt cx="1285875" cy="549007"/>
+          </a:xfrm>
+        </p:grpSpPr>
+        <p:cxnSp>
+          <p:nvCxnSpPr>
+            <p:cNvPr id="30" name="Straight Connector 29">
+              <a:extLst>
+                <a:ext uri="{FF2B5EF4-FFF2-40B4-BE49-F238E27FC236}">
+                  <a16:creationId xmlns:a16="http://schemas.microsoft.com/office/drawing/2014/main" id="{FF3E2FC4-8DA6-4E60-93F8-1EE49C0CCB8B}"/>
+                </a:ext>
+                <a:ext uri="{C183D7F6-B498-43B3-948B-1728B52AA6E4}">
+                  <adec:decorative xmlns:adec="http://schemas.microsoft.com/office/drawing/2017/decorative" val="1"/>
+                </a:ext>
+              </a:extLst>
+            </p:cNvPr>
+            <p:cNvCxnSpPr>
+              <a:cxnSpLocks/>
+            </p:cNvCxnSpPr>
+            <p:nvPr>
+              <p:extLst>
+                <p:ext uri="{386F3935-93C4-4BCD-93E2-E3B085C9AB24}">
+                  <p16:designElem xmlns:p16="http://schemas.microsoft.com/office/powerpoint/2015/main" val="1"/>
+                </p:ext>
+              </p:extLst>
+            </p:nvPr>
+          </p:nvCxnSpPr>
+          <p:spPr>
+            <a:xfrm>
+              <a:off x="7029447" y="3514725"/>
+              <a:ext cx="1285875" cy="0"/>
+            </a:xfrm>
+            <a:prstGeom prst="line">
+              <a:avLst/>
+            </a:prstGeom>
+            <a:ln w="31750" cap="rnd" cmpd="sng">
+              <a:gradFill>
+                <a:gsLst>
+                  <a:gs pos="0">
+                    <a:schemeClr val="tx2">
+                      <a:lumMod val="60000"/>
+                      <a:lumOff val="40000"/>
+                      <a:alpha val="20000"/>
+                    </a:schemeClr>
+                  </a:gs>
+                  <a:gs pos="100000">
+                    <a:schemeClr val="tx2">
+                      <a:lumMod val="50000"/>
+                      <a:alpha val="20000"/>
+                    </a:schemeClr>
+                  </a:gs>
+                </a:gsLst>
+                <a:lin ang="5400000" scaled="1"/>
+              </a:gradFill>
+              <a:prstDash val="sysDot"/>
+              <a:round/>
+            </a:ln>
+          </p:spPr>
+          <p:style>
+            <a:lnRef idx="1">
+              <a:schemeClr val="accent1"/>
+            </a:lnRef>
+            <a:fillRef idx="0">
+              <a:schemeClr val="accent1"/>
+            </a:fillRef>
+            <a:effectRef idx="0">
+              <a:schemeClr val="accent1"/>
+            </a:effectRef>
+            <a:fontRef idx="minor">
+              <a:schemeClr val="tx1"/>
+            </a:fontRef>
+          </p:style>
+        </p:cxnSp>
+        <p:cxnSp>
+          <p:nvCxnSpPr>
+            <p:cNvPr id="31" name="Straight Connector 30">
+              <a:extLst>
+                <a:ext uri="{FF2B5EF4-FFF2-40B4-BE49-F238E27FC236}">
+                  <a16:creationId xmlns:a16="http://schemas.microsoft.com/office/drawing/2014/main" id="{3737BE0C-1FB1-4D5F-AB83-A2F91C145669}"/>
+                </a:ext>
+                <a:ext uri="{C183D7F6-B498-43B3-948B-1728B52AA6E4}">
+                  <adec:decorative xmlns:adec="http://schemas.microsoft.com/office/drawing/2017/decorative" val="1"/>
+                </a:ext>
+              </a:extLst>
+            </p:cNvPr>
+            <p:cNvCxnSpPr>
+              <a:cxnSpLocks/>
+            </p:cNvCxnSpPr>
+            <p:nvPr>
+              <p:extLst>
+                <p:ext uri="{386F3935-93C4-4BCD-93E2-E3B085C9AB24}">
+                  <p16:designElem xmlns:p16="http://schemas.microsoft.com/office/powerpoint/2015/main" val="1"/>
+                </p:ext>
+              </p:extLst>
+            </p:nvPr>
+          </p:nvCxnSpPr>
+          <p:spPr>
+            <a:xfrm>
+              <a:off x="7029447" y="3697727"/>
+              <a:ext cx="1285875" cy="0"/>
+            </a:xfrm>
+            <a:prstGeom prst="line">
+              <a:avLst/>
+            </a:prstGeom>
+            <a:ln w="31750" cap="rnd" cmpd="sng">
+              <a:gradFill>
+                <a:gsLst>
+                  <a:gs pos="0">
+                    <a:schemeClr val="tx2">
+                      <a:lumMod val="60000"/>
+                      <a:lumOff val="40000"/>
+                      <a:alpha val="20000"/>
+                    </a:schemeClr>
+                  </a:gs>
+                  <a:gs pos="100000">
+                    <a:schemeClr val="tx2">
+                      <a:lumMod val="50000"/>
+                      <a:alpha val="20000"/>
+                    </a:schemeClr>
+                  </a:gs>
+                </a:gsLst>
+                <a:lin ang="5400000" scaled="1"/>
+              </a:gradFill>
+              <a:prstDash val="sysDot"/>
+              <a:round/>
+            </a:ln>
+          </p:spPr>
+          <p:style>
+            <a:lnRef idx="1">
+              <a:schemeClr val="accent1"/>
+            </a:lnRef>
+            <a:fillRef idx="0">
+              <a:schemeClr val="accent1"/>
+            </a:fillRef>
+            <a:effectRef idx="0">
+              <a:schemeClr val="accent1"/>
+            </a:effectRef>
+            <a:fontRef idx="minor">
+              <a:schemeClr val="tx1"/>
+            </a:fontRef>
+          </p:style>
+        </p:cxnSp>
+        <p:cxnSp>
+          <p:nvCxnSpPr>
+            <p:cNvPr id="32" name="Straight Connector 31">
+              <a:extLst>
+                <a:ext uri="{FF2B5EF4-FFF2-40B4-BE49-F238E27FC236}">
+                  <a16:creationId xmlns:a16="http://schemas.microsoft.com/office/drawing/2014/main" id="{8D845A01-081B-4119-8571-6A42E8D02863}"/>
+                </a:ext>
+                <a:ext uri="{C183D7F6-B498-43B3-948B-1728B52AA6E4}">
+                  <adec:decorative xmlns:adec="http://schemas.microsoft.com/office/drawing/2017/decorative" val="1"/>
+                </a:ext>
+              </a:extLst>
+            </p:cNvPr>
+            <p:cNvCxnSpPr>
+              <a:cxnSpLocks/>
+            </p:cNvCxnSpPr>
+            <p:nvPr>
+              <p:extLst>
+                <p:ext uri="{386F3935-93C4-4BCD-93E2-E3B085C9AB24}">
+                  <p16:designElem xmlns:p16="http://schemas.microsoft.com/office/powerpoint/2015/main" val="1"/>
+                </p:ext>
+              </p:extLst>
+            </p:nvPr>
+          </p:nvCxnSpPr>
+          <p:spPr>
+            <a:xfrm>
+              <a:off x="7029447" y="3880729"/>
+              <a:ext cx="1285875" cy="0"/>
+            </a:xfrm>
+            <a:prstGeom prst="line">
+              <a:avLst/>
+            </a:prstGeom>
+            <a:ln w="31750" cap="rnd" cmpd="sng">
+              <a:gradFill>
+                <a:gsLst>
+                  <a:gs pos="0">
+                    <a:schemeClr val="tx2">
+                      <a:lumMod val="60000"/>
+                      <a:lumOff val="40000"/>
+                      <a:alpha val="20000"/>
+                    </a:schemeClr>
+                  </a:gs>
+                  <a:gs pos="100000">
+                    <a:schemeClr val="tx2">
+                      <a:lumMod val="50000"/>
+                      <a:alpha val="20000"/>
+                    </a:schemeClr>
+                  </a:gs>
+                </a:gsLst>
+                <a:lin ang="5400000" scaled="1"/>
+              </a:gradFill>
+              <a:prstDash val="sysDot"/>
+              <a:round/>
+            </a:ln>
+          </p:spPr>
+          <p:style>
+            <a:lnRef idx="1">
+              <a:schemeClr val="accent1"/>
+            </a:lnRef>
+            <a:fillRef idx="0">
+              <a:schemeClr val="accent1"/>
+            </a:fillRef>
+            <a:effectRef idx="0">
+              <a:schemeClr val="accent1"/>
+            </a:effectRef>
+            <a:fontRef idx="minor">
+              <a:schemeClr val="tx1"/>
+            </a:fontRef>
+          </p:style>
+        </p:cxnSp>
+        <p:cxnSp>
+          <p:nvCxnSpPr>
+            <p:cNvPr id="33" name="Straight Connector 32">
+              <a:extLst>
+                <a:ext uri="{FF2B5EF4-FFF2-40B4-BE49-F238E27FC236}">
+                  <a16:creationId xmlns:a16="http://schemas.microsoft.com/office/drawing/2014/main" id="{31139926-E05D-459C-A2F3-798D98C9BE50}"/>
+                </a:ext>
+                <a:ext uri="{C183D7F6-B498-43B3-948B-1728B52AA6E4}">
+                  <adec:decorative xmlns:adec="http://schemas.microsoft.com/office/drawing/2017/decorative" val="1"/>
+                </a:ext>
+              </a:extLst>
+            </p:cNvPr>
+            <p:cNvCxnSpPr>
+              <a:cxnSpLocks/>
+            </p:cNvCxnSpPr>
+            <p:nvPr>
+              <p:extLst>
+                <p:ext uri="{386F3935-93C4-4BCD-93E2-E3B085C9AB24}">
+                  <p16:designElem xmlns:p16="http://schemas.microsoft.com/office/powerpoint/2015/main" val="1"/>
+                </p:ext>
+              </p:extLst>
+            </p:nvPr>
+          </p:nvCxnSpPr>
+          <p:spPr>
+            <a:xfrm>
+              <a:off x="7029447" y="4063732"/>
+              <a:ext cx="1285875" cy="0"/>
+            </a:xfrm>
+            <a:prstGeom prst="line">
+              <a:avLst/>
+            </a:prstGeom>
+            <a:ln w="31750" cap="rnd" cmpd="sng">
+              <a:gradFill>
+                <a:gsLst>
+                  <a:gs pos="0">
+                    <a:schemeClr val="tx2">
+                      <a:lumMod val="60000"/>
+                      <a:lumOff val="40000"/>
+                      <a:alpha val="20000"/>
+                    </a:schemeClr>
+                  </a:gs>
+                  <a:gs pos="100000">
+                    <a:schemeClr val="tx2">
+                      <a:lumMod val="50000"/>
+                      <a:alpha val="20000"/>
+                    </a:schemeClr>
+                  </a:gs>
+                </a:gsLst>
+                <a:lin ang="5400000" scaled="1"/>
+              </a:gradFill>
+              <a:prstDash val="sysDot"/>
+              <a:round/>
+            </a:ln>
+          </p:spPr>
+          <p:style>
+            <a:lnRef idx="1">
+              <a:schemeClr val="accent1"/>
+            </a:lnRef>
+            <a:fillRef idx="0">
+              <a:schemeClr val="accent1"/>
+            </a:fillRef>
+            <a:effectRef idx="0">
+              <a:schemeClr val="accent1"/>
+            </a:effectRef>
+            <a:fontRef idx="minor">
+              <a:schemeClr val="tx1"/>
+            </a:fontRef>
+          </p:style>
+        </p:cxnSp>
+      </p:grpSp>
+      <p:sp>
+        <p:nvSpPr>
+          <p:cNvPr id="35" name="Rectangle 34">
+            <a:extLst>
+              <a:ext uri="{FF2B5EF4-FFF2-40B4-BE49-F238E27FC236}">
+                <a16:creationId xmlns:a16="http://schemas.microsoft.com/office/drawing/2014/main" id="{4AF71FEF-CE35-499D-AE77-5FF4C0911BEF}"/>
+              </a:ext>
+              <a:ext uri="{C183D7F6-B498-43B3-948B-1728B52AA6E4}">
+                <adec:decorative xmlns:adec="http://schemas.microsoft.com/office/drawing/2017/decorative" val="1"/>
+              </a:ext>
+            </a:extLst>
+          </p:cNvPr>
+          <p:cNvSpPr>
+            <a:spLocks noGrp="1" noRot="1" noChangeAspect="1" noMove="1" noResize="1" noEditPoints="1" noAdjustHandles="1" noChangeArrowheads="1" noChangeShapeType="1" noTextEdit="1"/>
+          </p:cNvSpPr>
+          <p:nvPr>
+            <p:extLst>
+              <p:ext uri="{386F3935-93C4-4BCD-93E2-E3B085C9AB24}">
+                <p16:designElem xmlns:p16="http://schemas.microsoft.com/office/powerpoint/2015/main" val="1"/>
+              </p:ext>
+            </p:extLst>
+          </p:nvPr>
+        </p:nvSpPr>
+        <p:spPr>
+          <a:xfrm rot="10800000">
+            <a:off x="-1" y="6140785"/>
+            <a:ext cx="6095997" cy="711252"/>
+          </a:xfrm>
+          <a:prstGeom prst="rect">
+            <a:avLst/>
+          </a:prstGeom>
+          <a:gradFill flip="none" rotWithShape="1">
+            <a:gsLst>
+              <a:gs pos="10000">
+                <a:schemeClr val="tx2">
+                  <a:lumMod val="50000"/>
+                  <a:alpha val="10000"/>
+                </a:schemeClr>
+              </a:gs>
+              <a:gs pos="100000">
+                <a:schemeClr val="tx2">
+                  <a:lumMod val="60000"/>
+                  <a:lumOff val="40000"/>
+                  <a:alpha val="0"/>
+                </a:schemeClr>
+              </a:gs>
+            </a:gsLst>
+            <a:lin ang="8400000" scaled="0"/>
+            <a:tileRect/>
+          </a:gradFill>
+          <a:ln>
+            <a:noFill/>
+          </a:ln>
+        </p:spPr>
+        <p:style>
+          <a:lnRef idx="2">
+            <a:schemeClr val="accent1">
+              <a:shade val="50000"/>
+            </a:schemeClr>
+          </a:lnRef>
+          <a:fillRef idx="1">
+            <a:schemeClr val="accent1"/>
+          </a:fillRef>
+          <a:effectRef idx="0">
+            <a:schemeClr val="accent1"/>
+          </a:effectRef>
+          <a:fontRef idx="minor">
+            <a:schemeClr val="lt1"/>
+          </a:fontRef>
+        </p:style>
+        <p:txBody>
+          <a:bodyPr rtlCol="0" anchor="ctr"/>
+          <a:lstStyle/>
+          <a:p>
+            <a:pPr algn="ctr"/>
+            <a:endParaRPr lang="en-US"/>
+          </a:p>
+        </p:txBody>
+      </p:sp>
+      <p:grpSp>
+        <p:nvGrpSpPr>
+          <p:cNvPr id="37" name="Group 36">
+            <a:extLst>
+              <a:ext uri="{FF2B5EF4-FFF2-40B4-BE49-F238E27FC236}">
+                <a16:creationId xmlns:a16="http://schemas.microsoft.com/office/drawing/2014/main" id="{F300632E-38C0-4AB6-86B8-B8E08690F559}"/>
+              </a:ext>
+              <a:ext uri="{C183D7F6-B498-43B3-948B-1728B52AA6E4}">
+                <adec:decorative xmlns:adec="http://schemas.microsoft.com/office/drawing/2017/decorative" val="1"/>
+              </a:ext>
+            </a:extLst>
+          </p:cNvPr>
+          <p:cNvGrpSpPr>
+            <a:grpSpLocks noGrp="1" noUngrp="1" noRot="1" noChangeAspect="1" noMove="1" noResize="1"/>
+          </p:cNvGrpSpPr>
+          <p:nvPr>
+            <p:extLst>
+              <p:ext uri="{386F3935-93C4-4BCD-93E2-E3B085C9AB24}">
+                <p16:designElem xmlns:p16="http://schemas.microsoft.com/office/powerpoint/2015/main" val="1"/>
+              </p:ext>
+            </p:extLst>
+          </p:nvPr>
+        </p:nvGrpSpPr>
+        <p:grpSpPr>
+          <a:xfrm rot="5400000">
+            <a:off x="616345" y="5940560"/>
+            <a:ext cx="1285875" cy="549007"/>
+            <a:chOff x="7029447" y="3514725"/>
+            <a:chExt cx="1285875" cy="549007"/>
+          </a:xfrm>
+        </p:grpSpPr>
+        <p:cxnSp>
+          <p:nvCxnSpPr>
+            <p:cNvPr id="38" name="Straight Connector 37">
+              <a:extLst>
+                <a:ext uri="{FF2B5EF4-FFF2-40B4-BE49-F238E27FC236}">
+                  <a16:creationId xmlns:a16="http://schemas.microsoft.com/office/drawing/2014/main" id="{D0134E9E-9A3E-4116-BC20-40685DC3907F}"/>
+                </a:ext>
+                <a:ext uri="{C183D7F6-B498-43B3-948B-1728B52AA6E4}">
+                  <adec:decorative xmlns:adec="http://schemas.microsoft.com/office/drawing/2017/decorative" val="1"/>
+                </a:ext>
+              </a:extLst>
+            </p:cNvPr>
+            <p:cNvCxnSpPr>
+              <a:cxnSpLocks/>
+            </p:cNvCxnSpPr>
+            <p:nvPr>
+              <p:extLst>
+                <p:ext uri="{386F3935-93C4-4BCD-93E2-E3B085C9AB24}">
+                  <p16:designElem xmlns:p16="http://schemas.microsoft.com/office/powerpoint/2015/main" val="1"/>
+                </p:ext>
+              </p:extLst>
+            </p:nvPr>
+          </p:nvCxnSpPr>
+          <p:spPr>
+            <a:xfrm>
+              <a:off x="7029447" y="3514725"/>
+              <a:ext cx="1285875" cy="0"/>
+            </a:xfrm>
+            <a:prstGeom prst="line">
+              <a:avLst/>
+            </a:prstGeom>
+            <a:ln w="31750" cap="rnd" cmpd="sng">
+              <a:gradFill>
+                <a:gsLst>
+                  <a:gs pos="0">
+                    <a:schemeClr val="tx2">
+                      <a:lumMod val="60000"/>
+                      <a:lumOff val="40000"/>
+                      <a:alpha val="40000"/>
+                    </a:schemeClr>
+                  </a:gs>
+                  <a:gs pos="100000">
+                    <a:schemeClr val="tx2">
+                      <a:lumMod val="50000"/>
+                      <a:alpha val="40000"/>
+                    </a:schemeClr>
+                  </a:gs>
+                </a:gsLst>
+                <a:lin ang="5400000" scaled="1"/>
+              </a:gradFill>
+              <a:prstDash val="sysDot"/>
+              <a:round/>
+            </a:ln>
+          </p:spPr>
+          <p:style>
+            <a:lnRef idx="1">
+              <a:schemeClr val="accent1"/>
+            </a:lnRef>
+            <a:fillRef idx="0">
+              <a:schemeClr val="accent1"/>
+            </a:fillRef>
+            <a:effectRef idx="0">
+              <a:schemeClr val="accent1"/>
+            </a:effectRef>
+            <a:fontRef idx="minor">
+              <a:schemeClr val="tx1"/>
+            </a:fontRef>
+          </p:style>
+        </p:cxnSp>
+        <p:cxnSp>
+          <p:nvCxnSpPr>
+            <p:cNvPr id="8" name="Straight Connector 38">
+              <a:extLst>
+                <a:ext uri="{FF2B5EF4-FFF2-40B4-BE49-F238E27FC236}">
+                  <a16:creationId xmlns:a16="http://schemas.microsoft.com/office/drawing/2014/main" id="{8D1CC05E-67C0-44BA-9D5F-3DD582536079}"/>
+                </a:ext>
+                <a:ext uri="{C183D7F6-B498-43B3-948B-1728B52AA6E4}">
+                  <adec:decorative xmlns:adec="http://schemas.microsoft.com/office/drawing/2017/decorative" val="1"/>
+                </a:ext>
+              </a:extLst>
+            </p:cNvPr>
+            <p:cNvCxnSpPr>
+              <a:cxnSpLocks/>
+            </p:cNvCxnSpPr>
+            <p:nvPr>
+              <p:extLst>
+                <p:ext uri="{386F3935-93C4-4BCD-93E2-E3B085C9AB24}">
+                  <p16:designElem xmlns:p16="http://schemas.microsoft.com/office/powerpoint/2015/main" val="1"/>
+                </p:ext>
+              </p:extLst>
+            </p:nvPr>
+          </p:nvCxnSpPr>
+          <p:spPr>
+            <a:xfrm>
+              <a:off x="7029447" y="3697727"/>
+              <a:ext cx="1285875" cy="0"/>
+            </a:xfrm>
+            <a:prstGeom prst="line">
+              <a:avLst/>
+            </a:prstGeom>
+            <a:ln w="31750" cap="rnd" cmpd="sng">
+              <a:gradFill>
+                <a:gsLst>
+                  <a:gs pos="0">
+                    <a:schemeClr val="tx2">
+                      <a:lumMod val="60000"/>
+                      <a:lumOff val="40000"/>
+                      <a:alpha val="40000"/>
+                    </a:schemeClr>
+                  </a:gs>
+                  <a:gs pos="100000">
+                    <a:schemeClr val="tx2">
+                      <a:lumMod val="50000"/>
+                      <a:alpha val="40000"/>
+                    </a:schemeClr>
+                  </a:gs>
+                </a:gsLst>
+                <a:lin ang="5400000" scaled="1"/>
+              </a:gradFill>
+              <a:prstDash val="sysDot"/>
+              <a:round/>
+            </a:ln>
+          </p:spPr>
+          <p:style>
+            <a:lnRef idx="1">
+              <a:schemeClr val="accent1"/>
+            </a:lnRef>
+            <a:fillRef idx="0">
+              <a:schemeClr val="accent1"/>
+            </a:fillRef>
+            <a:effectRef idx="0">
+              <a:schemeClr val="accent1"/>
+            </a:effectRef>
+            <a:fontRef idx="minor">
+              <a:schemeClr val="tx1"/>
+            </a:fontRef>
+          </p:style>
+        </p:cxnSp>
+        <p:cxnSp>
+          <p:nvCxnSpPr>
+            <p:cNvPr id="10" name="Straight Connector 39">
+              <a:extLst>
+                <a:ext uri="{FF2B5EF4-FFF2-40B4-BE49-F238E27FC236}">
+                  <a16:creationId xmlns:a16="http://schemas.microsoft.com/office/drawing/2014/main" id="{0A913263-9283-4B2C-85EE-893F7D817D72}"/>
+                </a:ext>
+                <a:ext uri="{C183D7F6-B498-43B3-948B-1728B52AA6E4}">
+                  <adec:decorative xmlns:adec="http://schemas.microsoft.com/office/drawing/2017/decorative" val="1"/>
+                </a:ext>
+              </a:extLst>
+            </p:cNvPr>
+            <p:cNvCxnSpPr>
+              <a:cxnSpLocks/>
+            </p:cNvCxnSpPr>
+            <p:nvPr>
+              <p:extLst>
+                <p:ext uri="{386F3935-93C4-4BCD-93E2-E3B085C9AB24}">
+                  <p16:designElem xmlns:p16="http://schemas.microsoft.com/office/powerpoint/2015/main" val="1"/>
+                </p:ext>
+              </p:extLst>
+            </p:nvPr>
+          </p:nvCxnSpPr>
+          <p:spPr>
+            <a:xfrm>
+              <a:off x="7029447" y="3880729"/>
+              <a:ext cx="1285875" cy="0"/>
+            </a:xfrm>
+            <a:prstGeom prst="line">
+              <a:avLst/>
+            </a:prstGeom>
+            <a:ln w="31750" cap="rnd" cmpd="sng">
+              <a:gradFill>
+                <a:gsLst>
+                  <a:gs pos="0">
+                    <a:schemeClr val="tx2">
+                      <a:lumMod val="60000"/>
+                      <a:lumOff val="40000"/>
+                      <a:alpha val="40000"/>
+                    </a:schemeClr>
+                  </a:gs>
+                  <a:gs pos="100000">
+                    <a:schemeClr val="tx2">
+                      <a:lumMod val="50000"/>
+                      <a:alpha val="40000"/>
+                    </a:schemeClr>
+                  </a:gs>
+                </a:gsLst>
+                <a:lin ang="5400000" scaled="1"/>
+              </a:gradFill>
+              <a:prstDash val="sysDot"/>
+              <a:round/>
+            </a:ln>
+          </p:spPr>
+          <p:style>
+            <a:lnRef idx="1">
+              <a:schemeClr val="accent1"/>
+            </a:lnRef>
+            <a:fillRef idx="0">
+              <a:schemeClr val="accent1"/>
+            </a:fillRef>
+            <a:effectRef idx="0">
+              <a:schemeClr val="accent1"/>
+            </a:effectRef>
+            <a:fontRef idx="minor">
+              <a:schemeClr val="tx1"/>
+            </a:fontRef>
+          </p:style>
+        </p:cxnSp>
+        <p:cxnSp>
+          <p:nvCxnSpPr>
+            <p:cNvPr id="12" name="Straight Connector 40">
+              <a:extLst>
+                <a:ext uri="{FF2B5EF4-FFF2-40B4-BE49-F238E27FC236}">
+                  <a16:creationId xmlns:a16="http://schemas.microsoft.com/office/drawing/2014/main" id="{6CE5EDC8-2563-4DFB-A804-798D99180885}"/>
+                </a:ext>
+                <a:ext uri="{C183D7F6-B498-43B3-948B-1728B52AA6E4}">
+                  <adec:decorative xmlns:adec="http://schemas.microsoft.com/office/drawing/2017/decorative" val="1"/>
+                </a:ext>
+              </a:extLst>
+            </p:cNvPr>
+            <p:cNvCxnSpPr>
+              <a:cxnSpLocks/>
+            </p:cNvCxnSpPr>
+            <p:nvPr>
+              <p:extLst>
+                <p:ext uri="{386F3935-93C4-4BCD-93E2-E3B085C9AB24}">
+                  <p16:designElem xmlns:p16="http://schemas.microsoft.com/office/powerpoint/2015/main" val="1"/>
+                </p:ext>
+              </p:extLst>
+            </p:nvPr>
+          </p:nvCxnSpPr>
+          <p:spPr>
+            <a:xfrm>
+              <a:off x="7029447" y="4063732"/>
+              <a:ext cx="1285875" cy="0"/>
+            </a:xfrm>
+            <a:prstGeom prst="line">
+              <a:avLst/>
+            </a:prstGeom>
+            <a:ln w="31750" cap="rnd" cmpd="sng">
+              <a:gradFill>
+                <a:gsLst>
+                  <a:gs pos="0">
+                    <a:schemeClr val="tx2">
+                      <a:lumMod val="60000"/>
+                      <a:lumOff val="40000"/>
+                      <a:alpha val="40000"/>
+                    </a:schemeClr>
+                  </a:gs>
+                  <a:gs pos="100000">
+                    <a:schemeClr val="tx2">
+                      <a:lumMod val="50000"/>
+                      <a:alpha val="40000"/>
+                    </a:schemeClr>
+                  </a:gs>
+                </a:gsLst>
+                <a:lin ang="5400000" scaled="1"/>
+              </a:gradFill>
+              <a:prstDash val="sysDot"/>
+              <a:round/>
+            </a:ln>
+          </p:spPr>
+          <p:style>
+            <a:lnRef idx="1">
+              <a:schemeClr val="accent1"/>
+            </a:lnRef>
+            <a:fillRef idx="0">
+              <a:schemeClr val="accent1"/>
+            </a:fillRef>
+            <a:effectRef idx="0">
+              <a:schemeClr val="accent1"/>
+            </a:effectRef>
+            <a:fontRef idx="minor">
+              <a:schemeClr val="tx1"/>
+            </a:fontRef>
+          </p:style>
+        </p:cxnSp>
+      </p:grpSp>
+      <p:sp>
+        <p:nvSpPr>
           <p:cNvPr id="2" name="제목 1">
             <a:extLst>
               <a:ext uri="{FF2B5EF4-FFF2-40B4-BE49-F238E27FC236}">
@@ -3761,18 +9294,294 @@
             <p:ph type="title"/>
           </p:nvPr>
         </p:nvSpPr>
-        <p:spPr/>
+        <p:spPr>
+          <a:xfrm>
+            <a:off x="629640" y="630936"/>
+            <a:ext cx="5486400" cy="5525215"/>
+          </a:xfrm>
+          <a:noFill/>
+        </p:spPr>
         <p:txBody>
-          <a:bodyPr/>
+          <a:bodyPr vert="horz" lIns="91440" tIns="45720" rIns="91440" bIns="45720" rtlCol="0" anchor="t">
+            <a:normAutofit/>
+          </a:bodyPr>
           <a:lstStyle/>
           <a:p>
+            <a:pPr latinLnBrk="0"/>
             <a:r>
-              <a:rPr lang="ko-KR" altLang="en-US" dirty="0"/>
+              <a:rPr lang="ko-KR" altLang="en-US" sz="4800" kern="1200">
+                <a:solidFill>
+                  <a:schemeClr val="bg1"/>
+                </a:solidFill>
+                <a:latin typeface="+mj-lt"/>
+                <a:ea typeface="+mj-ea"/>
+                <a:cs typeface="+mj-cs"/>
+              </a:rPr>
               <a:t>컬럼 정보</a:t>
             </a:r>
           </a:p>
         </p:txBody>
       </p:sp>
+      <p:grpSp>
+        <p:nvGrpSpPr>
+          <p:cNvPr id="43" name="Group 42">
+            <a:extLst>
+              <a:ext uri="{FF2B5EF4-FFF2-40B4-BE49-F238E27FC236}">
+                <a16:creationId xmlns:a16="http://schemas.microsoft.com/office/drawing/2014/main" id="{4DF96203-9911-4F97-A236-49DC3C81445D}"/>
+              </a:ext>
+              <a:ext uri="{C183D7F6-B498-43B3-948B-1728B52AA6E4}">
+                <adec:decorative xmlns:adec="http://schemas.microsoft.com/office/drawing/2017/decorative" val="1"/>
+              </a:ext>
+            </a:extLst>
+          </p:cNvPr>
+          <p:cNvGrpSpPr>
+            <a:grpSpLocks noGrp="1" noUngrp="1" noRot="1" noChangeAspect="1" noMove="1" noResize="1"/>
+          </p:cNvGrpSpPr>
+          <p:nvPr>
+            <p:extLst>
+              <p:ext uri="{386F3935-93C4-4BCD-93E2-E3B085C9AB24}">
+                <p16:designElem xmlns:p16="http://schemas.microsoft.com/office/powerpoint/2015/main" val="1"/>
+              </p:ext>
+            </p:extLst>
+          </p:nvPr>
+        </p:nvGrpSpPr>
+        <p:grpSpPr>
+          <a:xfrm rot="16200000">
+            <a:off x="6301135" y="143979"/>
+            <a:ext cx="304800" cy="429768"/>
+            <a:chOff x="215328" y="-46937"/>
+            <a:chExt cx="304800" cy="2773841"/>
+          </a:xfrm>
+        </p:grpSpPr>
+        <p:cxnSp>
+          <p:nvCxnSpPr>
+            <p:cNvPr id="44" name="Straight Connector 43">
+              <a:extLst>
+                <a:ext uri="{FF2B5EF4-FFF2-40B4-BE49-F238E27FC236}">
+                  <a16:creationId xmlns:a16="http://schemas.microsoft.com/office/drawing/2014/main" id="{E4245BC0-80D4-4306-A45F-E18C68221B83}"/>
+                </a:ext>
+                <a:ext uri="{C183D7F6-B498-43B3-948B-1728B52AA6E4}">
+                  <adec:decorative xmlns:adec="http://schemas.microsoft.com/office/drawing/2017/decorative" val="1"/>
+                </a:ext>
+              </a:extLst>
+            </p:cNvPr>
+            <p:cNvCxnSpPr>
+              <a:cxnSpLocks/>
+            </p:cNvCxnSpPr>
+            <p:nvPr>
+              <p:extLst>
+                <p:ext uri="{386F3935-93C4-4BCD-93E2-E3B085C9AB24}">
+                  <p16:designElem xmlns:p16="http://schemas.microsoft.com/office/powerpoint/2015/main" val="1"/>
+                </p:ext>
+              </p:extLst>
+            </p:nvPr>
+          </p:nvCxnSpPr>
+          <p:spPr>
+            <a:xfrm>
+              <a:off x="215328" y="-46937"/>
+              <a:ext cx="0" cy="2773841"/>
+            </a:xfrm>
+            <a:prstGeom prst="line">
+              <a:avLst/>
+            </a:prstGeom>
+            <a:ln w="25400" cmpd="sng">
+              <a:solidFill>
+                <a:schemeClr val="bg2">
+                  <a:lumMod val="60000"/>
+                  <a:lumOff val="40000"/>
+                  <a:alpha val="50000"/>
+                </a:schemeClr>
+              </a:solidFill>
+              <a:prstDash val="sysDot"/>
+            </a:ln>
+          </p:spPr>
+          <p:style>
+            <a:lnRef idx="1">
+              <a:schemeClr val="accent1"/>
+            </a:lnRef>
+            <a:fillRef idx="0">
+              <a:schemeClr val="accent1"/>
+            </a:fillRef>
+            <a:effectRef idx="0">
+              <a:schemeClr val="accent1"/>
+            </a:effectRef>
+            <a:fontRef idx="minor">
+              <a:schemeClr val="tx1"/>
+            </a:fontRef>
+          </p:style>
+        </p:cxnSp>
+        <p:cxnSp>
+          <p:nvCxnSpPr>
+            <p:cNvPr id="45" name="Straight Connector 44">
+              <a:extLst>
+                <a:ext uri="{FF2B5EF4-FFF2-40B4-BE49-F238E27FC236}">
+                  <a16:creationId xmlns:a16="http://schemas.microsoft.com/office/drawing/2014/main" id="{64F4C0E9-AFF0-4843-8F52-23DA160DB069}"/>
+                </a:ext>
+                <a:ext uri="{C183D7F6-B498-43B3-948B-1728B52AA6E4}">
+                  <adec:decorative xmlns:adec="http://schemas.microsoft.com/office/drawing/2017/decorative" val="1"/>
+                </a:ext>
+              </a:extLst>
+            </p:cNvPr>
+            <p:cNvCxnSpPr>
+              <a:cxnSpLocks/>
+            </p:cNvCxnSpPr>
+            <p:nvPr>
+              <p:extLst>
+                <p:ext uri="{386F3935-93C4-4BCD-93E2-E3B085C9AB24}">
+                  <p16:designElem xmlns:p16="http://schemas.microsoft.com/office/powerpoint/2015/main" val="1"/>
+                </p:ext>
+              </p:extLst>
+            </p:nvPr>
+          </p:nvCxnSpPr>
+          <p:spPr>
+            <a:xfrm>
+              <a:off x="316928" y="-46937"/>
+              <a:ext cx="0" cy="2773841"/>
+            </a:xfrm>
+            <a:prstGeom prst="line">
+              <a:avLst/>
+            </a:prstGeom>
+            <a:ln w="25400" cmpd="sng">
+              <a:solidFill>
+                <a:schemeClr val="bg2">
+                  <a:lumMod val="60000"/>
+                  <a:lumOff val="40000"/>
+                  <a:alpha val="50000"/>
+                </a:schemeClr>
+              </a:solidFill>
+              <a:prstDash val="sysDot"/>
+            </a:ln>
+          </p:spPr>
+          <p:style>
+            <a:lnRef idx="1">
+              <a:schemeClr val="accent1"/>
+            </a:lnRef>
+            <a:fillRef idx="0">
+              <a:schemeClr val="accent1"/>
+            </a:fillRef>
+            <a:effectRef idx="0">
+              <a:schemeClr val="accent1"/>
+            </a:effectRef>
+            <a:fontRef idx="minor">
+              <a:schemeClr val="tx1"/>
+            </a:fontRef>
+          </p:style>
+        </p:cxnSp>
+        <p:cxnSp>
+          <p:nvCxnSpPr>
+            <p:cNvPr id="46" name="Straight Connector 45">
+              <a:extLst>
+                <a:ext uri="{FF2B5EF4-FFF2-40B4-BE49-F238E27FC236}">
+                  <a16:creationId xmlns:a16="http://schemas.microsoft.com/office/drawing/2014/main" id="{38348773-FC4B-44F7-81AD-ABDB46EF0CE9}"/>
+                </a:ext>
+                <a:ext uri="{C183D7F6-B498-43B3-948B-1728B52AA6E4}">
+                  <adec:decorative xmlns:adec="http://schemas.microsoft.com/office/drawing/2017/decorative" val="1"/>
+                </a:ext>
+              </a:extLst>
+            </p:cNvPr>
+            <p:cNvCxnSpPr>
+              <a:cxnSpLocks/>
+            </p:cNvCxnSpPr>
+            <p:nvPr>
+              <p:extLst>
+                <p:ext uri="{386F3935-93C4-4BCD-93E2-E3B085C9AB24}">
+                  <p16:designElem xmlns:p16="http://schemas.microsoft.com/office/powerpoint/2015/main" val="1"/>
+                </p:ext>
+              </p:extLst>
+            </p:nvPr>
+          </p:nvCxnSpPr>
+          <p:spPr>
+            <a:xfrm>
+              <a:off x="418528" y="-46937"/>
+              <a:ext cx="0" cy="2773841"/>
+            </a:xfrm>
+            <a:prstGeom prst="line">
+              <a:avLst/>
+            </a:prstGeom>
+            <a:ln w="25400" cmpd="sng">
+              <a:solidFill>
+                <a:schemeClr val="bg2">
+                  <a:lumMod val="60000"/>
+                  <a:lumOff val="40000"/>
+                  <a:alpha val="50000"/>
+                </a:schemeClr>
+              </a:solidFill>
+              <a:prstDash val="sysDot"/>
+            </a:ln>
+          </p:spPr>
+          <p:style>
+            <a:lnRef idx="1">
+              <a:schemeClr val="accent1"/>
+            </a:lnRef>
+            <a:fillRef idx="0">
+              <a:schemeClr val="accent1"/>
+            </a:fillRef>
+            <a:effectRef idx="0">
+              <a:schemeClr val="accent1"/>
+            </a:effectRef>
+            <a:fontRef idx="minor">
+              <a:schemeClr val="tx1"/>
+            </a:fontRef>
+          </p:style>
+        </p:cxnSp>
+        <p:cxnSp>
+          <p:nvCxnSpPr>
+            <p:cNvPr id="47" name="Straight Connector 46">
+              <a:extLst>
+                <a:ext uri="{FF2B5EF4-FFF2-40B4-BE49-F238E27FC236}">
+                  <a16:creationId xmlns:a16="http://schemas.microsoft.com/office/drawing/2014/main" id="{5A2A4C5A-EDAA-4CFB-99B7-EF8DB0EB3DE1}"/>
+                </a:ext>
+                <a:ext uri="{C183D7F6-B498-43B3-948B-1728B52AA6E4}">
+                  <adec:decorative xmlns:adec="http://schemas.microsoft.com/office/drawing/2017/decorative" val="1"/>
+                </a:ext>
+              </a:extLst>
+            </p:cNvPr>
+            <p:cNvCxnSpPr>
+              <a:cxnSpLocks/>
+            </p:cNvCxnSpPr>
+            <p:nvPr>
+              <p:extLst>
+                <p:ext uri="{386F3935-93C4-4BCD-93E2-E3B085C9AB24}">
+                  <p16:designElem xmlns:p16="http://schemas.microsoft.com/office/powerpoint/2015/main" val="1"/>
+                </p:ext>
+              </p:extLst>
+            </p:nvPr>
+          </p:nvCxnSpPr>
+          <p:spPr>
+            <a:xfrm>
+              <a:off x="520128" y="-46937"/>
+              <a:ext cx="0" cy="2773841"/>
+            </a:xfrm>
+            <a:prstGeom prst="line">
+              <a:avLst/>
+            </a:prstGeom>
+            <a:ln w="25400" cmpd="sng">
+              <a:solidFill>
+                <a:schemeClr val="bg2">
+                  <a:lumMod val="60000"/>
+                  <a:lumOff val="40000"/>
+                  <a:alpha val="50000"/>
+                </a:schemeClr>
+              </a:solidFill>
+              <a:prstDash val="sysDot"/>
+            </a:ln>
+          </p:spPr>
+          <p:style>
+            <a:lnRef idx="1">
+              <a:schemeClr val="accent1"/>
+            </a:lnRef>
+            <a:fillRef idx="0">
+              <a:schemeClr val="accent1"/>
+            </a:fillRef>
+            <a:effectRef idx="0">
+              <a:schemeClr val="accent1"/>
+            </a:effectRef>
+            <a:fontRef idx="minor">
+              <a:schemeClr val="tx1"/>
+            </a:fontRef>
+          </p:style>
+        </p:cxnSp>
+      </p:grpSp>
       <p:graphicFrame>
         <p:nvGraphicFramePr>
           <p:cNvPr id="4" name="표 3">
@@ -3788,42 +9597,42 @@
           <p:nvPr>
             <p:extLst>
               <p:ext uri="{D42A27DB-BD31-4B8C-83A1-F6EECF244321}">
-                <p14:modId xmlns:p14="http://schemas.microsoft.com/office/powerpoint/2010/main" val="3960695287"/>
+                <p14:modId xmlns:p14="http://schemas.microsoft.com/office/powerpoint/2010/main" val="1025036468"/>
               </p:ext>
             </p:extLst>
           </p:nvPr>
         </p:nvGraphicFramePr>
         <p:xfrm>
-          <a:off x="838200" y="1926293"/>
-          <a:ext cx="10515600" cy="4648200"/>
+          <a:off x="800100" y="1330664"/>
+          <a:ext cx="10762261" cy="5141260"/>
         </p:xfrm>
         <a:graphic>
           <a:graphicData uri="http://schemas.openxmlformats.org/drawingml/2006/table">
             <a:tbl>
               <a:tblPr/>
               <a:tblGrid>
-                <a:gridCol w="2064391">
+                <a:gridCol w="2366614">
                   <a:extLst>
                     <a:ext uri="{9D8B030D-6E8A-4147-A177-3AD203B41FA5}">
                       <a16:colId xmlns:a16="http://schemas.microsoft.com/office/drawing/2014/main" val="534976498"/>
                     </a:ext>
                   </a:extLst>
                 </a:gridCol>
-                <a:gridCol w="3193409">
+                <a:gridCol w="3163454">
                   <a:extLst>
                     <a:ext uri="{9D8B030D-6E8A-4147-A177-3AD203B41FA5}">
                       <a16:colId xmlns:a16="http://schemas.microsoft.com/office/drawing/2014/main" val="4193166021"/>
                     </a:ext>
                   </a:extLst>
                 </a:gridCol>
-                <a:gridCol w="1479259">
+                <a:gridCol w="1830436">
                   <a:extLst>
                     <a:ext uri="{9D8B030D-6E8A-4147-A177-3AD203B41FA5}">
                       <a16:colId xmlns:a16="http://schemas.microsoft.com/office/drawing/2014/main" val="2293525409"/>
                     </a:ext>
                   </a:extLst>
                 </a:gridCol>
-                <a:gridCol w="3778541">
+                <a:gridCol w="3401757">
                   <a:extLst>
                     <a:ext uri="{9D8B030D-6E8A-4147-A177-3AD203B41FA5}">
                       <a16:colId xmlns:a16="http://schemas.microsoft.com/office/drawing/2014/main" val="2330174844"/>
@@ -3831,7 +9640,7 @@
                   </a:extLst>
                 </a:gridCol>
               </a:tblGrid>
-              <a:tr h="431491">
+              <a:tr h="514126">
                 <a:tc>
                   <a:txBody>
                     <a:bodyPr/>
@@ -3839,14 +9648,17 @@
                     <a:p>
                       <a:pPr algn="ctr" fontAlgn="ctr"/>
                       <a:r>
-                        <a:rPr lang="ko-KR" altLang="en-US" sz="1800" b="1" dirty="0">
+                        <a:rPr lang="ko-KR" altLang="en-US" sz="2000" b="1" dirty="0">
+                          <a:solidFill>
+                            <a:schemeClr val="bg1"/>
+                          </a:solidFill>
                           <a:effectLst/>
                         </a:rPr>
                         <a:t>회사코드</a:t>
                       </a:r>
                     </a:p>
                   </a:txBody>
-                  <a:tcPr marL="28567" marR="28567" marT="28567" marB="28567" anchor="ctr">
+                  <a:tcPr marL="15001" marR="15001" marT="15001" marB="15001" anchor="ctr">
                     <a:lnL w="12700" cap="flat" cmpd="sng" algn="ctr">
                       <a:solidFill>
                         <a:schemeClr val="tx1"/>
@@ -3892,41 +9704,59 @@
                     <a:p>
                       <a:pPr fontAlgn="ctr"/>
                       <a:r>
-                        <a:rPr lang="en-US" dirty="0">
+                        <a:rPr lang="en-US" sz="2000">
+                          <a:solidFill>
+                            <a:schemeClr val="bg1"/>
+                          </a:solidFill>
                           <a:effectLst/>
                         </a:rPr>
                         <a:t>Char / NOT</a:t>
                       </a:r>
                       <a:r>
-                        <a:rPr lang="ko-KR" altLang="en-US" dirty="0">
+                        <a:rPr lang="ko-KR" altLang="en-US" sz="2000">
+                          <a:solidFill>
+                            <a:schemeClr val="bg1"/>
+                          </a:solidFill>
                           <a:effectLst/>
                         </a:rPr>
                         <a:t> </a:t>
                       </a:r>
                       <a:r>
-                        <a:rPr lang="en-US" altLang="ko-KR" dirty="0">
+                        <a:rPr lang="en-US" altLang="ko-KR" sz="2000">
+                          <a:solidFill>
+                            <a:schemeClr val="bg1"/>
+                          </a:solidFill>
                           <a:effectLst/>
                         </a:rPr>
                         <a:t>NULL</a:t>
                       </a:r>
                       <a:r>
-                        <a:rPr lang="ko-KR" altLang="en-US" dirty="0">
+                        <a:rPr lang="ko-KR" altLang="en-US" sz="2000">
+                          <a:solidFill>
+                            <a:schemeClr val="bg1"/>
+                          </a:solidFill>
                           <a:effectLst/>
                         </a:rPr>
                         <a:t> </a:t>
                       </a:r>
                       <a:r>
-                        <a:rPr lang="en-US" altLang="ko-KR" dirty="0">
+                        <a:rPr lang="en-US" altLang="ko-KR" sz="2000">
+                          <a:solidFill>
+                            <a:schemeClr val="bg1"/>
+                          </a:solidFill>
                           <a:effectLst/>
                         </a:rPr>
                         <a:t>/ PK</a:t>
                       </a:r>
-                      <a:endParaRPr lang="en-US" dirty="0">
+                      <a:endParaRPr lang="en-US" sz="2000">
+                        <a:solidFill>
+                          <a:schemeClr val="bg1"/>
+                        </a:solidFill>
                         <a:effectLst/>
                       </a:endParaRPr>
                     </a:p>
                   </a:txBody>
-                  <a:tcPr marL="95250" marR="95250" marT="95250" marB="95250" anchor="ctr">
+                  <a:tcPr marL="50016" marR="50016" marT="50016" marB="50016" anchor="ctr">
                     <a:lnL w="12700" cap="flat" cmpd="sng" algn="ctr">
                       <a:solidFill>
                         <a:schemeClr val="tx1"/>
@@ -3972,14 +9802,17 @@
                     <a:p>
                       <a:pPr algn="ctr" fontAlgn="ctr"/>
                       <a:r>
-                        <a:rPr lang="ko-KR" altLang="en-US" sz="1800" b="1" dirty="0">
+                        <a:rPr lang="ko-KR" altLang="en-US" sz="2000" b="1">
+                          <a:solidFill>
+                            <a:schemeClr val="bg1"/>
+                          </a:solidFill>
                           <a:effectLst/>
                         </a:rPr>
                         <a:t>실적작업장</a:t>
                       </a:r>
                     </a:p>
                   </a:txBody>
-                  <a:tcPr marL="28567" marR="28567" marT="28567" marB="28567" anchor="ctr">
+                  <a:tcPr marL="15001" marR="15001" marT="15001" marB="15001" anchor="ctr">
                     <a:lnL w="12700" cap="flat" cmpd="sng" algn="ctr">
                       <a:solidFill>
                         <a:schemeClr val="tx1"/>
@@ -4025,29 +9858,32 @@
                     <a:p>
                       <a:pPr fontAlgn="ctr"/>
                       <a:r>
-                        <a:rPr lang="en-US" dirty="0" err="1">
+                        <a:rPr lang="en-US" sz="2000">
+                          <a:solidFill>
+                            <a:schemeClr val="bg1"/>
+                          </a:solidFill>
                           <a:effectLst/>
                         </a:rPr>
-                        <a:t>Nvarchar</a:t>
+                        <a:t>Nvarchar </a:t>
                       </a:r>
                       <a:r>
-                        <a:rPr lang="en-US" dirty="0">
-                          <a:effectLst/>
-                        </a:rPr>
-                        <a:t> </a:t>
-                      </a:r>
-                      <a:r>
-                        <a:rPr lang="en-US" altLang="ko-KR" dirty="0">
+                        <a:rPr lang="en-US" altLang="ko-KR" sz="2000">
+                          <a:solidFill>
+                            <a:schemeClr val="bg1"/>
+                          </a:solidFill>
                           <a:effectLst/>
                         </a:rPr>
                         <a:t>/ NOT NULL</a:t>
                       </a:r>
-                      <a:endParaRPr lang="en-US" dirty="0">
+                      <a:endParaRPr lang="en-US" sz="2000">
+                        <a:solidFill>
+                          <a:schemeClr val="bg1"/>
+                        </a:solidFill>
                         <a:effectLst/>
                       </a:endParaRPr>
                     </a:p>
                   </a:txBody>
-                  <a:tcPr marL="95250" marR="95250" marT="95250" marB="95250" anchor="ctr">
+                  <a:tcPr marL="50016" marR="50016" marT="50016" marB="50016" anchor="ctr">
                     <a:lnL w="12700" cap="flat" cmpd="sng" algn="ctr">
                       <a:solidFill>
                         <a:schemeClr val="tx1"/>
@@ -4092,7 +9928,7 @@
                   </a:ext>
                 </a:extLst>
               </a:tr>
-              <a:tr h="431491">
+              <a:tr h="514126">
                 <a:tc>
                   <a:txBody>
                     <a:bodyPr/>
@@ -4100,14 +9936,17 @@
                     <a:p>
                       <a:pPr algn="ctr" fontAlgn="ctr"/>
                       <a:r>
-                        <a:rPr lang="ko-KR" altLang="en-US" sz="1800" b="1" dirty="0">
+                        <a:rPr lang="ko-KR" altLang="en-US" sz="2000" b="1" dirty="0">
+                          <a:solidFill>
+                            <a:schemeClr val="bg1"/>
+                          </a:solidFill>
                           <a:effectLst/>
                         </a:rPr>
                         <a:t>사업장코드</a:t>
                       </a:r>
                     </a:p>
                   </a:txBody>
-                  <a:tcPr marL="28567" marR="28567" marT="28567" marB="28567" anchor="ctr">
+                  <a:tcPr marL="15001" marR="15001" marT="15001" marB="15001" anchor="ctr">
                     <a:lnL w="12700" cap="flat" cmpd="sng" algn="ctr">
                       <a:solidFill>
                         <a:schemeClr val="tx1"/>
@@ -4153,50 +9992,71 @@
                     <a:p>
                       <a:pPr fontAlgn="ctr"/>
                       <a:r>
-                        <a:rPr lang="en-US" dirty="0">
+                        <a:rPr lang="en-US" sz="2000" dirty="0">
+                          <a:solidFill>
+                            <a:schemeClr val="bg1"/>
+                          </a:solidFill>
                           <a:effectLst/>
                         </a:rPr>
                         <a:t>Char </a:t>
                       </a:r>
                       <a:r>
-                        <a:rPr lang="en-US" altLang="ko-KR" dirty="0">
+                        <a:rPr lang="en-US" altLang="ko-KR" sz="2000" dirty="0">
+                          <a:solidFill>
+                            <a:schemeClr val="bg1"/>
+                          </a:solidFill>
                           <a:effectLst/>
                         </a:rPr>
                         <a:t>/ NOT</a:t>
                       </a:r>
                       <a:r>
-                        <a:rPr lang="ko-KR" altLang="en-US" dirty="0">
+                        <a:rPr lang="ko-KR" altLang="en-US" sz="2000" dirty="0">
+                          <a:solidFill>
+                            <a:schemeClr val="bg1"/>
+                          </a:solidFill>
                           <a:effectLst/>
                         </a:rPr>
                         <a:t> </a:t>
                       </a:r>
                       <a:r>
-                        <a:rPr lang="en-US" altLang="ko-KR" dirty="0">
+                        <a:rPr lang="en-US" altLang="ko-KR" sz="2000" dirty="0">
+                          <a:solidFill>
+                            <a:schemeClr val="bg1"/>
+                          </a:solidFill>
                           <a:effectLst/>
                         </a:rPr>
                         <a:t>NULL</a:t>
                       </a:r>
                       <a:r>
-                        <a:rPr lang="ko-KR" altLang="en-US" dirty="0">
+                        <a:rPr lang="ko-KR" altLang="en-US" sz="2000" dirty="0">
+                          <a:solidFill>
+                            <a:schemeClr val="bg1"/>
+                          </a:solidFill>
                           <a:effectLst/>
                         </a:rPr>
                         <a:t> </a:t>
                       </a:r>
                       <a:r>
-                        <a:rPr lang="en-US" altLang="ko-KR" dirty="0">
+                        <a:rPr lang="en-US" altLang="ko-KR" sz="2000" dirty="0">
+                          <a:solidFill>
+                            <a:schemeClr val="bg1"/>
+                          </a:solidFill>
                           <a:effectLst/>
                         </a:rPr>
                         <a:t>/ PK</a:t>
                       </a:r>
                       <a:r>
-                        <a:rPr lang="en-US" dirty="0">
+                        <a:rPr lang="en-US" sz="2000" dirty="0">
+                          <a:solidFill>
+                            <a:schemeClr val="bg1"/>
+                          </a:solidFill>
                           <a:effectLst/>
                         </a:rPr>
                         <a:t> </a:t>
                       </a:r>
                     </a:p>
                   </a:txBody>
-                  <a:tcPr marL="95250" marR="95250" marT="95250" marB="95250" anchor="ctr">
+                  <a:tcPr marL="50016" marR="50016" marT="50016" marB="50016" anchor="ctr">
                     <a:lnL w="12700" cap="flat" cmpd="sng" algn="ctr">
                       <a:solidFill>
                         <a:schemeClr val="tx1"/>
@@ -4242,20 +10102,26 @@
                     <a:p>
                       <a:pPr algn="ctr" fontAlgn="ctr"/>
                       <a:r>
-                        <a:rPr lang="ko-KR" altLang="en-US" sz="1800" b="1" dirty="0">
+                        <a:rPr lang="ko-KR" altLang="en-US" sz="2000" b="1">
+                          <a:solidFill>
+                            <a:schemeClr val="bg1"/>
+                          </a:solidFill>
                           <a:effectLst/>
                         </a:rPr>
                         <a:t>표준</a:t>
                       </a:r>
                       <a:r>
-                        <a:rPr lang="en-US" sz="1800" b="1" dirty="0">
+                        <a:rPr lang="en-US" sz="2000" b="1">
+                          <a:solidFill>
+                            <a:schemeClr val="bg1"/>
+                          </a:solidFill>
                           <a:effectLst/>
                         </a:rPr>
                         <a:t>ST</a:t>
                       </a:r>
                     </a:p>
                   </a:txBody>
-                  <a:tcPr marL="28567" marR="28567" marT="28567" marB="28567" anchor="ctr">
+                  <a:tcPr marL="15001" marR="15001" marT="15001" marB="15001" anchor="ctr">
                     <a:lnL w="12700" cap="flat" cmpd="sng" algn="ctr">
                       <a:solidFill>
                         <a:schemeClr val="tx1"/>
@@ -4301,29 +10167,32 @@
                     <a:p>
                       <a:pPr fontAlgn="ctr"/>
                       <a:r>
-                        <a:rPr lang="en-US" dirty="0" err="1">
+                        <a:rPr lang="en-US" sz="2000">
+                          <a:solidFill>
+                            <a:schemeClr val="bg1"/>
+                          </a:solidFill>
                           <a:effectLst/>
                         </a:rPr>
-                        <a:t>Smallmoney</a:t>
+                        <a:t>Smallmoney </a:t>
                       </a:r>
                       <a:r>
-                        <a:rPr lang="en-US" dirty="0">
-                          <a:effectLst/>
-                        </a:rPr>
-                        <a:t> </a:t>
-                      </a:r>
-                      <a:r>
-                        <a:rPr lang="en-US" altLang="ko-KR" dirty="0">
+                        <a:rPr lang="en-US" altLang="ko-KR" sz="2000">
+                          <a:solidFill>
+                            <a:schemeClr val="bg1"/>
+                          </a:solidFill>
                           <a:effectLst/>
                         </a:rPr>
                         <a:t>/ NOT NULL</a:t>
                       </a:r>
-                      <a:endParaRPr lang="en-US" dirty="0">
+                      <a:endParaRPr lang="en-US" sz="2000">
+                        <a:solidFill>
+                          <a:schemeClr val="bg1"/>
+                        </a:solidFill>
                         <a:effectLst/>
                       </a:endParaRPr>
                     </a:p>
                   </a:txBody>
-                  <a:tcPr marL="95250" marR="95250" marT="95250" marB="95250" anchor="ctr">
+                  <a:tcPr marL="50016" marR="50016" marT="50016" marB="50016" anchor="ctr">
                     <a:lnL w="12700" cap="flat" cmpd="sng" algn="ctr">
                       <a:solidFill>
                         <a:schemeClr val="tx1"/>
@@ -4368,7 +10237,7 @@
                   </a:ext>
                 </a:extLst>
               </a:tr>
-              <a:tr h="431491">
+              <a:tr h="514126">
                 <a:tc>
                   <a:txBody>
                     <a:bodyPr/>
@@ -4376,14 +10245,17 @@
                     <a:p>
                       <a:pPr algn="ctr" fontAlgn="ctr"/>
                       <a:r>
-                        <a:rPr lang="ko-KR" altLang="en-US" sz="1800" b="1" dirty="0">
+                        <a:rPr lang="ko-KR" altLang="en-US" sz="2000" b="1">
+                          <a:solidFill>
+                            <a:schemeClr val="bg1"/>
+                          </a:solidFill>
                           <a:effectLst/>
                         </a:rPr>
                         <a:t>생산일자</a:t>
                       </a:r>
                     </a:p>
                   </a:txBody>
-                  <a:tcPr marL="28567" marR="28567" marT="28567" marB="28567" anchor="ctr">
+                  <a:tcPr marL="15001" marR="15001" marT="15001" marB="15001" anchor="ctr">
                     <a:lnL w="12700" cap="flat" cmpd="sng" algn="ctr">
                       <a:solidFill>
                         <a:schemeClr val="tx1"/>
@@ -4429,35 +10301,50 @@
                     <a:p>
                       <a:pPr fontAlgn="ctr"/>
                       <a:r>
-                        <a:rPr lang="en-US" dirty="0">
+                        <a:rPr lang="en-US" sz="2000" dirty="0">
+                          <a:solidFill>
+                            <a:schemeClr val="bg1"/>
+                          </a:solidFill>
                           <a:effectLst/>
                         </a:rPr>
                         <a:t>Datetime </a:t>
                       </a:r>
                       <a:r>
-                        <a:rPr lang="en-US" altLang="ko-KR" dirty="0">
+                        <a:rPr lang="en-US" altLang="ko-KR" sz="2000" dirty="0">
+                          <a:solidFill>
+                            <a:schemeClr val="bg1"/>
+                          </a:solidFill>
                           <a:effectLst/>
                         </a:rPr>
                         <a:t>/ NULL</a:t>
                       </a:r>
                       <a:r>
-                        <a:rPr lang="ko-KR" altLang="en-US" dirty="0">
+                        <a:rPr lang="ko-KR" altLang="en-US" sz="2000" dirty="0">
+                          <a:solidFill>
+                            <a:schemeClr val="bg1"/>
+                          </a:solidFill>
                           <a:effectLst/>
                         </a:rPr>
                         <a:t> </a:t>
                       </a:r>
                       <a:r>
-                        <a:rPr lang="en-US" altLang="ko-KR" dirty="0">
+                        <a:rPr lang="en-US" altLang="ko-KR" sz="2000" dirty="0">
+                          <a:solidFill>
+                            <a:schemeClr val="bg1"/>
+                          </a:solidFill>
                           <a:effectLst/>
                         </a:rPr>
                         <a:t>/ PK</a:t>
                       </a:r>
-                      <a:endParaRPr lang="en-US" dirty="0">
+                      <a:endParaRPr lang="en-US" sz="2000" dirty="0">
+                        <a:solidFill>
+                          <a:schemeClr val="bg1"/>
+                        </a:solidFill>
                         <a:effectLst/>
                       </a:endParaRPr>
                     </a:p>
                   </a:txBody>
-                  <a:tcPr marL="95250" marR="95250" marT="95250" marB="95250" anchor="ctr">
+                  <a:tcPr marL="50016" marR="50016" marT="50016" marB="50016" anchor="ctr">
                     <a:lnL w="12700" cap="flat" cmpd="sng" algn="ctr">
                       <a:solidFill>
                         <a:schemeClr val="tx1"/>
@@ -4503,14 +10390,17 @@
                     <a:p>
                       <a:pPr algn="ctr" fontAlgn="ctr"/>
                       <a:r>
-                        <a:rPr lang="ko-KR" altLang="en-US" sz="1800" b="1" dirty="0">
+                        <a:rPr lang="ko-KR" altLang="en-US" sz="2000" b="1">
+                          <a:solidFill>
+                            <a:schemeClr val="bg1"/>
+                          </a:solidFill>
                           <a:effectLst/>
                         </a:rPr>
                         <a:t>작업상태</a:t>
                       </a:r>
                     </a:p>
                   </a:txBody>
-                  <a:tcPr marL="28567" marR="28567" marT="28567" marB="28567" anchor="ctr">
+                  <a:tcPr marL="15001" marR="15001" marT="15001" marB="15001" anchor="ctr">
                     <a:lnL w="12700" cap="flat" cmpd="sng" algn="ctr">
                       <a:solidFill>
                         <a:schemeClr val="tx1"/>
@@ -4556,23 +10446,32 @@
                     <a:p>
                       <a:pPr fontAlgn="ctr"/>
                       <a:r>
-                        <a:rPr lang="en-US" dirty="0">
+                        <a:rPr lang="en-US" sz="2000">
+                          <a:solidFill>
+                            <a:schemeClr val="bg1"/>
+                          </a:solidFill>
                           <a:effectLst/>
                         </a:rPr>
                         <a:t>Char </a:t>
                       </a:r>
                       <a:r>
-                        <a:rPr lang="en-US" altLang="ko-KR" dirty="0">
+                        <a:rPr lang="en-US" altLang="ko-KR" sz="2000">
+                          <a:solidFill>
+                            <a:schemeClr val="bg1"/>
+                          </a:solidFill>
                           <a:effectLst/>
                         </a:rPr>
                         <a:t>/ NOT NULL</a:t>
                       </a:r>
-                      <a:endParaRPr lang="en-US" dirty="0">
+                      <a:endParaRPr lang="en-US" sz="2000">
+                        <a:solidFill>
+                          <a:schemeClr val="bg1"/>
+                        </a:solidFill>
                         <a:effectLst/>
                       </a:endParaRPr>
                     </a:p>
                   </a:txBody>
-                  <a:tcPr marL="95250" marR="95250" marT="95250" marB="95250" anchor="ctr">
+                  <a:tcPr marL="50016" marR="50016" marT="50016" marB="50016" anchor="ctr">
                     <a:lnL w="12700" cap="flat" cmpd="sng" algn="ctr">
                       <a:solidFill>
                         <a:schemeClr val="tx1"/>
@@ -4617,7 +10516,7 @@
                   </a:ext>
                 </a:extLst>
               </a:tr>
-              <a:tr h="431491">
+              <a:tr h="514126">
                 <a:tc>
                   <a:txBody>
                     <a:bodyPr/>
@@ -4625,17 +10524,17 @@
                     <a:p>
                       <a:pPr algn="ctr" fontAlgn="ctr"/>
                       <a:r>
-                        <a:rPr lang="ko-KR" altLang="en-US" sz="1800" b="1" dirty="0" err="1">
+                        <a:rPr lang="ko-KR" altLang="en-US" sz="2000" b="1">
+                          <a:solidFill>
+                            <a:schemeClr val="bg1"/>
+                          </a:solidFill>
                           <a:effectLst/>
                         </a:rPr>
                         <a:t>생산순번</a:t>
                       </a:r>
-                      <a:endParaRPr lang="ko-KR" altLang="en-US" sz="1800" b="1" dirty="0">
-                        <a:effectLst/>
-                      </a:endParaRPr>
                     </a:p>
                   </a:txBody>
-                  <a:tcPr marL="28567" marR="28567" marT="28567" marB="28567" anchor="ctr">
+                  <a:tcPr marL="15001" marR="15001" marT="15001" marB="15001" anchor="ctr">
                     <a:lnL w="12700" cap="flat" cmpd="sng" algn="ctr">
                       <a:solidFill>
                         <a:schemeClr val="tx1"/>
@@ -4681,35 +10580,50 @@
                     <a:p>
                       <a:pPr fontAlgn="ctr"/>
                       <a:r>
-                        <a:rPr lang="en-US" dirty="0">
+                        <a:rPr lang="en-US" sz="2000" dirty="0">
+                          <a:solidFill>
+                            <a:schemeClr val="bg1"/>
+                          </a:solidFill>
                           <a:effectLst/>
                         </a:rPr>
                         <a:t>Int </a:t>
                       </a:r>
                       <a:r>
-                        <a:rPr lang="en-US" altLang="ko-KR" dirty="0">
+                        <a:rPr lang="en-US" altLang="ko-KR" sz="2000" dirty="0">
+                          <a:solidFill>
+                            <a:schemeClr val="bg1"/>
+                          </a:solidFill>
                           <a:effectLst/>
                         </a:rPr>
                         <a:t>/ NULL</a:t>
                       </a:r>
                       <a:r>
-                        <a:rPr lang="ko-KR" altLang="en-US" dirty="0">
+                        <a:rPr lang="ko-KR" altLang="en-US" sz="2000" dirty="0">
+                          <a:solidFill>
+                            <a:schemeClr val="bg1"/>
+                          </a:solidFill>
                           <a:effectLst/>
                         </a:rPr>
                         <a:t> </a:t>
                       </a:r>
                       <a:r>
-                        <a:rPr lang="en-US" altLang="ko-KR" dirty="0">
+                        <a:rPr lang="en-US" altLang="ko-KR" sz="2000" dirty="0">
+                          <a:solidFill>
+                            <a:schemeClr val="bg1"/>
+                          </a:solidFill>
                           <a:effectLst/>
                         </a:rPr>
                         <a:t>/ PK</a:t>
                       </a:r>
-                      <a:endParaRPr lang="en-US" dirty="0">
+                      <a:endParaRPr lang="en-US" sz="2000" dirty="0">
+                        <a:solidFill>
+                          <a:schemeClr val="bg1"/>
+                        </a:solidFill>
                         <a:effectLst/>
                       </a:endParaRPr>
                     </a:p>
                   </a:txBody>
-                  <a:tcPr marL="95250" marR="95250" marT="95250" marB="95250" anchor="ctr">
+                  <a:tcPr marL="50016" marR="50016" marT="50016" marB="50016" anchor="ctr">
                     <a:lnL w="12700" cap="flat" cmpd="sng" algn="ctr">
                       <a:solidFill>
                         <a:schemeClr val="tx1"/>
@@ -4755,14 +10669,17 @@
                     <a:p>
                       <a:pPr algn="ctr" fontAlgn="ctr"/>
                       <a:r>
-                        <a:rPr lang="ko-KR" altLang="en-US" sz="1800" b="1" dirty="0">
+                        <a:rPr lang="ko-KR" altLang="en-US" sz="2000" b="1">
+                          <a:solidFill>
+                            <a:schemeClr val="bg1"/>
+                          </a:solidFill>
                           <a:effectLst/>
                         </a:rPr>
                         <a:t>작업시작일시</a:t>
                       </a:r>
                     </a:p>
                   </a:txBody>
-                  <a:tcPr marL="28567" marR="28567" marT="28567" marB="28567" anchor="ctr">
+                  <a:tcPr marL="15001" marR="15001" marT="15001" marB="15001" anchor="ctr">
                     <a:lnL w="12700" cap="flat" cmpd="sng" algn="ctr">
                       <a:solidFill>
                         <a:schemeClr val="tx1"/>
@@ -4808,23 +10725,32 @@
                     <a:p>
                       <a:pPr fontAlgn="ctr"/>
                       <a:r>
-                        <a:rPr lang="en-US" dirty="0">
+                        <a:rPr lang="en-US" sz="2000">
+                          <a:solidFill>
+                            <a:schemeClr val="bg1"/>
+                          </a:solidFill>
                           <a:effectLst/>
                         </a:rPr>
                         <a:t>Datetime </a:t>
                       </a:r>
                       <a:r>
-                        <a:rPr lang="en-US" altLang="ko-KR" dirty="0">
+                        <a:rPr lang="en-US" altLang="ko-KR" sz="2000">
+                          <a:solidFill>
+                            <a:schemeClr val="bg1"/>
+                          </a:solidFill>
                           <a:effectLst/>
                         </a:rPr>
                         <a:t>/ NULL</a:t>
                       </a:r>
-                      <a:endParaRPr lang="en-US" dirty="0">
+                      <a:endParaRPr lang="en-US" sz="2000">
+                        <a:solidFill>
+                          <a:schemeClr val="bg1"/>
+                        </a:solidFill>
                         <a:effectLst/>
                       </a:endParaRPr>
                     </a:p>
                   </a:txBody>
-                  <a:tcPr marL="95250" marR="95250" marT="95250" marB="95250" anchor="ctr">
+                  <a:tcPr marL="50016" marR="50016" marT="50016" marB="50016" anchor="ctr">
                     <a:lnL w="12700" cap="flat" cmpd="sng" algn="ctr">
                       <a:solidFill>
                         <a:schemeClr val="tx1"/>
@@ -4869,7 +10795,7 @@
                   </a:ext>
                 </a:extLst>
               </a:tr>
-              <a:tr h="431491">
+              <a:tr h="514126">
                 <a:tc>
                   <a:txBody>
                     <a:bodyPr/>
@@ -4877,14 +10803,17 @@
                     <a:p>
                       <a:pPr algn="ctr" fontAlgn="ctr"/>
                       <a:r>
-                        <a:rPr lang="ko-KR" altLang="en-US" sz="1800" b="1" dirty="0">
+                        <a:rPr lang="ko-KR" altLang="en-US" sz="2000" b="1">
+                          <a:solidFill>
+                            <a:schemeClr val="bg1"/>
+                          </a:solidFill>
                           <a:effectLst/>
                         </a:rPr>
                         <a:t>생산지시생성일자</a:t>
                       </a:r>
                     </a:p>
                   </a:txBody>
-                  <a:tcPr marL="28567" marR="28567" marT="28567" marB="28567" anchor="ctr">
+                  <a:tcPr marL="15001" marR="15001" marT="15001" marB="15001" anchor="ctr">
                     <a:lnL w="12700" cap="flat" cmpd="sng" algn="ctr">
                       <a:solidFill>
                         <a:schemeClr val="tx1"/>
@@ -4930,14 +10859,17 @@
                     <a:p>
                       <a:pPr fontAlgn="ctr"/>
                       <a:r>
-                        <a:rPr lang="en-US" dirty="0">
+                        <a:rPr lang="en-US" sz="2000" dirty="0">
+                          <a:solidFill>
+                            <a:schemeClr val="bg1"/>
+                          </a:solidFill>
                           <a:effectLst/>
                         </a:rPr>
                         <a:t>Datetime / NOT NULL</a:t>
                       </a:r>
                     </a:p>
                   </a:txBody>
-                  <a:tcPr marL="95250" marR="95250" marT="95250" marB="95250" anchor="ctr">
+                  <a:tcPr marL="50016" marR="50016" marT="50016" marB="50016" anchor="ctr">
                     <a:lnL w="12700" cap="flat" cmpd="sng" algn="ctr">
                       <a:solidFill>
                         <a:schemeClr val="tx1"/>
@@ -4983,14 +10915,17 @@
                     <a:p>
                       <a:pPr algn="ctr" fontAlgn="ctr"/>
                       <a:r>
-                        <a:rPr lang="ko-KR" altLang="en-US" sz="1800" b="1" dirty="0">
+                        <a:rPr lang="ko-KR" altLang="en-US" sz="2000" b="1" dirty="0">
+                          <a:solidFill>
+                            <a:schemeClr val="bg1"/>
+                          </a:solidFill>
                           <a:effectLst/>
                         </a:rPr>
                         <a:t>종료예상일시</a:t>
                       </a:r>
                     </a:p>
                   </a:txBody>
-                  <a:tcPr marL="28567" marR="28567" marT="28567" marB="28567" anchor="ctr">
+                  <a:tcPr marL="15001" marR="15001" marT="15001" marB="15001" anchor="ctr">
                     <a:lnL w="12700" cap="flat" cmpd="sng" algn="ctr">
                       <a:solidFill>
                         <a:schemeClr val="tx1"/>
@@ -5036,23 +10971,32 @@
                     <a:p>
                       <a:pPr fontAlgn="ctr"/>
                       <a:r>
-                        <a:rPr lang="en-US" dirty="0">
+                        <a:rPr lang="en-US" sz="2000">
+                          <a:solidFill>
+                            <a:schemeClr val="bg1"/>
+                          </a:solidFill>
                           <a:effectLst/>
                         </a:rPr>
                         <a:t>Datetime </a:t>
                       </a:r>
                       <a:r>
-                        <a:rPr lang="en-US" altLang="ko-KR" dirty="0">
+                        <a:rPr lang="en-US" altLang="ko-KR" sz="2000">
+                          <a:solidFill>
+                            <a:schemeClr val="bg1"/>
+                          </a:solidFill>
                           <a:effectLst/>
                         </a:rPr>
                         <a:t>/ NULL</a:t>
                       </a:r>
-                      <a:endParaRPr lang="en-US" dirty="0">
+                      <a:endParaRPr lang="en-US" sz="2000">
+                        <a:solidFill>
+                          <a:schemeClr val="bg1"/>
+                        </a:solidFill>
                         <a:effectLst/>
                       </a:endParaRPr>
                     </a:p>
                   </a:txBody>
-                  <a:tcPr marL="95250" marR="95250" marT="95250" marB="95250" anchor="ctr">
+                  <a:tcPr marL="50016" marR="50016" marT="50016" marB="50016" anchor="ctr">
                     <a:lnL w="12700" cap="flat" cmpd="sng" algn="ctr">
                       <a:solidFill>
                         <a:schemeClr val="tx1"/>
@@ -5097,7 +11041,7 @@
                   </a:ext>
                 </a:extLst>
               </a:tr>
-              <a:tr h="431491">
+              <a:tr h="514126">
                 <a:tc>
                   <a:txBody>
                     <a:bodyPr/>
@@ -5105,17 +11049,17 @@
                     <a:p>
                       <a:pPr algn="ctr" fontAlgn="ctr"/>
                       <a:r>
-                        <a:rPr lang="ko-KR" altLang="en-US" sz="1800" b="1" dirty="0" err="1">
+                        <a:rPr lang="ko-KR" altLang="en-US" sz="2000" b="1">
+                          <a:solidFill>
+                            <a:schemeClr val="bg1"/>
+                          </a:solidFill>
                           <a:effectLst/>
                         </a:rPr>
                         <a:t>생산지시순번</a:t>
                       </a:r>
-                      <a:endParaRPr lang="ko-KR" altLang="en-US" sz="1800" b="1" dirty="0">
-                        <a:effectLst/>
-                      </a:endParaRPr>
                     </a:p>
                   </a:txBody>
-                  <a:tcPr marL="28567" marR="28567" marT="28567" marB="28567" anchor="ctr">
+                  <a:tcPr marL="15001" marR="15001" marT="15001" marB="15001" anchor="ctr">
                     <a:lnL w="12700" cap="flat" cmpd="sng" algn="ctr">
                       <a:solidFill>
                         <a:schemeClr val="tx1"/>
@@ -5161,23 +11105,32 @@
                     <a:p>
                       <a:pPr fontAlgn="ctr"/>
                       <a:r>
-                        <a:rPr lang="en-US" dirty="0">
+                        <a:rPr lang="en-US" sz="2000">
+                          <a:solidFill>
+                            <a:schemeClr val="bg1"/>
+                          </a:solidFill>
                           <a:effectLst/>
                         </a:rPr>
                         <a:t>Int </a:t>
                       </a:r>
                       <a:r>
-                        <a:rPr lang="en-US" altLang="ko-KR" dirty="0">
+                        <a:rPr lang="en-US" altLang="ko-KR" sz="2000">
+                          <a:solidFill>
+                            <a:schemeClr val="bg1"/>
+                          </a:solidFill>
                           <a:effectLst/>
                         </a:rPr>
                         <a:t>/ NOT NULL</a:t>
                       </a:r>
-                      <a:endParaRPr lang="en-US" dirty="0">
+                      <a:endParaRPr lang="en-US" sz="2000">
+                        <a:solidFill>
+                          <a:schemeClr val="bg1"/>
+                        </a:solidFill>
                         <a:effectLst/>
                       </a:endParaRPr>
                     </a:p>
                   </a:txBody>
-                  <a:tcPr marL="95250" marR="95250" marT="95250" marB="95250" anchor="ctr">
+                  <a:tcPr marL="50016" marR="50016" marT="50016" marB="50016" anchor="ctr">
                     <a:lnL w="12700" cap="flat" cmpd="sng" algn="ctr">
                       <a:solidFill>
                         <a:schemeClr val="tx1"/>
@@ -5223,14 +11176,17 @@
                     <a:p>
                       <a:pPr algn="ctr" fontAlgn="ctr"/>
                       <a:r>
-                        <a:rPr lang="ko-KR" altLang="en-US" sz="1800" b="1" dirty="0">
+                        <a:rPr lang="ko-KR" altLang="en-US" sz="2000" b="1" dirty="0">
+                          <a:solidFill>
+                            <a:schemeClr val="bg1"/>
+                          </a:solidFill>
                           <a:effectLst/>
                         </a:rPr>
                         <a:t>작업종료일시</a:t>
                       </a:r>
                     </a:p>
                   </a:txBody>
-                  <a:tcPr marL="28567" marR="28567" marT="28567" marB="28567" anchor="ctr">
+                  <a:tcPr marL="15001" marR="15001" marT="15001" marB="15001" anchor="ctr">
                     <a:lnL w="12700" cap="flat" cmpd="sng" algn="ctr">
                       <a:solidFill>
                         <a:schemeClr val="tx1"/>
@@ -5276,23 +11232,32 @@
                     <a:p>
                       <a:pPr fontAlgn="ctr"/>
                       <a:r>
-                        <a:rPr lang="en-US" dirty="0">
+                        <a:rPr lang="en-US" sz="2000">
+                          <a:solidFill>
+                            <a:schemeClr val="bg1"/>
+                          </a:solidFill>
                           <a:effectLst/>
                         </a:rPr>
                         <a:t>Datetime </a:t>
                       </a:r>
                       <a:r>
-                        <a:rPr lang="en-US" altLang="ko-KR" dirty="0">
+                        <a:rPr lang="en-US" altLang="ko-KR" sz="2000">
+                          <a:solidFill>
+                            <a:schemeClr val="bg1"/>
+                          </a:solidFill>
                           <a:effectLst/>
                         </a:rPr>
                         <a:t>/ NULL</a:t>
                       </a:r>
-                      <a:endParaRPr lang="en-US" dirty="0">
+                      <a:endParaRPr lang="en-US" sz="2000">
+                        <a:solidFill>
+                          <a:schemeClr val="bg1"/>
+                        </a:solidFill>
                         <a:effectLst/>
                       </a:endParaRPr>
                     </a:p>
                   </a:txBody>
-                  <a:tcPr marL="95250" marR="95250" marT="95250" marB="95250" anchor="ctr">
+                  <a:tcPr marL="50016" marR="50016" marT="50016" marB="50016" anchor="ctr">
                     <a:lnL w="12700" cap="flat" cmpd="sng" algn="ctr">
                       <a:solidFill>
                         <a:schemeClr val="tx1"/>
@@ -5337,7 +11302,7 @@
                   </a:ext>
                 </a:extLst>
               </a:tr>
-              <a:tr h="431491">
+              <a:tr h="514126">
                 <a:tc>
                   <a:txBody>
                     <a:bodyPr/>
@@ -5345,17 +11310,17 @@
                     <a:p>
                       <a:pPr algn="ctr" fontAlgn="ctr"/>
                       <a:r>
-                        <a:rPr lang="ko-KR" altLang="en-US" sz="1800" b="1" dirty="0" err="1">
+                        <a:rPr lang="ko-KR" altLang="en-US" sz="2000" b="1">
+                          <a:solidFill>
+                            <a:schemeClr val="bg1"/>
+                          </a:solidFill>
                           <a:effectLst/>
                         </a:rPr>
                         <a:t>생산진행순번</a:t>
                       </a:r>
-                      <a:endParaRPr lang="ko-KR" altLang="en-US" sz="1800" b="1" dirty="0">
-                        <a:effectLst/>
-                      </a:endParaRPr>
                     </a:p>
                   </a:txBody>
-                  <a:tcPr marL="28567" marR="28567" marT="28567" marB="28567" anchor="ctr">
+                  <a:tcPr marL="15001" marR="15001" marT="15001" marB="15001" anchor="ctr">
                     <a:lnL w="12700" cap="flat" cmpd="sng" algn="ctr">
                       <a:solidFill>
                         <a:schemeClr val="tx1"/>
@@ -5401,23 +11366,32 @@
                     <a:p>
                       <a:pPr fontAlgn="ctr"/>
                       <a:r>
-                        <a:rPr lang="en-US" dirty="0">
+                        <a:rPr lang="en-US" sz="2000">
+                          <a:solidFill>
+                            <a:schemeClr val="bg1"/>
+                          </a:solidFill>
                           <a:effectLst/>
                         </a:rPr>
                         <a:t>Int </a:t>
                       </a:r>
                       <a:r>
-                        <a:rPr lang="en-US" altLang="ko-KR" dirty="0">
+                        <a:rPr lang="en-US" altLang="ko-KR" sz="2000">
+                          <a:solidFill>
+                            <a:schemeClr val="bg1"/>
+                          </a:solidFill>
                           <a:effectLst/>
                         </a:rPr>
                         <a:t>/ NULL</a:t>
                       </a:r>
-                      <a:endParaRPr lang="en-US" dirty="0">
+                      <a:endParaRPr lang="en-US" sz="2000">
+                        <a:solidFill>
+                          <a:schemeClr val="bg1"/>
+                        </a:solidFill>
                         <a:effectLst/>
                       </a:endParaRPr>
                     </a:p>
                   </a:txBody>
-                  <a:tcPr marL="95250" marR="95250" marT="95250" marB="95250" anchor="ctr">
+                  <a:tcPr marL="50016" marR="50016" marT="50016" marB="50016" anchor="ctr">
                     <a:lnL w="12700" cap="flat" cmpd="sng" algn="ctr">
                       <a:solidFill>
                         <a:schemeClr val="tx1"/>
@@ -5463,14 +11437,17 @@
                     <a:p>
                       <a:pPr algn="ctr" fontAlgn="ctr"/>
                       <a:r>
-                        <a:rPr lang="ko-KR" altLang="en-US" sz="1800" b="1" dirty="0">
+                        <a:rPr lang="ko-KR" altLang="en-US" sz="2000" b="1" dirty="0">
+                          <a:solidFill>
+                            <a:schemeClr val="bg1"/>
+                          </a:solidFill>
                           <a:effectLst/>
                         </a:rPr>
                         <a:t>투입인원</a:t>
                       </a:r>
                     </a:p>
                   </a:txBody>
-                  <a:tcPr marL="28567" marR="28567" marT="28567" marB="28567" anchor="ctr">
+                  <a:tcPr marL="15001" marR="15001" marT="15001" marB="15001" anchor="ctr">
                     <a:lnL w="12700" cap="flat" cmpd="sng" algn="ctr">
                       <a:solidFill>
                         <a:schemeClr val="tx1"/>
@@ -5516,29 +11493,32 @@
                     <a:p>
                       <a:pPr fontAlgn="ctr"/>
                       <a:r>
-                        <a:rPr lang="en-US" dirty="0" err="1">
+                        <a:rPr lang="en-US" sz="2000">
+                          <a:solidFill>
+                            <a:schemeClr val="bg1"/>
+                          </a:solidFill>
                           <a:effectLst/>
                         </a:rPr>
-                        <a:t>Smallint</a:t>
+                        <a:t>Smallint </a:t>
                       </a:r>
                       <a:r>
-                        <a:rPr lang="en-US" dirty="0">
-                          <a:effectLst/>
-                        </a:rPr>
-                        <a:t> </a:t>
-                      </a:r>
-                      <a:r>
-                        <a:rPr lang="en-US" altLang="ko-KR" dirty="0">
+                        <a:rPr lang="en-US" altLang="ko-KR" sz="2000">
+                          <a:solidFill>
+                            <a:schemeClr val="bg1"/>
+                          </a:solidFill>
                           <a:effectLst/>
                         </a:rPr>
                         <a:t>/ NOT NULL</a:t>
                       </a:r>
-                      <a:endParaRPr lang="en-US" dirty="0">
+                      <a:endParaRPr lang="en-US" sz="2000">
+                        <a:solidFill>
+                          <a:schemeClr val="bg1"/>
+                        </a:solidFill>
                         <a:effectLst/>
                       </a:endParaRPr>
                     </a:p>
                   </a:txBody>
-                  <a:tcPr marL="95250" marR="95250" marT="95250" marB="95250" anchor="ctr">
+                  <a:tcPr marL="50016" marR="50016" marT="50016" marB="50016" anchor="ctr">
                     <a:lnL w="12700" cap="flat" cmpd="sng" algn="ctr">
                       <a:solidFill>
                         <a:schemeClr val="tx1"/>
@@ -5583,7 +11563,7 @@
                   </a:ext>
                 </a:extLst>
               </a:tr>
-              <a:tr h="431491">
+              <a:tr h="514126">
                 <a:tc>
                   <a:txBody>
                     <a:bodyPr/>
@@ -5591,14 +11571,17 @@
                     <a:p>
                       <a:pPr algn="ctr" fontAlgn="ctr"/>
                       <a:r>
-                        <a:rPr lang="ko-KR" altLang="en-US" sz="1800" b="1" dirty="0">
+                        <a:rPr lang="ko-KR" altLang="en-US" sz="2000" b="1">
+                          <a:solidFill>
+                            <a:schemeClr val="bg1"/>
+                          </a:solidFill>
                           <a:effectLst/>
                         </a:rPr>
                         <a:t>품목코드</a:t>
                       </a:r>
                     </a:p>
                   </a:txBody>
-                  <a:tcPr marL="28567" marR="28567" marT="28567" marB="28567" anchor="ctr">
+                  <a:tcPr marL="15001" marR="15001" marT="15001" marB="15001" anchor="ctr">
                     <a:lnL w="12700" cap="flat" cmpd="sng" algn="ctr">
                       <a:solidFill>
                         <a:schemeClr val="tx1"/>
@@ -5644,23 +11627,32 @@
                     <a:p>
                       <a:pPr fontAlgn="ctr"/>
                       <a:r>
-                        <a:rPr lang="en-US" dirty="0">
+                        <a:rPr lang="en-US" sz="2000">
+                          <a:solidFill>
+                            <a:schemeClr val="bg1"/>
+                          </a:solidFill>
                           <a:effectLst/>
                         </a:rPr>
                         <a:t>Varchar </a:t>
                       </a:r>
                       <a:r>
-                        <a:rPr lang="en-US" altLang="ko-KR" dirty="0">
+                        <a:rPr lang="en-US" altLang="ko-KR" sz="2000">
+                          <a:solidFill>
+                            <a:schemeClr val="bg1"/>
+                          </a:solidFill>
                           <a:effectLst/>
                         </a:rPr>
                         <a:t>/ NOT NULL</a:t>
                       </a:r>
-                      <a:endParaRPr lang="en-US" dirty="0">
+                      <a:endParaRPr lang="en-US" sz="2000">
+                        <a:solidFill>
+                          <a:schemeClr val="bg1"/>
+                        </a:solidFill>
                         <a:effectLst/>
                       </a:endParaRPr>
                     </a:p>
                   </a:txBody>
-                  <a:tcPr marL="95250" marR="95250" marT="95250" marB="95250" anchor="ctr">
+                  <a:tcPr marL="50016" marR="50016" marT="50016" marB="50016" anchor="ctr">
                     <a:lnL w="12700" cap="flat" cmpd="sng" algn="ctr">
                       <a:solidFill>
                         <a:schemeClr val="tx1"/>
@@ -5706,14 +11698,17 @@
                     <a:p>
                       <a:pPr algn="ctr" fontAlgn="ctr"/>
                       <a:r>
-                        <a:rPr lang="ko-KR" altLang="en-US" sz="1800" b="1" dirty="0">
+                        <a:rPr lang="ko-KR" altLang="en-US" sz="2000" b="1" dirty="0">
+                          <a:solidFill>
+                            <a:schemeClr val="bg1"/>
+                          </a:solidFill>
                           <a:effectLst/>
                         </a:rPr>
                         <a:t>작업시간</a:t>
                       </a:r>
                     </a:p>
                   </a:txBody>
-                  <a:tcPr marL="28567" marR="28567" marT="28567" marB="28567" anchor="ctr">
+                  <a:tcPr marL="15001" marR="15001" marT="15001" marB="15001" anchor="ctr">
                     <a:lnL w="12700" cap="flat" cmpd="sng" algn="ctr">
                       <a:solidFill>
                         <a:schemeClr val="tx1"/>
@@ -5759,23 +11754,32 @@
                     <a:p>
                       <a:pPr fontAlgn="ctr"/>
                       <a:r>
-                        <a:rPr lang="en-US" dirty="0">
+                        <a:rPr lang="en-US" sz="2000" dirty="0">
+                          <a:solidFill>
+                            <a:schemeClr val="bg1"/>
+                          </a:solidFill>
                           <a:effectLst/>
                         </a:rPr>
                         <a:t>Money </a:t>
                       </a:r>
                       <a:r>
-                        <a:rPr lang="en-US" altLang="ko-KR" dirty="0">
+                        <a:rPr lang="en-US" altLang="ko-KR" sz="2000" dirty="0">
+                          <a:solidFill>
+                            <a:schemeClr val="bg1"/>
+                          </a:solidFill>
                           <a:effectLst/>
                         </a:rPr>
                         <a:t>/ NULL</a:t>
                       </a:r>
-                      <a:endParaRPr lang="en-US" dirty="0">
+                      <a:endParaRPr lang="en-US" sz="2000" dirty="0">
+                        <a:solidFill>
+                          <a:schemeClr val="bg1"/>
+                        </a:solidFill>
                         <a:effectLst/>
                       </a:endParaRPr>
                     </a:p>
                   </a:txBody>
-                  <a:tcPr marL="95250" marR="95250" marT="95250" marB="95250" anchor="ctr">
+                  <a:tcPr marL="50016" marR="50016" marT="50016" marB="50016" anchor="ctr">
                     <a:lnL w="12700" cap="flat" cmpd="sng" algn="ctr">
                       <a:solidFill>
                         <a:schemeClr val="tx1"/>
@@ -5820,7 +11824,7 @@
                   </a:ext>
                 </a:extLst>
               </a:tr>
-              <a:tr h="431491">
+              <a:tr h="514126">
                 <a:tc>
                   <a:txBody>
                     <a:bodyPr/>
@@ -5828,14 +11832,17 @@
                     <a:p>
                       <a:pPr algn="ctr" fontAlgn="ctr"/>
                       <a:r>
-                        <a:rPr lang="ko-KR" altLang="en-US" sz="1800" b="1" dirty="0">
+                        <a:rPr lang="ko-KR" altLang="en-US" sz="2000" b="1">
+                          <a:solidFill>
+                            <a:schemeClr val="bg1"/>
+                          </a:solidFill>
                           <a:effectLst/>
                         </a:rPr>
                         <a:t>생산수량</a:t>
                       </a:r>
                     </a:p>
                   </a:txBody>
-                  <a:tcPr marL="28567" marR="28567" marT="28567" marB="28567" anchor="ctr">
+                  <a:tcPr marL="15001" marR="15001" marT="15001" marB="15001" anchor="ctr">
                     <a:lnL w="12700" cap="flat" cmpd="sng" algn="ctr">
                       <a:solidFill>
                         <a:schemeClr val="tx1"/>
@@ -5881,23 +11888,32 @@
                     <a:p>
                       <a:pPr fontAlgn="ctr"/>
                       <a:r>
-                        <a:rPr lang="en-US" dirty="0">
+                        <a:rPr lang="en-US" sz="2000">
+                          <a:solidFill>
+                            <a:schemeClr val="bg1"/>
+                          </a:solidFill>
                           <a:effectLst/>
                         </a:rPr>
                         <a:t>Money </a:t>
                       </a:r>
                       <a:r>
-                        <a:rPr lang="en-US" altLang="ko-KR" dirty="0">
+                        <a:rPr lang="en-US" altLang="ko-KR" sz="2000">
+                          <a:solidFill>
+                            <a:schemeClr val="bg1"/>
+                          </a:solidFill>
                           <a:effectLst/>
                         </a:rPr>
                         <a:t>/ NULL</a:t>
                       </a:r>
-                      <a:endParaRPr lang="en-US" dirty="0">
+                      <a:endParaRPr lang="en-US" sz="2000">
+                        <a:solidFill>
+                          <a:schemeClr val="bg1"/>
+                        </a:solidFill>
                         <a:effectLst/>
                       </a:endParaRPr>
                     </a:p>
                   </a:txBody>
-                  <a:tcPr marL="95250" marR="95250" marT="95250" marB="95250" anchor="ctr">
+                  <a:tcPr marL="50016" marR="50016" marT="50016" marB="50016" anchor="ctr">
                     <a:lnL w="12700" cap="flat" cmpd="sng" algn="ctr">
                       <a:solidFill>
                         <a:schemeClr val="tx1"/>
@@ -5943,20 +11959,26 @@
                     <a:p>
                       <a:pPr algn="ctr" fontAlgn="ctr"/>
                       <a:r>
-                        <a:rPr lang="ko-KR" altLang="en-US" sz="1800" b="1" dirty="0">
+                        <a:rPr lang="ko-KR" altLang="en-US" sz="2000" b="1">
+                          <a:solidFill>
+                            <a:schemeClr val="bg1"/>
+                          </a:solidFill>
                           <a:effectLst/>
                         </a:rPr>
                         <a:t>등록자</a:t>
                       </a:r>
                       <a:r>
-                        <a:rPr lang="en-US" sz="1800" b="1" dirty="0">
+                        <a:rPr lang="en-US" sz="2000" b="1">
+                          <a:solidFill>
+                            <a:schemeClr val="bg1"/>
+                          </a:solidFill>
                           <a:effectLst/>
                         </a:rPr>
                         <a:t>ID</a:t>
                       </a:r>
                     </a:p>
                   </a:txBody>
-                  <a:tcPr marL="28567" marR="28567" marT="28567" marB="28567" anchor="ctr">
+                  <a:tcPr marL="15001" marR="15001" marT="15001" marB="15001" anchor="ctr">
                     <a:lnL w="12700" cap="flat" cmpd="sng" algn="ctr">
                       <a:solidFill>
                         <a:schemeClr val="tx1"/>
@@ -6002,23 +12024,32 @@
                     <a:p>
                       <a:pPr fontAlgn="ctr"/>
                       <a:r>
-                        <a:rPr lang="en-US" dirty="0">
+                        <a:rPr lang="en-US" sz="2000" dirty="0">
+                          <a:solidFill>
+                            <a:schemeClr val="bg1"/>
+                          </a:solidFill>
                           <a:effectLst/>
                         </a:rPr>
                         <a:t>Varchar </a:t>
                       </a:r>
                       <a:r>
-                        <a:rPr lang="en-US" altLang="ko-KR" dirty="0">
+                        <a:rPr lang="en-US" altLang="ko-KR" sz="2000" dirty="0">
+                          <a:solidFill>
+                            <a:schemeClr val="bg1"/>
+                          </a:solidFill>
                           <a:effectLst/>
                         </a:rPr>
                         <a:t>/ NOT NULL</a:t>
                       </a:r>
-                      <a:endParaRPr lang="en-US" dirty="0">
+                      <a:endParaRPr lang="en-US" sz="2000" dirty="0">
+                        <a:solidFill>
+                          <a:schemeClr val="bg1"/>
+                        </a:solidFill>
                         <a:effectLst/>
                       </a:endParaRPr>
                     </a:p>
                   </a:txBody>
-                  <a:tcPr marL="95250" marR="95250" marT="95250" marB="95250" anchor="ctr">
+                  <a:tcPr marL="50016" marR="50016" marT="50016" marB="50016" anchor="ctr">
                     <a:lnL w="12700" cap="flat" cmpd="sng" algn="ctr">
                       <a:solidFill>
                         <a:schemeClr val="tx1"/>
@@ -6063,7 +12094,7 @@
                   </a:ext>
                 </a:extLst>
               </a:tr>
-              <a:tr h="431491">
+              <a:tr h="514126">
                 <a:tc>
                   <a:txBody>
                     <a:bodyPr/>
@@ -6071,20 +12102,26 @@
                     <a:p>
                       <a:pPr algn="ctr" fontAlgn="ctr"/>
                       <a:r>
-                        <a:rPr lang="en-US" sz="1800" b="1" dirty="0">
+                        <a:rPr lang="en-US" sz="2000" b="1">
+                          <a:solidFill>
+                            <a:schemeClr val="bg1"/>
+                          </a:solidFill>
                           <a:effectLst/>
                         </a:rPr>
                         <a:t>Line </a:t>
                       </a:r>
                       <a:r>
-                        <a:rPr lang="ko-KR" altLang="en-US" sz="1800" b="1" dirty="0">
+                        <a:rPr lang="ko-KR" altLang="en-US" sz="2000" b="1">
+                          <a:solidFill>
+                            <a:schemeClr val="bg1"/>
+                          </a:solidFill>
                           <a:effectLst/>
                         </a:rPr>
                         <a:t>코드</a:t>
                       </a:r>
                     </a:p>
                   </a:txBody>
-                  <a:tcPr marL="28567" marR="28567" marT="28567" marB="28567" anchor="ctr">
+                  <a:tcPr marL="15001" marR="15001" marT="15001" marB="15001" anchor="ctr">
                     <a:lnL w="12700" cap="flat" cmpd="sng" algn="ctr">
                       <a:solidFill>
                         <a:schemeClr val="tx1"/>
@@ -6130,29 +12167,32 @@
                     <a:p>
                       <a:pPr fontAlgn="ctr"/>
                       <a:r>
-                        <a:rPr lang="en-US" dirty="0" err="1">
+                        <a:rPr lang="en-US" sz="2000">
+                          <a:solidFill>
+                            <a:schemeClr val="bg1"/>
+                          </a:solidFill>
                           <a:effectLst/>
                         </a:rPr>
-                        <a:t>Nvarchar</a:t>
+                        <a:t>Nvarchar </a:t>
                       </a:r>
                       <a:r>
-                        <a:rPr lang="en-US" dirty="0">
-                          <a:effectLst/>
-                        </a:rPr>
-                        <a:t> </a:t>
-                      </a:r>
-                      <a:r>
-                        <a:rPr lang="en-US" altLang="ko-KR" dirty="0">
+                        <a:rPr lang="en-US" altLang="ko-KR" sz="2000">
+                          <a:solidFill>
+                            <a:schemeClr val="bg1"/>
+                          </a:solidFill>
                           <a:effectLst/>
                         </a:rPr>
                         <a:t>/ NOT NULL</a:t>
                       </a:r>
-                      <a:endParaRPr lang="en-US" dirty="0">
+                      <a:endParaRPr lang="en-US" sz="2000">
+                        <a:solidFill>
+                          <a:schemeClr val="bg1"/>
+                        </a:solidFill>
                         <a:effectLst/>
                       </a:endParaRPr>
                     </a:p>
                   </a:txBody>
-                  <a:tcPr marL="95250" marR="95250" marT="95250" marB="95250" anchor="ctr">
+                  <a:tcPr marL="50016" marR="50016" marT="50016" marB="50016" anchor="ctr">
                     <a:lnL w="12700" cap="flat" cmpd="sng" algn="ctr">
                       <a:solidFill>
                         <a:schemeClr val="tx1"/>
@@ -6198,14 +12238,17 @@
                     <a:p>
                       <a:pPr algn="ctr" fontAlgn="ctr"/>
                       <a:r>
-                        <a:rPr lang="ko-KR" altLang="en-US" sz="1800" b="1" dirty="0">
+                        <a:rPr lang="ko-KR" altLang="en-US" sz="2000" b="1">
+                          <a:solidFill>
+                            <a:schemeClr val="bg1"/>
+                          </a:solidFill>
                           <a:effectLst/>
                         </a:rPr>
                         <a:t>등록시간</a:t>
                       </a:r>
                     </a:p>
                   </a:txBody>
-                  <a:tcPr marL="28567" marR="28567" marT="28567" marB="28567" anchor="ctr">
+                  <a:tcPr marL="15001" marR="15001" marT="15001" marB="15001" anchor="ctr">
                     <a:lnL w="12700" cap="flat" cmpd="sng" algn="ctr">
                       <a:solidFill>
                         <a:schemeClr val="tx1"/>
@@ -6251,23 +12294,32 @@
                     <a:p>
                       <a:pPr fontAlgn="ctr"/>
                       <a:r>
-                        <a:rPr lang="en-US" dirty="0">
+                        <a:rPr lang="en-US" sz="2000" dirty="0">
+                          <a:solidFill>
+                            <a:schemeClr val="bg1"/>
+                          </a:solidFill>
                           <a:effectLst/>
                         </a:rPr>
                         <a:t>Datetime </a:t>
                       </a:r>
                       <a:r>
-                        <a:rPr lang="en-US" altLang="ko-KR" dirty="0">
+                        <a:rPr lang="en-US" altLang="ko-KR" sz="2000" dirty="0">
+                          <a:solidFill>
+                            <a:schemeClr val="bg1"/>
+                          </a:solidFill>
                           <a:effectLst/>
                         </a:rPr>
                         <a:t>/ NULL</a:t>
                       </a:r>
-                      <a:endParaRPr lang="en-US" dirty="0">
+                      <a:endParaRPr lang="en-US" sz="2000" dirty="0">
+                        <a:solidFill>
+                          <a:schemeClr val="bg1"/>
+                        </a:solidFill>
                         <a:effectLst/>
                       </a:endParaRPr>
                     </a:p>
                   </a:txBody>
-                  <a:tcPr marL="95250" marR="95250" marT="95250" marB="95250" anchor="ctr">
+                  <a:tcPr marL="50016" marR="50016" marT="50016" marB="50016" anchor="ctr">
                     <a:lnL w="12700" cap="flat" cmpd="sng" algn="ctr">
                       <a:solidFill>
                         <a:schemeClr val="tx1"/>
@@ -6332,6 +12384,14 @@
 <file path=ppt/slides/slide5.xml><?xml version="1.0" encoding="utf-8"?>
 <p:sld xmlns:a="http://schemas.openxmlformats.org/drawingml/2006/main" xmlns:r="http://schemas.openxmlformats.org/officeDocument/2006/relationships" xmlns:p="http://schemas.openxmlformats.org/presentationml/2006/main">
   <p:cSld>
+    <p:bg>
+      <p:bgPr>
+        <a:solidFill>
+          <a:schemeClr val="bg1"/>
+        </a:solidFill>
+        <a:effectLst/>
+      </p:bgPr>
+    </p:bg>
     <p:spTree>
       <p:nvGrpSpPr>
         <p:cNvPr id="1" name=""/>
@@ -6348,6 +12408,623 @@
       </p:grpSpPr>
       <p:sp>
         <p:nvSpPr>
+          <p:cNvPr id="19" name="Rectangle 7">
+            <a:extLst>
+              <a:ext uri="{FF2B5EF4-FFF2-40B4-BE49-F238E27FC236}">
+                <a16:creationId xmlns:a16="http://schemas.microsoft.com/office/drawing/2014/main" id="{B73D3AEB-8AA3-481D-9F6F-B80FE58DD5BD}"/>
+              </a:ext>
+              <a:ext uri="{C183D7F6-B498-43B3-948B-1728B52AA6E4}">
+                <adec:decorative xmlns:adec="http://schemas.microsoft.com/office/drawing/2017/decorative" val="1"/>
+              </a:ext>
+            </a:extLst>
+          </p:cNvPr>
+          <p:cNvSpPr>
+            <a:spLocks noGrp="1" noRot="1" noChangeAspect="1" noMove="1" noResize="1" noEditPoints="1" noAdjustHandles="1" noChangeArrowheads="1" noChangeShapeType="1" noTextEdit="1"/>
+          </p:cNvSpPr>
+          <p:nvPr>
+            <p:extLst>
+              <p:ext uri="{386F3935-93C4-4BCD-93E2-E3B085C9AB24}">
+                <p16:designElem xmlns:p16="http://schemas.microsoft.com/office/powerpoint/2015/main" val="1"/>
+              </p:ext>
+            </p:extLst>
+          </p:nvPr>
+        </p:nvSpPr>
+        <p:spPr>
+          <a:xfrm>
+            <a:off x="3048" y="0"/>
+            <a:ext cx="12188952" cy="6858000"/>
+          </a:xfrm>
+          <a:prstGeom prst="rect">
+            <a:avLst/>
+          </a:prstGeom>
+          <a:solidFill>
+            <a:schemeClr val="tx2"/>
+          </a:solidFill>
+          <a:ln>
+            <a:noFill/>
+          </a:ln>
+        </p:spPr>
+        <p:style>
+          <a:lnRef idx="2">
+            <a:schemeClr val="accent1">
+              <a:shade val="50000"/>
+            </a:schemeClr>
+          </a:lnRef>
+          <a:fillRef idx="1">
+            <a:schemeClr val="accent1"/>
+          </a:fillRef>
+          <a:effectRef idx="0">
+            <a:schemeClr val="accent1"/>
+          </a:effectRef>
+          <a:fontRef idx="minor">
+            <a:schemeClr val="lt1"/>
+          </a:fontRef>
+        </p:style>
+        <p:txBody>
+          <a:bodyPr rtlCol="0" anchor="ctr"/>
+          <a:lstStyle/>
+          <a:p>
+            <a:pPr algn="ctr"/>
+            <a:endParaRPr lang="en-US"/>
+          </a:p>
+        </p:txBody>
+      </p:sp>
+      <p:sp>
+        <p:nvSpPr>
+          <p:cNvPr id="21" name="Rectangle 9">
+            <a:extLst>
+              <a:ext uri="{FF2B5EF4-FFF2-40B4-BE49-F238E27FC236}">
+                <a16:creationId xmlns:a16="http://schemas.microsoft.com/office/drawing/2014/main" id="{5BD9FE98-387B-4EC6-A44D-C6F923034956}"/>
+              </a:ext>
+              <a:ext uri="{C183D7F6-B498-43B3-948B-1728B52AA6E4}">
+                <adec:decorative xmlns:adec="http://schemas.microsoft.com/office/drawing/2017/decorative" val="1"/>
+              </a:ext>
+            </a:extLst>
+          </p:cNvPr>
+          <p:cNvSpPr>
+            <a:spLocks noGrp="1" noRot="1" noChangeAspect="1" noMove="1" noResize="1" noEditPoints="1" noAdjustHandles="1" noChangeArrowheads="1" noChangeShapeType="1" noTextEdit="1"/>
+          </p:cNvSpPr>
+          <p:nvPr>
+            <p:extLst>
+              <p:ext uri="{386F3935-93C4-4BCD-93E2-E3B085C9AB24}">
+                <p16:designElem xmlns:p16="http://schemas.microsoft.com/office/powerpoint/2015/main" val="1"/>
+              </p:ext>
+            </p:extLst>
+          </p:nvPr>
+        </p:nvSpPr>
+        <p:spPr>
+          <a:xfrm>
+            <a:off x="0" y="0"/>
+            <a:ext cx="12188952" cy="6858000"/>
+          </a:xfrm>
+          <a:prstGeom prst="rect">
+            <a:avLst/>
+          </a:prstGeom>
+          <a:solidFill>
+            <a:schemeClr val="tx1">
+              <a:alpha val="53000"/>
+            </a:schemeClr>
+          </a:solidFill>
+          <a:ln>
+            <a:noFill/>
+          </a:ln>
+        </p:spPr>
+        <p:style>
+          <a:lnRef idx="2">
+            <a:schemeClr val="accent1">
+              <a:shade val="50000"/>
+            </a:schemeClr>
+          </a:lnRef>
+          <a:fillRef idx="1">
+            <a:schemeClr val="accent1"/>
+          </a:fillRef>
+          <a:effectRef idx="0">
+            <a:schemeClr val="accent1"/>
+          </a:effectRef>
+          <a:fontRef idx="minor">
+            <a:schemeClr val="lt1"/>
+          </a:fontRef>
+        </p:style>
+        <p:txBody>
+          <a:bodyPr rtlCol="0" anchor="ctr"/>
+          <a:lstStyle/>
+          <a:p>
+            <a:pPr algn="ctr"/>
+            <a:endParaRPr lang="en-US"/>
+          </a:p>
+        </p:txBody>
+      </p:sp>
+      <p:grpSp>
+        <p:nvGrpSpPr>
+          <p:cNvPr id="27" name="Group 11">
+            <a:extLst>
+              <a:ext uri="{FF2B5EF4-FFF2-40B4-BE49-F238E27FC236}">
+                <a16:creationId xmlns:a16="http://schemas.microsoft.com/office/drawing/2014/main" id="{50ECB61C-4F38-4328-A725-04E5F0773BE9}"/>
+              </a:ext>
+              <a:ext uri="{C183D7F6-B498-43B3-948B-1728B52AA6E4}">
+                <adec:decorative xmlns:adec="http://schemas.microsoft.com/office/drawing/2017/decorative" val="1"/>
+              </a:ext>
+            </a:extLst>
+          </p:cNvPr>
+          <p:cNvGrpSpPr>
+            <a:grpSpLocks noGrp="1" noUngrp="1" noRot="1" noChangeAspect="1" noMove="1" noResize="1"/>
+          </p:cNvGrpSpPr>
+          <p:nvPr>
+            <p:extLst>
+              <p:ext uri="{386F3935-93C4-4BCD-93E2-E3B085C9AB24}">
+                <p16:designElem xmlns:p16="http://schemas.microsoft.com/office/powerpoint/2015/main" val="1"/>
+              </p:ext>
+            </p:extLst>
+          </p:nvPr>
+        </p:nvGrpSpPr>
+        <p:grpSpPr>
+          <a:xfrm>
+            <a:off x="1" y="2075420"/>
+            <a:ext cx="12048729" cy="4093306"/>
+            <a:chOff x="1" y="2075420"/>
+            <a:chExt cx="12048729" cy="4093306"/>
+          </a:xfrm>
+        </p:grpSpPr>
+        <p:sp>
+          <p:nvSpPr>
+            <p:cNvPr id="13" name="Oval 12">
+              <a:extLst>
+                <a:ext uri="{FF2B5EF4-FFF2-40B4-BE49-F238E27FC236}">
+                  <a16:creationId xmlns:a16="http://schemas.microsoft.com/office/drawing/2014/main" id="{F3284BF3-6BC6-44CC-ADF6-E4960D78A72F}"/>
+                </a:ext>
+                <a:ext uri="{C183D7F6-B498-43B3-948B-1728B52AA6E4}">
+                  <adec:decorative xmlns:adec="http://schemas.microsoft.com/office/drawing/2017/decorative" val="1"/>
+                </a:ext>
+              </a:extLst>
+            </p:cNvPr>
+            <p:cNvSpPr/>
+            <p:nvPr>
+              <p:extLst>
+                <p:ext uri="{386F3935-93C4-4BCD-93E2-E3B085C9AB24}">
+                  <p16:designElem xmlns:p16="http://schemas.microsoft.com/office/powerpoint/2015/main" val="1"/>
+                </p:ext>
+              </p:extLst>
+            </p:nvPr>
+          </p:nvSpPr>
+          <p:spPr>
+            <a:xfrm rot="4500000">
+              <a:off x="7942191" y="2507571"/>
+              <a:ext cx="3563871" cy="3563871"/>
+            </a:xfrm>
+            <a:prstGeom prst="ellipse">
+              <a:avLst/>
+            </a:prstGeom>
+            <a:noFill/>
+            <a:ln w="31750">
+              <a:gradFill>
+                <a:gsLst>
+                  <a:gs pos="0">
+                    <a:schemeClr val="tx2">
+                      <a:lumMod val="60000"/>
+                      <a:lumOff val="40000"/>
+                      <a:alpha val="10000"/>
+                    </a:schemeClr>
+                  </a:gs>
+                  <a:gs pos="100000">
+                    <a:schemeClr val="tx2">
+                      <a:lumMod val="50000"/>
+                      <a:alpha val="20000"/>
+                    </a:schemeClr>
+                  </a:gs>
+                </a:gsLst>
+                <a:lin ang="5400000" scaled="1"/>
+              </a:gradFill>
+              <a:prstDash val="sysDot"/>
+            </a:ln>
+          </p:spPr>
+          <p:style>
+            <a:lnRef idx="2">
+              <a:schemeClr val="accent1">
+                <a:shade val="50000"/>
+              </a:schemeClr>
+            </a:lnRef>
+            <a:fillRef idx="1">
+              <a:schemeClr val="accent1"/>
+            </a:fillRef>
+            <a:effectRef idx="0">
+              <a:schemeClr val="accent1"/>
+            </a:effectRef>
+            <a:fontRef idx="minor">
+              <a:schemeClr val="lt1"/>
+            </a:fontRef>
+          </p:style>
+          <p:txBody>
+            <a:bodyPr rtlCol="0" anchor="ctr"/>
+            <a:lstStyle/>
+            <a:p>
+              <a:pPr algn="ctr"/>
+              <a:endParaRPr lang="en-US"/>
+            </a:p>
+          </p:txBody>
+        </p:sp>
+        <p:sp>
+          <p:nvSpPr>
+            <p:cNvPr id="14" name="Oval 13">
+              <a:extLst>
+                <a:ext uri="{FF2B5EF4-FFF2-40B4-BE49-F238E27FC236}">
+                  <a16:creationId xmlns:a16="http://schemas.microsoft.com/office/drawing/2014/main" id="{D35AA0C3-7A76-4191-B3F7-2539E508CF65}"/>
+                </a:ext>
+                <a:ext uri="{C183D7F6-B498-43B3-948B-1728B52AA6E4}">
+                  <adec:decorative xmlns:adec="http://schemas.microsoft.com/office/drawing/2017/decorative" val="1"/>
+                </a:ext>
+              </a:extLst>
+            </p:cNvPr>
+            <p:cNvSpPr/>
+            <p:nvPr>
+              <p:extLst>
+                <p:ext uri="{386F3935-93C4-4BCD-93E2-E3B085C9AB24}">
+                  <p16:designElem xmlns:p16="http://schemas.microsoft.com/office/powerpoint/2015/main" val="1"/>
+                </p:ext>
+              </p:extLst>
+            </p:nvPr>
+          </p:nvSpPr>
+          <p:spPr>
+            <a:xfrm rot="16200000">
+              <a:off x="10435065" y="4048931"/>
+              <a:ext cx="1381607" cy="1381607"/>
+            </a:xfrm>
+            <a:prstGeom prst="ellipse">
+              <a:avLst/>
+            </a:prstGeom>
+            <a:noFill/>
+            <a:ln w="31750">
+              <a:gradFill>
+                <a:gsLst>
+                  <a:gs pos="0">
+                    <a:schemeClr val="tx2">
+                      <a:lumMod val="60000"/>
+                      <a:lumOff val="40000"/>
+                      <a:alpha val="20000"/>
+                    </a:schemeClr>
+                  </a:gs>
+                  <a:gs pos="100000">
+                    <a:schemeClr val="tx2">
+                      <a:lumMod val="50000"/>
+                      <a:alpha val="20000"/>
+                    </a:schemeClr>
+                  </a:gs>
+                </a:gsLst>
+                <a:lin ang="5400000" scaled="1"/>
+              </a:gradFill>
+              <a:prstDash val="sysDot"/>
+            </a:ln>
+          </p:spPr>
+          <p:style>
+            <a:lnRef idx="2">
+              <a:schemeClr val="accent1">
+                <a:shade val="50000"/>
+              </a:schemeClr>
+            </a:lnRef>
+            <a:fillRef idx="1">
+              <a:schemeClr val="accent1"/>
+            </a:fillRef>
+            <a:effectRef idx="0">
+              <a:schemeClr val="accent1"/>
+            </a:effectRef>
+            <a:fontRef idx="minor">
+              <a:schemeClr val="lt1"/>
+            </a:fontRef>
+          </p:style>
+          <p:txBody>
+            <a:bodyPr rtlCol="0" anchor="ctr"/>
+            <a:lstStyle/>
+            <a:p>
+              <a:pPr algn="ctr"/>
+              <a:endParaRPr lang="en-US"/>
+            </a:p>
+          </p:txBody>
+        </p:sp>
+        <p:sp>
+          <p:nvSpPr>
+            <p:cNvPr id="15" name="Oval 14">
+              <a:extLst>
+                <a:ext uri="{FF2B5EF4-FFF2-40B4-BE49-F238E27FC236}">
+                  <a16:creationId xmlns:a16="http://schemas.microsoft.com/office/drawing/2014/main" id="{2C35AE80-858A-49DA-A9CB-81007898A0CE}"/>
+                </a:ext>
+                <a:ext uri="{C183D7F6-B498-43B3-948B-1728B52AA6E4}">
+                  <adec:decorative xmlns:adec="http://schemas.microsoft.com/office/drawing/2017/decorative" val="1"/>
+                </a:ext>
+              </a:extLst>
+            </p:cNvPr>
+            <p:cNvSpPr/>
+            <p:nvPr>
+              <p:extLst>
+                <p:ext uri="{386F3935-93C4-4BCD-93E2-E3B085C9AB24}">
+                  <p16:designElem xmlns:p16="http://schemas.microsoft.com/office/powerpoint/2015/main" val="1"/>
+                </p:ext>
+              </p:extLst>
+            </p:nvPr>
+          </p:nvSpPr>
+          <p:spPr>
+            <a:xfrm rot="16200000">
+              <a:off x="1" y="2075420"/>
+              <a:ext cx="3144364" cy="3144364"/>
+            </a:xfrm>
+            <a:prstGeom prst="ellipse">
+              <a:avLst/>
+            </a:prstGeom>
+            <a:gradFill>
+              <a:gsLst>
+                <a:gs pos="0">
+                  <a:schemeClr val="tx2">
+                    <a:lumMod val="75000"/>
+                    <a:alpha val="20000"/>
+                  </a:schemeClr>
+                </a:gs>
+                <a:gs pos="100000">
+                  <a:schemeClr val="tx2">
+                    <a:lumMod val="50000"/>
+                    <a:alpha val="10000"/>
+                  </a:schemeClr>
+                </a:gs>
+              </a:gsLst>
+              <a:lin ang="5400000" scaled="1"/>
+            </a:gradFill>
+            <a:ln>
+              <a:noFill/>
+            </a:ln>
+          </p:spPr>
+          <p:style>
+            <a:lnRef idx="2">
+              <a:schemeClr val="accent1">
+                <a:shade val="50000"/>
+              </a:schemeClr>
+            </a:lnRef>
+            <a:fillRef idx="1">
+              <a:schemeClr val="accent1"/>
+            </a:fillRef>
+            <a:effectRef idx="0">
+              <a:schemeClr val="accent1"/>
+            </a:effectRef>
+            <a:fontRef idx="minor">
+              <a:schemeClr val="lt1"/>
+            </a:fontRef>
+          </p:style>
+          <p:txBody>
+            <a:bodyPr rtlCol="0" anchor="ctr"/>
+            <a:lstStyle/>
+            <a:p>
+              <a:pPr algn="ctr"/>
+              <a:endParaRPr lang="en-US"/>
+            </a:p>
+          </p:txBody>
+        </p:sp>
+        <p:sp>
+          <p:nvSpPr>
+            <p:cNvPr id="16" name="Oval 15">
+              <a:extLst>
+                <a:ext uri="{FF2B5EF4-FFF2-40B4-BE49-F238E27FC236}">
+                  <a16:creationId xmlns:a16="http://schemas.microsoft.com/office/drawing/2014/main" id="{2D650277-0EB9-4CB6-956D-497DA1D39C80}"/>
+                </a:ext>
+                <a:ext uri="{C183D7F6-B498-43B3-948B-1728B52AA6E4}">
+                  <adec:decorative xmlns:adec="http://schemas.microsoft.com/office/drawing/2017/decorative" val="1"/>
+                </a:ext>
+              </a:extLst>
+            </p:cNvPr>
+            <p:cNvSpPr/>
+            <p:nvPr>
+              <p:extLst>
+                <p:ext uri="{386F3935-93C4-4BCD-93E2-E3B085C9AB24}">
+                  <p16:designElem xmlns:p16="http://schemas.microsoft.com/office/powerpoint/2015/main" val="1"/>
+                </p:ext>
+              </p:extLst>
+            </p:nvPr>
+          </p:nvSpPr>
+          <p:spPr>
+            <a:xfrm rot="12600000">
+              <a:off x="10150845" y="4270841"/>
+              <a:ext cx="1897885" cy="1897885"/>
+            </a:xfrm>
+            <a:prstGeom prst="ellipse">
+              <a:avLst/>
+            </a:prstGeom>
+            <a:gradFill>
+              <a:gsLst>
+                <a:gs pos="0">
+                  <a:schemeClr val="tx2">
+                    <a:lumMod val="75000"/>
+                    <a:alpha val="10000"/>
+                  </a:schemeClr>
+                </a:gs>
+                <a:gs pos="100000">
+                  <a:schemeClr val="tx2">
+                    <a:lumMod val="75000"/>
+                    <a:alpha val="20000"/>
+                  </a:schemeClr>
+                </a:gs>
+              </a:gsLst>
+              <a:lin ang="5400000" scaled="1"/>
+            </a:gradFill>
+            <a:ln>
+              <a:noFill/>
+            </a:ln>
+          </p:spPr>
+          <p:style>
+            <a:lnRef idx="2">
+              <a:schemeClr val="accent1">
+                <a:shade val="50000"/>
+              </a:schemeClr>
+            </a:lnRef>
+            <a:fillRef idx="1">
+              <a:schemeClr val="accent1"/>
+            </a:fillRef>
+            <a:effectRef idx="0">
+              <a:schemeClr val="accent1"/>
+            </a:effectRef>
+            <a:fontRef idx="minor">
+              <a:schemeClr val="lt1"/>
+            </a:fontRef>
+          </p:style>
+          <p:txBody>
+            <a:bodyPr rtlCol="0" anchor="ctr"/>
+            <a:lstStyle/>
+            <a:p>
+              <a:pPr algn="ctr"/>
+              <a:endParaRPr lang="en-US" dirty="0"/>
+            </a:p>
+          </p:txBody>
+        </p:sp>
+        <p:sp>
+          <p:nvSpPr>
+            <p:cNvPr id="17" name="Oval 16">
+              <a:extLst>
+                <a:ext uri="{FF2B5EF4-FFF2-40B4-BE49-F238E27FC236}">
+                  <a16:creationId xmlns:a16="http://schemas.microsoft.com/office/drawing/2014/main" id="{CAE3418C-CD44-4A66-968D-2E0A651B3037}"/>
+                </a:ext>
+                <a:ext uri="{C183D7F6-B498-43B3-948B-1728B52AA6E4}">
+                  <adec:decorative xmlns:adec="http://schemas.microsoft.com/office/drawing/2017/decorative" val="1"/>
+                </a:ext>
+              </a:extLst>
+            </p:cNvPr>
+            <p:cNvSpPr/>
+            <p:nvPr>
+              <p:extLst>
+                <p:ext uri="{386F3935-93C4-4BCD-93E2-E3B085C9AB24}">
+                  <p16:designElem xmlns:p16="http://schemas.microsoft.com/office/powerpoint/2015/main" val="1"/>
+                </p:ext>
+              </p:extLst>
+            </p:nvPr>
+          </p:nvSpPr>
+          <p:spPr>
+            <a:xfrm rot="4500000">
+              <a:off x="2046780" y="3040492"/>
+              <a:ext cx="2579322" cy="2579322"/>
+            </a:xfrm>
+            <a:prstGeom prst="ellipse">
+              <a:avLst/>
+            </a:prstGeom>
+            <a:noFill/>
+            <a:ln w="31750">
+              <a:gradFill>
+                <a:gsLst>
+                  <a:gs pos="0">
+                    <a:schemeClr val="tx2">
+                      <a:lumMod val="60000"/>
+                      <a:lumOff val="40000"/>
+                      <a:alpha val="20000"/>
+                    </a:schemeClr>
+                  </a:gs>
+                  <a:gs pos="100000">
+                    <a:schemeClr val="tx2">
+                      <a:lumMod val="50000"/>
+                      <a:alpha val="20000"/>
+                    </a:schemeClr>
+                  </a:gs>
+                </a:gsLst>
+                <a:lin ang="5400000" scaled="1"/>
+              </a:gradFill>
+              <a:prstDash val="sysDot"/>
+            </a:ln>
+          </p:spPr>
+          <p:style>
+            <a:lnRef idx="2">
+              <a:schemeClr val="accent1">
+                <a:shade val="50000"/>
+              </a:schemeClr>
+            </a:lnRef>
+            <a:fillRef idx="1">
+              <a:schemeClr val="accent1"/>
+            </a:fillRef>
+            <a:effectRef idx="0">
+              <a:schemeClr val="accent1"/>
+            </a:effectRef>
+            <a:fontRef idx="minor">
+              <a:schemeClr val="lt1"/>
+            </a:fontRef>
+          </p:style>
+          <p:txBody>
+            <a:bodyPr rtlCol="0" anchor="ctr"/>
+            <a:lstStyle/>
+            <a:p>
+              <a:pPr algn="ctr"/>
+              <a:endParaRPr lang="en-US"/>
+            </a:p>
+          </p:txBody>
+        </p:sp>
+        <p:sp>
+          <p:nvSpPr>
+            <p:cNvPr id="18" name="Oval 17">
+              <a:extLst>
+                <a:ext uri="{FF2B5EF4-FFF2-40B4-BE49-F238E27FC236}">
+                  <a16:creationId xmlns:a16="http://schemas.microsoft.com/office/drawing/2014/main" id="{CCE5F57F-7C8B-4F4D-8F22-776FC424E52D}"/>
+                </a:ext>
+                <a:ext uri="{C183D7F6-B498-43B3-948B-1728B52AA6E4}">
+                  <adec:decorative xmlns:adec="http://schemas.microsoft.com/office/drawing/2017/decorative" val="1"/>
+                </a:ext>
+              </a:extLst>
+            </p:cNvPr>
+            <p:cNvSpPr/>
+            <p:nvPr>
+              <p:extLst>
+                <p:ext uri="{386F3935-93C4-4BCD-93E2-E3B085C9AB24}">
+                  <p16:designElem xmlns:p16="http://schemas.microsoft.com/office/powerpoint/2015/main" val="1"/>
+                </p:ext>
+              </p:extLst>
+            </p:nvPr>
+          </p:nvSpPr>
+          <p:spPr>
+            <a:xfrm rot="4500000">
+              <a:off x="2224640" y="3193975"/>
+              <a:ext cx="2243193" cy="2243193"/>
+            </a:xfrm>
+            <a:prstGeom prst="ellipse">
+              <a:avLst/>
+            </a:prstGeom>
+            <a:noFill/>
+            <a:ln w="31750">
+              <a:gradFill>
+                <a:gsLst>
+                  <a:gs pos="0">
+                    <a:schemeClr val="tx2">
+                      <a:lumMod val="60000"/>
+                      <a:lumOff val="40000"/>
+                      <a:alpha val="10000"/>
+                    </a:schemeClr>
+                  </a:gs>
+                  <a:gs pos="100000">
+                    <a:schemeClr val="tx2">
+                      <a:lumMod val="50000"/>
+                      <a:alpha val="10000"/>
+                    </a:schemeClr>
+                  </a:gs>
+                </a:gsLst>
+                <a:lin ang="5400000" scaled="1"/>
+              </a:gradFill>
+            </a:ln>
+          </p:spPr>
+          <p:style>
+            <a:lnRef idx="2">
+              <a:schemeClr val="accent1">
+                <a:shade val="50000"/>
+              </a:schemeClr>
+            </a:lnRef>
+            <a:fillRef idx="1">
+              <a:schemeClr val="accent1"/>
+            </a:fillRef>
+            <a:effectRef idx="0">
+              <a:schemeClr val="accent1"/>
+            </a:effectRef>
+            <a:fontRef idx="minor">
+              <a:schemeClr val="lt1"/>
+            </a:fontRef>
+          </p:style>
+          <p:txBody>
+            <a:bodyPr rtlCol="0" anchor="ctr"/>
+            <a:lstStyle/>
+            <a:p>
+              <a:pPr algn="ctr"/>
+              <a:endParaRPr lang="en-US"/>
+            </a:p>
+          </p:txBody>
+        </p:sp>
+      </p:grpSp>
+      <p:sp>
+        <p:nvSpPr>
           <p:cNvPr id="2" name="제목 1">
             <a:extLst>
               <a:ext uri="{FF2B5EF4-FFF2-40B4-BE49-F238E27FC236}">
@@ -6362,18 +13039,804 @@
             <p:ph type="title"/>
           </p:nvPr>
         </p:nvSpPr>
-        <p:spPr/>
+        <p:spPr>
+          <a:xfrm>
+            <a:off x="630936" y="630935"/>
+            <a:ext cx="5465064" cy="2912366"/>
+          </a:xfrm>
+          <a:noFill/>
+        </p:spPr>
         <p:txBody>
-          <a:bodyPr/>
+          <a:bodyPr anchor="t">
+            <a:normAutofit/>
+          </a:bodyPr>
           <a:lstStyle/>
           <a:p>
             <a:r>
-              <a:rPr lang="ko-KR" altLang="en-US" dirty="0"/>
+              <a:rPr lang="ko-KR" altLang="en-US" sz="4800">
+                <a:solidFill>
+                  <a:schemeClr val="bg1"/>
+                </a:solidFill>
+              </a:rPr>
               <a:t>컬럼 특이사항</a:t>
             </a:r>
           </a:p>
         </p:txBody>
       </p:sp>
+      <p:sp>
+        <p:nvSpPr>
+          <p:cNvPr id="20" name="Rectangle 19">
+            <a:extLst>
+              <a:ext uri="{FF2B5EF4-FFF2-40B4-BE49-F238E27FC236}">
+                <a16:creationId xmlns:a16="http://schemas.microsoft.com/office/drawing/2014/main" id="{14925E00-1519-483D-BEDE-3DB840745A7C}"/>
+              </a:ext>
+              <a:ext uri="{C183D7F6-B498-43B3-948B-1728B52AA6E4}">
+                <adec:decorative xmlns:adec="http://schemas.microsoft.com/office/drawing/2017/decorative" val="1"/>
+              </a:ext>
+            </a:extLst>
+          </p:cNvPr>
+          <p:cNvSpPr>
+            <a:spLocks noGrp="1" noRot="1" noChangeAspect="1" noMove="1" noResize="1" noEditPoints="1" noAdjustHandles="1" noChangeArrowheads="1" noChangeShapeType="1" noTextEdit="1"/>
+          </p:cNvSpPr>
+          <p:nvPr>
+            <p:extLst>
+              <p:ext uri="{386F3935-93C4-4BCD-93E2-E3B085C9AB24}">
+                <p16:designElem xmlns:p16="http://schemas.microsoft.com/office/powerpoint/2015/main" val="1"/>
+              </p:ext>
+            </p:extLst>
+          </p:nvPr>
+        </p:nvSpPr>
+        <p:spPr>
+          <a:xfrm rot="16200000">
+            <a:off x="10438146" y="1042605"/>
+            <a:ext cx="2796461" cy="711252"/>
+          </a:xfrm>
+          <a:prstGeom prst="rect">
+            <a:avLst/>
+          </a:prstGeom>
+          <a:gradFill flip="none" rotWithShape="1">
+            <a:gsLst>
+              <a:gs pos="0">
+                <a:schemeClr val="tx2">
+                  <a:lumMod val="40000"/>
+                  <a:lumOff val="60000"/>
+                  <a:alpha val="0"/>
+                </a:schemeClr>
+              </a:gs>
+              <a:gs pos="100000">
+                <a:schemeClr val="tx2">
+                  <a:lumMod val="75000"/>
+                  <a:alpha val="10000"/>
+                </a:schemeClr>
+              </a:gs>
+            </a:gsLst>
+            <a:lin ang="8400000" scaled="0"/>
+            <a:tileRect/>
+          </a:gradFill>
+          <a:ln>
+            <a:noFill/>
+          </a:ln>
+        </p:spPr>
+        <p:style>
+          <a:lnRef idx="2">
+            <a:schemeClr val="accent1">
+              <a:shade val="50000"/>
+            </a:schemeClr>
+          </a:lnRef>
+          <a:fillRef idx="1">
+            <a:schemeClr val="accent1"/>
+          </a:fillRef>
+          <a:effectRef idx="0">
+            <a:schemeClr val="accent1"/>
+          </a:effectRef>
+          <a:fontRef idx="minor">
+            <a:schemeClr val="lt1"/>
+          </a:fontRef>
+        </p:style>
+        <p:txBody>
+          <a:bodyPr rtlCol="0" anchor="ctr"/>
+          <a:lstStyle/>
+          <a:p>
+            <a:pPr algn="ctr"/>
+            <a:endParaRPr lang="en-US"/>
+          </a:p>
+        </p:txBody>
+      </p:sp>
+      <p:grpSp>
+        <p:nvGrpSpPr>
+          <p:cNvPr id="22" name="Group 21">
+            <a:extLst>
+              <a:ext uri="{FF2B5EF4-FFF2-40B4-BE49-F238E27FC236}">
+                <a16:creationId xmlns:a16="http://schemas.microsoft.com/office/drawing/2014/main" id="{D86A47AA-3999-4EE6-BC5C-502DAE57FE1A}"/>
+              </a:ext>
+              <a:ext uri="{C183D7F6-B498-43B3-948B-1728B52AA6E4}">
+                <adec:decorative xmlns:adec="http://schemas.microsoft.com/office/drawing/2017/decorative" val="1"/>
+              </a:ext>
+            </a:extLst>
+          </p:cNvPr>
+          <p:cNvGrpSpPr>
+            <a:grpSpLocks noGrp="1" noUngrp="1" noRot="1" noChangeAspect="1" noMove="1" noResize="1"/>
+          </p:cNvGrpSpPr>
+          <p:nvPr>
+            <p:extLst>
+              <p:ext uri="{386F3935-93C4-4BCD-93E2-E3B085C9AB24}">
+                <p16:designElem xmlns:p16="http://schemas.microsoft.com/office/powerpoint/2015/main" val="1"/>
+              </p:ext>
+            </p:extLst>
+          </p:nvPr>
+        </p:nvGrpSpPr>
+        <p:grpSpPr>
+          <a:xfrm>
+            <a:off x="11259539" y="317578"/>
+            <a:ext cx="548640" cy="549007"/>
+            <a:chOff x="7029447" y="3514725"/>
+            <a:chExt cx="1285875" cy="549007"/>
+          </a:xfrm>
+        </p:grpSpPr>
+        <p:cxnSp>
+          <p:nvCxnSpPr>
+            <p:cNvPr id="23" name="Straight Connector 22">
+              <a:extLst>
+                <a:ext uri="{FF2B5EF4-FFF2-40B4-BE49-F238E27FC236}">
+                  <a16:creationId xmlns:a16="http://schemas.microsoft.com/office/drawing/2014/main" id="{261D1278-3E86-430E-AC17-ECC407520BC1}"/>
+                </a:ext>
+                <a:ext uri="{C183D7F6-B498-43B3-948B-1728B52AA6E4}">
+                  <adec:decorative xmlns:adec="http://schemas.microsoft.com/office/drawing/2017/decorative" val="1"/>
+                </a:ext>
+              </a:extLst>
+            </p:cNvPr>
+            <p:cNvCxnSpPr>
+              <a:cxnSpLocks/>
+            </p:cNvCxnSpPr>
+            <p:nvPr>
+              <p:extLst>
+                <p:ext uri="{386F3935-93C4-4BCD-93E2-E3B085C9AB24}">
+                  <p16:designElem xmlns:p16="http://schemas.microsoft.com/office/powerpoint/2015/main" val="1"/>
+                </p:ext>
+              </p:extLst>
+            </p:nvPr>
+          </p:nvCxnSpPr>
+          <p:spPr>
+            <a:xfrm>
+              <a:off x="7029447" y="3514725"/>
+              <a:ext cx="1285875" cy="0"/>
+            </a:xfrm>
+            <a:prstGeom prst="line">
+              <a:avLst/>
+            </a:prstGeom>
+            <a:ln w="31750" cap="rnd" cmpd="sng">
+              <a:gradFill>
+                <a:gsLst>
+                  <a:gs pos="0">
+                    <a:schemeClr val="tx2">
+                      <a:lumMod val="60000"/>
+                      <a:lumOff val="40000"/>
+                      <a:alpha val="40000"/>
+                    </a:schemeClr>
+                  </a:gs>
+                  <a:gs pos="100000">
+                    <a:schemeClr val="tx2">
+                      <a:lumMod val="75000"/>
+                      <a:alpha val="40000"/>
+                    </a:schemeClr>
+                  </a:gs>
+                </a:gsLst>
+                <a:lin ang="5400000" scaled="1"/>
+              </a:gradFill>
+              <a:prstDash val="sysDot"/>
+              <a:round/>
+            </a:ln>
+          </p:spPr>
+          <p:style>
+            <a:lnRef idx="1">
+              <a:schemeClr val="accent1"/>
+            </a:lnRef>
+            <a:fillRef idx="0">
+              <a:schemeClr val="accent1"/>
+            </a:fillRef>
+            <a:effectRef idx="0">
+              <a:schemeClr val="accent1"/>
+            </a:effectRef>
+            <a:fontRef idx="minor">
+              <a:schemeClr val="tx1"/>
+            </a:fontRef>
+          </p:style>
+        </p:cxnSp>
+        <p:cxnSp>
+          <p:nvCxnSpPr>
+            <p:cNvPr id="24" name="Straight Connector 23">
+              <a:extLst>
+                <a:ext uri="{FF2B5EF4-FFF2-40B4-BE49-F238E27FC236}">
+                  <a16:creationId xmlns:a16="http://schemas.microsoft.com/office/drawing/2014/main" id="{A6A6D283-6CA9-43BF-B874-D4398E7BB251}"/>
+                </a:ext>
+                <a:ext uri="{C183D7F6-B498-43B3-948B-1728B52AA6E4}">
+                  <adec:decorative xmlns:adec="http://schemas.microsoft.com/office/drawing/2017/decorative" val="1"/>
+                </a:ext>
+              </a:extLst>
+            </p:cNvPr>
+            <p:cNvCxnSpPr>
+              <a:cxnSpLocks/>
+            </p:cNvCxnSpPr>
+            <p:nvPr>
+              <p:extLst>
+                <p:ext uri="{386F3935-93C4-4BCD-93E2-E3B085C9AB24}">
+                  <p16:designElem xmlns:p16="http://schemas.microsoft.com/office/powerpoint/2015/main" val="1"/>
+                </p:ext>
+              </p:extLst>
+            </p:nvPr>
+          </p:nvCxnSpPr>
+          <p:spPr>
+            <a:xfrm>
+              <a:off x="7029447" y="3697727"/>
+              <a:ext cx="1285875" cy="0"/>
+            </a:xfrm>
+            <a:prstGeom prst="line">
+              <a:avLst/>
+            </a:prstGeom>
+            <a:ln w="31750" cap="rnd" cmpd="sng">
+              <a:gradFill>
+                <a:gsLst>
+                  <a:gs pos="0">
+                    <a:schemeClr val="tx2">
+                      <a:lumMod val="60000"/>
+                      <a:lumOff val="40000"/>
+                      <a:alpha val="40000"/>
+                    </a:schemeClr>
+                  </a:gs>
+                  <a:gs pos="100000">
+                    <a:schemeClr val="tx2">
+                      <a:lumMod val="75000"/>
+                      <a:alpha val="40000"/>
+                    </a:schemeClr>
+                  </a:gs>
+                </a:gsLst>
+                <a:lin ang="5400000" scaled="1"/>
+              </a:gradFill>
+              <a:prstDash val="sysDot"/>
+              <a:round/>
+            </a:ln>
+          </p:spPr>
+          <p:style>
+            <a:lnRef idx="1">
+              <a:schemeClr val="accent1"/>
+            </a:lnRef>
+            <a:fillRef idx="0">
+              <a:schemeClr val="accent1"/>
+            </a:fillRef>
+            <a:effectRef idx="0">
+              <a:schemeClr val="accent1"/>
+            </a:effectRef>
+            <a:fontRef idx="minor">
+              <a:schemeClr val="tx1"/>
+            </a:fontRef>
+          </p:style>
+        </p:cxnSp>
+        <p:cxnSp>
+          <p:nvCxnSpPr>
+            <p:cNvPr id="25" name="Straight Connector 24">
+              <a:extLst>
+                <a:ext uri="{FF2B5EF4-FFF2-40B4-BE49-F238E27FC236}">
+                  <a16:creationId xmlns:a16="http://schemas.microsoft.com/office/drawing/2014/main" id="{6B0A4FFB-2DB0-4461-87AD-20DBE6BCE715}"/>
+                </a:ext>
+                <a:ext uri="{C183D7F6-B498-43B3-948B-1728B52AA6E4}">
+                  <adec:decorative xmlns:adec="http://schemas.microsoft.com/office/drawing/2017/decorative" val="1"/>
+                </a:ext>
+              </a:extLst>
+            </p:cNvPr>
+            <p:cNvCxnSpPr>
+              <a:cxnSpLocks/>
+            </p:cNvCxnSpPr>
+            <p:nvPr>
+              <p:extLst>
+                <p:ext uri="{386F3935-93C4-4BCD-93E2-E3B085C9AB24}">
+                  <p16:designElem xmlns:p16="http://schemas.microsoft.com/office/powerpoint/2015/main" val="1"/>
+                </p:ext>
+              </p:extLst>
+            </p:nvPr>
+          </p:nvCxnSpPr>
+          <p:spPr>
+            <a:xfrm>
+              <a:off x="7029447" y="3880729"/>
+              <a:ext cx="1285875" cy="0"/>
+            </a:xfrm>
+            <a:prstGeom prst="line">
+              <a:avLst/>
+            </a:prstGeom>
+            <a:ln w="31750" cap="rnd" cmpd="sng">
+              <a:gradFill>
+                <a:gsLst>
+                  <a:gs pos="0">
+                    <a:schemeClr val="tx2">
+                      <a:lumMod val="60000"/>
+                      <a:lumOff val="40000"/>
+                      <a:alpha val="40000"/>
+                    </a:schemeClr>
+                  </a:gs>
+                  <a:gs pos="100000">
+                    <a:schemeClr val="tx2">
+                      <a:lumMod val="75000"/>
+                      <a:alpha val="40000"/>
+                    </a:schemeClr>
+                  </a:gs>
+                </a:gsLst>
+                <a:lin ang="5400000" scaled="1"/>
+              </a:gradFill>
+              <a:prstDash val="sysDot"/>
+              <a:round/>
+            </a:ln>
+          </p:spPr>
+          <p:style>
+            <a:lnRef idx="1">
+              <a:schemeClr val="accent1"/>
+            </a:lnRef>
+            <a:fillRef idx="0">
+              <a:schemeClr val="accent1"/>
+            </a:fillRef>
+            <a:effectRef idx="0">
+              <a:schemeClr val="accent1"/>
+            </a:effectRef>
+            <a:fontRef idx="minor">
+              <a:schemeClr val="tx1"/>
+            </a:fontRef>
+          </p:style>
+        </p:cxnSp>
+        <p:cxnSp>
+          <p:nvCxnSpPr>
+            <p:cNvPr id="26" name="Straight Connector 25">
+              <a:extLst>
+                <a:ext uri="{FF2B5EF4-FFF2-40B4-BE49-F238E27FC236}">
+                  <a16:creationId xmlns:a16="http://schemas.microsoft.com/office/drawing/2014/main" id="{438731F8-C740-4802-8967-656BE04E9463}"/>
+                </a:ext>
+                <a:ext uri="{C183D7F6-B498-43B3-948B-1728B52AA6E4}">
+                  <adec:decorative xmlns:adec="http://schemas.microsoft.com/office/drawing/2017/decorative" val="1"/>
+                </a:ext>
+              </a:extLst>
+            </p:cNvPr>
+            <p:cNvCxnSpPr>
+              <a:cxnSpLocks/>
+            </p:cNvCxnSpPr>
+            <p:nvPr>
+              <p:extLst>
+                <p:ext uri="{386F3935-93C4-4BCD-93E2-E3B085C9AB24}">
+                  <p16:designElem xmlns:p16="http://schemas.microsoft.com/office/powerpoint/2015/main" val="1"/>
+                </p:ext>
+              </p:extLst>
+            </p:nvPr>
+          </p:nvCxnSpPr>
+          <p:spPr>
+            <a:xfrm>
+              <a:off x="7029447" y="4063732"/>
+              <a:ext cx="1285875" cy="0"/>
+            </a:xfrm>
+            <a:prstGeom prst="line">
+              <a:avLst/>
+            </a:prstGeom>
+            <a:ln w="31750" cap="rnd" cmpd="sng">
+              <a:gradFill>
+                <a:gsLst>
+                  <a:gs pos="0">
+                    <a:schemeClr val="tx2">
+                      <a:lumMod val="60000"/>
+                      <a:lumOff val="40000"/>
+                      <a:alpha val="40000"/>
+                    </a:schemeClr>
+                  </a:gs>
+                  <a:gs pos="100000">
+                    <a:schemeClr val="tx2">
+                      <a:lumMod val="75000"/>
+                      <a:alpha val="40000"/>
+                    </a:schemeClr>
+                  </a:gs>
+                </a:gsLst>
+                <a:lin ang="5400000" scaled="1"/>
+              </a:gradFill>
+              <a:prstDash val="sysDot"/>
+              <a:round/>
+            </a:ln>
+          </p:spPr>
+          <p:style>
+            <a:lnRef idx="1">
+              <a:schemeClr val="accent1"/>
+            </a:lnRef>
+            <a:fillRef idx="0">
+              <a:schemeClr val="accent1"/>
+            </a:fillRef>
+            <a:effectRef idx="0">
+              <a:schemeClr val="accent1"/>
+            </a:effectRef>
+            <a:fontRef idx="minor">
+              <a:schemeClr val="tx1"/>
+            </a:fontRef>
+          </p:style>
+        </p:cxnSp>
+      </p:grpSp>
+      <p:sp>
+        <p:nvSpPr>
+          <p:cNvPr id="28" name="Rectangle 27">
+            <a:extLst>
+              <a:ext uri="{FF2B5EF4-FFF2-40B4-BE49-F238E27FC236}">
+                <a16:creationId xmlns:a16="http://schemas.microsoft.com/office/drawing/2014/main" id="{AC26F14B-F98B-4B7D-AF0B-24D840F67A5C}"/>
+              </a:ext>
+              <a:ext uri="{C183D7F6-B498-43B3-948B-1728B52AA6E4}">
+                <adec:decorative xmlns:adec="http://schemas.microsoft.com/office/drawing/2017/decorative" val="1"/>
+              </a:ext>
+            </a:extLst>
+          </p:cNvPr>
+          <p:cNvSpPr>
+            <a:spLocks noGrp="1" noRot="1" noChangeAspect="1" noMove="1" noResize="1" noEditPoints="1" noAdjustHandles="1" noChangeArrowheads="1" noChangeShapeType="1" noTextEdit="1"/>
+          </p:cNvSpPr>
+          <p:nvPr>
+            <p:extLst>
+              <p:ext uri="{386F3935-93C4-4BCD-93E2-E3B085C9AB24}">
+                <p16:designElem xmlns:p16="http://schemas.microsoft.com/office/powerpoint/2015/main" val="1"/>
+              </p:ext>
+            </p:extLst>
+          </p:nvPr>
+        </p:nvSpPr>
+        <p:spPr>
+          <a:xfrm rot="10800000">
+            <a:off x="-1" y="6140785"/>
+            <a:ext cx="6095997" cy="711252"/>
+          </a:xfrm>
+          <a:prstGeom prst="rect">
+            <a:avLst/>
+          </a:prstGeom>
+          <a:gradFill flip="none" rotWithShape="1">
+            <a:gsLst>
+              <a:gs pos="10000">
+                <a:schemeClr val="tx2">
+                  <a:lumMod val="50000"/>
+                  <a:alpha val="10000"/>
+                </a:schemeClr>
+              </a:gs>
+              <a:gs pos="100000">
+                <a:schemeClr val="tx2">
+                  <a:lumMod val="60000"/>
+                  <a:lumOff val="40000"/>
+                  <a:alpha val="0"/>
+                </a:schemeClr>
+              </a:gs>
+            </a:gsLst>
+            <a:lin ang="8400000" scaled="0"/>
+            <a:tileRect/>
+          </a:gradFill>
+          <a:ln>
+            <a:noFill/>
+          </a:ln>
+        </p:spPr>
+        <p:style>
+          <a:lnRef idx="2">
+            <a:schemeClr val="accent1">
+              <a:shade val="50000"/>
+            </a:schemeClr>
+          </a:lnRef>
+          <a:fillRef idx="1">
+            <a:schemeClr val="accent1"/>
+          </a:fillRef>
+          <a:effectRef idx="0">
+            <a:schemeClr val="accent1"/>
+          </a:effectRef>
+          <a:fontRef idx="minor">
+            <a:schemeClr val="lt1"/>
+          </a:fontRef>
+        </p:style>
+        <p:txBody>
+          <a:bodyPr rtlCol="0" anchor="ctr"/>
+          <a:lstStyle/>
+          <a:p>
+            <a:pPr algn="ctr"/>
+            <a:endParaRPr lang="en-US"/>
+          </a:p>
+        </p:txBody>
+      </p:sp>
+      <p:grpSp>
+        <p:nvGrpSpPr>
+          <p:cNvPr id="30" name="Group 29">
+            <a:extLst>
+              <a:ext uri="{FF2B5EF4-FFF2-40B4-BE49-F238E27FC236}">
+                <a16:creationId xmlns:a16="http://schemas.microsoft.com/office/drawing/2014/main" id="{CA745027-6B11-4363-8A2E-CB8EB38EBA95}"/>
+              </a:ext>
+              <a:ext uri="{C183D7F6-B498-43B3-948B-1728B52AA6E4}">
+                <adec:decorative xmlns:adec="http://schemas.microsoft.com/office/drawing/2017/decorative" val="1"/>
+              </a:ext>
+            </a:extLst>
+          </p:cNvPr>
+          <p:cNvGrpSpPr>
+            <a:grpSpLocks noGrp="1" noUngrp="1" noRot="1" noChangeAspect="1" noMove="1" noResize="1"/>
+          </p:cNvGrpSpPr>
+          <p:nvPr>
+            <p:extLst>
+              <p:ext uri="{386F3935-93C4-4BCD-93E2-E3B085C9AB24}">
+                <p16:designElem xmlns:p16="http://schemas.microsoft.com/office/powerpoint/2015/main" val="1"/>
+              </p:ext>
+            </p:extLst>
+          </p:nvPr>
+        </p:nvGrpSpPr>
+        <p:grpSpPr>
+          <a:xfrm rot="5400000">
+            <a:off x="616345" y="5940560"/>
+            <a:ext cx="1285875" cy="549007"/>
+            <a:chOff x="7029447" y="3514725"/>
+            <a:chExt cx="1285875" cy="549007"/>
+          </a:xfrm>
+        </p:grpSpPr>
+        <p:cxnSp>
+          <p:nvCxnSpPr>
+            <p:cNvPr id="31" name="Straight Connector 30">
+              <a:extLst>
+                <a:ext uri="{FF2B5EF4-FFF2-40B4-BE49-F238E27FC236}">
+                  <a16:creationId xmlns:a16="http://schemas.microsoft.com/office/drawing/2014/main" id="{BA55DA09-A260-44A9-B1D9-FAC678AD81AF}"/>
+                </a:ext>
+                <a:ext uri="{C183D7F6-B498-43B3-948B-1728B52AA6E4}">
+                  <adec:decorative xmlns:adec="http://schemas.microsoft.com/office/drawing/2017/decorative" val="1"/>
+                </a:ext>
+              </a:extLst>
+            </p:cNvPr>
+            <p:cNvCxnSpPr>
+              <a:cxnSpLocks/>
+            </p:cNvCxnSpPr>
+            <p:nvPr>
+              <p:extLst>
+                <p:ext uri="{386F3935-93C4-4BCD-93E2-E3B085C9AB24}">
+                  <p16:designElem xmlns:p16="http://schemas.microsoft.com/office/powerpoint/2015/main" val="1"/>
+                </p:ext>
+              </p:extLst>
+            </p:nvPr>
+          </p:nvCxnSpPr>
+          <p:spPr>
+            <a:xfrm>
+              <a:off x="7029447" y="3514725"/>
+              <a:ext cx="1285875" cy="0"/>
+            </a:xfrm>
+            <a:prstGeom prst="line">
+              <a:avLst/>
+            </a:prstGeom>
+            <a:ln w="31750" cap="rnd" cmpd="sng">
+              <a:gradFill>
+                <a:gsLst>
+                  <a:gs pos="0">
+                    <a:schemeClr val="tx2">
+                      <a:lumMod val="60000"/>
+                      <a:lumOff val="40000"/>
+                      <a:alpha val="40000"/>
+                    </a:schemeClr>
+                  </a:gs>
+                  <a:gs pos="100000">
+                    <a:schemeClr val="tx2">
+                      <a:lumMod val="50000"/>
+                      <a:alpha val="40000"/>
+                    </a:schemeClr>
+                  </a:gs>
+                </a:gsLst>
+                <a:lin ang="5400000" scaled="1"/>
+              </a:gradFill>
+              <a:prstDash val="sysDot"/>
+              <a:round/>
+            </a:ln>
+          </p:spPr>
+          <p:style>
+            <a:lnRef idx="1">
+              <a:schemeClr val="accent1"/>
+            </a:lnRef>
+            <a:fillRef idx="0">
+              <a:schemeClr val="accent1"/>
+            </a:fillRef>
+            <a:effectRef idx="0">
+              <a:schemeClr val="accent1"/>
+            </a:effectRef>
+            <a:fontRef idx="minor">
+              <a:schemeClr val="tx1"/>
+            </a:fontRef>
+          </p:style>
+        </p:cxnSp>
+        <p:cxnSp>
+          <p:nvCxnSpPr>
+            <p:cNvPr id="32" name="Straight Connector 31">
+              <a:extLst>
+                <a:ext uri="{FF2B5EF4-FFF2-40B4-BE49-F238E27FC236}">
+                  <a16:creationId xmlns:a16="http://schemas.microsoft.com/office/drawing/2014/main" id="{40D6225A-20C6-43EE-9E11-2D9FC119253A}"/>
+                </a:ext>
+                <a:ext uri="{C183D7F6-B498-43B3-948B-1728B52AA6E4}">
+                  <adec:decorative xmlns:adec="http://schemas.microsoft.com/office/drawing/2017/decorative" val="1"/>
+                </a:ext>
+              </a:extLst>
+            </p:cNvPr>
+            <p:cNvCxnSpPr>
+              <a:cxnSpLocks/>
+            </p:cNvCxnSpPr>
+            <p:nvPr>
+              <p:extLst>
+                <p:ext uri="{386F3935-93C4-4BCD-93E2-E3B085C9AB24}">
+                  <p16:designElem xmlns:p16="http://schemas.microsoft.com/office/powerpoint/2015/main" val="1"/>
+                </p:ext>
+              </p:extLst>
+            </p:nvPr>
+          </p:nvCxnSpPr>
+          <p:spPr>
+            <a:xfrm>
+              <a:off x="7029447" y="3697727"/>
+              <a:ext cx="1285875" cy="0"/>
+            </a:xfrm>
+            <a:prstGeom prst="line">
+              <a:avLst/>
+            </a:prstGeom>
+            <a:ln w="31750" cap="rnd" cmpd="sng">
+              <a:gradFill>
+                <a:gsLst>
+                  <a:gs pos="0">
+                    <a:schemeClr val="tx2">
+                      <a:lumMod val="60000"/>
+                      <a:lumOff val="40000"/>
+                      <a:alpha val="40000"/>
+                    </a:schemeClr>
+                  </a:gs>
+                  <a:gs pos="100000">
+                    <a:schemeClr val="tx2">
+                      <a:lumMod val="50000"/>
+                      <a:alpha val="40000"/>
+                    </a:schemeClr>
+                  </a:gs>
+                </a:gsLst>
+                <a:lin ang="5400000" scaled="1"/>
+              </a:gradFill>
+              <a:prstDash val="sysDot"/>
+              <a:round/>
+            </a:ln>
+          </p:spPr>
+          <p:style>
+            <a:lnRef idx="1">
+              <a:schemeClr val="accent1"/>
+            </a:lnRef>
+            <a:fillRef idx="0">
+              <a:schemeClr val="accent1"/>
+            </a:fillRef>
+            <a:effectRef idx="0">
+              <a:schemeClr val="accent1"/>
+            </a:effectRef>
+            <a:fontRef idx="minor">
+              <a:schemeClr val="tx1"/>
+            </a:fontRef>
+          </p:style>
+        </p:cxnSp>
+        <p:cxnSp>
+          <p:nvCxnSpPr>
+            <p:cNvPr id="33" name="Straight Connector 32">
+              <a:extLst>
+                <a:ext uri="{FF2B5EF4-FFF2-40B4-BE49-F238E27FC236}">
+                  <a16:creationId xmlns:a16="http://schemas.microsoft.com/office/drawing/2014/main" id="{2F11E7EE-ABBB-40C5-AD9F-7228BA656C58}"/>
+                </a:ext>
+                <a:ext uri="{C183D7F6-B498-43B3-948B-1728B52AA6E4}">
+                  <adec:decorative xmlns:adec="http://schemas.microsoft.com/office/drawing/2017/decorative" val="1"/>
+                </a:ext>
+              </a:extLst>
+            </p:cNvPr>
+            <p:cNvCxnSpPr>
+              <a:cxnSpLocks/>
+            </p:cNvCxnSpPr>
+            <p:nvPr>
+              <p:extLst>
+                <p:ext uri="{386F3935-93C4-4BCD-93E2-E3B085C9AB24}">
+                  <p16:designElem xmlns:p16="http://schemas.microsoft.com/office/powerpoint/2015/main" val="1"/>
+                </p:ext>
+              </p:extLst>
+            </p:nvPr>
+          </p:nvCxnSpPr>
+          <p:spPr>
+            <a:xfrm>
+              <a:off x="7029447" y="3880729"/>
+              <a:ext cx="1285875" cy="0"/>
+            </a:xfrm>
+            <a:prstGeom prst="line">
+              <a:avLst/>
+            </a:prstGeom>
+            <a:ln w="31750" cap="rnd" cmpd="sng">
+              <a:gradFill>
+                <a:gsLst>
+                  <a:gs pos="0">
+                    <a:schemeClr val="tx2">
+                      <a:lumMod val="60000"/>
+                      <a:lumOff val="40000"/>
+                      <a:alpha val="40000"/>
+                    </a:schemeClr>
+                  </a:gs>
+                  <a:gs pos="100000">
+                    <a:schemeClr val="tx2">
+                      <a:lumMod val="50000"/>
+                      <a:alpha val="40000"/>
+                    </a:schemeClr>
+                  </a:gs>
+                </a:gsLst>
+                <a:lin ang="5400000" scaled="1"/>
+              </a:gradFill>
+              <a:prstDash val="sysDot"/>
+              <a:round/>
+            </a:ln>
+          </p:spPr>
+          <p:style>
+            <a:lnRef idx="1">
+              <a:schemeClr val="accent1"/>
+            </a:lnRef>
+            <a:fillRef idx="0">
+              <a:schemeClr val="accent1"/>
+            </a:fillRef>
+            <a:effectRef idx="0">
+              <a:schemeClr val="accent1"/>
+            </a:effectRef>
+            <a:fontRef idx="minor">
+              <a:schemeClr val="tx1"/>
+            </a:fontRef>
+          </p:style>
+        </p:cxnSp>
+        <p:cxnSp>
+          <p:nvCxnSpPr>
+            <p:cNvPr id="34" name="Straight Connector 33">
+              <a:extLst>
+                <a:ext uri="{FF2B5EF4-FFF2-40B4-BE49-F238E27FC236}">
+                  <a16:creationId xmlns:a16="http://schemas.microsoft.com/office/drawing/2014/main" id="{8AA5D5FF-9E03-4A84-8627-0E744F5FC5E4}"/>
+                </a:ext>
+                <a:ext uri="{C183D7F6-B498-43B3-948B-1728B52AA6E4}">
+                  <adec:decorative xmlns:adec="http://schemas.microsoft.com/office/drawing/2017/decorative" val="1"/>
+                </a:ext>
+              </a:extLst>
+            </p:cNvPr>
+            <p:cNvCxnSpPr>
+              <a:cxnSpLocks/>
+            </p:cNvCxnSpPr>
+            <p:nvPr>
+              <p:extLst>
+                <p:ext uri="{386F3935-93C4-4BCD-93E2-E3B085C9AB24}">
+                  <p16:designElem xmlns:p16="http://schemas.microsoft.com/office/powerpoint/2015/main" val="1"/>
+                </p:ext>
+              </p:extLst>
+            </p:nvPr>
+          </p:nvCxnSpPr>
+          <p:spPr>
+            <a:xfrm>
+              <a:off x="7029447" y="4063732"/>
+              <a:ext cx="1285875" cy="0"/>
+            </a:xfrm>
+            <a:prstGeom prst="line">
+              <a:avLst/>
+            </a:prstGeom>
+            <a:ln w="31750" cap="rnd" cmpd="sng">
+              <a:gradFill>
+                <a:gsLst>
+                  <a:gs pos="0">
+                    <a:schemeClr val="tx2">
+                      <a:lumMod val="60000"/>
+                      <a:lumOff val="40000"/>
+                      <a:alpha val="40000"/>
+                    </a:schemeClr>
+                  </a:gs>
+                  <a:gs pos="100000">
+                    <a:schemeClr val="tx2">
+                      <a:lumMod val="50000"/>
+                      <a:alpha val="40000"/>
+                    </a:schemeClr>
+                  </a:gs>
+                </a:gsLst>
+                <a:lin ang="5400000" scaled="1"/>
+              </a:gradFill>
+              <a:prstDash val="sysDot"/>
+              <a:round/>
+            </a:ln>
+          </p:spPr>
+          <p:style>
+            <a:lnRef idx="1">
+              <a:schemeClr val="accent1"/>
+            </a:lnRef>
+            <a:fillRef idx="0">
+              <a:schemeClr val="accent1"/>
+            </a:fillRef>
+            <a:effectRef idx="0">
+              <a:schemeClr val="accent1"/>
+            </a:effectRef>
+            <a:fontRef idx="minor">
+              <a:schemeClr val="tx1"/>
+            </a:fontRef>
+          </p:style>
+        </p:cxnSp>
+      </p:grpSp>
       <p:sp>
         <p:nvSpPr>
           <p:cNvPr id="3" name="내용 개체 틀 2">
@@ -6390,117 +13853,305 @@
             <p:ph idx="1"/>
           </p:nvPr>
         </p:nvSpPr>
-        <p:spPr/>
+        <p:spPr>
+          <a:xfrm>
+            <a:off x="876300" y="1421581"/>
+            <a:ext cx="10604444" cy="4836311"/>
+          </a:xfrm>
+          <a:noFill/>
+        </p:spPr>
         <p:txBody>
-          <a:bodyPr/>
+          <a:bodyPr anchor="t">
+            <a:normAutofit/>
+          </a:bodyPr>
           <a:lstStyle/>
           <a:p>
             <a:r>
-              <a:rPr lang="ko-KR" altLang="en-US" dirty="0"/>
+              <a:rPr lang="ko-KR" altLang="en-US" dirty="0">
+                <a:solidFill>
+                  <a:schemeClr val="bg1"/>
+                </a:solidFill>
+              </a:rPr>
               <a:t>생산수량 </a:t>
             </a:r>
             <a:r>
-              <a:rPr lang="en-US" altLang="ko-KR" dirty="0"/>
+              <a:rPr lang="en-US" altLang="ko-KR" dirty="0">
+                <a:solidFill>
+                  <a:schemeClr val="bg1"/>
+                </a:solidFill>
+              </a:rPr>
               <a:t>– </a:t>
             </a:r>
             <a:r>
-              <a:rPr lang="ko-KR" altLang="en-US" dirty="0"/>
+              <a:rPr lang="ko-KR" altLang="en-US" dirty="0">
+                <a:solidFill>
+                  <a:schemeClr val="bg1"/>
+                </a:solidFill>
+              </a:rPr>
               <a:t>회귀 모델 타겟 칼럼</a:t>
             </a:r>
-            <a:endParaRPr lang="en-US" altLang="ko-KR" dirty="0"/>
+            <a:endParaRPr lang="en-US" altLang="ko-KR" dirty="0">
+              <a:solidFill>
+                <a:schemeClr val="bg1"/>
+              </a:solidFill>
+            </a:endParaRPr>
           </a:p>
           <a:p>
             <a:r>
-              <a:rPr lang="en-US" altLang="ko-KR" dirty="0"/>
+              <a:rPr lang="en-US" altLang="ko-KR" dirty="0">
+                <a:solidFill>
+                  <a:schemeClr val="bg1"/>
+                </a:solidFill>
+              </a:rPr>
               <a:t>Line </a:t>
             </a:r>
             <a:r>
-              <a:rPr lang="ko-KR" altLang="en-US" dirty="0"/>
+              <a:rPr lang="ko-KR" altLang="en-US" dirty="0">
+                <a:solidFill>
+                  <a:schemeClr val="bg1"/>
+                </a:solidFill>
+              </a:rPr>
               <a:t>코드 </a:t>
             </a:r>
             <a:r>
-              <a:rPr lang="en-US" altLang="ko-KR" dirty="0"/>
+              <a:rPr lang="en-US" altLang="ko-KR" dirty="0">
+                <a:solidFill>
+                  <a:schemeClr val="bg1"/>
+                </a:solidFill>
+              </a:rPr>
               <a:t>: </a:t>
             </a:r>
             <a:r>
-              <a:rPr lang="ko-KR" altLang="en-US" dirty="0"/>
-              <a:t>특정 라인을 지정하여 그 작업 라인에서 생산되는 수량에 대한 회귀 모델 작성 예정</a:t>
+              <a:rPr lang="ko-KR" altLang="en-US" dirty="0">
+                <a:solidFill>
+                  <a:schemeClr val="bg1"/>
+                </a:solidFill>
+              </a:rPr>
+              <a:t>특정 라인을 지정하여 그 작업 라인에서 생산되는</a:t>
             </a:r>
-            <a:endParaRPr lang="en-US" altLang="ko-KR" dirty="0"/>
-          </a:p>
-          <a:p>
+            <a:br>
+              <a:rPr lang="en-US" altLang="ko-KR" dirty="0">
+                <a:solidFill>
+                  <a:schemeClr val="bg1"/>
+                </a:solidFill>
+              </a:rPr>
+            </a:br>
             <a:r>
-              <a:rPr lang="ko-KR" altLang="en-US" dirty="0"/>
+              <a:rPr lang="ko-KR" altLang="en-US" dirty="0">
+                <a:solidFill>
+                  <a:schemeClr val="bg1"/>
+                </a:solidFill>
+              </a:rPr>
+              <a:t>수량에 대한 회귀 모델 작성 예정</a:t>
+            </a:r>
+            <a:endParaRPr lang="en-US" altLang="ko-KR" dirty="0">
+              <a:solidFill>
+                <a:schemeClr val="bg1"/>
+              </a:solidFill>
+            </a:endParaRPr>
+          </a:p>
+          <a:p>
+            <a:r>
+              <a:rPr lang="ko-KR" altLang="en-US" dirty="0">
+                <a:solidFill>
+                  <a:schemeClr val="bg1"/>
+                </a:solidFill>
+              </a:rPr>
               <a:t>품목코드 </a:t>
             </a:r>
             <a:r>
-              <a:rPr lang="en-US" altLang="ko-KR" dirty="0"/>
+              <a:rPr lang="en-US" altLang="ko-KR" dirty="0">
+                <a:solidFill>
+                  <a:schemeClr val="bg1"/>
+                </a:solidFill>
+              </a:rPr>
               <a:t>: </a:t>
             </a:r>
             <a:r>
-              <a:rPr lang="ko-KR" altLang="en-US" dirty="0"/>
+              <a:rPr lang="ko-KR" altLang="en-US" dirty="0">
+                <a:solidFill>
+                  <a:schemeClr val="bg1"/>
+                </a:solidFill>
+              </a:rPr>
               <a:t>하나의 품목별 데이터 </a:t>
             </a:r>
             <a:r>
-              <a:rPr lang="en-US" altLang="ko-KR" dirty="0"/>
+              <a:rPr lang="en-US" altLang="ko-KR" dirty="0">
+                <a:solidFill>
+                  <a:schemeClr val="bg1"/>
+                </a:solidFill>
+              </a:rPr>
               <a:t>row </a:t>
             </a:r>
             <a:r>
-              <a:rPr lang="ko-KR" altLang="en-US" dirty="0"/>
-              <a:t>개수가 적어 통합하여 회귀 모델 작성 예정</a:t>
+              <a:rPr lang="ko-KR" altLang="en-US" dirty="0">
+                <a:solidFill>
+                  <a:schemeClr val="bg1"/>
+                </a:solidFill>
+              </a:rPr>
+              <a:t>개수가 적어 통합하여</a:t>
             </a:r>
-            <a:endParaRPr lang="en-US" altLang="ko-KR" dirty="0"/>
-          </a:p>
-          <a:p>
+            <a:br>
+              <a:rPr lang="en-US" altLang="ko-KR" dirty="0">
+                <a:solidFill>
+                  <a:schemeClr val="bg1"/>
+                </a:solidFill>
+              </a:rPr>
+            </a:br>
             <a:r>
-              <a:rPr lang="ko-KR" altLang="en-US" dirty="0" err="1"/>
+              <a:rPr lang="ko-KR" altLang="en-US" dirty="0">
+                <a:solidFill>
+                  <a:schemeClr val="bg1"/>
+                </a:solidFill>
+              </a:rPr>
+              <a:t>회귀 모델 작성 예정</a:t>
+            </a:r>
+            <a:endParaRPr lang="en-US" altLang="ko-KR" dirty="0">
+              <a:solidFill>
+                <a:schemeClr val="bg1"/>
+              </a:solidFill>
+            </a:endParaRPr>
+          </a:p>
+          <a:p>
+            <a:r>
+              <a:rPr lang="ko-KR" altLang="en-US" dirty="0" err="1">
+                <a:solidFill>
+                  <a:schemeClr val="bg1"/>
+                </a:solidFill>
+              </a:rPr>
               <a:t>결측치가</a:t>
             </a:r>
             <a:r>
-              <a:rPr lang="ko-KR" altLang="en-US" dirty="0"/>
+              <a:rPr lang="ko-KR" altLang="en-US" dirty="0">
+                <a:solidFill>
+                  <a:schemeClr val="bg1"/>
+                </a:solidFill>
+              </a:rPr>
               <a:t> 많은 컬럼 </a:t>
             </a:r>
             <a:r>
-              <a:rPr lang="en-US" altLang="ko-KR" dirty="0"/>
+              <a:rPr lang="en-US" altLang="ko-KR" dirty="0">
+                <a:solidFill>
+                  <a:schemeClr val="bg1"/>
+                </a:solidFill>
+              </a:rPr>
               <a:t>: </a:t>
             </a:r>
             <a:r>
-              <a:rPr lang="ko-KR" altLang="en-US" dirty="0" err="1"/>
+              <a:rPr lang="ko-KR" altLang="en-US" dirty="0" err="1">
+                <a:solidFill>
+                  <a:schemeClr val="bg1"/>
+                </a:solidFill>
+              </a:rPr>
               <a:t>생산진행순번</a:t>
             </a:r>
             <a:r>
-              <a:rPr lang="en-US" altLang="ko-KR" dirty="0"/>
+              <a:rPr lang="en-US" altLang="ko-KR" dirty="0">
+                <a:solidFill>
+                  <a:schemeClr val="bg1"/>
+                </a:solidFill>
+              </a:rPr>
               <a:t>, </a:t>
             </a:r>
             <a:r>
-              <a:rPr lang="ko-KR" altLang="en-US" dirty="0"/>
+              <a:rPr lang="ko-KR" altLang="en-US" dirty="0">
+                <a:solidFill>
+                  <a:schemeClr val="bg1"/>
+                </a:solidFill>
+              </a:rPr>
               <a:t>종료예상일시</a:t>
             </a:r>
-            <a:endParaRPr lang="en-US" altLang="ko-KR" dirty="0"/>
+            <a:endParaRPr lang="en-US" altLang="ko-KR" dirty="0">
+              <a:solidFill>
+                <a:schemeClr val="bg1"/>
+              </a:solidFill>
+            </a:endParaRPr>
           </a:p>
           <a:p>
             <a:r>
-              <a:rPr lang="ko-KR" altLang="en-US" dirty="0"/>
+              <a:rPr lang="ko-KR" altLang="en-US" dirty="0">
+                <a:solidFill>
+                  <a:schemeClr val="bg1"/>
+                </a:solidFill>
+              </a:rPr>
               <a:t>학습에 영향을 주지 않을 것으로 예상하는 컬럼 </a:t>
             </a:r>
             <a:r>
-              <a:rPr lang="en-US" altLang="ko-KR" dirty="0"/>
+              <a:rPr lang="en-US" altLang="ko-KR" dirty="0">
+                <a:solidFill>
+                  <a:schemeClr val="bg1"/>
+                </a:solidFill>
+              </a:rPr>
               <a:t>:</a:t>
             </a:r>
             <a:br>
-              <a:rPr lang="en-US" altLang="ko-KR" dirty="0"/>
+              <a:rPr lang="en-US" altLang="ko-KR" dirty="0">
+                <a:solidFill>
+                  <a:schemeClr val="bg1"/>
+                </a:solidFill>
+              </a:rPr>
             </a:br>
             <a:r>
-              <a:rPr lang="ko-KR" altLang="en-US" dirty="0"/>
+              <a:rPr lang="ko-KR" altLang="en-US" dirty="0">
+                <a:solidFill>
+                  <a:schemeClr val="bg1"/>
+                </a:solidFill>
+              </a:rPr>
               <a:t>등록자</a:t>
             </a:r>
             <a:r>
-              <a:rPr lang="en-US" altLang="ko-KR" dirty="0"/>
+              <a:rPr lang="en-US" altLang="ko-KR" dirty="0">
+                <a:solidFill>
+                  <a:schemeClr val="bg1"/>
+                </a:solidFill>
+              </a:rPr>
               <a:t>ID, </a:t>
             </a:r>
             <a:r>
-              <a:rPr lang="ko-KR" altLang="en-US" dirty="0"/>
+              <a:rPr lang="ko-KR" altLang="en-US" dirty="0">
+                <a:solidFill>
+                  <a:schemeClr val="bg1"/>
+                </a:solidFill>
+              </a:rPr>
               <a:t>등록시간</a:t>
+            </a:r>
+            <a:endParaRPr lang="en-US" altLang="ko-KR" dirty="0">
+              <a:solidFill>
+                <a:schemeClr val="bg1"/>
+              </a:solidFill>
+            </a:endParaRPr>
+          </a:p>
+          <a:p>
+            <a:endParaRPr lang="en-US" altLang="ko-KR" dirty="0">
+              <a:solidFill>
+                <a:schemeClr val="bg1"/>
+              </a:solidFill>
+            </a:endParaRPr>
+          </a:p>
+          <a:p>
+            <a:r>
+              <a:rPr lang="ko-KR" altLang="en-US" dirty="0">
+                <a:solidFill>
+                  <a:schemeClr val="bg1"/>
+                </a:solidFill>
+              </a:rPr>
+              <a:t>데이터 분석 및 모델 코드 작업 간 추가 분석 및 </a:t>
+            </a:r>
+            <a:r>
+              <a:rPr lang="ko-KR" altLang="en-US" dirty="0" err="1">
+                <a:solidFill>
+                  <a:schemeClr val="bg1"/>
+                </a:solidFill>
+              </a:rPr>
+              <a:t>전처리</a:t>
+            </a:r>
+            <a:r>
+              <a:rPr lang="ko-KR" altLang="en-US" dirty="0">
+                <a:solidFill>
+                  <a:schemeClr val="bg1"/>
+                </a:solidFill>
+              </a:rPr>
+              <a:t> 예정</a:t>
             </a:r>
           </a:p>
         </p:txBody>
